--- a/Core-Java Project.pptx
+++ b/Core-Java Project.pptx
@@ -8,7 +8,14 @@
     <p:sldId id="256" r:id="rId2"/>
     <p:sldId id="257" r:id="rId3"/>
     <p:sldId id="259" r:id="rId4"/>
-    <p:sldId id="258" r:id="rId5"/>
+    <p:sldId id="260" r:id="rId5"/>
+    <p:sldId id="261" r:id="rId6"/>
+    <p:sldId id="262" r:id="rId7"/>
+    <p:sldId id="263" r:id="rId8"/>
+    <p:sldId id="264" r:id="rId9"/>
+    <p:sldId id="265" r:id="rId10"/>
+    <p:sldId id="266" r:id="rId11"/>
+    <p:sldId id="258" r:id="rId12"/>
   </p:sldIdLst>
   <p:sldSz cx="12192000" cy="6858000"/>
   <p:notesSz cx="6858000" cy="9144000"/>
@@ -107,7 +114,843 @@
       </a:defRPr>
     </a:lvl9pPr>
   </p:defaultTextStyle>
+  <p:extLst>
+    <p:ext uri="{EFAFB233-063F-42B5-8137-9DF3F51BA10A}">
+      <p15:sldGuideLst xmlns:p15="http://schemas.microsoft.com/office/powerpoint/2012/main"/>
+    </p:ext>
+  </p:extLst>
 </p:presentation>
+</file>
+
+<file path=ppt/revisionInfo.xml><?xml version="1.0" encoding="utf-8"?>
+<p1510:revInfo xmlns:a="http://schemas.openxmlformats.org/drawingml/2006/main" xmlns:r="http://schemas.openxmlformats.org/officeDocument/2006/relationships" xmlns:p1510="http://schemas.microsoft.com/office/powerpoint/2015/10/main">
+  <p1510:revLst>
+    <p1510:client id="{10B00AFC-FD74-424E-A43B-F2765F1DEC23}" v="1" dt="2022-06-21T03:33:57.679"/>
+  </p1510:revLst>
+</p1510:revInfo>
+</file>
+
+<file path=ppt/changesInfos/changesInfo1.xml><?xml version="1.0" encoding="utf-8"?>
+<pc:chgInfo xmlns:a="http://schemas.openxmlformats.org/drawingml/2006/main" xmlns:r="http://schemas.openxmlformats.org/officeDocument/2006/relationships" xmlns:ac="http://schemas.microsoft.com/office/drawing/2013/main/command" xmlns:pc="http://schemas.microsoft.com/office/powerpoint/2013/main/command">
+  <pc:docChgLst>
+    <pc:chgData name="Virendra Chaure" userId="b0ad660b-94c6-4b63-a69c-57d86b1eeccb" providerId="ADAL" clId="{10B00AFC-FD74-424E-A43B-F2765F1DEC23}"/>
+    <pc:docChg chg="custSel addSld modSld">
+      <pc:chgData name="Virendra Chaure" userId="b0ad660b-94c6-4b63-a69c-57d86b1eeccb" providerId="ADAL" clId="{10B00AFC-FD74-424E-A43B-F2765F1DEC23}" dt="2022-06-21T03:50:04.650" v="230" actId="14100"/>
+      <pc:docMkLst>
+        <pc:docMk/>
+      </pc:docMkLst>
+      <pc:sldChg chg="addSp delSp modSp new mod setBg">
+        <pc:chgData name="Virendra Chaure" userId="b0ad660b-94c6-4b63-a69c-57d86b1eeccb" providerId="ADAL" clId="{10B00AFC-FD74-424E-A43B-F2765F1DEC23}" dt="2022-06-21T03:37:35.206" v="54" actId="14100"/>
+        <pc:sldMkLst>
+          <pc:docMk/>
+          <pc:sldMk cId="3606498134" sldId="260"/>
+        </pc:sldMkLst>
+        <pc:spChg chg="del">
+          <ac:chgData name="Virendra Chaure" userId="b0ad660b-94c6-4b63-a69c-57d86b1eeccb" providerId="ADAL" clId="{10B00AFC-FD74-424E-A43B-F2765F1DEC23}" dt="2022-06-21T03:33:16.640" v="5" actId="21"/>
+          <ac:spMkLst>
+            <pc:docMk/>
+            <pc:sldMk cId="3606498134" sldId="260"/>
+            <ac:spMk id="2" creationId="{10BBA6BB-CB80-405E-85C0-E9A06458FDA6}"/>
+          </ac:spMkLst>
+        </pc:spChg>
+        <pc:spChg chg="del">
+          <ac:chgData name="Virendra Chaure" userId="b0ad660b-94c6-4b63-a69c-57d86b1eeccb" providerId="ADAL" clId="{10B00AFC-FD74-424E-A43B-F2765F1DEC23}" dt="2022-06-21T03:33:21.168" v="7" actId="21"/>
+          <ac:spMkLst>
+            <pc:docMk/>
+            <pc:sldMk cId="3606498134" sldId="260"/>
+            <ac:spMk id="3" creationId="{D75E9B0D-3255-4042-9F55-47B3D65FA7C9}"/>
+          </ac:spMkLst>
+        </pc:spChg>
+        <pc:spChg chg="add mod">
+          <ac:chgData name="Virendra Chaure" userId="b0ad660b-94c6-4b63-a69c-57d86b1eeccb" providerId="ADAL" clId="{10B00AFC-FD74-424E-A43B-F2765F1DEC23}" dt="2022-06-21T03:37:35.206" v="54" actId="14100"/>
+          <ac:spMkLst>
+            <pc:docMk/>
+            <pc:sldMk cId="3606498134" sldId="260"/>
+            <ac:spMk id="6" creationId="{A48317E7-BFE4-43AA-8223-42A8C6905DCA}"/>
+          </ac:spMkLst>
+        </pc:spChg>
+        <pc:spChg chg="add">
+          <ac:chgData name="Virendra Chaure" userId="b0ad660b-94c6-4b63-a69c-57d86b1eeccb" providerId="ADAL" clId="{10B00AFC-FD74-424E-A43B-F2765F1DEC23}" dt="2022-06-21T03:37:04.721" v="47" actId="26606"/>
+          <ac:spMkLst>
+            <pc:docMk/>
+            <pc:sldMk cId="3606498134" sldId="260"/>
+            <ac:spMk id="17" creationId="{8A610DC7-FE1B-47B9-8452-CFC389786C2D}"/>
+          </ac:spMkLst>
+        </pc:spChg>
+        <pc:spChg chg="add">
+          <ac:chgData name="Virendra Chaure" userId="b0ad660b-94c6-4b63-a69c-57d86b1eeccb" providerId="ADAL" clId="{10B00AFC-FD74-424E-A43B-F2765F1DEC23}" dt="2022-06-21T03:37:04.721" v="47" actId="26606"/>
+          <ac:spMkLst>
+            <pc:docMk/>
+            <pc:sldMk cId="3606498134" sldId="260"/>
+            <ac:spMk id="23" creationId="{DC9A0934-0C2C-4565-9290-A345B19BD94C}"/>
+          </ac:spMkLst>
+        </pc:spChg>
+        <pc:spChg chg="add">
+          <ac:chgData name="Virendra Chaure" userId="b0ad660b-94c6-4b63-a69c-57d86b1eeccb" providerId="ADAL" clId="{10B00AFC-FD74-424E-A43B-F2765F1DEC23}" dt="2022-06-21T03:37:04.721" v="47" actId="26606"/>
+          <ac:spMkLst>
+            <pc:docMk/>
+            <pc:sldMk cId="3606498134" sldId="260"/>
+            <ac:spMk id="25" creationId="{87BE56A7-2B14-4ABE-8DF3-40C07E64B19D}"/>
+          </ac:spMkLst>
+        </pc:spChg>
+        <pc:spChg chg="add">
+          <ac:chgData name="Virendra Chaure" userId="b0ad660b-94c6-4b63-a69c-57d86b1eeccb" providerId="ADAL" clId="{10B00AFC-FD74-424E-A43B-F2765F1DEC23}" dt="2022-06-21T03:37:04.721" v="47" actId="26606"/>
+          <ac:spMkLst>
+            <pc:docMk/>
+            <pc:sldMk cId="3606498134" sldId="260"/>
+            <ac:spMk id="27" creationId="{140D5101-D8FB-4102-A338-49651E97150A}"/>
+          </ac:spMkLst>
+        </pc:spChg>
+        <pc:spChg chg="add">
+          <ac:chgData name="Virendra Chaure" userId="b0ad660b-94c6-4b63-a69c-57d86b1eeccb" providerId="ADAL" clId="{10B00AFC-FD74-424E-A43B-F2765F1DEC23}" dt="2022-06-21T03:37:04.721" v="47" actId="26606"/>
+          <ac:spMkLst>
+            <pc:docMk/>
+            <pc:sldMk cId="3606498134" sldId="260"/>
+            <ac:spMk id="29" creationId="{73E26159-C029-4449-8912-A9B418CC328B}"/>
+          </ac:spMkLst>
+        </pc:spChg>
+        <pc:picChg chg="add del mod">
+          <ac:chgData name="Virendra Chaure" userId="b0ad660b-94c6-4b63-a69c-57d86b1eeccb" providerId="ADAL" clId="{10B00AFC-FD74-424E-A43B-F2765F1DEC23}" dt="2022-06-21T03:33:50.708" v="11" actId="478"/>
+          <ac:picMkLst>
+            <pc:docMk/>
+            <pc:sldMk cId="3606498134" sldId="260"/>
+            <ac:picMk id="5" creationId="{BF22E5FB-D952-424F-9E12-D45E7B585FE2}"/>
+          </ac:picMkLst>
+        </pc:picChg>
+        <pc:picChg chg="add mod">
+          <ac:chgData name="Virendra Chaure" userId="b0ad660b-94c6-4b63-a69c-57d86b1eeccb" providerId="ADAL" clId="{10B00AFC-FD74-424E-A43B-F2765F1DEC23}" dt="2022-06-21T03:37:20.121" v="52" actId="14100"/>
+          <ac:picMkLst>
+            <pc:docMk/>
+            <pc:sldMk cId="3606498134" sldId="260"/>
+            <ac:picMk id="8" creationId="{3BEAFFFC-2D09-4685-95F6-94D2131A2005}"/>
+          </ac:picMkLst>
+        </pc:picChg>
+        <pc:picChg chg="add">
+          <ac:chgData name="Virendra Chaure" userId="b0ad660b-94c6-4b63-a69c-57d86b1eeccb" providerId="ADAL" clId="{10B00AFC-FD74-424E-A43B-F2765F1DEC23}" dt="2022-06-21T03:37:04.721" v="47" actId="26606"/>
+          <ac:picMkLst>
+            <pc:docMk/>
+            <pc:sldMk cId="3606498134" sldId="260"/>
+            <ac:picMk id="13" creationId="{C9134821-5D8B-4373-BA74-CFE9AB35A55A}"/>
+          </ac:picMkLst>
+        </pc:picChg>
+        <pc:picChg chg="add">
+          <ac:chgData name="Virendra Chaure" userId="b0ad660b-94c6-4b63-a69c-57d86b1eeccb" providerId="ADAL" clId="{10B00AFC-FD74-424E-A43B-F2765F1DEC23}" dt="2022-06-21T03:37:04.721" v="47" actId="26606"/>
+          <ac:picMkLst>
+            <pc:docMk/>
+            <pc:sldMk cId="3606498134" sldId="260"/>
+            <ac:picMk id="15" creationId="{5965195F-79F5-4911-907D-13CB3F534351}"/>
+          </ac:picMkLst>
+        </pc:picChg>
+        <pc:picChg chg="add">
+          <ac:chgData name="Virendra Chaure" userId="b0ad660b-94c6-4b63-a69c-57d86b1eeccb" providerId="ADAL" clId="{10B00AFC-FD74-424E-A43B-F2765F1DEC23}" dt="2022-06-21T03:37:04.721" v="47" actId="26606"/>
+          <ac:picMkLst>
+            <pc:docMk/>
+            <pc:sldMk cId="3606498134" sldId="260"/>
+            <ac:picMk id="19" creationId="{2742ADC1-2286-40B7-A3C6-D6C3362FA04B}"/>
+          </ac:picMkLst>
+        </pc:picChg>
+        <pc:picChg chg="add">
+          <ac:chgData name="Virendra Chaure" userId="b0ad660b-94c6-4b63-a69c-57d86b1eeccb" providerId="ADAL" clId="{10B00AFC-FD74-424E-A43B-F2765F1DEC23}" dt="2022-06-21T03:37:04.721" v="47" actId="26606"/>
+          <ac:picMkLst>
+            <pc:docMk/>
+            <pc:sldMk cId="3606498134" sldId="260"/>
+            <ac:picMk id="21" creationId="{C878FBDC-78F2-4D49-8DB3-1A48CA9F7FC0}"/>
+          </ac:picMkLst>
+        </pc:picChg>
+      </pc:sldChg>
+      <pc:sldChg chg="addSp delSp modSp new mod setBg">
+        <pc:chgData name="Virendra Chaure" userId="b0ad660b-94c6-4b63-a69c-57d86b1eeccb" providerId="ADAL" clId="{10B00AFC-FD74-424E-A43B-F2765F1DEC23}" dt="2022-06-21T03:40:01.011" v="83" actId="14100"/>
+        <pc:sldMkLst>
+          <pc:docMk/>
+          <pc:sldMk cId="3632142824" sldId="261"/>
+        </pc:sldMkLst>
+        <pc:spChg chg="mod">
+          <ac:chgData name="Virendra Chaure" userId="b0ad660b-94c6-4b63-a69c-57d86b1eeccb" providerId="ADAL" clId="{10B00AFC-FD74-424E-A43B-F2765F1DEC23}" dt="2022-06-21T03:39:44.108" v="79" actId="14100"/>
+          <ac:spMkLst>
+            <pc:docMk/>
+            <pc:sldMk cId="3632142824" sldId="261"/>
+            <ac:spMk id="2" creationId="{8AB366AB-2207-4489-851C-F380E684CC4C}"/>
+          </ac:spMkLst>
+        </pc:spChg>
+        <pc:spChg chg="del">
+          <ac:chgData name="Virendra Chaure" userId="b0ad660b-94c6-4b63-a69c-57d86b1eeccb" providerId="ADAL" clId="{10B00AFC-FD74-424E-A43B-F2765F1DEC23}" dt="2022-06-21T03:39:25.176" v="57" actId="26606"/>
+          <ac:spMkLst>
+            <pc:docMk/>
+            <pc:sldMk cId="3632142824" sldId="261"/>
+            <ac:spMk id="3" creationId="{AFD2D901-85F4-4376-AA8C-F952939A618F}"/>
+          </ac:spMkLst>
+        </pc:spChg>
+        <pc:spChg chg="add">
+          <ac:chgData name="Virendra Chaure" userId="b0ad660b-94c6-4b63-a69c-57d86b1eeccb" providerId="ADAL" clId="{10B00AFC-FD74-424E-A43B-F2765F1DEC23}" dt="2022-06-21T03:39:25.176" v="57" actId="26606"/>
+          <ac:spMkLst>
+            <pc:docMk/>
+            <pc:sldMk cId="3632142824" sldId="261"/>
+            <ac:spMk id="14" creationId="{8A610DC7-FE1B-47B9-8452-CFC389786C2D}"/>
+          </ac:spMkLst>
+        </pc:spChg>
+        <pc:spChg chg="add">
+          <ac:chgData name="Virendra Chaure" userId="b0ad660b-94c6-4b63-a69c-57d86b1eeccb" providerId="ADAL" clId="{10B00AFC-FD74-424E-A43B-F2765F1DEC23}" dt="2022-06-21T03:39:25.176" v="57" actId="26606"/>
+          <ac:spMkLst>
+            <pc:docMk/>
+            <pc:sldMk cId="3632142824" sldId="261"/>
+            <ac:spMk id="20" creationId="{DC9A0934-0C2C-4565-9290-A345B19BD94C}"/>
+          </ac:spMkLst>
+        </pc:spChg>
+        <pc:spChg chg="add">
+          <ac:chgData name="Virendra Chaure" userId="b0ad660b-94c6-4b63-a69c-57d86b1eeccb" providerId="ADAL" clId="{10B00AFC-FD74-424E-A43B-F2765F1DEC23}" dt="2022-06-21T03:39:25.176" v="57" actId="26606"/>
+          <ac:spMkLst>
+            <pc:docMk/>
+            <pc:sldMk cId="3632142824" sldId="261"/>
+            <ac:spMk id="22" creationId="{87BE56A7-2B14-4ABE-8DF3-40C07E64B19D}"/>
+          </ac:spMkLst>
+        </pc:spChg>
+        <pc:spChg chg="add">
+          <ac:chgData name="Virendra Chaure" userId="b0ad660b-94c6-4b63-a69c-57d86b1eeccb" providerId="ADAL" clId="{10B00AFC-FD74-424E-A43B-F2765F1DEC23}" dt="2022-06-21T03:39:25.176" v="57" actId="26606"/>
+          <ac:spMkLst>
+            <pc:docMk/>
+            <pc:sldMk cId="3632142824" sldId="261"/>
+            <ac:spMk id="24" creationId="{140D5101-D8FB-4102-A338-49651E97150A}"/>
+          </ac:spMkLst>
+        </pc:spChg>
+        <pc:spChg chg="add">
+          <ac:chgData name="Virendra Chaure" userId="b0ad660b-94c6-4b63-a69c-57d86b1eeccb" providerId="ADAL" clId="{10B00AFC-FD74-424E-A43B-F2765F1DEC23}" dt="2022-06-21T03:39:25.176" v="57" actId="26606"/>
+          <ac:spMkLst>
+            <pc:docMk/>
+            <pc:sldMk cId="3632142824" sldId="261"/>
+            <ac:spMk id="26" creationId="{73E26159-C029-4449-8912-A9B418CC328B}"/>
+          </ac:spMkLst>
+        </pc:spChg>
+        <pc:picChg chg="add mod modCrop">
+          <ac:chgData name="Virendra Chaure" userId="b0ad660b-94c6-4b63-a69c-57d86b1eeccb" providerId="ADAL" clId="{10B00AFC-FD74-424E-A43B-F2765F1DEC23}" dt="2022-06-21T03:40:01.011" v="83" actId="14100"/>
+          <ac:picMkLst>
+            <pc:docMk/>
+            <pc:sldMk cId="3632142824" sldId="261"/>
+            <ac:picMk id="5" creationId="{D1588093-2C73-4F2D-A280-1DC146D5125E}"/>
+          </ac:picMkLst>
+        </pc:picChg>
+        <pc:picChg chg="add">
+          <ac:chgData name="Virendra Chaure" userId="b0ad660b-94c6-4b63-a69c-57d86b1eeccb" providerId="ADAL" clId="{10B00AFC-FD74-424E-A43B-F2765F1DEC23}" dt="2022-06-21T03:39:25.176" v="57" actId="26606"/>
+          <ac:picMkLst>
+            <pc:docMk/>
+            <pc:sldMk cId="3632142824" sldId="261"/>
+            <ac:picMk id="10" creationId="{C9134821-5D8B-4373-BA74-CFE9AB35A55A}"/>
+          </ac:picMkLst>
+        </pc:picChg>
+        <pc:picChg chg="add">
+          <ac:chgData name="Virendra Chaure" userId="b0ad660b-94c6-4b63-a69c-57d86b1eeccb" providerId="ADAL" clId="{10B00AFC-FD74-424E-A43B-F2765F1DEC23}" dt="2022-06-21T03:39:25.176" v="57" actId="26606"/>
+          <ac:picMkLst>
+            <pc:docMk/>
+            <pc:sldMk cId="3632142824" sldId="261"/>
+            <ac:picMk id="12" creationId="{5965195F-79F5-4911-907D-13CB3F534351}"/>
+          </ac:picMkLst>
+        </pc:picChg>
+        <pc:picChg chg="add">
+          <ac:chgData name="Virendra Chaure" userId="b0ad660b-94c6-4b63-a69c-57d86b1eeccb" providerId="ADAL" clId="{10B00AFC-FD74-424E-A43B-F2765F1DEC23}" dt="2022-06-21T03:39:25.176" v="57" actId="26606"/>
+          <ac:picMkLst>
+            <pc:docMk/>
+            <pc:sldMk cId="3632142824" sldId="261"/>
+            <ac:picMk id="16" creationId="{2742ADC1-2286-40B7-A3C6-D6C3362FA04B}"/>
+          </ac:picMkLst>
+        </pc:picChg>
+        <pc:picChg chg="add">
+          <ac:chgData name="Virendra Chaure" userId="b0ad660b-94c6-4b63-a69c-57d86b1eeccb" providerId="ADAL" clId="{10B00AFC-FD74-424E-A43B-F2765F1DEC23}" dt="2022-06-21T03:39:25.176" v="57" actId="26606"/>
+          <ac:picMkLst>
+            <pc:docMk/>
+            <pc:sldMk cId="3632142824" sldId="261"/>
+            <ac:picMk id="18" creationId="{C878FBDC-78F2-4D49-8DB3-1A48CA9F7FC0}"/>
+          </ac:picMkLst>
+        </pc:picChg>
+      </pc:sldChg>
+      <pc:sldChg chg="addSp delSp modSp new mod setBg">
+        <pc:chgData name="Virendra Chaure" userId="b0ad660b-94c6-4b63-a69c-57d86b1eeccb" providerId="ADAL" clId="{10B00AFC-FD74-424E-A43B-F2765F1DEC23}" dt="2022-06-21T03:42:04.019" v="112" actId="14100"/>
+        <pc:sldMkLst>
+          <pc:docMk/>
+          <pc:sldMk cId="2408476982" sldId="262"/>
+        </pc:sldMkLst>
+        <pc:spChg chg="mod">
+          <ac:chgData name="Virendra Chaure" userId="b0ad660b-94c6-4b63-a69c-57d86b1eeccb" providerId="ADAL" clId="{10B00AFC-FD74-424E-A43B-F2765F1DEC23}" dt="2022-06-21T03:41:46.029" v="108" actId="14100"/>
+          <ac:spMkLst>
+            <pc:docMk/>
+            <pc:sldMk cId="2408476982" sldId="262"/>
+            <ac:spMk id="2" creationId="{BE23482C-4D77-4E74-B630-861D75796436}"/>
+          </ac:spMkLst>
+        </pc:spChg>
+        <pc:spChg chg="del">
+          <ac:chgData name="Virendra Chaure" userId="b0ad660b-94c6-4b63-a69c-57d86b1eeccb" providerId="ADAL" clId="{10B00AFC-FD74-424E-A43B-F2765F1DEC23}" dt="2022-06-21T03:41:24.082" v="86" actId="26606"/>
+          <ac:spMkLst>
+            <pc:docMk/>
+            <pc:sldMk cId="2408476982" sldId="262"/>
+            <ac:spMk id="3" creationId="{657CD8D5-268C-4067-B5A9-1CB228DFFB73}"/>
+          </ac:spMkLst>
+        </pc:spChg>
+        <pc:spChg chg="add">
+          <ac:chgData name="Virendra Chaure" userId="b0ad660b-94c6-4b63-a69c-57d86b1eeccb" providerId="ADAL" clId="{10B00AFC-FD74-424E-A43B-F2765F1DEC23}" dt="2022-06-21T03:41:24.082" v="86" actId="26606"/>
+          <ac:spMkLst>
+            <pc:docMk/>
+            <pc:sldMk cId="2408476982" sldId="262"/>
+            <ac:spMk id="14" creationId="{8A610DC7-FE1B-47B9-8452-CFC389786C2D}"/>
+          </ac:spMkLst>
+        </pc:spChg>
+        <pc:spChg chg="add">
+          <ac:chgData name="Virendra Chaure" userId="b0ad660b-94c6-4b63-a69c-57d86b1eeccb" providerId="ADAL" clId="{10B00AFC-FD74-424E-A43B-F2765F1DEC23}" dt="2022-06-21T03:41:24.082" v="86" actId="26606"/>
+          <ac:spMkLst>
+            <pc:docMk/>
+            <pc:sldMk cId="2408476982" sldId="262"/>
+            <ac:spMk id="20" creationId="{DC9A0934-0C2C-4565-9290-A345B19BD94C}"/>
+          </ac:spMkLst>
+        </pc:spChg>
+        <pc:spChg chg="add">
+          <ac:chgData name="Virendra Chaure" userId="b0ad660b-94c6-4b63-a69c-57d86b1eeccb" providerId="ADAL" clId="{10B00AFC-FD74-424E-A43B-F2765F1DEC23}" dt="2022-06-21T03:41:24.082" v="86" actId="26606"/>
+          <ac:spMkLst>
+            <pc:docMk/>
+            <pc:sldMk cId="2408476982" sldId="262"/>
+            <ac:spMk id="22" creationId="{87BE56A7-2B14-4ABE-8DF3-40C07E64B19D}"/>
+          </ac:spMkLst>
+        </pc:spChg>
+        <pc:spChg chg="add">
+          <ac:chgData name="Virendra Chaure" userId="b0ad660b-94c6-4b63-a69c-57d86b1eeccb" providerId="ADAL" clId="{10B00AFC-FD74-424E-A43B-F2765F1DEC23}" dt="2022-06-21T03:41:24.082" v="86" actId="26606"/>
+          <ac:spMkLst>
+            <pc:docMk/>
+            <pc:sldMk cId="2408476982" sldId="262"/>
+            <ac:spMk id="24" creationId="{140D5101-D8FB-4102-A338-49651E97150A}"/>
+          </ac:spMkLst>
+        </pc:spChg>
+        <pc:spChg chg="add">
+          <ac:chgData name="Virendra Chaure" userId="b0ad660b-94c6-4b63-a69c-57d86b1eeccb" providerId="ADAL" clId="{10B00AFC-FD74-424E-A43B-F2765F1DEC23}" dt="2022-06-21T03:41:24.082" v="86" actId="26606"/>
+          <ac:spMkLst>
+            <pc:docMk/>
+            <pc:sldMk cId="2408476982" sldId="262"/>
+            <ac:spMk id="26" creationId="{73E26159-C029-4449-8912-A9B418CC328B}"/>
+          </ac:spMkLst>
+        </pc:spChg>
+        <pc:picChg chg="add mod">
+          <ac:chgData name="Virendra Chaure" userId="b0ad660b-94c6-4b63-a69c-57d86b1eeccb" providerId="ADAL" clId="{10B00AFC-FD74-424E-A43B-F2765F1DEC23}" dt="2022-06-21T03:42:04.019" v="112" actId="14100"/>
+          <ac:picMkLst>
+            <pc:docMk/>
+            <pc:sldMk cId="2408476982" sldId="262"/>
+            <ac:picMk id="5" creationId="{11336C57-9A9C-4189-8C3E-7F25EB324AC6}"/>
+          </ac:picMkLst>
+        </pc:picChg>
+        <pc:picChg chg="add">
+          <ac:chgData name="Virendra Chaure" userId="b0ad660b-94c6-4b63-a69c-57d86b1eeccb" providerId="ADAL" clId="{10B00AFC-FD74-424E-A43B-F2765F1DEC23}" dt="2022-06-21T03:41:24.082" v="86" actId="26606"/>
+          <ac:picMkLst>
+            <pc:docMk/>
+            <pc:sldMk cId="2408476982" sldId="262"/>
+            <ac:picMk id="10" creationId="{C9134821-5D8B-4373-BA74-CFE9AB35A55A}"/>
+          </ac:picMkLst>
+        </pc:picChg>
+        <pc:picChg chg="add">
+          <ac:chgData name="Virendra Chaure" userId="b0ad660b-94c6-4b63-a69c-57d86b1eeccb" providerId="ADAL" clId="{10B00AFC-FD74-424E-A43B-F2765F1DEC23}" dt="2022-06-21T03:41:24.082" v="86" actId="26606"/>
+          <ac:picMkLst>
+            <pc:docMk/>
+            <pc:sldMk cId="2408476982" sldId="262"/>
+            <ac:picMk id="12" creationId="{5965195F-79F5-4911-907D-13CB3F534351}"/>
+          </ac:picMkLst>
+        </pc:picChg>
+        <pc:picChg chg="add">
+          <ac:chgData name="Virendra Chaure" userId="b0ad660b-94c6-4b63-a69c-57d86b1eeccb" providerId="ADAL" clId="{10B00AFC-FD74-424E-A43B-F2765F1DEC23}" dt="2022-06-21T03:41:24.082" v="86" actId="26606"/>
+          <ac:picMkLst>
+            <pc:docMk/>
+            <pc:sldMk cId="2408476982" sldId="262"/>
+            <ac:picMk id="16" creationId="{2742ADC1-2286-40B7-A3C6-D6C3362FA04B}"/>
+          </ac:picMkLst>
+        </pc:picChg>
+        <pc:picChg chg="add">
+          <ac:chgData name="Virendra Chaure" userId="b0ad660b-94c6-4b63-a69c-57d86b1eeccb" providerId="ADAL" clId="{10B00AFC-FD74-424E-A43B-F2765F1DEC23}" dt="2022-06-21T03:41:24.082" v="86" actId="26606"/>
+          <ac:picMkLst>
+            <pc:docMk/>
+            <pc:sldMk cId="2408476982" sldId="262"/>
+            <ac:picMk id="18" creationId="{C878FBDC-78F2-4D49-8DB3-1A48CA9F7FC0}"/>
+          </ac:picMkLst>
+        </pc:picChg>
+      </pc:sldChg>
+      <pc:sldChg chg="addSp delSp modSp new mod setBg">
+        <pc:chgData name="Virendra Chaure" userId="b0ad660b-94c6-4b63-a69c-57d86b1eeccb" providerId="ADAL" clId="{10B00AFC-FD74-424E-A43B-F2765F1DEC23}" dt="2022-06-21T03:44:10.800" v="140" actId="14100"/>
+        <pc:sldMkLst>
+          <pc:docMk/>
+          <pc:sldMk cId="1925057895" sldId="263"/>
+        </pc:sldMkLst>
+        <pc:spChg chg="mod">
+          <ac:chgData name="Virendra Chaure" userId="b0ad660b-94c6-4b63-a69c-57d86b1eeccb" providerId="ADAL" clId="{10B00AFC-FD74-424E-A43B-F2765F1DEC23}" dt="2022-06-21T03:44:02.713" v="137" actId="14100"/>
+          <ac:spMkLst>
+            <pc:docMk/>
+            <pc:sldMk cId="1925057895" sldId="263"/>
+            <ac:spMk id="2" creationId="{6AC2FA41-73BB-4073-B7DE-B3CD3C12287E}"/>
+          </ac:spMkLst>
+        </pc:spChg>
+        <pc:spChg chg="del">
+          <ac:chgData name="Virendra Chaure" userId="b0ad660b-94c6-4b63-a69c-57d86b1eeccb" providerId="ADAL" clId="{10B00AFC-FD74-424E-A43B-F2765F1DEC23}" dt="2022-06-21T03:43:45.950" v="115" actId="26606"/>
+          <ac:spMkLst>
+            <pc:docMk/>
+            <pc:sldMk cId="1925057895" sldId="263"/>
+            <ac:spMk id="3" creationId="{2E6B2E75-9E53-4ECF-9F70-E2A40ADB07B8}"/>
+          </ac:spMkLst>
+        </pc:spChg>
+        <pc:spChg chg="add">
+          <ac:chgData name="Virendra Chaure" userId="b0ad660b-94c6-4b63-a69c-57d86b1eeccb" providerId="ADAL" clId="{10B00AFC-FD74-424E-A43B-F2765F1DEC23}" dt="2022-06-21T03:43:45.950" v="115" actId="26606"/>
+          <ac:spMkLst>
+            <pc:docMk/>
+            <pc:sldMk cId="1925057895" sldId="263"/>
+            <ac:spMk id="14" creationId="{8A610DC7-FE1B-47B9-8452-CFC389786C2D}"/>
+          </ac:spMkLst>
+        </pc:spChg>
+        <pc:spChg chg="add">
+          <ac:chgData name="Virendra Chaure" userId="b0ad660b-94c6-4b63-a69c-57d86b1eeccb" providerId="ADAL" clId="{10B00AFC-FD74-424E-A43B-F2765F1DEC23}" dt="2022-06-21T03:43:45.950" v="115" actId="26606"/>
+          <ac:spMkLst>
+            <pc:docMk/>
+            <pc:sldMk cId="1925057895" sldId="263"/>
+            <ac:spMk id="20" creationId="{DC9A0934-0C2C-4565-9290-A345B19BD94C}"/>
+          </ac:spMkLst>
+        </pc:spChg>
+        <pc:spChg chg="add">
+          <ac:chgData name="Virendra Chaure" userId="b0ad660b-94c6-4b63-a69c-57d86b1eeccb" providerId="ADAL" clId="{10B00AFC-FD74-424E-A43B-F2765F1DEC23}" dt="2022-06-21T03:43:45.950" v="115" actId="26606"/>
+          <ac:spMkLst>
+            <pc:docMk/>
+            <pc:sldMk cId="1925057895" sldId="263"/>
+            <ac:spMk id="22" creationId="{87BE56A7-2B14-4ABE-8DF3-40C07E64B19D}"/>
+          </ac:spMkLst>
+        </pc:spChg>
+        <pc:spChg chg="add">
+          <ac:chgData name="Virendra Chaure" userId="b0ad660b-94c6-4b63-a69c-57d86b1eeccb" providerId="ADAL" clId="{10B00AFC-FD74-424E-A43B-F2765F1DEC23}" dt="2022-06-21T03:43:45.950" v="115" actId="26606"/>
+          <ac:spMkLst>
+            <pc:docMk/>
+            <pc:sldMk cId="1925057895" sldId="263"/>
+            <ac:spMk id="24" creationId="{140D5101-D8FB-4102-A338-49651E97150A}"/>
+          </ac:spMkLst>
+        </pc:spChg>
+        <pc:spChg chg="add">
+          <ac:chgData name="Virendra Chaure" userId="b0ad660b-94c6-4b63-a69c-57d86b1eeccb" providerId="ADAL" clId="{10B00AFC-FD74-424E-A43B-F2765F1DEC23}" dt="2022-06-21T03:43:45.950" v="115" actId="26606"/>
+          <ac:spMkLst>
+            <pc:docMk/>
+            <pc:sldMk cId="1925057895" sldId="263"/>
+            <ac:spMk id="26" creationId="{73E26159-C029-4449-8912-A9B418CC328B}"/>
+          </ac:spMkLst>
+        </pc:spChg>
+        <pc:picChg chg="add mod">
+          <ac:chgData name="Virendra Chaure" userId="b0ad660b-94c6-4b63-a69c-57d86b1eeccb" providerId="ADAL" clId="{10B00AFC-FD74-424E-A43B-F2765F1DEC23}" dt="2022-06-21T03:44:10.800" v="140" actId="14100"/>
+          <ac:picMkLst>
+            <pc:docMk/>
+            <pc:sldMk cId="1925057895" sldId="263"/>
+            <ac:picMk id="5" creationId="{EDF37C16-97BE-47AE-8B2B-6C8EB482E83B}"/>
+          </ac:picMkLst>
+        </pc:picChg>
+        <pc:picChg chg="add">
+          <ac:chgData name="Virendra Chaure" userId="b0ad660b-94c6-4b63-a69c-57d86b1eeccb" providerId="ADAL" clId="{10B00AFC-FD74-424E-A43B-F2765F1DEC23}" dt="2022-06-21T03:43:45.950" v="115" actId="26606"/>
+          <ac:picMkLst>
+            <pc:docMk/>
+            <pc:sldMk cId="1925057895" sldId="263"/>
+            <ac:picMk id="10" creationId="{C9134821-5D8B-4373-BA74-CFE9AB35A55A}"/>
+          </ac:picMkLst>
+        </pc:picChg>
+        <pc:picChg chg="add">
+          <ac:chgData name="Virendra Chaure" userId="b0ad660b-94c6-4b63-a69c-57d86b1eeccb" providerId="ADAL" clId="{10B00AFC-FD74-424E-A43B-F2765F1DEC23}" dt="2022-06-21T03:43:45.950" v="115" actId="26606"/>
+          <ac:picMkLst>
+            <pc:docMk/>
+            <pc:sldMk cId="1925057895" sldId="263"/>
+            <ac:picMk id="12" creationId="{5965195F-79F5-4911-907D-13CB3F534351}"/>
+          </ac:picMkLst>
+        </pc:picChg>
+        <pc:picChg chg="add">
+          <ac:chgData name="Virendra Chaure" userId="b0ad660b-94c6-4b63-a69c-57d86b1eeccb" providerId="ADAL" clId="{10B00AFC-FD74-424E-A43B-F2765F1DEC23}" dt="2022-06-21T03:43:45.950" v="115" actId="26606"/>
+          <ac:picMkLst>
+            <pc:docMk/>
+            <pc:sldMk cId="1925057895" sldId="263"/>
+            <ac:picMk id="16" creationId="{2742ADC1-2286-40B7-A3C6-D6C3362FA04B}"/>
+          </ac:picMkLst>
+        </pc:picChg>
+        <pc:picChg chg="add">
+          <ac:chgData name="Virendra Chaure" userId="b0ad660b-94c6-4b63-a69c-57d86b1eeccb" providerId="ADAL" clId="{10B00AFC-FD74-424E-A43B-F2765F1DEC23}" dt="2022-06-21T03:43:45.950" v="115" actId="26606"/>
+          <ac:picMkLst>
+            <pc:docMk/>
+            <pc:sldMk cId="1925057895" sldId="263"/>
+            <ac:picMk id="18" creationId="{C878FBDC-78F2-4D49-8DB3-1A48CA9F7FC0}"/>
+          </ac:picMkLst>
+        </pc:picChg>
+      </pc:sldChg>
+      <pc:sldChg chg="addSp delSp modSp new mod setBg">
+        <pc:chgData name="Virendra Chaure" userId="b0ad660b-94c6-4b63-a69c-57d86b1eeccb" providerId="ADAL" clId="{10B00AFC-FD74-424E-A43B-F2765F1DEC23}" dt="2022-06-21T03:46:00.563" v="169" actId="14100"/>
+        <pc:sldMkLst>
+          <pc:docMk/>
+          <pc:sldMk cId="2479255989" sldId="264"/>
+        </pc:sldMkLst>
+        <pc:spChg chg="mod">
+          <ac:chgData name="Virendra Chaure" userId="b0ad660b-94c6-4b63-a69c-57d86b1eeccb" providerId="ADAL" clId="{10B00AFC-FD74-424E-A43B-F2765F1DEC23}" dt="2022-06-21T03:45:50.254" v="165" actId="26606"/>
+          <ac:spMkLst>
+            <pc:docMk/>
+            <pc:sldMk cId="2479255989" sldId="264"/>
+            <ac:spMk id="2" creationId="{1E010984-56EA-4CCA-A974-1176A5D0F369}"/>
+          </ac:spMkLst>
+        </pc:spChg>
+        <pc:spChg chg="del">
+          <ac:chgData name="Virendra Chaure" userId="b0ad660b-94c6-4b63-a69c-57d86b1eeccb" providerId="ADAL" clId="{10B00AFC-FD74-424E-A43B-F2765F1DEC23}" dt="2022-06-21T03:45:34.611" v="143" actId="26606"/>
+          <ac:spMkLst>
+            <pc:docMk/>
+            <pc:sldMk cId="2479255989" sldId="264"/>
+            <ac:spMk id="3" creationId="{6486D3AA-64D2-4E4B-8B13-AB3BC4C0ED0F}"/>
+          </ac:spMkLst>
+        </pc:spChg>
+        <pc:spChg chg="add del">
+          <ac:chgData name="Virendra Chaure" userId="b0ad660b-94c6-4b63-a69c-57d86b1eeccb" providerId="ADAL" clId="{10B00AFC-FD74-424E-A43B-F2765F1DEC23}" dt="2022-06-21T03:45:50.254" v="165" actId="26606"/>
+          <ac:spMkLst>
+            <pc:docMk/>
+            <pc:sldMk cId="2479255989" sldId="264"/>
+            <ac:spMk id="14" creationId="{8A610DC7-FE1B-47B9-8452-CFC389786C2D}"/>
+          </ac:spMkLst>
+        </pc:spChg>
+        <pc:spChg chg="add del">
+          <ac:chgData name="Virendra Chaure" userId="b0ad660b-94c6-4b63-a69c-57d86b1eeccb" providerId="ADAL" clId="{10B00AFC-FD74-424E-A43B-F2765F1DEC23}" dt="2022-06-21T03:45:50.254" v="165" actId="26606"/>
+          <ac:spMkLst>
+            <pc:docMk/>
+            <pc:sldMk cId="2479255989" sldId="264"/>
+            <ac:spMk id="20" creationId="{DC9A0934-0C2C-4565-9290-A345B19BD94C}"/>
+          </ac:spMkLst>
+        </pc:spChg>
+        <pc:spChg chg="add del">
+          <ac:chgData name="Virendra Chaure" userId="b0ad660b-94c6-4b63-a69c-57d86b1eeccb" providerId="ADAL" clId="{10B00AFC-FD74-424E-A43B-F2765F1DEC23}" dt="2022-06-21T03:45:50.254" v="165" actId="26606"/>
+          <ac:spMkLst>
+            <pc:docMk/>
+            <pc:sldMk cId="2479255989" sldId="264"/>
+            <ac:spMk id="22" creationId="{87BE56A7-2B14-4ABE-8DF3-40C07E64B19D}"/>
+          </ac:spMkLst>
+        </pc:spChg>
+        <pc:spChg chg="add del">
+          <ac:chgData name="Virendra Chaure" userId="b0ad660b-94c6-4b63-a69c-57d86b1eeccb" providerId="ADAL" clId="{10B00AFC-FD74-424E-A43B-F2765F1DEC23}" dt="2022-06-21T03:45:50.254" v="165" actId="26606"/>
+          <ac:spMkLst>
+            <pc:docMk/>
+            <pc:sldMk cId="2479255989" sldId="264"/>
+            <ac:spMk id="24" creationId="{140D5101-D8FB-4102-A338-49651E97150A}"/>
+          </ac:spMkLst>
+        </pc:spChg>
+        <pc:spChg chg="add del">
+          <ac:chgData name="Virendra Chaure" userId="b0ad660b-94c6-4b63-a69c-57d86b1eeccb" providerId="ADAL" clId="{10B00AFC-FD74-424E-A43B-F2765F1DEC23}" dt="2022-06-21T03:45:50.254" v="165" actId="26606"/>
+          <ac:spMkLst>
+            <pc:docMk/>
+            <pc:sldMk cId="2479255989" sldId="264"/>
+            <ac:spMk id="26" creationId="{73E26159-C029-4449-8912-A9B418CC328B}"/>
+          </ac:spMkLst>
+        </pc:spChg>
+        <pc:spChg chg="add">
+          <ac:chgData name="Virendra Chaure" userId="b0ad660b-94c6-4b63-a69c-57d86b1eeccb" providerId="ADAL" clId="{10B00AFC-FD74-424E-A43B-F2765F1DEC23}" dt="2022-06-21T03:45:50.254" v="165" actId="26606"/>
+          <ac:spMkLst>
+            <pc:docMk/>
+            <pc:sldMk cId="2479255989" sldId="264"/>
+            <ac:spMk id="35" creationId="{8A610DC7-FE1B-47B9-8452-CFC389786C2D}"/>
+          </ac:spMkLst>
+        </pc:spChg>
+        <pc:spChg chg="add">
+          <ac:chgData name="Virendra Chaure" userId="b0ad660b-94c6-4b63-a69c-57d86b1eeccb" providerId="ADAL" clId="{10B00AFC-FD74-424E-A43B-F2765F1DEC23}" dt="2022-06-21T03:45:50.254" v="165" actId="26606"/>
+          <ac:spMkLst>
+            <pc:docMk/>
+            <pc:sldMk cId="2479255989" sldId="264"/>
+            <ac:spMk id="41" creationId="{DC9A0934-0C2C-4565-9290-A345B19BD94C}"/>
+          </ac:spMkLst>
+        </pc:spChg>
+        <pc:spChg chg="add">
+          <ac:chgData name="Virendra Chaure" userId="b0ad660b-94c6-4b63-a69c-57d86b1eeccb" providerId="ADAL" clId="{10B00AFC-FD74-424E-A43B-F2765F1DEC23}" dt="2022-06-21T03:45:50.254" v="165" actId="26606"/>
+          <ac:spMkLst>
+            <pc:docMk/>
+            <pc:sldMk cId="2479255989" sldId="264"/>
+            <ac:spMk id="43" creationId="{87BE56A7-2B14-4ABE-8DF3-40C07E64B19D}"/>
+          </ac:spMkLst>
+        </pc:spChg>
+        <pc:spChg chg="add">
+          <ac:chgData name="Virendra Chaure" userId="b0ad660b-94c6-4b63-a69c-57d86b1eeccb" providerId="ADAL" clId="{10B00AFC-FD74-424E-A43B-F2765F1DEC23}" dt="2022-06-21T03:45:50.254" v="165" actId="26606"/>
+          <ac:spMkLst>
+            <pc:docMk/>
+            <pc:sldMk cId="2479255989" sldId="264"/>
+            <ac:spMk id="45" creationId="{140D5101-D8FB-4102-A338-49651E97150A}"/>
+          </ac:spMkLst>
+        </pc:spChg>
+        <pc:spChg chg="add">
+          <ac:chgData name="Virendra Chaure" userId="b0ad660b-94c6-4b63-a69c-57d86b1eeccb" providerId="ADAL" clId="{10B00AFC-FD74-424E-A43B-F2765F1DEC23}" dt="2022-06-21T03:45:50.254" v="165" actId="26606"/>
+          <ac:spMkLst>
+            <pc:docMk/>
+            <pc:sldMk cId="2479255989" sldId="264"/>
+            <ac:spMk id="47" creationId="{73E26159-C029-4449-8912-A9B418CC328B}"/>
+          </ac:spMkLst>
+        </pc:spChg>
+        <pc:picChg chg="add mod">
+          <ac:chgData name="Virendra Chaure" userId="b0ad660b-94c6-4b63-a69c-57d86b1eeccb" providerId="ADAL" clId="{10B00AFC-FD74-424E-A43B-F2765F1DEC23}" dt="2022-06-21T03:46:00.563" v="169" actId="14100"/>
+          <ac:picMkLst>
+            <pc:docMk/>
+            <pc:sldMk cId="2479255989" sldId="264"/>
+            <ac:picMk id="5" creationId="{C878DAFF-0443-433A-A0EB-0AE082717D08}"/>
+          </ac:picMkLst>
+        </pc:picChg>
+        <pc:picChg chg="add del">
+          <ac:chgData name="Virendra Chaure" userId="b0ad660b-94c6-4b63-a69c-57d86b1eeccb" providerId="ADAL" clId="{10B00AFC-FD74-424E-A43B-F2765F1DEC23}" dt="2022-06-21T03:45:50.254" v="165" actId="26606"/>
+          <ac:picMkLst>
+            <pc:docMk/>
+            <pc:sldMk cId="2479255989" sldId="264"/>
+            <ac:picMk id="10" creationId="{C9134821-5D8B-4373-BA74-CFE9AB35A55A}"/>
+          </ac:picMkLst>
+        </pc:picChg>
+        <pc:picChg chg="add del">
+          <ac:chgData name="Virendra Chaure" userId="b0ad660b-94c6-4b63-a69c-57d86b1eeccb" providerId="ADAL" clId="{10B00AFC-FD74-424E-A43B-F2765F1DEC23}" dt="2022-06-21T03:45:50.254" v="165" actId="26606"/>
+          <ac:picMkLst>
+            <pc:docMk/>
+            <pc:sldMk cId="2479255989" sldId="264"/>
+            <ac:picMk id="12" creationId="{5965195F-79F5-4911-907D-13CB3F534351}"/>
+          </ac:picMkLst>
+        </pc:picChg>
+        <pc:picChg chg="add del">
+          <ac:chgData name="Virendra Chaure" userId="b0ad660b-94c6-4b63-a69c-57d86b1eeccb" providerId="ADAL" clId="{10B00AFC-FD74-424E-A43B-F2765F1DEC23}" dt="2022-06-21T03:45:50.254" v="165" actId="26606"/>
+          <ac:picMkLst>
+            <pc:docMk/>
+            <pc:sldMk cId="2479255989" sldId="264"/>
+            <ac:picMk id="16" creationId="{2742ADC1-2286-40B7-A3C6-D6C3362FA04B}"/>
+          </ac:picMkLst>
+        </pc:picChg>
+        <pc:picChg chg="add del">
+          <ac:chgData name="Virendra Chaure" userId="b0ad660b-94c6-4b63-a69c-57d86b1eeccb" providerId="ADAL" clId="{10B00AFC-FD74-424E-A43B-F2765F1DEC23}" dt="2022-06-21T03:45:50.254" v="165" actId="26606"/>
+          <ac:picMkLst>
+            <pc:docMk/>
+            <pc:sldMk cId="2479255989" sldId="264"/>
+            <ac:picMk id="18" creationId="{C878FBDC-78F2-4D49-8DB3-1A48CA9F7FC0}"/>
+          </ac:picMkLst>
+        </pc:picChg>
+        <pc:picChg chg="add">
+          <ac:chgData name="Virendra Chaure" userId="b0ad660b-94c6-4b63-a69c-57d86b1eeccb" providerId="ADAL" clId="{10B00AFC-FD74-424E-A43B-F2765F1DEC23}" dt="2022-06-21T03:45:50.254" v="165" actId="26606"/>
+          <ac:picMkLst>
+            <pc:docMk/>
+            <pc:sldMk cId="2479255989" sldId="264"/>
+            <ac:picMk id="31" creationId="{C9134821-5D8B-4373-BA74-CFE9AB35A55A}"/>
+          </ac:picMkLst>
+        </pc:picChg>
+        <pc:picChg chg="add">
+          <ac:chgData name="Virendra Chaure" userId="b0ad660b-94c6-4b63-a69c-57d86b1eeccb" providerId="ADAL" clId="{10B00AFC-FD74-424E-A43B-F2765F1DEC23}" dt="2022-06-21T03:45:50.254" v="165" actId="26606"/>
+          <ac:picMkLst>
+            <pc:docMk/>
+            <pc:sldMk cId="2479255989" sldId="264"/>
+            <ac:picMk id="33" creationId="{5965195F-79F5-4911-907D-13CB3F534351}"/>
+          </ac:picMkLst>
+        </pc:picChg>
+        <pc:picChg chg="add">
+          <ac:chgData name="Virendra Chaure" userId="b0ad660b-94c6-4b63-a69c-57d86b1eeccb" providerId="ADAL" clId="{10B00AFC-FD74-424E-A43B-F2765F1DEC23}" dt="2022-06-21T03:45:50.254" v="165" actId="26606"/>
+          <ac:picMkLst>
+            <pc:docMk/>
+            <pc:sldMk cId="2479255989" sldId="264"/>
+            <ac:picMk id="37" creationId="{2742ADC1-2286-40B7-A3C6-D6C3362FA04B}"/>
+          </ac:picMkLst>
+        </pc:picChg>
+        <pc:picChg chg="add">
+          <ac:chgData name="Virendra Chaure" userId="b0ad660b-94c6-4b63-a69c-57d86b1eeccb" providerId="ADAL" clId="{10B00AFC-FD74-424E-A43B-F2765F1DEC23}" dt="2022-06-21T03:45:50.254" v="165" actId="26606"/>
+          <ac:picMkLst>
+            <pc:docMk/>
+            <pc:sldMk cId="2479255989" sldId="264"/>
+            <ac:picMk id="39" creationId="{C878FBDC-78F2-4D49-8DB3-1A48CA9F7FC0}"/>
+          </ac:picMkLst>
+        </pc:picChg>
+      </pc:sldChg>
+      <pc:sldChg chg="addSp delSp modSp new mod setBg">
+        <pc:chgData name="Virendra Chaure" userId="b0ad660b-94c6-4b63-a69c-57d86b1eeccb" providerId="ADAL" clId="{10B00AFC-FD74-424E-A43B-F2765F1DEC23}" dt="2022-06-21T03:47:54.417" v="203" actId="14100"/>
+        <pc:sldMkLst>
+          <pc:docMk/>
+          <pc:sldMk cId="3836597534" sldId="265"/>
+        </pc:sldMkLst>
+        <pc:spChg chg="mod">
+          <ac:chgData name="Virendra Chaure" userId="b0ad660b-94c6-4b63-a69c-57d86b1eeccb" providerId="ADAL" clId="{10B00AFC-FD74-424E-A43B-F2765F1DEC23}" dt="2022-06-21T03:47:54.417" v="203" actId="14100"/>
+          <ac:spMkLst>
+            <pc:docMk/>
+            <pc:sldMk cId="3836597534" sldId="265"/>
+            <ac:spMk id="2" creationId="{C22C990E-E114-4E23-9EA1-85CBACEC5C9D}"/>
+          </ac:spMkLst>
+        </pc:spChg>
+        <pc:spChg chg="del">
+          <ac:chgData name="Virendra Chaure" userId="b0ad660b-94c6-4b63-a69c-57d86b1eeccb" providerId="ADAL" clId="{10B00AFC-FD74-424E-A43B-F2765F1DEC23}" dt="2022-06-21T03:47:24.197" v="172" actId="26606"/>
+          <ac:spMkLst>
+            <pc:docMk/>
+            <pc:sldMk cId="3836597534" sldId="265"/>
+            <ac:spMk id="3" creationId="{D6997E57-AEC1-4304-B105-81BD2A48C89C}"/>
+          </ac:spMkLst>
+        </pc:spChg>
+        <pc:spChg chg="add">
+          <ac:chgData name="Virendra Chaure" userId="b0ad660b-94c6-4b63-a69c-57d86b1eeccb" providerId="ADAL" clId="{10B00AFC-FD74-424E-A43B-F2765F1DEC23}" dt="2022-06-21T03:47:24.197" v="172" actId="26606"/>
+          <ac:spMkLst>
+            <pc:docMk/>
+            <pc:sldMk cId="3836597534" sldId="265"/>
+            <ac:spMk id="14" creationId="{8A610DC7-FE1B-47B9-8452-CFC389786C2D}"/>
+          </ac:spMkLst>
+        </pc:spChg>
+        <pc:spChg chg="add">
+          <ac:chgData name="Virendra Chaure" userId="b0ad660b-94c6-4b63-a69c-57d86b1eeccb" providerId="ADAL" clId="{10B00AFC-FD74-424E-A43B-F2765F1DEC23}" dt="2022-06-21T03:47:24.197" v="172" actId="26606"/>
+          <ac:spMkLst>
+            <pc:docMk/>
+            <pc:sldMk cId="3836597534" sldId="265"/>
+            <ac:spMk id="20" creationId="{DC9A0934-0C2C-4565-9290-A345B19BD94C}"/>
+          </ac:spMkLst>
+        </pc:spChg>
+        <pc:spChg chg="add">
+          <ac:chgData name="Virendra Chaure" userId="b0ad660b-94c6-4b63-a69c-57d86b1eeccb" providerId="ADAL" clId="{10B00AFC-FD74-424E-A43B-F2765F1DEC23}" dt="2022-06-21T03:47:24.197" v="172" actId="26606"/>
+          <ac:spMkLst>
+            <pc:docMk/>
+            <pc:sldMk cId="3836597534" sldId="265"/>
+            <ac:spMk id="22" creationId="{87BE56A7-2B14-4ABE-8DF3-40C07E64B19D}"/>
+          </ac:spMkLst>
+        </pc:spChg>
+        <pc:spChg chg="add">
+          <ac:chgData name="Virendra Chaure" userId="b0ad660b-94c6-4b63-a69c-57d86b1eeccb" providerId="ADAL" clId="{10B00AFC-FD74-424E-A43B-F2765F1DEC23}" dt="2022-06-21T03:47:24.197" v="172" actId="26606"/>
+          <ac:spMkLst>
+            <pc:docMk/>
+            <pc:sldMk cId="3836597534" sldId="265"/>
+            <ac:spMk id="24" creationId="{140D5101-D8FB-4102-A338-49651E97150A}"/>
+          </ac:spMkLst>
+        </pc:spChg>
+        <pc:spChg chg="add">
+          <ac:chgData name="Virendra Chaure" userId="b0ad660b-94c6-4b63-a69c-57d86b1eeccb" providerId="ADAL" clId="{10B00AFC-FD74-424E-A43B-F2765F1DEC23}" dt="2022-06-21T03:47:24.197" v="172" actId="26606"/>
+          <ac:spMkLst>
+            <pc:docMk/>
+            <pc:sldMk cId="3836597534" sldId="265"/>
+            <ac:spMk id="26" creationId="{73E26159-C029-4449-8912-A9B418CC328B}"/>
+          </ac:spMkLst>
+        </pc:spChg>
+        <pc:picChg chg="add mod">
+          <ac:chgData name="Virendra Chaure" userId="b0ad660b-94c6-4b63-a69c-57d86b1eeccb" providerId="ADAL" clId="{10B00AFC-FD74-424E-A43B-F2765F1DEC23}" dt="2022-06-21T03:47:37.446" v="177" actId="14100"/>
+          <ac:picMkLst>
+            <pc:docMk/>
+            <pc:sldMk cId="3836597534" sldId="265"/>
+            <ac:picMk id="5" creationId="{3250A496-3E0C-4D26-AD29-45EBA1F9ACA6}"/>
+          </ac:picMkLst>
+        </pc:picChg>
+        <pc:picChg chg="add">
+          <ac:chgData name="Virendra Chaure" userId="b0ad660b-94c6-4b63-a69c-57d86b1eeccb" providerId="ADAL" clId="{10B00AFC-FD74-424E-A43B-F2765F1DEC23}" dt="2022-06-21T03:47:24.197" v="172" actId="26606"/>
+          <ac:picMkLst>
+            <pc:docMk/>
+            <pc:sldMk cId="3836597534" sldId="265"/>
+            <ac:picMk id="10" creationId="{C9134821-5D8B-4373-BA74-CFE9AB35A55A}"/>
+          </ac:picMkLst>
+        </pc:picChg>
+        <pc:picChg chg="add">
+          <ac:chgData name="Virendra Chaure" userId="b0ad660b-94c6-4b63-a69c-57d86b1eeccb" providerId="ADAL" clId="{10B00AFC-FD74-424E-A43B-F2765F1DEC23}" dt="2022-06-21T03:47:24.197" v="172" actId="26606"/>
+          <ac:picMkLst>
+            <pc:docMk/>
+            <pc:sldMk cId="3836597534" sldId="265"/>
+            <ac:picMk id="12" creationId="{5965195F-79F5-4911-907D-13CB3F534351}"/>
+          </ac:picMkLst>
+        </pc:picChg>
+        <pc:picChg chg="add">
+          <ac:chgData name="Virendra Chaure" userId="b0ad660b-94c6-4b63-a69c-57d86b1eeccb" providerId="ADAL" clId="{10B00AFC-FD74-424E-A43B-F2765F1DEC23}" dt="2022-06-21T03:47:24.197" v="172" actId="26606"/>
+          <ac:picMkLst>
+            <pc:docMk/>
+            <pc:sldMk cId="3836597534" sldId="265"/>
+            <ac:picMk id="16" creationId="{2742ADC1-2286-40B7-A3C6-D6C3362FA04B}"/>
+          </ac:picMkLst>
+        </pc:picChg>
+        <pc:picChg chg="add">
+          <ac:chgData name="Virendra Chaure" userId="b0ad660b-94c6-4b63-a69c-57d86b1eeccb" providerId="ADAL" clId="{10B00AFC-FD74-424E-A43B-F2765F1DEC23}" dt="2022-06-21T03:47:24.197" v="172" actId="26606"/>
+          <ac:picMkLst>
+            <pc:docMk/>
+            <pc:sldMk cId="3836597534" sldId="265"/>
+            <ac:picMk id="18" creationId="{C878FBDC-78F2-4D49-8DB3-1A48CA9F7FC0}"/>
+          </ac:picMkLst>
+        </pc:picChg>
+      </pc:sldChg>
+      <pc:sldChg chg="addSp delSp modSp new mod setBg">
+        <pc:chgData name="Virendra Chaure" userId="b0ad660b-94c6-4b63-a69c-57d86b1eeccb" providerId="ADAL" clId="{10B00AFC-FD74-424E-A43B-F2765F1DEC23}" dt="2022-06-21T03:50:04.650" v="230" actId="14100"/>
+        <pc:sldMkLst>
+          <pc:docMk/>
+          <pc:sldMk cId="1390482365" sldId="266"/>
+        </pc:sldMkLst>
+        <pc:spChg chg="mod">
+          <ac:chgData name="Virendra Chaure" userId="b0ad660b-94c6-4b63-a69c-57d86b1eeccb" providerId="ADAL" clId="{10B00AFC-FD74-424E-A43B-F2765F1DEC23}" dt="2022-06-21T03:49:52.884" v="226" actId="14100"/>
+          <ac:spMkLst>
+            <pc:docMk/>
+            <pc:sldMk cId="1390482365" sldId="266"/>
+            <ac:spMk id="2" creationId="{B190B870-638F-41B7-AB87-F98041BC5E49}"/>
+          </ac:spMkLst>
+        </pc:spChg>
+        <pc:spChg chg="del">
+          <ac:chgData name="Virendra Chaure" userId="b0ad660b-94c6-4b63-a69c-57d86b1eeccb" providerId="ADAL" clId="{10B00AFC-FD74-424E-A43B-F2765F1DEC23}" dt="2022-06-21T03:49:36.275" v="206" actId="26606"/>
+          <ac:spMkLst>
+            <pc:docMk/>
+            <pc:sldMk cId="1390482365" sldId="266"/>
+            <ac:spMk id="3" creationId="{B7FFCCAF-3F47-46F2-8B15-90EFC664A784}"/>
+          </ac:spMkLst>
+        </pc:spChg>
+        <pc:spChg chg="add">
+          <ac:chgData name="Virendra Chaure" userId="b0ad660b-94c6-4b63-a69c-57d86b1eeccb" providerId="ADAL" clId="{10B00AFC-FD74-424E-A43B-F2765F1DEC23}" dt="2022-06-21T03:49:36.275" v="206" actId="26606"/>
+          <ac:spMkLst>
+            <pc:docMk/>
+            <pc:sldMk cId="1390482365" sldId="266"/>
+            <ac:spMk id="14" creationId="{8A610DC7-FE1B-47B9-8452-CFC389786C2D}"/>
+          </ac:spMkLst>
+        </pc:spChg>
+        <pc:spChg chg="add">
+          <ac:chgData name="Virendra Chaure" userId="b0ad660b-94c6-4b63-a69c-57d86b1eeccb" providerId="ADAL" clId="{10B00AFC-FD74-424E-A43B-F2765F1DEC23}" dt="2022-06-21T03:49:36.275" v="206" actId="26606"/>
+          <ac:spMkLst>
+            <pc:docMk/>
+            <pc:sldMk cId="1390482365" sldId="266"/>
+            <ac:spMk id="20" creationId="{DC9A0934-0C2C-4565-9290-A345B19BD94C}"/>
+          </ac:spMkLst>
+        </pc:spChg>
+        <pc:spChg chg="add">
+          <ac:chgData name="Virendra Chaure" userId="b0ad660b-94c6-4b63-a69c-57d86b1eeccb" providerId="ADAL" clId="{10B00AFC-FD74-424E-A43B-F2765F1DEC23}" dt="2022-06-21T03:49:36.275" v="206" actId="26606"/>
+          <ac:spMkLst>
+            <pc:docMk/>
+            <pc:sldMk cId="1390482365" sldId="266"/>
+            <ac:spMk id="22" creationId="{87BE56A7-2B14-4ABE-8DF3-40C07E64B19D}"/>
+          </ac:spMkLst>
+        </pc:spChg>
+        <pc:spChg chg="add">
+          <ac:chgData name="Virendra Chaure" userId="b0ad660b-94c6-4b63-a69c-57d86b1eeccb" providerId="ADAL" clId="{10B00AFC-FD74-424E-A43B-F2765F1DEC23}" dt="2022-06-21T03:49:36.275" v="206" actId="26606"/>
+          <ac:spMkLst>
+            <pc:docMk/>
+            <pc:sldMk cId="1390482365" sldId="266"/>
+            <ac:spMk id="24" creationId="{140D5101-D8FB-4102-A338-49651E97150A}"/>
+          </ac:spMkLst>
+        </pc:spChg>
+        <pc:spChg chg="add">
+          <ac:chgData name="Virendra Chaure" userId="b0ad660b-94c6-4b63-a69c-57d86b1eeccb" providerId="ADAL" clId="{10B00AFC-FD74-424E-A43B-F2765F1DEC23}" dt="2022-06-21T03:49:36.275" v="206" actId="26606"/>
+          <ac:spMkLst>
+            <pc:docMk/>
+            <pc:sldMk cId="1390482365" sldId="266"/>
+            <ac:spMk id="26" creationId="{73E26159-C029-4449-8912-A9B418CC328B}"/>
+          </ac:spMkLst>
+        </pc:spChg>
+        <pc:picChg chg="add mod">
+          <ac:chgData name="Virendra Chaure" userId="b0ad660b-94c6-4b63-a69c-57d86b1eeccb" providerId="ADAL" clId="{10B00AFC-FD74-424E-A43B-F2765F1DEC23}" dt="2022-06-21T03:50:04.650" v="230" actId="14100"/>
+          <ac:picMkLst>
+            <pc:docMk/>
+            <pc:sldMk cId="1390482365" sldId="266"/>
+            <ac:picMk id="5" creationId="{9037F5EA-BAA2-4D94-805A-A08E3C8C31BC}"/>
+          </ac:picMkLst>
+        </pc:picChg>
+        <pc:picChg chg="add">
+          <ac:chgData name="Virendra Chaure" userId="b0ad660b-94c6-4b63-a69c-57d86b1eeccb" providerId="ADAL" clId="{10B00AFC-FD74-424E-A43B-F2765F1DEC23}" dt="2022-06-21T03:49:36.275" v="206" actId="26606"/>
+          <ac:picMkLst>
+            <pc:docMk/>
+            <pc:sldMk cId="1390482365" sldId="266"/>
+            <ac:picMk id="10" creationId="{C9134821-5D8B-4373-BA74-CFE9AB35A55A}"/>
+          </ac:picMkLst>
+        </pc:picChg>
+        <pc:picChg chg="add">
+          <ac:chgData name="Virendra Chaure" userId="b0ad660b-94c6-4b63-a69c-57d86b1eeccb" providerId="ADAL" clId="{10B00AFC-FD74-424E-A43B-F2765F1DEC23}" dt="2022-06-21T03:49:36.275" v="206" actId="26606"/>
+          <ac:picMkLst>
+            <pc:docMk/>
+            <pc:sldMk cId="1390482365" sldId="266"/>
+            <ac:picMk id="12" creationId="{5965195F-79F5-4911-907D-13CB3F534351}"/>
+          </ac:picMkLst>
+        </pc:picChg>
+        <pc:picChg chg="add">
+          <ac:chgData name="Virendra Chaure" userId="b0ad660b-94c6-4b63-a69c-57d86b1eeccb" providerId="ADAL" clId="{10B00AFC-FD74-424E-A43B-F2765F1DEC23}" dt="2022-06-21T03:49:36.275" v="206" actId="26606"/>
+          <ac:picMkLst>
+            <pc:docMk/>
+            <pc:sldMk cId="1390482365" sldId="266"/>
+            <ac:picMk id="16" creationId="{2742ADC1-2286-40B7-A3C6-D6C3362FA04B}"/>
+          </ac:picMkLst>
+        </pc:picChg>
+        <pc:picChg chg="add">
+          <ac:chgData name="Virendra Chaure" userId="b0ad660b-94c6-4b63-a69c-57d86b1eeccb" providerId="ADAL" clId="{10B00AFC-FD74-424E-A43B-F2765F1DEC23}" dt="2022-06-21T03:49:36.275" v="206" actId="26606"/>
+          <ac:picMkLst>
+            <pc:docMk/>
+            <pc:sldMk cId="1390482365" sldId="266"/>
+            <ac:picMk id="18" creationId="{C878FBDC-78F2-4D49-8DB3-1A48CA9F7FC0}"/>
+          </ac:picMkLst>
+        </pc:picChg>
+      </pc:sldChg>
+    </pc:docChg>
+  </pc:docChgLst>
+</pc:chgInfo>
 </file>
 
 <file path=ppt/slideLayouts/slideLayout1.xml><?xml version="1.0" encoding="utf-8"?>
@@ -296,7 +1139,7 @@
           <a:p>
             <a:fld id="{ACD6DA05-3F2F-4AA7-B97A-2E1BB8B16FB5}" type="datetimeFigureOut">
               <a:rPr lang="en-US" smtClean="0"/>
-              <a:t>6/20/2022</a:t>
+              <a:t>6/21/2022</a:t>
             </a:fld>
             <a:endParaRPr lang="en-US"/>
           </a:p>
@@ -571,7 +1414,7 @@
           <a:p>
             <a:fld id="{ACD6DA05-3F2F-4AA7-B97A-2E1BB8B16FB5}" type="datetimeFigureOut">
               <a:rPr lang="en-US" smtClean="0"/>
-              <a:t>6/20/2022</a:t>
+              <a:t>6/21/2022</a:t>
             </a:fld>
             <a:endParaRPr lang="en-US"/>
           </a:p>
@@ -765,7 +1608,7 @@
           <a:p>
             <a:fld id="{ACD6DA05-3F2F-4AA7-B97A-2E1BB8B16FB5}" type="datetimeFigureOut">
               <a:rPr lang="en-US" smtClean="0"/>
-              <a:t>6/20/2022</a:t>
+              <a:t>6/21/2022</a:t>
             </a:fld>
             <a:endParaRPr lang="en-US"/>
           </a:p>
@@ -1036,7 +1879,7 @@
           <a:p>
             <a:fld id="{ACD6DA05-3F2F-4AA7-B97A-2E1BB8B16FB5}" type="datetimeFigureOut">
               <a:rPr lang="en-US" smtClean="0"/>
-              <a:t>6/20/2022</a:t>
+              <a:t>6/21/2022</a:t>
             </a:fld>
             <a:endParaRPr lang="en-US"/>
           </a:p>
@@ -1363,7 +2206,7 @@
           <a:p>
             <a:fld id="{ACD6DA05-3F2F-4AA7-B97A-2E1BB8B16FB5}" type="datetimeFigureOut">
               <a:rPr lang="en-US" smtClean="0"/>
-              <a:t>6/20/2022</a:t>
+              <a:t>6/21/2022</a:t>
             </a:fld>
             <a:endParaRPr lang="en-US"/>
           </a:p>
@@ -1982,7 +2825,7 @@
           <a:p>
             <a:fld id="{ACD6DA05-3F2F-4AA7-B97A-2E1BB8B16FB5}" type="datetimeFigureOut">
               <a:rPr lang="en-US" smtClean="0"/>
-              <a:t>6/20/2022</a:t>
+              <a:t>6/21/2022</a:t>
             </a:fld>
             <a:endParaRPr lang="en-US"/>
           </a:p>
@@ -2829,7 +3672,7 @@
           <a:p>
             <a:fld id="{ACD6DA05-3F2F-4AA7-B97A-2E1BB8B16FB5}" type="datetimeFigureOut">
               <a:rPr lang="en-US" smtClean="0"/>
-              <a:t>6/20/2022</a:t>
+              <a:t>6/21/2022</a:t>
             </a:fld>
             <a:endParaRPr lang="en-US"/>
           </a:p>
@@ -2999,7 +3842,7 @@
           <a:p>
             <a:fld id="{ACD6DA05-3F2F-4AA7-B97A-2E1BB8B16FB5}" type="datetimeFigureOut">
               <a:rPr lang="en-US" smtClean="0"/>
-              <a:t>6/20/2022</a:t>
+              <a:t>6/21/2022</a:t>
             </a:fld>
             <a:endParaRPr lang="en-US"/>
           </a:p>
@@ -3179,7 +4022,7 @@
           <a:p>
             <a:fld id="{ACD6DA05-3F2F-4AA7-B97A-2E1BB8B16FB5}" type="datetimeFigureOut">
               <a:rPr lang="en-US" smtClean="0"/>
-              <a:t>6/20/2022</a:t>
+              <a:t>6/21/2022</a:t>
             </a:fld>
             <a:endParaRPr lang="en-US"/>
           </a:p>
@@ -3349,7 +4192,7 @@
           <a:p>
             <a:fld id="{ACD6DA05-3F2F-4AA7-B97A-2E1BB8B16FB5}" type="datetimeFigureOut">
               <a:rPr lang="en-US" smtClean="0"/>
-              <a:t>6/20/2022</a:t>
+              <a:t>6/21/2022</a:t>
             </a:fld>
             <a:endParaRPr lang="en-US"/>
           </a:p>
@@ -3596,7 +4439,7 @@
           <a:p>
             <a:fld id="{ACD6DA05-3F2F-4AA7-B97A-2E1BB8B16FB5}" type="datetimeFigureOut">
               <a:rPr lang="en-US" smtClean="0"/>
-              <a:t>6/20/2022</a:t>
+              <a:t>6/21/2022</a:t>
             </a:fld>
             <a:endParaRPr lang="en-US"/>
           </a:p>
@@ -3888,7 +4731,7 @@
           <a:p>
             <a:fld id="{ACD6DA05-3F2F-4AA7-B97A-2E1BB8B16FB5}" type="datetimeFigureOut">
               <a:rPr lang="en-US" smtClean="0"/>
-              <a:t>6/20/2022</a:t>
+              <a:t>6/21/2022</a:t>
             </a:fld>
             <a:endParaRPr lang="en-US"/>
           </a:p>
@@ -4332,7 +5175,7 @@
           <a:p>
             <a:fld id="{ACD6DA05-3F2F-4AA7-B97A-2E1BB8B16FB5}" type="datetimeFigureOut">
               <a:rPr lang="en-US" smtClean="0"/>
-              <a:t>6/20/2022</a:t>
+              <a:t>6/21/2022</a:t>
             </a:fld>
             <a:endParaRPr lang="en-US"/>
           </a:p>
@@ -4450,7 +5293,7 @@
           <a:p>
             <a:fld id="{ACD6DA05-3F2F-4AA7-B97A-2E1BB8B16FB5}" type="datetimeFigureOut">
               <a:rPr lang="en-US" smtClean="0"/>
-              <a:t>6/20/2022</a:t>
+              <a:t>6/21/2022</a:t>
             </a:fld>
             <a:endParaRPr lang="en-US"/>
           </a:p>
@@ -4545,7 +5388,7 @@
           <a:p>
             <a:fld id="{ACD6DA05-3F2F-4AA7-B97A-2E1BB8B16FB5}" type="datetimeFigureOut">
               <a:rPr lang="en-US" smtClean="0"/>
-              <a:t>6/20/2022</a:t>
+              <a:t>6/21/2022</a:t>
             </a:fld>
             <a:endParaRPr lang="en-US"/>
           </a:p>
@@ -4824,7 +5667,7 @@
           <a:p>
             <a:fld id="{ACD6DA05-3F2F-4AA7-B97A-2E1BB8B16FB5}" type="datetimeFigureOut">
               <a:rPr lang="en-US" smtClean="0"/>
-              <a:t>6/20/2022</a:t>
+              <a:t>6/21/2022</a:t>
             </a:fld>
             <a:endParaRPr lang="en-US"/>
           </a:p>
@@ -5099,7 +5942,7 @@
           <a:p>
             <a:fld id="{ACD6DA05-3F2F-4AA7-B97A-2E1BB8B16FB5}" type="datetimeFigureOut">
               <a:rPr lang="en-US" smtClean="0"/>
-              <a:t>6/20/2022</a:t>
+              <a:t>6/21/2022</a:t>
             </a:fld>
             <a:endParaRPr lang="en-US"/>
           </a:p>
@@ -5522,7 +6365,7 @@
           <a:p>
             <a:fld id="{ACD6DA05-3F2F-4AA7-B97A-2E1BB8B16FB5}" type="datetimeFigureOut">
               <a:rPr lang="en-US" smtClean="0"/>
-              <a:t>6/20/2022</a:t>
+              <a:t>6/21/2022</a:t>
             </a:fld>
             <a:endParaRPr lang="en-US"/>
           </a:p>
@@ -6135,6 +6978,1139 @@
 </p:sld>
 </file>
 
+<file path=ppt/slides/slide10.xml><?xml version="1.0" encoding="utf-8"?>
+<p:sld xmlns:a="http://schemas.openxmlformats.org/drawingml/2006/main" xmlns:r="http://schemas.openxmlformats.org/officeDocument/2006/relationships" xmlns:p="http://schemas.openxmlformats.org/presentationml/2006/main">
+  <p:cSld>
+    <p:bg>
+      <p:bgPr>
+        <a:blipFill rotWithShape="1">
+          <a:blip r:embed="rId2">
+            <a:duotone>
+              <a:schemeClr val="bg2">
+                <a:shade val="69000"/>
+                <a:hueMod val="91000"/>
+                <a:satMod val="164000"/>
+                <a:lumMod val="74000"/>
+              </a:schemeClr>
+              <a:schemeClr val="bg2">
+                <a:hueMod val="124000"/>
+                <a:satMod val="140000"/>
+                <a:lumMod val="142000"/>
+              </a:schemeClr>
+            </a:duotone>
+          </a:blip>
+          <a:stretch/>
+        </a:blipFill>
+        <a:effectLst/>
+      </p:bgPr>
+    </p:bg>
+    <p:spTree>
+      <p:nvGrpSpPr>
+        <p:cNvPr id="1" name=""/>
+        <p:cNvGrpSpPr/>
+        <p:nvPr/>
+      </p:nvGrpSpPr>
+      <p:grpSpPr>
+        <a:xfrm>
+          <a:off x="0" y="0"/>
+          <a:ext cx="0" cy="0"/>
+          <a:chOff x="0" y="0"/>
+          <a:chExt cx="0" cy="0"/>
+        </a:xfrm>
+      </p:grpSpPr>
+      <p:pic>
+        <p:nvPicPr>
+          <p:cNvPr id="10" name="Picture 9">
+            <a:extLst>
+              <a:ext uri="{FF2B5EF4-FFF2-40B4-BE49-F238E27FC236}">
+                <a16:creationId xmlns:a16="http://schemas.microsoft.com/office/drawing/2014/main" id="{C9134821-5D8B-4373-BA74-CFE9AB35A55A}"/>
+              </a:ext>
+              <a:ext uri="{C183D7F6-B498-43B3-948B-1728B52AA6E4}">
+                <adec:decorative xmlns:adec="http://schemas.microsoft.com/office/drawing/2017/decorative" val="1"/>
+              </a:ext>
+            </a:extLst>
+          </p:cNvPr>
+          <p:cNvPicPr>
+            <a:picLocks noGrp="1" noRot="1" noChangeAspect="1" noMove="1" noResize="1" noEditPoints="1" noAdjustHandles="1" noChangeArrowheads="1" noChangeShapeType="1" noCrop="1"/>
+          </p:cNvPicPr>
+          <p:nvPr>
+            <p:extLst>
+              <p:ext uri="{386F3935-93C4-4BCD-93E2-E3B085C9AB24}">
+                <p16:designElem xmlns:p16="http://schemas.microsoft.com/office/powerpoint/2015/main" val="1"/>
+              </p:ext>
+            </p:extLst>
+          </p:nvPr>
+        </p:nvPicPr>
+        <p:blipFill rotWithShape="1">
+          <a:blip r:embed="rId3">
+            <a:extLst>
+              <a:ext uri="{28A0092B-C50C-407E-A947-70E740481C1C}">
+                <a14:useLocalDpi xmlns:a14="http://schemas.microsoft.com/office/drawing/2010/main" val="0"/>
+              </a:ext>
+            </a:extLst>
+          </a:blip>
+          <a:srcRect l="3644"/>
+          <a:stretch/>
+        </p:blipFill>
+        <p:spPr>
+          <a:xfrm>
+            <a:off x="0" y="2669685"/>
+            <a:ext cx="4035669" cy="4188315"/>
+          </a:xfrm>
+          <a:prstGeom prst="rect">
+            <a:avLst/>
+          </a:prstGeom>
+        </p:spPr>
+      </p:pic>
+      <p:pic>
+        <p:nvPicPr>
+          <p:cNvPr id="12" name="Picture 11">
+            <a:extLst>
+              <a:ext uri="{FF2B5EF4-FFF2-40B4-BE49-F238E27FC236}">
+                <a16:creationId xmlns:a16="http://schemas.microsoft.com/office/drawing/2014/main" id="{5965195F-79F5-4911-907D-13CB3F534351}"/>
+              </a:ext>
+              <a:ext uri="{C183D7F6-B498-43B3-948B-1728B52AA6E4}">
+                <adec:decorative xmlns:adec="http://schemas.microsoft.com/office/drawing/2017/decorative" val="1"/>
+              </a:ext>
+            </a:extLst>
+          </p:cNvPr>
+          <p:cNvPicPr>
+            <a:picLocks noGrp="1" noRot="1" noChangeAspect="1" noMove="1" noResize="1" noEditPoints="1" noAdjustHandles="1" noChangeArrowheads="1" noChangeShapeType="1" noCrop="1"/>
+          </p:cNvPicPr>
+          <p:nvPr>
+            <p:extLst>
+              <p:ext uri="{386F3935-93C4-4BCD-93E2-E3B085C9AB24}">
+                <p16:designElem xmlns:p16="http://schemas.microsoft.com/office/powerpoint/2015/main" val="1"/>
+              </p:ext>
+            </p:extLst>
+          </p:nvPr>
+        </p:nvPicPr>
+        <p:blipFill rotWithShape="1">
+          <a:blip r:embed="rId4">
+            <a:extLst>
+              <a:ext uri="{28A0092B-C50C-407E-A947-70E740481C1C}">
+                <a14:useLocalDpi xmlns:a14="http://schemas.microsoft.com/office/drawing/2010/main" val="0"/>
+              </a:ext>
+            </a:extLst>
+          </a:blip>
+          <a:srcRect l="35640"/>
+          <a:stretch/>
+        </p:blipFill>
+        <p:spPr>
+          <a:xfrm>
+            <a:off x="0" y="2892347"/>
+            <a:ext cx="1522412" cy="2365453"/>
+          </a:xfrm>
+          <a:prstGeom prst="rect">
+            <a:avLst/>
+          </a:prstGeom>
+        </p:spPr>
+      </p:pic>
+      <p:sp>
+        <p:nvSpPr>
+          <p:cNvPr id="14" name="Oval 13">
+            <a:extLst>
+              <a:ext uri="{FF2B5EF4-FFF2-40B4-BE49-F238E27FC236}">
+                <a16:creationId xmlns:a16="http://schemas.microsoft.com/office/drawing/2014/main" id="{8A610DC7-FE1B-47B9-8452-CFC389786C2D}"/>
+              </a:ext>
+              <a:ext uri="{C183D7F6-B498-43B3-948B-1728B52AA6E4}">
+                <adec:decorative xmlns:adec="http://schemas.microsoft.com/office/drawing/2017/decorative" val="1"/>
+              </a:ext>
+            </a:extLst>
+          </p:cNvPr>
+          <p:cNvSpPr>
+            <a:spLocks noGrp="1" noRot="1" noChangeAspect="1" noMove="1" noResize="1" noEditPoints="1" noAdjustHandles="1" noChangeArrowheads="1" noChangeShapeType="1" noTextEdit="1"/>
+          </p:cNvSpPr>
+          <p:nvPr>
+            <p:extLst>
+              <p:ext uri="{386F3935-93C4-4BCD-93E2-E3B085C9AB24}">
+                <p16:designElem xmlns:p16="http://schemas.microsoft.com/office/powerpoint/2015/main" val="1"/>
+              </p:ext>
+            </p:extLst>
+          </p:nvPr>
+        </p:nvSpPr>
+        <p:spPr>
+          <a:xfrm>
+            <a:off x="8609012" y="1676400"/>
+            <a:ext cx="2819400" cy="2819400"/>
+          </a:xfrm>
+          <a:prstGeom prst="ellipse">
+            <a:avLst/>
+          </a:prstGeom>
+          <a:gradFill flip="none" rotWithShape="1">
+            <a:gsLst>
+              <a:gs pos="0">
+                <a:schemeClr val="accent5">
+                  <a:alpha val="7000"/>
+                </a:schemeClr>
+              </a:gs>
+              <a:gs pos="69000">
+                <a:schemeClr val="accent5">
+                  <a:alpha val="0"/>
+                </a:schemeClr>
+              </a:gs>
+              <a:gs pos="36000">
+                <a:schemeClr val="accent5">
+                  <a:alpha val="6000"/>
+                </a:schemeClr>
+              </a:gs>
+            </a:gsLst>
+            <a:path path="circle">
+              <a:fillToRect l="50000" t="50000" r="50000" b="50000"/>
+            </a:path>
+            <a:tileRect/>
+          </a:gradFill>
+          <a:ln>
+            <a:noFill/>
+          </a:ln>
+          <a:effectLst/>
+        </p:spPr>
+        <p:style>
+          <a:lnRef idx="1">
+            <a:schemeClr val="accent1"/>
+          </a:lnRef>
+          <a:fillRef idx="3">
+            <a:schemeClr val="accent1"/>
+          </a:fillRef>
+          <a:effectRef idx="2">
+            <a:schemeClr val="accent1"/>
+          </a:effectRef>
+          <a:fontRef idx="minor">
+            <a:schemeClr val="lt1"/>
+          </a:fontRef>
+        </p:style>
+      </p:sp>
+      <p:pic>
+        <p:nvPicPr>
+          <p:cNvPr id="16" name="Picture 15">
+            <a:extLst>
+              <a:ext uri="{FF2B5EF4-FFF2-40B4-BE49-F238E27FC236}">
+                <a16:creationId xmlns:a16="http://schemas.microsoft.com/office/drawing/2014/main" id="{2742ADC1-2286-40B7-A3C6-D6C3362FA04B}"/>
+              </a:ext>
+              <a:ext uri="{C183D7F6-B498-43B3-948B-1728B52AA6E4}">
+                <adec:decorative xmlns:adec="http://schemas.microsoft.com/office/drawing/2017/decorative" val="1"/>
+              </a:ext>
+            </a:extLst>
+          </p:cNvPr>
+          <p:cNvPicPr>
+            <a:picLocks noGrp="1" noRot="1" noChangeAspect="1" noMove="1" noResize="1" noEditPoints="1" noAdjustHandles="1" noChangeArrowheads="1" noChangeShapeType="1" noCrop="1"/>
+          </p:cNvPicPr>
+          <p:nvPr>
+            <p:extLst>
+              <p:ext uri="{386F3935-93C4-4BCD-93E2-E3B085C9AB24}">
+                <p16:designElem xmlns:p16="http://schemas.microsoft.com/office/powerpoint/2015/main" val="1"/>
+              </p:ext>
+            </p:extLst>
+          </p:nvPr>
+        </p:nvPicPr>
+        <p:blipFill rotWithShape="1">
+          <a:blip r:embed="rId5">
+            <a:extLst>
+              <a:ext uri="{28A0092B-C50C-407E-A947-70E740481C1C}">
+                <a14:useLocalDpi xmlns:a14="http://schemas.microsoft.com/office/drawing/2010/main" val="0"/>
+              </a:ext>
+            </a:extLst>
+          </a:blip>
+          <a:srcRect t="28813"/>
+          <a:stretch/>
+        </p:blipFill>
+        <p:spPr>
+          <a:xfrm>
+            <a:off x="7999412" y="0"/>
+            <a:ext cx="1603387" cy="1141407"/>
+          </a:xfrm>
+          <a:prstGeom prst="rect">
+            <a:avLst/>
+          </a:prstGeom>
+        </p:spPr>
+      </p:pic>
+      <p:pic>
+        <p:nvPicPr>
+          <p:cNvPr id="18" name="Picture 17">
+            <a:extLst>
+              <a:ext uri="{FF2B5EF4-FFF2-40B4-BE49-F238E27FC236}">
+                <a16:creationId xmlns:a16="http://schemas.microsoft.com/office/drawing/2014/main" id="{C878FBDC-78F2-4D49-8DB3-1A48CA9F7FC0}"/>
+              </a:ext>
+              <a:ext uri="{C183D7F6-B498-43B3-948B-1728B52AA6E4}">
+                <adec:decorative xmlns:adec="http://schemas.microsoft.com/office/drawing/2017/decorative" val="1"/>
+              </a:ext>
+            </a:extLst>
+          </p:cNvPr>
+          <p:cNvPicPr>
+            <a:picLocks noGrp="1" noRot="1" noChangeAspect="1" noMove="1" noResize="1" noEditPoints="1" noAdjustHandles="1" noChangeArrowheads="1" noChangeShapeType="1" noCrop="1"/>
+          </p:cNvPicPr>
+          <p:nvPr>
+            <p:extLst>
+              <p:ext uri="{386F3935-93C4-4BCD-93E2-E3B085C9AB24}">
+                <p16:designElem xmlns:p16="http://schemas.microsoft.com/office/powerpoint/2015/main" val="1"/>
+              </p:ext>
+            </p:extLst>
+          </p:nvPr>
+        </p:nvPicPr>
+        <p:blipFill rotWithShape="1">
+          <a:blip r:embed="rId6">
+            <a:extLst>
+              <a:ext uri="{28A0092B-C50C-407E-A947-70E740481C1C}">
+                <a14:useLocalDpi xmlns:a14="http://schemas.microsoft.com/office/drawing/2010/main" val="0"/>
+              </a:ext>
+            </a:extLst>
+          </a:blip>
+          <a:srcRect b="23320"/>
+          <a:stretch/>
+        </p:blipFill>
+        <p:spPr>
+          <a:xfrm>
+            <a:off x="8609012" y="6096000"/>
+            <a:ext cx="993734" cy="762000"/>
+          </a:xfrm>
+          <a:prstGeom prst="rect">
+            <a:avLst/>
+          </a:prstGeom>
+        </p:spPr>
+      </p:pic>
+      <p:sp>
+        <p:nvSpPr>
+          <p:cNvPr id="20" name="Rectangle 19">
+            <a:extLst>
+              <a:ext uri="{FF2B5EF4-FFF2-40B4-BE49-F238E27FC236}">
+                <a16:creationId xmlns:a16="http://schemas.microsoft.com/office/drawing/2014/main" id="{DC9A0934-0C2C-4565-9290-A345B19BD94C}"/>
+              </a:ext>
+              <a:ext uri="{C183D7F6-B498-43B3-948B-1728B52AA6E4}">
+                <adec:decorative xmlns:adec="http://schemas.microsoft.com/office/drawing/2017/decorative" val="1"/>
+              </a:ext>
+            </a:extLst>
+          </p:cNvPr>
+          <p:cNvSpPr>
+            <a:spLocks noGrp="1" noRot="1" noChangeAspect="1" noMove="1" noResize="1" noEditPoints="1" noAdjustHandles="1" noChangeArrowheads="1" noChangeShapeType="1" noTextEdit="1"/>
+          </p:cNvSpPr>
+          <p:nvPr>
+            <p:extLst>
+              <p:ext uri="{386F3935-93C4-4BCD-93E2-E3B085C9AB24}">
+                <p16:designElem xmlns:p16="http://schemas.microsoft.com/office/powerpoint/2015/main" val="1"/>
+              </p:ext>
+            </p:extLst>
+          </p:nvPr>
+        </p:nvSpPr>
+        <p:spPr>
+          <a:xfrm>
+            <a:off x="10437812" y="0"/>
+            <a:ext cx="685800" cy="1143000"/>
+          </a:xfrm>
+          <a:prstGeom prst="rect">
+            <a:avLst/>
+          </a:prstGeom>
+          <a:solidFill>
+            <a:schemeClr val="accent1"/>
+          </a:solidFill>
+          <a:ln>
+            <a:noFill/>
+          </a:ln>
+        </p:spPr>
+        <p:style>
+          <a:lnRef idx="1">
+            <a:schemeClr val="accent1"/>
+          </a:lnRef>
+          <a:fillRef idx="3">
+            <a:schemeClr val="accent1"/>
+          </a:fillRef>
+          <a:effectRef idx="2">
+            <a:schemeClr val="accent1"/>
+          </a:effectRef>
+          <a:fontRef idx="minor">
+            <a:schemeClr val="lt1"/>
+          </a:fontRef>
+        </p:style>
+      </p:sp>
+      <p:sp>
+        <p:nvSpPr>
+          <p:cNvPr id="2" name="Title 1">
+            <a:extLst>
+              <a:ext uri="{FF2B5EF4-FFF2-40B4-BE49-F238E27FC236}">
+                <a16:creationId xmlns:a16="http://schemas.microsoft.com/office/drawing/2014/main" id="{B190B870-638F-41B7-AB87-F98041BC5E49}"/>
+              </a:ext>
+            </a:extLst>
+          </p:cNvPr>
+          <p:cNvSpPr>
+            <a:spLocks noGrp="1"/>
+          </p:cNvSpPr>
+          <p:nvPr>
+            <p:ph type="title"/>
+          </p:nvPr>
+        </p:nvSpPr>
+        <p:spPr>
+          <a:xfrm>
+            <a:off x="7800978" y="1325880"/>
+            <a:ext cx="4177661" cy="3066507"/>
+          </a:xfrm>
+        </p:spPr>
+        <p:txBody>
+          <a:bodyPr vert="horz" lIns="91440" tIns="45720" rIns="91440" bIns="45720" rtlCol="0" anchor="b">
+            <a:normAutofit/>
+          </a:bodyPr>
+          <a:lstStyle/>
+          <a:p>
+            <a:r>
+              <a:rPr lang="en-US" sz="5400" dirty="0"/>
+              <a:t>Output Screenshots</a:t>
+            </a:r>
+          </a:p>
+        </p:txBody>
+      </p:sp>
+      <p:sp>
+        <p:nvSpPr>
+          <p:cNvPr id="22" name="Rectangle 21">
+            <a:extLst>
+              <a:ext uri="{FF2B5EF4-FFF2-40B4-BE49-F238E27FC236}">
+                <a16:creationId xmlns:a16="http://schemas.microsoft.com/office/drawing/2014/main" id="{87BE56A7-2B14-4ABE-8DF3-40C07E64B19D}"/>
+              </a:ext>
+              <a:ext uri="{C183D7F6-B498-43B3-948B-1728B52AA6E4}">
+                <adec:decorative xmlns:adec="http://schemas.microsoft.com/office/drawing/2017/decorative" val="1"/>
+              </a:ext>
+            </a:extLst>
+          </p:cNvPr>
+          <p:cNvSpPr>
+            <a:spLocks noGrp="1" noRot="1" noChangeAspect="1" noMove="1" noResize="1" noEditPoints="1" noAdjustHandles="1" noChangeArrowheads="1" noChangeShapeType="1" noTextEdit="1"/>
+          </p:cNvSpPr>
+          <p:nvPr>
+            <p:extLst>
+              <p:ext uri="{386F3935-93C4-4BCD-93E2-E3B085C9AB24}">
+                <p16:designElem xmlns:p16="http://schemas.microsoft.com/office/powerpoint/2015/main" val="1"/>
+              </p:ext>
+            </p:extLst>
+          </p:nvPr>
+        </p:nvSpPr>
+        <p:spPr>
+          <a:xfrm>
+            <a:off x="0" y="0"/>
+            <a:ext cx="7157124" cy="6858000"/>
+          </a:xfrm>
+          <a:prstGeom prst="rect">
+            <a:avLst/>
+          </a:prstGeom>
+          <a:solidFill>
+            <a:srgbClr val="FFFFFF"/>
+          </a:solidFill>
+          <a:ln>
+            <a:noFill/>
+          </a:ln>
+        </p:spPr>
+        <p:style>
+          <a:lnRef idx="2">
+            <a:schemeClr val="accent1">
+              <a:shade val="50000"/>
+            </a:schemeClr>
+          </a:lnRef>
+          <a:fillRef idx="1">
+            <a:schemeClr val="accent1"/>
+          </a:fillRef>
+          <a:effectRef idx="0">
+            <a:schemeClr val="accent1"/>
+          </a:effectRef>
+          <a:fontRef idx="minor">
+            <a:schemeClr val="lt1"/>
+          </a:fontRef>
+        </p:style>
+        <p:txBody>
+          <a:bodyPr rtlCol="0" anchor="ctr"/>
+          <a:lstStyle/>
+          <a:p>
+            <a:pPr algn="ctr"/>
+            <a:endParaRPr lang="en-US"/>
+          </a:p>
+        </p:txBody>
+      </p:sp>
+      <p:sp>
+        <p:nvSpPr>
+          <p:cNvPr id="24" name="Freeform 36">
+            <a:extLst>
+              <a:ext uri="{FF2B5EF4-FFF2-40B4-BE49-F238E27FC236}">
+                <a16:creationId xmlns:a16="http://schemas.microsoft.com/office/drawing/2014/main" id="{140D5101-D8FB-4102-A338-49651E97150A}"/>
+              </a:ext>
+              <a:ext uri="{C183D7F6-B498-43B3-948B-1728B52AA6E4}">
+                <adec:decorative xmlns:adec="http://schemas.microsoft.com/office/drawing/2017/decorative" val="1"/>
+              </a:ext>
+            </a:extLst>
+          </p:cNvPr>
+          <p:cNvSpPr>
+            <a:spLocks noGrp="1" noRot="1" noChangeAspect="1" noMove="1" noResize="1" noEditPoints="1" noAdjustHandles="1" noChangeArrowheads="1" noChangeShapeType="1" noTextEdit="1"/>
+          </p:cNvSpPr>
+          <p:nvPr>
+            <p:extLst>
+              <p:ext uri="{386F3935-93C4-4BCD-93E2-E3B085C9AB24}">
+                <p16:designElem xmlns:p16="http://schemas.microsoft.com/office/powerpoint/2015/main" val="1"/>
+              </p:ext>
+            </p:extLst>
+          </p:nvPr>
+        </p:nvSpPr>
+        <p:spPr>
+          <a:xfrm flipH="1">
+            <a:off x="7463681" y="-1"/>
+            <a:ext cx="559472" cy="3709642"/>
+          </a:xfrm>
+          <a:custGeom>
+            <a:avLst/>
+            <a:gdLst>
+              <a:gd name="connsiteX0" fmla="*/ 0 w 559472"/>
+              <a:gd name="connsiteY0" fmla="*/ 0 h 3709642"/>
+              <a:gd name="connsiteX1" fmla="*/ 473952 w 559472"/>
+              <a:gd name="connsiteY1" fmla="*/ 0 h 3709642"/>
+              <a:gd name="connsiteX2" fmla="*/ 485840 w 559472"/>
+              <a:gd name="connsiteY2" fmla="*/ 161194 h 3709642"/>
+              <a:gd name="connsiteX3" fmla="*/ 523949 w 559472"/>
+              <a:gd name="connsiteY3" fmla="*/ 3672197 h 3709642"/>
+              <a:gd name="connsiteX4" fmla="*/ 454748 w 559472"/>
+              <a:gd name="connsiteY4" fmla="*/ 3709642 h 3709642"/>
+              <a:gd name="connsiteX5" fmla="*/ 448224 w 559472"/>
+              <a:gd name="connsiteY5" fmla="*/ 3510471 h 3709642"/>
+              <a:gd name="connsiteX6" fmla="*/ 443564 w 559472"/>
+              <a:gd name="connsiteY6" fmla="*/ 3408563 h 3709642"/>
+              <a:gd name="connsiteX7" fmla="*/ 438902 w 559472"/>
+              <a:gd name="connsiteY7" fmla="*/ 3304407 h 3709642"/>
+              <a:gd name="connsiteX8" fmla="*/ 433941 w 559472"/>
+              <a:gd name="connsiteY8" fmla="*/ 3198777 h 3709642"/>
+              <a:gd name="connsiteX9" fmla="*/ 427584 w 559472"/>
+              <a:gd name="connsiteY9" fmla="*/ 3092510 h 3709642"/>
+              <a:gd name="connsiteX10" fmla="*/ 420988 w 559472"/>
+              <a:gd name="connsiteY10" fmla="*/ 2984390 h 3709642"/>
+              <a:gd name="connsiteX11" fmla="*/ 414330 w 559472"/>
+              <a:gd name="connsiteY11" fmla="*/ 2874401 h 3709642"/>
+              <a:gd name="connsiteX12" fmla="*/ 406840 w 559472"/>
+              <a:gd name="connsiteY12" fmla="*/ 2762980 h 3709642"/>
+              <a:gd name="connsiteX13" fmla="*/ 397745 w 559472"/>
+              <a:gd name="connsiteY13" fmla="*/ 2650566 h 3709642"/>
+              <a:gd name="connsiteX14" fmla="*/ 389154 w 559472"/>
+              <a:gd name="connsiteY14" fmla="*/ 2536612 h 3709642"/>
+              <a:gd name="connsiteX15" fmla="*/ 379225 w 559472"/>
+              <a:gd name="connsiteY15" fmla="*/ 2421642 h 3709642"/>
+              <a:gd name="connsiteX16" fmla="*/ 368316 w 559472"/>
+              <a:gd name="connsiteY16" fmla="*/ 2305627 h 3709642"/>
+              <a:gd name="connsiteX17" fmla="*/ 357466 w 559472"/>
+              <a:gd name="connsiteY17" fmla="*/ 2189233 h 3709642"/>
+              <a:gd name="connsiteX18" fmla="*/ 344982 w 559472"/>
+              <a:gd name="connsiteY18" fmla="*/ 2071473 h 3709642"/>
+              <a:gd name="connsiteX19" fmla="*/ 332466 w 559472"/>
+              <a:gd name="connsiteY19" fmla="*/ 1952216 h 3709642"/>
+              <a:gd name="connsiteX20" fmla="*/ 319121 w 559472"/>
+              <a:gd name="connsiteY20" fmla="*/ 1833776 h 3709642"/>
+              <a:gd name="connsiteX21" fmla="*/ 304408 w 559472"/>
+              <a:gd name="connsiteY21" fmla="*/ 1713948 h 3709642"/>
+              <a:gd name="connsiteX22" fmla="*/ 288685 w 559472"/>
+              <a:gd name="connsiteY22" fmla="*/ 1592703 h 3709642"/>
+              <a:gd name="connsiteX23" fmla="*/ 273050 w 559472"/>
+              <a:gd name="connsiteY23" fmla="*/ 1471451 h 3709642"/>
+              <a:gd name="connsiteX24" fmla="*/ 255813 w 559472"/>
+              <a:gd name="connsiteY24" fmla="*/ 1350328 h 3709642"/>
+              <a:gd name="connsiteX25" fmla="*/ 237060 w 559472"/>
+              <a:gd name="connsiteY25" fmla="*/ 1227080 h 3709642"/>
+              <a:gd name="connsiteX26" fmla="*/ 218488 w 559472"/>
+              <a:gd name="connsiteY26" fmla="*/ 1106065 h 3709642"/>
+              <a:gd name="connsiteX27" fmla="*/ 198221 w 559472"/>
+              <a:gd name="connsiteY27" fmla="*/ 982940 h 3709642"/>
+              <a:gd name="connsiteX28" fmla="*/ 177152 w 559472"/>
+              <a:gd name="connsiteY28" fmla="*/ 858755 h 3709642"/>
+              <a:gd name="connsiteX29" fmla="*/ 155551 w 559472"/>
+              <a:gd name="connsiteY29" fmla="*/ 736861 h 3709642"/>
+              <a:gd name="connsiteX30" fmla="*/ 131782 w 559472"/>
+              <a:gd name="connsiteY30" fmla="*/ 613645 h 3709642"/>
+              <a:gd name="connsiteX31" fmla="*/ 107123 w 559472"/>
+              <a:gd name="connsiteY31" fmla="*/ 490500 h 3709642"/>
+              <a:gd name="connsiteX32" fmla="*/ 82552 w 559472"/>
+              <a:gd name="connsiteY32" fmla="*/ 367348 h 3709642"/>
+              <a:gd name="connsiteX33" fmla="*/ 55608 w 559472"/>
+              <a:gd name="connsiteY33" fmla="*/ 244762 h 3709642"/>
+              <a:gd name="connsiteX34" fmla="*/ 28130 w 559472"/>
+              <a:gd name="connsiteY34" fmla="*/ 122220 h 3709642"/>
+              <a:gd name="connsiteX35" fmla="*/ 0 w 559472"/>
+              <a:gd name="connsiteY35" fmla="*/ 0 h 3709642"/>
+            </a:gdLst>
+            <a:ahLst/>
+            <a:cxnLst>
+              <a:cxn ang="0">
+                <a:pos x="connsiteX0" y="connsiteY0"/>
+              </a:cxn>
+              <a:cxn ang="0">
+                <a:pos x="connsiteX1" y="connsiteY1"/>
+              </a:cxn>
+              <a:cxn ang="0">
+                <a:pos x="connsiteX2" y="connsiteY2"/>
+              </a:cxn>
+              <a:cxn ang="0">
+                <a:pos x="connsiteX3" y="connsiteY3"/>
+              </a:cxn>
+              <a:cxn ang="0">
+                <a:pos x="connsiteX4" y="connsiteY4"/>
+              </a:cxn>
+              <a:cxn ang="0">
+                <a:pos x="connsiteX5" y="connsiteY5"/>
+              </a:cxn>
+              <a:cxn ang="0">
+                <a:pos x="connsiteX6" y="connsiteY6"/>
+              </a:cxn>
+              <a:cxn ang="0">
+                <a:pos x="connsiteX7" y="connsiteY7"/>
+              </a:cxn>
+              <a:cxn ang="0">
+                <a:pos x="connsiteX8" y="connsiteY8"/>
+              </a:cxn>
+              <a:cxn ang="0">
+                <a:pos x="connsiteX9" y="connsiteY9"/>
+              </a:cxn>
+              <a:cxn ang="0">
+                <a:pos x="connsiteX10" y="connsiteY10"/>
+              </a:cxn>
+              <a:cxn ang="0">
+                <a:pos x="connsiteX11" y="connsiteY11"/>
+              </a:cxn>
+              <a:cxn ang="0">
+                <a:pos x="connsiteX12" y="connsiteY12"/>
+              </a:cxn>
+              <a:cxn ang="0">
+                <a:pos x="connsiteX13" y="connsiteY13"/>
+              </a:cxn>
+              <a:cxn ang="0">
+                <a:pos x="connsiteX14" y="connsiteY14"/>
+              </a:cxn>
+              <a:cxn ang="0">
+                <a:pos x="connsiteX15" y="connsiteY15"/>
+              </a:cxn>
+              <a:cxn ang="0">
+                <a:pos x="connsiteX16" y="connsiteY16"/>
+              </a:cxn>
+              <a:cxn ang="0">
+                <a:pos x="connsiteX17" y="connsiteY17"/>
+              </a:cxn>
+              <a:cxn ang="0">
+                <a:pos x="connsiteX18" y="connsiteY18"/>
+              </a:cxn>
+              <a:cxn ang="0">
+                <a:pos x="connsiteX19" y="connsiteY19"/>
+              </a:cxn>
+              <a:cxn ang="0">
+                <a:pos x="connsiteX20" y="connsiteY20"/>
+              </a:cxn>
+              <a:cxn ang="0">
+                <a:pos x="connsiteX21" y="connsiteY21"/>
+              </a:cxn>
+              <a:cxn ang="0">
+                <a:pos x="connsiteX22" y="connsiteY22"/>
+              </a:cxn>
+              <a:cxn ang="0">
+                <a:pos x="connsiteX23" y="connsiteY23"/>
+              </a:cxn>
+              <a:cxn ang="0">
+                <a:pos x="connsiteX24" y="connsiteY24"/>
+              </a:cxn>
+              <a:cxn ang="0">
+                <a:pos x="connsiteX25" y="connsiteY25"/>
+              </a:cxn>
+              <a:cxn ang="0">
+                <a:pos x="connsiteX26" y="connsiteY26"/>
+              </a:cxn>
+              <a:cxn ang="0">
+                <a:pos x="connsiteX27" y="connsiteY27"/>
+              </a:cxn>
+              <a:cxn ang="0">
+                <a:pos x="connsiteX28" y="connsiteY28"/>
+              </a:cxn>
+              <a:cxn ang="0">
+                <a:pos x="connsiteX29" y="connsiteY29"/>
+              </a:cxn>
+              <a:cxn ang="0">
+                <a:pos x="connsiteX30" y="connsiteY30"/>
+              </a:cxn>
+              <a:cxn ang="0">
+                <a:pos x="connsiteX31" y="connsiteY31"/>
+              </a:cxn>
+              <a:cxn ang="0">
+                <a:pos x="connsiteX32" y="connsiteY32"/>
+              </a:cxn>
+              <a:cxn ang="0">
+                <a:pos x="connsiteX33" y="connsiteY33"/>
+              </a:cxn>
+              <a:cxn ang="0">
+                <a:pos x="connsiteX34" y="connsiteY34"/>
+              </a:cxn>
+              <a:cxn ang="0">
+                <a:pos x="connsiteX35" y="connsiteY35"/>
+              </a:cxn>
+            </a:cxnLst>
+            <a:rect l="l" t="t" r="r" b="b"/>
+            <a:pathLst>
+              <a:path w="559472" h="3709642">
+                <a:moveTo>
+                  <a:pt x="0" y="0"/>
+                </a:moveTo>
+                <a:lnTo>
+                  <a:pt x="473952" y="0"/>
+                </a:lnTo>
+                <a:lnTo>
+                  <a:pt x="485840" y="161194"/>
+                </a:lnTo>
+                <a:cubicBezTo>
+                  <a:pt x="552063" y="1147770"/>
+                  <a:pt x="592441" y="3086737"/>
+                  <a:pt x="523949" y="3672197"/>
+                </a:cubicBezTo>
+                <a:cubicBezTo>
+                  <a:pt x="500842" y="3684557"/>
+                  <a:pt x="477855" y="3697282"/>
+                  <a:pt x="454748" y="3709642"/>
+                </a:cubicBezTo>
+                <a:lnTo>
+                  <a:pt x="448224" y="3510471"/>
+                </a:lnTo>
+                <a:lnTo>
+                  <a:pt x="443564" y="3408563"/>
+                </a:lnTo>
+                <a:lnTo>
+                  <a:pt x="438902" y="3304407"/>
+                </a:lnTo>
+                <a:lnTo>
+                  <a:pt x="433941" y="3198777"/>
+                </a:lnTo>
+                <a:lnTo>
+                  <a:pt x="427584" y="3092510"/>
+                </a:lnTo>
+                <a:lnTo>
+                  <a:pt x="420988" y="2984390"/>
+                </a:lnTo>
+                <a:lnTo>
+                  <a:pt x="414330" y="2874401"/>
+                </a:lnTo>
+                <a:lnTo>
+                  <a:pt x="406840" y="2762980"/>
+                </a:lnTo>
+                <a:lnTo>
+                  <a:pt x="397745" y="2650566"/>
+                </a:lnTo>
+                <a:lnTo>
+                  <a:pt x="389154" y="2536612"/>
+                </a:lnTo>
+                <a:lnTo>
+                  <a:pt x="379225" y="2421642"/>
+                </a:lnTo>
+                <a:lnTo>
+                  <a:pt x="368316" y="2305627"/>
+                </a:lnTo>
+                <a:lnTo>
+                  <a:pt x="357466" y="2189233"/>
+                </a:lnTo>
+                <a:lnTo>
+                  <a:pt x="344982" y="2071473"/>
+                </a:lnTo>
+                <a:lnTo>
+                  <a:pt x="332466" y="1952216"/>
+                </a:lnTo>
+                <a:lnTo>
+                  <a:pt x="319121" y="1833776"/>
+                </a:lnTo>
+                <a:lnTo>
+                  <a:pt x="304408" y="1713948"/>
+                </a:lnTo>
+                <a:lnTo>
+                  <a:pt x="288685" y="1592703"/>
+                </a:lnTo>
+                <a:lnTo>
+                  <a:pt x="273050" y="1471451"/>
+                </a:lnTo>
+                <a:lnTo>
+                  <a:pt x="255813" y="1350328"/>
+                </a:lnTo>
+                <a:lnTo>
+                  <a:pt x="237060" y="1227080"/>
+                </a:lnTo>
+                <a:lnTo>
+                  <a:pt x="218488" y="1106065"/>
+                </a:lnTo>
+                <a:lnTo>
+                  <a:pt x="198221" y="982940"/>
+                </a:lnTo>
+                <a:lnTo>
+                  <a:pt x="177152" y="858755"/>
+                </a:lnTo>
+                <a:lnTo>
+                  <a:pt x="155551" y="736861"/>
+                </a:lnTo>
+                <a:lnTo>
+                  <a:pt x="131782" y="613645"/>
+                </a:lnTo>
+                <a:lnTo>
+                  <a:pt x="107123" y="490500"/>
+                </a:lnTo>
+                <a:lnTo>
+                  <a:pt x="82552" y="367348"/>
+                </a:lnTo>
+                <a:lnTo>
+                  <a:pt x="55608" y="244762"/>
+                </a:lnTo>
+                <a:lnTo>
+                  <a:pt x="28130" y="122220"/>
+                </a:lnTo>
+                <a:lnTo>
+                  <a:pt x="0" y="0"/>
+                </a:lnTo>
+                <a:close/>
+              </a:path>
+            </a:pathLst>
+          </a:custGeom>
+          <a:solidFill>
+            <a:schemeClr val="tx1">
+              <a:alpha val="20000"/>
+            </a:schemeClr>
+          </a:solidFill>
+          <a:ln>
+            <a:noFill/>
+          </a:ln>
+        </p:spPr>
+        <p:txBody>
+          <a:bodyPr rtlCol="0" anchor="ctr"/>
+          <a:lstStyle/>
+          <a:p>
+            <a:pPr algn="ctr"/>
+            <a:endParaRPr lang="en-US"/>
+          </a:p>
+        </p:txBody>
+      </p:sp>
+      <p:sp>
+        <p:nvSpPr>
+          <p:cNvPr id="26" name="Freeform 5">
+            <a:extLst>
+              <a:ext uri="{FF2B5EF4-FFF2-40B4-BE49-F238E27FC236}">
+                <a16:creationId xmlns:a16="http://schemas.microsoft.com/office/drawing/2014/main" id="{73E26159-C029-4449-8912-A9B418CC328B}"/>
+              </a:ext>
+              <a:ext uri="{C183D7F6-B498-43B3-948B-1728B52AA6E4}">
+                <adec:decorative xmlns:adec="http://schemas.microsoft.com/office/drawing/2017/decorative" val="1"/>
+              </a:ext>
+            </a:extLst>
+          </p:cNvPr>
+          <p:cNvSpPr>
+            <a:spLocks noGrp="1" noRot="1" noChangeAspect="1" noMove="1" noResize="1" noEditPoints="1" noAdjustHandles="1" noChangeArrowheads="1" noChangeShapeType="1" noTextEdit="1"/>
+          </p:cNvSpPr>
+          <p:nvPr>
+            <p:extLst>
+              <p:ext uri="{386F3935-93C4-4BCD-93E2-E3B085C9AB24}">
+                <p16:designElem xmlns:p16="http://schemas.microsoft.com/office/powerpoint/2015/main" val="1"/>
+              </p:ext>
+            </p:extLst>
+          </p:nvPr>
+        </p:nvSpPr>
+        <p:spPr bwMode="gray">
+          <a:xfrm rot="5400000" flipH="1">
+            <a:off x="3708596" y="2756642"/>
+            <a:ext cx="6858000" cy="1344715"/>
+          </a:xfrm>
+          <a:custGeom>
+            <a:avLst/>
+            <a:gdLst/>
+            <a:ahLst/>
+            <a:cxnLst/>
+            <a:rect l="l" t="t" r="r" b="b"/>
+            <a:pathLst>
+              <a:path w="10000" h="8000">
+                <a:moveTo>
+                  <a:pt x="0" y="0"/>
+                </a:moveTo>
+                <a:lnTo>
+                  <a:pt x="0" y="7970"/>
+                </a:lnTo>
+                <a:lnTo>
+                  <a:pt x="10000" y="8000"/>
+                </a:lnTo>
+                <a:lnTo>
+                  <a:pt x="10000" y="7"/>
+                </a:lnTo>
+                <a:lnTo>
+                  <a:pt x="10000" y="7"/>
+                </a:lnTo>
+                <a:lnTo>
+                  <a:pt x="9773" y="156"/>
+                </a:lnTo>
+                <a:lnTo>
+                  <a:pt x="9547" y="298"/>
+                </a:lnTo>
+                <a:lnTo>
+                  <a:pt x="9320" y="437"/>
+                </a:lnTo>
+                <a:lnTo>
+                  <a:pt x="9092" y="556"/>
+                </a:lnTo>
+                <a:lnTo>
+                  <a:pt x="8865" y="676"/>
+                </a:lnTo>
+                <a:lnTo>
+                  <a:pt x="8637" y="788"/>
+                </a:lnTo>
+                <a:lnTo>
+                  <a:pt x="8412" y="884"/>
+                </a:lnTo>
+                <a:lnTo>
+                  <a:pt x="8184" y="975"/>
+                </a:lnTo>
+                <a:lnTo>
+                  <a:pt x="7957" y="1058"/>
+                </a:lnTo>
+                <a:lnTo>
+                  <a:pt x="7734" y="1130"/>
+                </a:lnTo>
+                <a:lnTo>
+                  <a:pt x="7508" y="1202"/>
+                </a:lnTo>
+                <a:lnTo>
+                  <a:pt x="7285" y="1262"/>
+                </a:lnTo>
+                <a:lnTo>
+                  <a:pt x="7062" y="1309"/>
+                </a:lnTo>
+                <a:lnTo>
+                  <a:pt x="6840" y="1358"/>
+                </a:lnTo>
+                <a:lnTo>
+                  <a:pt x="6620" y="1399"/>
+                </a:lnTo>
+                <a:lnTo>
+                  <a:pt x="6402" y="1428"/>
+                </a:lnTo>
+                <a:lnTo>
+                  <a:pt x="6184" y="1453"/>
+                </a:lnTo>
+                <a:lnTo>
+                  <a:pt x="5968" y="1477"/>
+                </a:lnTo>
+                <a:lnTo>
+                  <a:pt x="5755" y="1488"/>
+                </a:lnTo>
+                <a:lnTo>
+                  <a:pt x="5542" y="1500"/>
+                </a:lnTo>
+                <a:lnTo>
+                  <a:pt x="5332" y="1506"/>
+                </a:lnTo>
+                <a:lnTo>
+                  <a:pt x="5124" y="1500"/>
+                </a:lnTo>
+                <a:lnTo>
+                  <a:pt x="4918" y="1500"/>
+                </a:lnTo>
+                <a:lnTo>
+                  <a:pt x="4714" y="1488"/>
+                </a:lnTo>
+                <a:lnTo>
+                  <a:pt x="4514" y="1470"/>
+                </a:lnTo>
+                <a:lnTo>
+                  <a:pt x="4316" y="1453"/>
+                </a:lnTo>
+                <a:lnTo>
+                  <a:pt x="4122" y="1434"/>
+                </a:lnTo>
+                <a:lnTo>
+                  <a:pt x="3929" y="1405"/>
+                </a:lnTo>
+                <a:lnTo>
+                  <a:pt x="3739" y="1374"/>
+                </a:lnTo>
+                <a:lnTo>
+                  <a:pt x="3553" y="1346"/>
+                </a:lnTo>
+                <a:lnTo>
+                  <a:pt x="3190" y="1267"/>
+                </a:lnTo>
+                <a:lnTo>
+                  <a:pt x="2842" y="1183"/>
+                </a:lnTo>
+                <a:lnTo>
+                  <a:pt x="2508" y="1095"/>
+                </a:lnTo>
+                <a:lnTo>
+                  <a:pt x="2192" y="998"/>
+                </a:lnTo>
+                <a:lnTo>
+                  <a:pt x="1890" y="897"/>
+                </a:lnTo>
+                <a:lnTo>
+                  <a:pt x="1610" y="788"/>
+                </a:lnTo>
+                <a:lnTo>
+                  <a:pt x="1347" y="681"/>
+                </a:lnTo>
+                <a:lnTo>
+                  <a:pt x="1105" y="574"/>
+                </a:lnTo>
+                <a:lnTo>
+                  <a:pt x="883" y="473"/>
+                </a:lnTo>
+                <a:lnTo>
+                  <a:pt x="686" y="377"/>
+                </a:lnTo>
+                <a:lnTo>
+                  <a:pt x="508" y="286"/>
+                </a:lnTo>
+                <a:lnTo>
+                  <a:pt x="358" y="210"/>
+                </a:lnTo>
+                <a:lnTo>
+                  <a:pt x="232" y="138"/>
+                </a:lnTo>
+                <a:lnTo>
+                  <a:pt x="59" y="35"/>
+                </a:lnTo>
+                <a:lnTo>
+                  <a:pt x="0" y="0"/>
+                </a:lnTo>
+                <a:lnTo>
+                  <a:pt x="0" y="0"/>
+                </a:lnTo>
+                <a:close/>
+              </a:path>
+            </a:pathLst>
+          </a:custGeom>
+          <a:solidFill>
+            <a:srgbClr val="FFFFFF"/>
+          </a:solidFill>
+          <a:ln>
+            <a:noFill/>
+          </a:ln>
+        </p:spPr>
+      </p:sp>
+      <p:pic>
+        <p:nvPicPr>
+          <p:cNvPr id="5" name="Content Placeholder 4">
+            <a:extLst>
+              <a:ext uri="{FF2B5EF4-FFF2-40B4-BE49-F238E27FC236}">
+                <a16:creationId xmlns:a16="http://schemas.microsoft.com/office/drawing/2014/main" id="{9037F5EA-BAA2-4D94-805A-A08E3C8C31BC}"/>
+              </a:ext>
+            </a:extLst>
+          </p:cNvPr>
+          <p:cNvPicPr>
+            <a:picLocks noGrp="1" noChangeAspect="1"/>
+          </p:cNvPicPr>
+          <p:nvPr>
+            <p:ph idx="1"/>
+          </p:nvPr>
+        </p:nvPicPr>
+        <p:blipFill>
+          <a:blip r:embed="rId7"/>
+          <a:stretch>
+            <a:fillRect/>
+          </a:stretch>
+        </p:blipFill>
+        <p:spPr>
+          <a:xfrm>
+            <a:off x="345439" y="233680"/>
+            <a:ext cx="6818959" cy="6217919"/>
+          </a:xfrm>
+          <a:prstGeom prst="rect">
+            <a:avLst/>
+          </a:prstGeom>
+          <a:effectLst/>
+        </p:spPr>
+      </p:pic>
+    </p:spTree>
+    <p:extLst>
+      <p:ext uri="{BB962C8B-B14F-4D97-AF65-F5344CB8AC3E}">
+        <p14:creationId xmlns:p14="http://schemas.microsoft.com/office/powerpoint/2010/main" val="1390482365"/>
+      </p:ext>
+    </p:extLst>
+  </p:cSld>
+  <p:clrMapOvr>
+    <a:masterClrMapping/>
+  </p:clrMapOvr>
+</p:sld>
+</file>
+
+<file path=ppt/slides/slide11.xml><?xml version="1.0" encoding="utf-8"?>
+<p:sld xmlns:a="http://schemas.openxmlformats.org/drawingml/2006/main" xmlns:r="http://schemas.openxmlformats.org/officeDocument/2006/relationships" xmlns:p="http://schemas.openxmlformats.org/presentationml/2006/main">
+  <p:cSld>
+    <p:spTree>
+      <p:nvGrpSpPr>
+        <p:cNvPr id="1" name=""/>
+        <p:cNvGrpSpPr/>
+        <p:nvPr/>
+      </p:nvGrpSpPr>
+      <p:grpSpPr>
+        <a:xfrm>
+          <a:off x="0" y="0"/>
+          <a:ext cx="0" cy="0"/>
+          <a:chOff x="0" y="0"/>
+          <a:chExt cx="0" cy="0"/>
+        </a:xfrm>
+      </p:grpSpPr>
+      <p:sp>
+        <p:nvSpPr>
+          <p:cNvPr id="2" name="Title 1">
+            <a:extLst>
+              <a:ext uri="{FF2B5EF4-FFF2-40B4-BE49-F238E27FC236}">
+                <a16:creationId xmlns:a16="http://schemas.microsoft.com/office/drawing/2014/main" id="{2E39A541-2F5A-44F9-8095-EF72928C9919}"/>
+              </a:ext>
+            </a:extLst>
+          </p:cNvPr>
+          <p:cNvSpPr>
+            <a:spLocks noGrp="1"/>
+          </p:cNvSpPr>
+          <p:nvPr>
+            <p:ph type="title"/>
+          </p:nvPr>
+        </p:nvSpPr>
+        <p:spPr>
+          <a:xfrm>
+            <a:off x="523876" y="2167217"/>
+            <a:ext cx="11744324" cy="3366807"/>
+          </a:xfrm>
+        </p:spPr>
+        <p:txBody>
+          <a:bodyPr/>
+          <a:lstStyle/>
+          <a:p>
+            <a:r>
+              <a:rPr lang="en-US" sz="12000" dirty="0">
+                <a:solidFill>
+                  <a:schemeClr val="accent4"/>
+                </a:solidFill>
+              </a:rPr>
+              <a:t>Thank  You…!!!</a:t>
+            </a:r>
+            <a:br>
+              <a:rPr lang="en-US" dirty="0"/>
+            </a:br>
+            <a:r>
+              <a:rPr lang="en-US" dirty="0"/>
+              <a:t>						</a:t>
+            </a:r>
+            <a:br>
+              <a:rPr lang="en-US" dirty="0"/>
+            </a:br>
+            <a:r>
+              <a:rPr lang="en-US" dirty="0"/>
+              <a:t>						</a:t>
+            </a:r>
+            <a:r>
+              <a:rPr lang="en-US" dirty="0">
+                <a:latin typeface="+mn-lt"/>
+              </a:rPr>
+              <a:t>Any Questions </a:t>
+            </a:r>
+            <a:r>
+              <a:rPr lang="en-US" dirty="0">
+                <a:latin typeface="Algerian" panose="04020705040A02060702" pitchFamily="82" charset="0"/>
+              </a:rPr>
+              <a:t>?</a:t>
+            </a:r>
+          </a:p>
+        </p:txBody>
+      </p:sp>
+    </p:spTree>
+    <p:extLst>
+      <p:ext uri="{BB962C8B-B14F-4D97-AF65-F5344CB8AC3E}">
+        <p14:creationId xmlns:p14="http://schemas.microsoft.com/office/powerpoint/2010/main" val="1185828808"/>
+      </p:ext>
+    </p:extLst>
+  </p:cSld>
+  <p:clrMapOvr>
+    <a:masterClrMapping/>
+  </p:clrMapOvr>
+</p:sld>
+</file>
+
 <file path=ppt/slides/slide2.xml><?xml version="1.0" encoding="utf-8"?>
 <p:sld xmlns:a="http://schemas.openxmlformats.org/drawingml/2006/main" xmlns:r="http://schemas.openxmlformats.org/officeDocument/2006/relationships" xmlns:p="http://schemas.openxmlformats.org/presentationml/2006/main">
   <p:cSld>
@@ -6336,6 +8312,29 @@
 <file path=ppt/slides/slide4.xml><?xml version="1.0" encoding="utf-8"?>
 <p:sld xmlns:a="http://schemas.openxmlformats.org/drawingml/2006/main" xmlns:r="http://schemas.openxmlformats.org/officeDocument/2006/relationships" xmlns:p="http://schemas.openxmlformats.org/presentationml/2006/main">
   <p:cSld>
+    <p:bg>
+      <p:bgPr>
+        <a:blipFill rotWithShape="1">
+          <a:blip r:embed="rId2">
+            <a:duotone>
+              <a:schemeClr val="bg2">
+                <a:shade val="69000"/>
+                <a:hueMod val="91000"/>
+                <a:satMod val="164000"/>
+                <a:lumMod val="74000"/>
+              </a:schemeClr>
+              <a:schemeClr val="bg2">
+                <a:hueMod val="124000"/>
+                <a:satMod val="140000"/>
+                <a:lumMod val="142000"/>
+              </a:schemeClr>
+            </a:duotone>
+          </a:blip>
+          <a:stretch/>
+        </a:blipFill>
+        <a:effectLst/>
+      </p:bgPr>
+    </p:bg>
     <p:spTree>
       <p:nvGrpSpPr>
         <p:cNvPr id="1" name=""/>
@@ -6350,12 +8349,1367 @@
           <a:chExt cx="0" cy="0"/>
         </a:xfrm>
       </p:grpSpPr>
+      <p:pic>
+        <p:nvPicPr>
+          <p:cNvPr id="13" name="Picture 12">
+            <a:extLst>
+              <a:ext uri="{FF2B5EF4-FFF2-40B4-BE49-F238E27FC236}">
+                <a16:creationId xmlns:a16="http://schemas.microsoft.com/office/drawing/2014/main" id="{C9134821-5D8B-4373-BA74-CFE9AB35A55A}"/>
+              </a:ext>
+              <a:ext uri="{C183D7F6-B498-43B3-948B-1728B52AA6E4}">
+                <adec:decorative xmlns:adec="http://schemas.microsoft.com/office/drawing/2017/decorative" val="1"/>
+              </a:ext>
+            </a:extLst>
+          </p:cNvPr>
+          <p:cNvPicPr>
+            <a:picLocks noGrp="1" noRot="1" noChangeAspect="1" noMove="1" noResize="1" noEditPoints="1" noAdjustHandles="1" noChangeArrowheads="1" noChangeShapeType="1" noCrop="1"/>
+          </p:cNvPicPr>
+          <p:nvPr>
+            <p:extLst>
+              <p:ext uri="{386F3935-93C4-4BCD-93E2-E3B085C9AB24}">
+                <p16:designElem xmlns:p16="http://schemas.microsoft.com/office/powerpoint/2015/main" val="1"/>
+              </p:ext>
+            </p:extLst>
+          </p:nvPr>
+        </p:nvPicPr>
+        <p:blipFill rotWithShape="1">
+          <a:blip r:embed="rId3">
+            <a:extLst>
+              <a:ext uri="{28A0092B-C50C-407E-A947-70E740481C1C}">
+                <a14:useLocalDpi xmlns:a14="http://schemas.microsoft.com/office/drawing/2010/main" val="0"/>
+              </a:ext>
+            </a:extLst>
+          </a:blip>
+          <a:srcRect l="3644"/>
+          <a:stretch/>
+        </p:blipFill>
+        <p:spPr>
+          <a:xfrm>
+            <a:off x="0" y="2669685"/>
+            <a:ext cx="4035669" cy="4188315"/>
+          </a:xfrm>
+          <a:prstGeom prst="rect">
+            <a:avLst/>
+          </a:prstGeom>
+        </p:spPr>
+      </p:pic>
+      <p:pic>
+        <p:nvPicPr>
+          <p:cNvPr id="15" name="Picture 14">
+            <a:extLst>
+              <a:ext uri="{FF2B5EF4-FFF2-40B4-BE49-F238E27FC236}">
+                <a16:creationId xmlns:a16="http://schemas.microsoft.com/office/drawing/2014/main" id="{5965195F-79F5-4911-907D-13CB3F534351}"/>
+              </a:ext>
+              <a:ext uri="{C183D7F6-B498-43B3-948B-1728B52AA6E4}">
+                <adec:decorative xmlns:adec="http://schemas.microsoft.com/office/drawing/2017/decorative" val="1"/>
+              </a:ext>
+            </a:extLst>
+          </p:cNvPr>
+          <p:cNvPicPr>
+            <a:picLocks noGrp="1" noRot="1" noChangeAspect="1" noMove="1" noResize="1" noEditPoints="1" noAdjustHandles="1" noChangeArrowheads="1" noChangeShapeType="1" noCrop="1"/>
+          </p:cNvPicPr>
+          <p:nvPr>
+            <p:extLst>
+              <p:ext uri="{386F3935-93C4-4BCD-93E2-E3B085C9AB24}">
+                <p16:designElem xmlns:p16="http://schemas.microsoft.com/office/powerpoint/2015/main" val="1"/>
+              </p:ext>
+            </p:extLst>
+          </p:nvPr>
+        </p:nvPicPr>
+        <p:blipFill rotWithShape="1">
+          <a:blip r:embed="rId4">
+            <a:extLst>
+              <a:ext uri="{28A0092B-C50C-407E-A947-70E740481C1C}">
+                <a14:useLocalDpi xmlns:a14="http://schemas.microsoft.com/office/drawing/2010/main" val="0"/>
+              </a:ext>
+            </a:extLst>
+          </a:blip>
+          <a:srcRect l="35640"/>
+          <a:stretch/>
+        </p:blipFill>
+        <p:spPr>
+          <a:xfrm>
+            <a:off x="0" y="2892347"/>
+            <a:ext cx="1522412" cy="2365453"/>
+          </a:xfrm>
+          <a:prstGeom prst="rect">
+            <a:avLst/>
+          </a:prstGeom>
+        </p:spPr>
+      </p:pic>
+      <p:sp>
+        <p:nvSpPr>
+          <p:cNvPr id="17" name="Oval 16">
+            <a:extLst>
+              <a:ext uri="{FF2B5EF4-FFF2-40B4-BE49-F238E27FC236}">
+                <a16:creationId xmlns:a16="http://schemas.microsoft.com/office/drawing/2014/main" id="{8A610DC7-FE1B-47B9-8452-CFC389786C2D}"/>
+              </a:ext>
+              <a:ext uri="{C183D7F6-B498-43B3-948B-1728B52AA6E4}">
+                <adec:decorative xmlns:adec="http://schemas.microsoft.com/office/drawing/2017/decorative" val="1"/>
+              </a:ext>
+            </a:extLst>
+          </p:cNvPr>
+          <p:cNvSpPr>
+            <a:spLocks noGrp="1" noRot="1" noChangeAspect="1" noMove="1" noResize="1" noEditPoints="1" noAdjustHandles="1" noChangeArrowheads="1" noChangeShapeType="1" noTextEdit="1"/>
+          </p:cNvSpPr>
+          <p:nvPr>
+            <p:extLst>
+              <p:ext uri="{386F3935-93C4-4BCD-93E2-E3B085C9AB24}">
+                <p16:designElem xmlns:p16="http://schemas.microsoft.com/office/powerpoint/2015/main" val="1"/>
+              </p:ext>
+            </p:extLst>
+          </p:nvPr>
+        </p:nvSpPr>
+        <p:spPr>
+          <a:xfrm>
+            <a:off x="8609012" y="1676400"/>
+            <a:ext cx="2819400" cy="2819400"/>
+          </a:xfrm>
+          <a:prstGeom prst="ellipse">
+            <a:avLst/>
+          </a:prstGeom>
+          <a:gradFill flip="none" rotWithShape="1">
+            <a:gsLst>
+              <a:gs pos="0">
+                <a:schemeClr val="accent5">
+                  <a:alpha val="7000"/>
+                </a:schemeClr>
+              </a:gs>
+              <a:gs pos="69000">
+                <a:schemeClr val="accent5">
+                  <a:alpha val="0"/>
+                </a:schemeClr>
+              </a:gs>
+              <a:gs pos="36000">
+                <a:schemeClr val="accent5">
+                  <a:alpha val="6000"/>
+                </a:schemeClr>
+              </a:gs>
+            </a:gsLst>
+            <a:path path="circle">
+              <a:fillToRect l="50000" t="50000" r="50000" b="50000"/>
+            </a:path>
+            <a:tileRect/>
+          </a:gradFill>
+          <a:ln>
+            <a:noFill/>
+          </a:ln>
+          <a:effectLst/>
+        </p:spPr>
+        <p:style>
+          <a:lnRef idx="1">
+            <a:schemeClr val="accent1"/>
+          </a:lnRef>
+          <a:fillRef idx="3">
+            <a:schemeClr val="accent1"/>
+          </a:fillRef>
+          <a:effectRef idx="2">
+            <a:schemeClr val="accent1"/>
+          </a:effectRef>
+          <a:fontRef idx="minor">
+            <a:schemeClr val="lt1"/>
+          </a:fontRef>
+        </p:style>
+      </p:sp>
+      <p:pic>
+        <p:nvPicPr>
+          <p:cNvPr id="19" name="Picture 18">
+            <a:extLst>
+              <a:ext uri="{FF2B5EF4-FFF2-40B4-BE49-F238E27FC236}">
+                <a16:creationId xmlns:a16="http://schemas.microsoft.com/office/drawing/2014/main" id="{2742ADC1-2286-40B7-A3C6-D6C3362FA04B}"/>
+              </a:ext>
+              <a:ext uri="{C183D7F6-B498-43B3-948B-1728B52AA6E4}">
+                <adec:decorative xmlns:adec="http://schemas.microsoft.com/office/drawing/2017/decorative" val="1"/>
+              </a:ext>
+            </a:extLst>
+          </p:cNvPr>
+          <p:cNvPicPr>
+            <a:picLocks noGrp="1" noRot="1" noChangeAspect="1" noMove="1" noResize="1" noEditPoints="1" noAdjustHandles="1" noChangeArrowheads="1" noChangeShapeType="1" noCrop="1"/>
+          </p:cNvPicPr>
+          <p:nvPr>
+            <p:extLst>
+              <p:ext uri="{386F3935-93C4-4BCD-93E2-E3B085C9AB24}">
+                <p16:designElem xmlns:p16="http://schemas.microsoft.com/office/powerpoint/2015/main" val="1"/>
+              </p:ext>
+            </p:extLst>
+          </p:nvPr>
+        </p:nvPicPr>
+        <p:blipFill rotWithShape="1">
+          <a:blip r:embed="rId5">
+            <a:extLst>
+              <a:ext uri="{28A0092B-C50C-407E-A947-70E740481C1C}">
+                <a14:useLocalDpi xmlns:a14="http://schemas.microsoft.com/office/drawing/2010/main" val="0"/>
+              </a:ext>
+            </a:extLst>
+          </a:blip>
+          <a:srcRect t="28813"/>
+          <a:stretch/>
+        </p:blipFill>
+        <p:spPr>
+          <a:xfrm>
+            <a:off x="7999412" y="0"/>
+            <a:ext cx="1603387" cy="1141407"/>
+          </a:xfrm>
+          <a:prstGeom prst="rect">
+            <a:avLst/>
+          </a:prstGeom>
+        </p:spPr>
+      </p:pic>
+      <p:pic>
+        <p:nvPicPr>
+          <p:cNvPr id="21" name="Picture 20">
+            <a:extLst>
+              <a:ext uri="{FF2B5EF4-FFF2-40B4-BE49-F238E27FC236}">
+                <a16:creationId xmlns:a16="http://schemas.microsoft.com/office/drawing/2014/main" id="{C878FBDC-78F2-4D49-8DB3-1A48CA9F7FC0}"/>
+              </a:ext>
+              <a:ext uri="{C183D7F6-B498-43B3-948B-1728B52AA6E4}">
+                <adec:decorative xmlns:adec="http://schemas.microsoft.com/office/drawing/2017/decorative" val="1"/>
+              </a:ext>
+            </a:extLst>
+          </p:cNvPr>
+          <p:cNvPicPr>
+            <a:picLocks noGrp="1" noRot="1" noChangeAspect="1" noMove="1" noResize="1" noEditPoints="1" noAdjustHandles="1" noChangeArrowheads="1" noChangeShapeType="1" noCrop="1"/>
+          </p:cNvPicPr>
+          <p:nvPr>
+            <p:extLst>
+              <p:ext uri="{386F3935-93C4-4BCD-93E2-E3B085C9AB24}">
+                <p16:designElem xmlns:p16="http://schemas.microsoft.com/office/powerpoint/2015/main" val="1"/>
+              </p:ext>
+            </p:extLst>
+          </p:nvPr>
+        </p:nvPicPr>
+        <p:blipFill rotWithShape="1">
+          <a:blip r:embed="rId6">
+            <a:extLst>
+              <a:ext uri="{28A0092B-C50C-407E-A947-70E740481C1C}">
+                <a14:useLocalDpi xmlns:a14="http://schemas.microsoft.com/office/drawing/2010/main" val="0"/>
+              </a:ext>
+            </a:extLst>
+          </a:blip>
+          <a:srcRect b="23320"/>
+          <a:stretch/>
+        </p:blipFill>
+        <p:spPr>
+          <a:xfrm>
+            <a:off x="8609012" y="6096000"/>
+            <a:ext cx="993734" cy="762000"/>
+          </a:xfrm>
+          <a:prstGeom prst="rect">
+            <a:avLst/>
+          </a:prstGeom>
+        </p:spPr>
+      </p:pic>
+      <p:sp>
+        <p:nvSpPr>
+          <p:cNvPr id="23" name="Rectangle 22">
+            <a:extLst>
+              <a:ext uri="{FF2B5EF4-FFF2-40B4-BE49-F238E27FC236}">
+                <a16:creationId xmlns:a16="http://schemas.microsoft.com/office/drawing/2014/main" id="{DC9A0934-0C2C-4565-9290-A345B19BD94C}"/>
+              </a:ext>
+              <a:ext uri="{C183D7F6-B498-43B3-948B-1728B52AA6E4}">
+                <adec:decorative xmlns:adec="http://schemas.microsoft.com/office/drawing/2017/decorative" val="1"/>
+              </a:ext>
+            </a:extLst>
+          </p:cNvPr>
+          <p:cNvSpPr>
+            <a:spLocks noGrp="1" noRot="1" noChangeAspect="1" noMove="1" noResize="1" noEditPoints="1" noAdjustHandles="1" noChangeArrowheads="1" noChangeShapeType="1" noTextEdit="1"/>
+          </p:cNvSpPr>
+          <p:nvPr>
+            <p:extLst>
+              <p:ext uri="{386F3935-93C4-4BCD-93E2-E3B085C9AB24}">
+                <p16:designElem xmlns:p16="http://schemas.microsoft.com/office/powerpoint/2015/main" val="1"/>
+              </p:ext>
+            </p:extLst>
+          </p:nvPr>
+        </p:nvSpPr>
+        <p:spPr>
+          <a:xfrm>
+            <a:off x="10437812" y="0"/>
+            <a:ext cx="685800" cy="1143000"/>
+          </a:xfrm>
+          <a:prstGeom prst="rect">
+            <a:avLst/>
+          </a:prstGeom>
+          <a:solidFill>
+            <a:schemeClr val="accent1"/>
+          </a:solidFill>
+          <a:ln>
+            <a:noFill/>
+          </a:ln>
+        </p:spPr>
+        <p:style>
+          <a:lnRef idx="1">
+            <a:schemeClr val="accent1"/>
+          </a:lnRef>
+          <a:fillRef idx="3">
+            <a:schemeClr val="accent1"/>
+          </a:fillRef>
+          <a:effectRef idx="2">
+            <a:schemeClr val="accent1"/>
+          </a:effectRef>
+          <a:fontRef idx="minor">
+            <a:schemeClr val="lt1"/>
+          </a:fontRef>
+        </p:style>
+      </p:sp>
+      <p:sp>
+        <p:nvSpPr>
+          <p:cNvPr id="6" name="TextBox 5">
+            <a:extLst>
+              <a:ext uri="{FF2B5EF4-FFF2-40B4-BE49-F238E27FC236}">
+                <a16:creationId xmlns:a16="http://schemas.microsoft.com/office/drawing/2014/main" id="{A48317E7-BFE4-43AA-8223-42A8C6905DCA}"/>
+              </a:ext>
+            </a:extLst>
+          </p:cNvPr>
+          <p:cNvSpPr txBox="1"/>
+          <p:nvPr/>
+        </p:nvSpPr>
+        <p:spPr>
+          <a:xfrm>
+            <a:off x="7809954" y="1325880"/>
+            <a:ext cx="4153445" cy="3066507"/>
+          </a:xfrm>
+          <a:prstGeom prst="rect">
+            <a:avLst/>
+          </a:prstGeom>
+        </p:spPr>
+        <p:txBody>
+          <a:bodyPr vert="horz" lIns="91440" tIns="45720" rIns="91440" bIns="45720" rtlCol="0" anchor="b">
+            <a:normAutofit/>
+          </a:bodyPr>
+          <a:lstStyle/>
+          <a:p>
+            <a:pPr>
+              <a:spcBef>
+                <a:spcPct val="0"/>
+              </a:spcBef>
+              <a:spcAft>
+                <a:spcPts val="600"/>
+              </a:spcAft>
+            </a:pPr>
+            <a:r>
+              <a:rPr lang="en-US" sz="5400" dirty="0">
+                <a:solidFill>
+                  <a:schemeClr val="tx2"/>
+                </a:solidFill>
+                <a:latin typeface="+mj-lt"/>
+                <a:ea typeface="+mj-ea"/>
+                <a:cs typeface="+mj-cs"/>
+              </a:rPr>
+              <a:t>Output Screenshots</a:t>
+            </a:r>
+          </a:p>
+        </p:txBody>
+      </p:sp>
+      <p:sp>
+        <p:nvSpPr>
+          <p:cNvPr id="25" name="Rectangle 24">
+            <a:extLst>
+              <a:ext uri="{FF2B5EF4-FFF2-40B4-BE49-F238E27FC236}">
+                <a16:creationId xmlns:a16="http://schemas.microsoft.com/office/drawing/2014/main" id="{87BE56A7-2B14-4ABE-8DF3-40C07E64B19D}"/>
+              </a:ext>
+              <a:ext uri="{C183D7F6-B498-43B3-948B-1728B52AA6E4}">
+                <adec:decorative xmlns:adec="http://schemas.microsoft.com/office/drawing/2017/decorative" val="1"/>
+              </a:ext>
+            </a:extLst>
+          </p:cNvPr>
+          <p:cNvSpPr>
+            <a:spLocks noGrp="1" noRot="1" noChangeAspect="1" noMove="1" noResize="1" noEditPoints="1" noAdjustHandles="1" noChangeArrowheads="1" noChangeShapeType="1" noTextEdit="1"/>
+          </p:cNvSpPr>
+          <p:nvPr>
+            <p:extLst>
+              <p:ext uri="{386F3935-93C4-4BCD-93E2-E3B085C9AB24}">
+                <p16:designElem xmlns:p16="http://schemas.microsoft.com/office/powerpoint/2015/main" val="1"/>
+              </p:ext>
+            </p:extLst>
+          </p:nvPr>
+        </p:nvSpPr>
+        <p:spPr>
+          <a:xfrm>
+            <a:off x="0" y="0"/>
+            <a:ext cx="7157124" cy="6858000"/>
+          </a:xfrm>
+          <a:prstGeom prst="rect">
+            <a:avLst/>
+          </a:prstGeom>
+          <a:solidFill>
+            <a:srgbClr val="FFFFFF"/>
+          </a:solidFill>
+          <a:ln>
+            <a:noFill/>
+          </a:ln>
+        </p:spPr>
+        <p:style>
+          <a:lnRef idx="2">
+            <a:schemeClr val="accent1">
+              <a:shade val="50000"/>
+            </a:schemeClr>
+          </a:lnRef>
+          <a:fillRef idx="1">
+            <a:schemeClr val="accent1"/>
+          </a:fillRef>
+          <a:effectRef idx="0">
+            <a:schemeClr val="accent1"/>
+          </a:effectRef>
+          <a:fontRef idx="minor">
+            <a:schemeClr val="lt1"/>
+          </a:fontRef>
+        </p:style>
+        <p:txBody>
+          <a:bodyPr rtlCol="0" anchor="ctr"/>
+          <a:lstStyle/>
+          <a:p>
+            <a:pPr algn="ctr"/>
+            <a:endParaRPr lang="en-US"/>
+          </a:p>
+        </p:txBody>
+      </p:sp>
+      <p:sp>
+        <p:nvSpPr>
+          <p:cNvPr id="27" name="Freeform 36">
+            <a:extLst>
+              <a:ext uri="{FF2B5EF4-FFF2-40B4-BE49-F238E27FC236}">
+                <a16:creationId xmlns:a16="http://schemas.microsoft.com/office/drawing/2014/main" id="{140D5101-D8FB-4102-A338-49651E97150A}"/>
+              </a:ext>
+              <a:ext uri="{C183D7F6-B498-43B3-948B-1728B52AA6E4}">
+                <adec:decorative xmlns:adec="http://schemas.microsoft.com/office/drawing/2017/decorative" val="1"/>
+              </a:ext>
+            </a:extLst>
+          </p:cNvPr>
+          <p:cNvSpPr>
+            <a:spLocks noGrp="1" noRot="1" noChangeAspect="1" noMove="1" noResize="1" noEditPoints="1" noAdjustHandles="1" noChangeArrowheads="1" noChangeShapeType="1" noTextEdit="1"/>
+          </p:cNvSpPr>
+          <p:nvPr>
+            <p:extLst>
+              <p:ext uri="{386F3935-93C4-4BCD-93E2-E3B085C9AB24}">
+                <p16:designElem xmlns:p16="http://schemas.microsoft.com/office/powerpoint/2015/main" val="1"/>
+              </p:ext>
+            </p:extLst>
+          </p:nvPr>
+        </p:nvSpPr>
+        <p:spPr>
+          <a:xfrm flipH="1">
+            <a:off x="7463681" y="-1"/>
+            <a:ext cx="559472" cy="3709642"/>
+          </a:xfrm>
+          <a:custGeom>
+            <a:avLst/>
+            <a:gdLst>
+              <a:gd name="connsiteX0" fmla="*/ 0 w 559472"/>
+              <a:gd name="connsiteY0" fmla="*/ 0 h 3709642"/>
+              <a:gd name="connsiteX1" fmla="*/ 473952 w 559472"/>
+              <a:gd name="connsiteY1" fmla="*/ 0 h 3709642"/>
+              <a:gd name="connsiteX2" fmla="*/ 485840 w 559472"/>
+              <a:gd name="connsiteY2" fmla="*/ 161194 h 3709642"/>
+              <a:gd name="connsiteX3" fmla="*/ 523949 w 559472"/>
+              <a:gd name="connsiteY3" fmla="*/ 3672197 h 3709642"/>
+              <a:gd name="connsiteX4" fmla="*/ 454748 w 559472"/>
+              <a:gd name="connsiteY4" fmla="*/ 3709642 h 3709642"/>
+              <a:gd name="connsiteX5" fmla="*/ 448224 w 559472"/>
+              <a:gd name="connsiteY5" fmla="*/ 3510471 h 3709642"/>
+              <a:gd name="connsiteX6" fmla="*/ 443564 w 559472"/>
+              <a:gd name="connsiteY6" fmla="*/ 3408563 h 3709642"/>
+              <a:gd name="connsiteX7" fmla="*/ 438902 w 559472"/>
+              <a:gd name="connsiteY7" fmla="*/ 3304407 h 3709642"/>
+              <a:gd name="connsiteX8" fmla="*/ 433941 w 559472"/>
+              <a:gd name="connsiteY8" fmla="*/ 3198777 h 3709642"/>
+              <a:gd name="connsiteX9" fmla="*/ 427584 w 559472"/>
+              <a:gd name="connsiteY9" fmla="*/ 3092510 h 3709642"/>
+              <a:gd name="connsiteX10" fmla="*/ 420988 w 559472"/>
+              <a:gd name="connsiteY10" fmla="*/ 2984390 h 3709642"/>
+              <a:gd name="connsiteX11" fmla="*/ 414330 w 559472"/>
+              <a:gd name="connsiteY11" fmla="*/ 2874401 h 3709642"/>
+              <a:gd name="connsiteX12" fmla="*/ 406840 w 559472"/>
+              <a:gd name="connsiteY12" fmla="*/ 2762980 h 3709642"/>
+              <a:gd name="connsiteX13" fmla="*/ 397745 w 559472"/>
+              <a:gd name="connsiteY13" fmla="*/ 2650566 h 3709642"/>
+              <a:gd name="connsiteX14" fmla="*/ 389154 w 559472"/>
+              <a:gd name="connsiteY14" fmla="*/ 2536612 h 3709642"/>
+              <a:gd name="connsiteX15" fmla="*/ 379225 w 559472"/>
+              <a:gd name="connsiteY15" fmla="*/ 2421642 h 3709642"/>
+              <a:gd name="connsiteX16" fmla="*/ 368316 w 559472"/>
+              <a:gd name="connsiteY16" fmla="*/ 2305627 h 3709642"/>
+              <a:gd name="connsiteX17" fmla="*/ 357466 w 559472"/>
+              <a:gd name="connsiteY17" fmla="*/ 2189233 h 3709642"/>
+              <a:gd name="connsiteX18" fmla="*/ 344982 w 559472"/>
+              <a:gd name="connsiteY18" fmla="*/ 2071473 h 3709642"/>
+              <a:gd name="connsiteX19" fmla="*/ 332466 w 559472"/>
+              <a:gd name="connsiteY19" fmla="*/ 1952216 h 3709642"/>
+              <a:gd name="connsiteX20" fmla="*/ 319121 w 559472"/>
+              <a:gd name="connsiteY20" fmla="*/ 1833776 h 3709642"/>
+              <a:gd name="connsiteX21" fmla="*/ 304408 w 559472"/>
+              <a:gd name="connsiteY21" fmla="*/ 1713948 h 3709642"/>
+              <a:gd name="connsiteX22" fmla="*/ 288685 w 559472"/>
+              <a:gd name="connsiteY22" fmla="*/ 1592703 h 3709642"/>
+              <a:gd name="connsiteX23" fmla="*/ 273050 w 559472"/>
+              <a:gd name="connsiteY23" fmla="*/ 1471451 h 3709642"/>
+              <a:gd name="connsiteX24" fmla="*/ 255813 w 559472"/>
+              <a:gd name="connsiteY24" fmla="*/ 1350328 h 3709642"/>
+              <a:gd name="connsiteX25" fmla="*/ 237060 w 559472"/>
+              <a:gd name="connsiteY25" fmla="*/ 1227080 h 3709642"/>
+              <a:gd name="connsiteX26" fmla="*/ 218488 w 559472"/>
+              <a:gd name="connsiteY26" fmla="*/ 1106065 h 3709642"/>
+              <a:gd name="connsiteX27" fmla="*/ 198221 w 559472"/>
+              <a:gd name="connsiteY27" fmla="*/ 982940 h 3709642"/>
+              <a:gd name="connsiteX28" fmla="*/ 177152 w 559472"/>
+              <a:gd name="connsiteY28" fmla="*/ 858755 h 3709642"/>
+              <a:gd name="connsiteX29" fmla="*/ 155551 w 559472"/>
+              <a:gd name="connsiteY29" fmla="*/ 736861 h 3709642"/>
+              <a:gd name="connsiteX30" fmla="*/ 131782 w 559472"/>
+              <a:gd name="connsiteY30" fmla="*/ 613645 h 3709642"/>
+              <a:gd name="connsiteX31" fmla="*/ 107123 w 559472"/>
+              <a:gd name="connsiteY31" fmla="*/ 490500 h 3709642"/>
+              <a:gd name="connsiteX32" fmla="*/ 82552 w 559472"/>
+              <a:gd name="connsiteY32" fmla="*/ 367348 h 3709642"/>
+              <a:gd name="connsiteX33" fmla="*/ 55608 w 559472"/>
+              <a:gd name="connsiteY33" fmla="*/ 244762 h 3709642"/>
+              <a:gd name="connsiteX34" fmla="*/ 28130 w 559472"/>
+              <a:gd name="connsiteY34" fmla="*/ 122220 h 3709642"/>
+              <a:gd name="connsiteX35" fmla="*/ 0 w 559472"/>
+              <a:gd name="connsiteY35" fmla="*/ 0 h 3709642"/>
+            </a:gdLst>
+            <a:ahLst/>
+            <a:cxnLst>
+              <a:cxn ang="0">
+                <a:pos x="connsiteX0" y="connsiteY0"/>
+              </a:cxn>
+              <a:cxn ang="0">
+                <a:pos x="connsiteX1" y="connsiteY1"/>
+              </a:cxn>
+              <a:cxn ang="0">
+                <a:pos x="connsiteX2" y="connsiteY2"/>
+              </a:cxn>
+              <a:cxn ang="0">
+                <a:pos x="connsiteX3" y="connsiteY3"/>
+              </a:cxn>
+              <a:cxn ang="0">
+                <a:pos x="connsiteX4" y="connsiteY4"/>
+              </a:cxn>
+              <a:cxn ang="0">
+                <a:pos x="connsiteX5" y="connsiteY5"/>
+              </a:cxn>
+              <a:cxn ang="0">
+                <a:pos x="connsiteX6" y="connsiteY6"/>
+              </a:cxn>
+              <a:cxn ang="0">
+                <a:pos x="connsiteX7" y="connsiteY7"/>
+              </a:cxn>
+              <a:cxn ang="0">
+                <a:pos x="connsiteX8" y="connsiteY8"/>
+              </a:cxn>
+              <a:cxn ang="0">
+                <a:pos x="connsiteX9" y="connsiteY9"/>
+              </a:cxn>
+              <a:cxn ang="0">
+                <a:pos x="connsiteX10" y="connsiteY10"/>
+              </a:cxn>
+              <a:cxn ang="0">
+                <a:pos x="connsiteX11" y="connsiteY11"/>
+              </a:cxn>
+              <a:cxn ang="0">
+                <a:pos x="connsiteX12" y="connsiteY12"/>
+              </a:cxn>
+              <a:cxn ang="0">
+                <a:pos x="connsiteX13" y="connsiteY13"/>
+              </a:cxn>
+              <a:cxn ang="0">
+                <a:pos x="connsiteX14" y="connsiteY14"/>
+              </a:cxn>
+              <a:cxn ang="0">
+                <a:pos x="connsiteX15" y="connsiteY15"/>
+              </a:cxn>
+              <a:cxn ang="0">
+                <a:pos x="connsiteX16" y="connsiteY16"/>
+              </a:cxn>
+              <a:cxn ang="0">
+                <a:pos x="connsiteX17" y="connsiteY17"/>
+              </a:cxn>
+              <a:cxn ang="0">
+                <a:pos x="connsiteX18" y="connsiteY18"/>
+              </a:cxn>
+              <a:cxn ang="0">
+                <a:pos x="connsiteX19" y="connsiteY19"/>
+              </a:cxn>
+              <a:cxn ang="0">
+                <a:pos x="connsiteX20" y="connsiteY20"/>
+              </a:cxn>
+              <a:cxn ang="0">
+                <a:pos x="connsiteX21" y="connsiteY21"/>
+              </a:cxn>
+              <a:cxn ang="0">
+                <a:pos x="connsiteX22" y="connsiteY22"/>
+              </a:cxn>
+              <a:cxn ang="0">
+                <a:pos x="connsiteX23" y="connsiteY23"/>
+              </a:cxn>
+              <a:cxn ang="0">
+                <a:pos x="connsiteX24" y="connsiteY24"/>
+              </a:cxn>
+              <a:cxn ang="0">
+                <a:pos x="connsiteX25" y="connsiteY25"/>
+              </a:cxn>
+              <a:cxn ang="0">
+                <a:pos x="connsiteX26" y="connsiteY26"/>
+              </a:cxn>
+              <a:cxn ang="0">
+                <a:pos x="connsiteX27" y="connsiteY27"/>
+              </a:cxn>
+              <a:cxn ang="0">
+                <a:pos x="connsiteX28" y="connsiteY28"/>
+              </a:cxn>
+              <a:cxn ang="0">
+                <a:pos x="connsiteX29" y="connsiteY29"/>
+              </a:cxn>
+              <a:cxn ang="0">
+                <a:pos x="connsiteX30" y="connsiteY30"/>
+              </a:cxn>
+              <a:cxn ang="0">
+                <a:pos x="connsiteX31" y="connsiteY31"/>
+              </a:cxn>
+              <a:cxn ang="0">
+                <a:pos x="connsiteX32" y="connsiteY32"/>
+              </a:cxn>
+              <a:cxn ang="0">
+                <a:pos x="connsiteX33" y="connsiteY33"/>
+              </a:cxn>
+              <a:cxn ang="0">
+                <a:pos x="connsiteX34" y="connsiteY34"/>
+              </a:cxn>
+              <a:cxn ang="0">
+                <a:pos x="connsiteX35" y="connsiteY35"/>
+              </a:cxn>
+            </a:cxnLst>
+            <a:rect l="l" t="t" r="r" b="b"/>
+            <a:pathLst>
+              <a:path w="559472" h="3709642">
+                <a:moveTo>
+                  <a:pt x="0" y="0"/>
+                </a:moveTo>
+                <a:lnTo>
+                  <a:pt x="473952" y="0"/>
+                </a:lnTo>
+                <a:lnTo>
+                  <a:pt x="485840" y="161194"/>
+                </a:lnTo>
+                <a:cubicBezTo>
+                  <a:pt x="552063" y="1147770"/>
+                  <a:pt x="592441" y="3086737"/>
+                  <a:pt x="523949" y="3672197"/>
+                </a:cubicBezTo>
+                <a:cubicBezTo>
+                  <a:pt x="500842" y="3684557"/>
+                  <a:pt x="477855" y="3697282"/>
+                  <a:pt x="454748" y="3709642"/>
+                </a:cubicBezTo>
+                <a:lnTo>
+                  <a:pt x="448224" y="3510471"/>
+                </a:lnTo>
+                <a:lnTo>
+                  <a:pt x="443564" y="3408563"/>
+                </a:lnTo>
+                <a:lnTo>
+                  <a:pt x="438902" y="3304407"/>
+                </a:lnTo>
+                <a:lnTo>
+                  <a:pt x="433941" y="3198777"/>
+                </a:lnTo>
+                <a:lnTo>
+                  <a:pt x="427584" y="3092510"/>
+                </a:lnTo>
+                <a:lnTo>
+                  <a:pt x="420988" y="2984390"/>
+                </a:lnTo>
+                <a:lnTo>
+                  <a:pt x="414330" y="2874401"/>
+                </a:lnTo>
+                <a:lnTo>
+                  <a:pt x="406840" y="2762980"/>
+                </a:lnTo>
+                <a:lnTo>
+                  <a:pt x="397745" y="2650566"/>
+                </a:lnTo>
+                <a:lnTo>
+                  <a:pt x="389154" y="2536612"/>
+                </a:lnTo>
+                <a:lnTo>
+                  <a:pt x="379225" y="2421642"/>
+                </a:lnTo>
+                <a:lnTo>
+                  <a:pt x="368316" y="2305627"/>
+                </a:lnTo>
+                <a:lnTo>
+                  <a:pt x="357466" y="2189233"/>
+                </a:lnTo>
+                <a:lnTo>
+                  <a:pt x="344982" y="2071473"/>
+                </a:lnTo>
+                <a:lnTo>
+                  <a:pt x="332466" y="1952216"/>
+                </a:lnTo>
+                <a:lnTo>
+                  <a:pt x="319121" y="1833776"/>
+                </a:lnTo>
+                <a:lnTo>
+                  <a:pt x="304408" y="1713948"/>
+                </a:lnTo>
+                <a:lnTo>
+                  <a:pt x="288685" y="1592703"/>
+                </a:lnTo>
+                <a:lnTo>
+                  <a:pt x="273050" y="1471451"/>
+                </a:lnTo>
+                <a:lnTo>
+                  <a:pt x="255813" y="1350328"/>
+                </a:lnTo>
+                <a:lnTo>
+                  <a:pt x="237060" y="1227080"/>
+                </a:lnTo>
+                <a:lnTo>
+                  <a:pt x="218488" y="1106065"/>
+                </a:lnTo>
+                <a:lnTo>
+                  <a:pt x="198221" y="982940"/>
+                </a:lnTo>
+                <a:lnTo>
+                  <a:pt x="177152" y="858755"/>
+                </a:lnTo>
+                <a:lnTo>
+                  <a:pt x="155551" y="736861"/>
+                </a:lnTo>
+                <a:lnTo>
+                  <a:pt x="131782" y="613645"/>
+                </a:lnTo>
+                <a:lnTo>
+                  <a:pt x="107123" y="490500"/>
+                </a:lnTo>
+                <a:lnTo>
+                  <a:pt x="82552" y="367348"/>
+                </a:lnTo>
+                <a:lnTo>
+                  <a:pt x="55608" y="244762"/>
+                </a:lnTo>
+                <a:lnTo>
+                  <a:pt x="28130" y="122220"/>
+                </a:lnTo>
+                <a:lnTo>
+                  <a:pt x="0" y="0"/>
+                </a:lnTo>
+                <a:close/>
+              </a:path>
+            </a:pathLst>
+          </a:custGeom>
+          <a:solidFill>
+            <a:schemeClr val="tx1">
+              <a:alpha val="20000"/>
+            </a:schemeClr>
+          </a:solidFill>
+          <a:ln>
+            <a:noFill/>
+          </a:ln>
+        </p:spPr>
+        <p:txBody>
+          <a:bodyPr rtlCol="0" anchor="ctr"/>
+          <a:lstStyle/>
+          <a:p>
+            <a:pPr algn="ctr"/>
+            <a:endParaRPr lang="en-US"/>
+          </a:p>
+        </p:txBody>
+      </p:sp>
+      <p:sp>
+        <p:nvSpPr>
+          <p:cNvPr id="29" name="Freeform 5">
+            <a:extLst>
+              <a:ext uri="{FF2B5EF4-FFF2-40B4-BE49-F238E27FC236}">
+                <a16:creationId xmlns:a16="http://schemas.microsoft.com/office/drawing/2014/main" id="{73E26159-C029-4449-8912-A9B418CC328B}"/>
+              </a:ext>
+              <a:ext uri="{C183D7F6-B498-43B3-948B-1728B52AA6E4}">
+                <adec:decorative xmlns:adec="http://schemas.microsoft.com/office/drawing/2017/decorative" val="1"/>
+              </a:ext>
+            </a:extLst>
+          </p:cNvPr>
+          <p:cNvSpPr>
+            <a:spLocks noGrp="1" noRot="1" noChangeAspect="1" noMove="1" noResize="1" noEditPoints="1" noAdjustHandles="1" noChangeArrowheads="1" noChangeShapeType="1" noTextEdit="1"/>
+          </p:cNvSpPr>
+          <p:nvPr>
+            <p:extLst>
+              <p:ext uri="{386F3935-93C4-4BCD-93E2-E3B085C9AB24}">
+                <p16:designElem xmlns:p16="http://schemas.microsoft.com/office/powerpoint/2015/main" val="1"/>
+              </p:ext>
+            </p:extLst>
+          </p:nvPr>
+        </p:nvSpPr>
+        <p:spPr bwMode="gray">
+          <a:xfrm rot="5400000" flipH="1">
+            <a:off x="3708596" y="2756642"/>
+            <a:ext cx="6858000" cy="1344715"/>
+          </a:xfrm>
+          <a:custGeom>
+            <a:avLst/>
+            <a:gdLst/>
+            <a:ahLst/>
+            <a:cxnLst/>
+            <a:rect l="l" t="t" r="r" b="b"/>
+            <a:pathLst>
+              <a:path w="10000" h="8000">
+                <a:moveTo>
+                  <a:pt x="0" y="0"/>
+                </a:moveTo>
+                <a:lnTo>
+                  <a:pt x="0" y="7970"/>
+                </a:lnTo>
+                <a:lnTo>
+                  <a:pt x="10000" y="8000"/>
+                </a:lnTo>
+                <a:lnTo>
+                  <a:pt x="10000" y="7"/>
+                </a:lnTo>
+                <a:lnTo>
+                  <a:pt x="10000" y="7"/>
+                </a:lnTo>
+                <a:lnTo>
+                  <a:pt x="9773" y="156"/>
+                </a:lnTo>
+                <a:lnTo>
+                  <a:pt x="9547" y="298"/>
+                </a:lnTo>
+                <a:lnTo>
+                  <a:pt x="9320" y="437"/>
+                </a:lnTo>
+                <a:lnTo>
+                  <a:pt x="9092" y="556"/>
+                </a:lnTo>
+                <a:lnTo>
+                  <a:pt x="8865" y="676"/>
+                </a:lnTo>
+                <a:lnTo>
+                  <a:pt x="8637" y="788"/>
+                </a:lnTo>
+                <a:lnTo>
+                  <a:pt x="8412" y="884"/>
+                </a:lnTo>
+                <a:lnTo>
+                  <a:pt x="8184" y="975"/>
+                </a:lnTo>
+                <a:lnTo>
+                  <a:pt x="7957" y="1058"/>
+                </a:lnTo>
+                <a:lnTo>
+                  <a:pt x="7734" y="1130"/>
+                </a:lnTo>
+                <a:lnTo>
+                  <a:pt x="7508" y="1202"/>
+                </a:lnTo>
+                <a:lnTo>
+                  <a:pt x="7285" y="1262"/>
+                </a:lnTo>
+                <a:lnTo>
+                  <a:pt x="7062" y="1309"/>
+                </a:lnTo>
+                <a:lnTo>
+                  <a:pt x="6840" y="1358"/>
+                </a:lnTo>
+                <a:lnTo>
+                  <a:pt x="6620" y="1399"/>
+                </a:lnTo>
+                <a:lnTo>
+                  <a:pt x="6402" y="1428"/>
+                </a:lnTo>
+                <a:lnTo>
+                  <a:pt x="6184" y="1453"/>
+                </a:lnTo>
+                <a:lnTo>
+                  <a:pt x="5968" y="1477"/>
+                </a:lnTo>
+                <a:lnTo>
+                  <a:pt x="5755" y="1488"/>
+                </a:lnTo>
+                <a:lnTo>
+                  <a:pt x="5542" y="1500"/>
+                </a:lnTo>
+                <a:lnTo>
+                  <a:pt x="5332" y="1506"/>
+                </a:lnTo>
+                <a:lnTo>
+                  <a:pt x="5124" y="1500"/>
+                </a:lnTo>
+                <a:lnTo>
+                  <a:pt x="4918" y="1500"/>
+                </a:lnTo>
+                <a:lnTo>
+                  <a:pt x="4714" y="1488"/>
+                </a:lnTo>
+                <a:lnTo>
+                  <a:pt x="4514" y="1470"/>
+                </a:lnTo>
+                <a:lnTo>
+                  <a:pt x="4316" y="1453"/>
+                </a:lnTo>
+                <a:lnTo>
+                  <a:pt x="4122" y="1434"/>
+                </a:lnTo>
+                <a:lnTo>
+                  <a:pt x="3929" y="1405"/>
+                </a:lnTo>
+                <a:lnTo>
+                  <a:pt x="3739" y="1374"/>
+                </a:lnTo>
+                <a:lnTo>
+                  <a:pt x="3553" y="1346"/>
+                </a:lnTo>
+                <a:lnTo>
+                  <a:pt x="3190" y="1267"/>
+                </a:lnTo>
+                <a:lnTo>
+                  <a:pt x="2842" y="1183"/>
+                </a:lnTo>
+                <a:lnTo>
+                  <a:pt x="2508" y="1095"/>
+                </a:lnTo>
+                <a:lnTo>
+                  <a:pt x="2192" y="998"/>
+                </a:lnTo>
+                <a:lnTo>
+                  <a:pt x="1890" y="897"/>
+                </a:lnTo>
+                <a:lnTo>
+                  <a:pt x="1610" y="788"/>
+                </a:lnTo>
+                <a:lnTo>
+                  <a:pt x="1347" y="681"/>
+                </a:lnTo>
+                <a:lnTo>
+                  <a:pt x="1105" y="574"/>
+                </a:lnTo>
+                <a:lnTo>
+                  <a:pt x="883" y="473"/>
+                </a:lnTo>
+                <a:lnTo>
+                  <a:pt x="686" y="377"/>
+                </a:lnTo>
+                <a:lnTo>
+                  <a:pt x="508" y="286"/>
+                </a:lnTo>
+                <a:lnTo>
+                  <a:pt x="358" y="210"/>
+                </a:lnTo>
+                <a:lnTo>
+                  <a:pt x="232" y="138"/>
+                </a:lnTo>
+                <a:lnTo>
+                  <a:pt x="59" y="35"/>
+                </a:lnTo>
+                <a:lnTo>
+                  <a:pt x="0" y="0"/>
+                </a:lnTo>
+                <a:lnTo>
+                  <a:pt x="0" y="0"/>
+                </a:lnTo>
+                <a:close/>
+              </a:path>
+            </a:pathLst>
+          </a:custGeom>
+          <a:solidFill>
+            <a:srgbClr val="FFFFFF"/>
+          </a:solidFill>
+          <a:ln>
+            <a:noFill/>
+          </a:ln>
+        </p:spPr>
+      </p:sp>
+      <p:pic>
+        <p:nvPicPr>
+          <p:cNvPr id="8" name="Picture 7">
+            <a:extLst>
+              <a:ext uri="{FF2B5EF4-FFF2-40B4-BE49-F238E27FC236}">
+                <a16:creationId xmlns:a16="http://schemas.microsoft.com/office/drawing/2014/main" id="{3BEAFFFC-2D09-4685-95F6-94D2131A2005}"/>
+              </a:ext>
+            </a:extLst>
+          </p:cNvPr>
+          <p:cNvPicPr>
+            <a:picLocks noChangeAspect="1"/>
+          </p:cNvPicPr>
+          <p:nvPr/>
+        </p:nvPicPr>
+        <p:blipFill>
+          <a:blip r:embed="rId7"/>
+          <a:stretch>
+            <a:fillRect/>
+          </a:stretch>
+        </p:blipFill>
+        <p:spPr>
+          <a:xfrm>
+            <a:off x="487679" y="172720"/>
+            <a:ext cx="6176943" cy="6492240"/>
+          </a:xfrm>
+          <a:prstGeom prst="rect">
+            <a:avLst/>
+          </a:prstGeom>
+          <a:effectLst/>
+        </p:spPr>
+      </p:pic>
+    </p:spTree>
+    <p:extLst>
+      <p:ext uri="{BB962C8B-B14F-4D97-AF65-F5344CB8AC3E}">
+        <p14:creationId xmlns:p14="http://schemas.microsoft.com/office/powerpoint/2010/main" val="3606498134"/>
+      </p:ext>
+    </p:extLst>
+  </p:cSld>
+  <p:clrMapOvr>
+    <a:masterClrMapping/>
+  </p:clrMapOvr>
+</p:sld>
+</file>
+
+<file path=ppt/slides/slide5.xml><?xml version="1.0" encoding="utf-8"?>
+<p:sld xmlns:a="http://schemas.openxmlformats.org/drawingml/2006/main" xmlns:r="http://schemas.openxmlformats.org/officeDocument/2006/relationships" xmlns:p="http://schemas.openxmlformats.org/presentationml/2006/main">
+  <p:cSld>
+    <p:bg>
+      <p:bgPr>
+        <a:blipFill rotWithShape="1">
+          <a:blip r:embed="rId2">
+            <a:duotone>
+              <a:schemeClr val="bg2">
+                <a:shade val="69000"/>
+                <a:hueMod val="91000"/>
+                <a:satMod val="164000"/>
+                <a:lumMod val="74000"/>
+              </a:schemeClr>
+              <a:schemeClr val="bg2">
+                <a:hueMod val="124000"/>
+                <a:satMod val="140000"/>
+                <a:lumMod val="142000"/>
+              </a:schemeClr>
+            </a:duotone>
+          </a:blip>
+          <a:stretch/>
+        </a:blipFill>
+        <a:effectLst/>
+      </p:bgPr>
+    </p:bg>
+    <p:spTree>
+      <p:nvGrpSpPr>
+        <p:cNvPr id="1" name=""/>
+        <p:cNvGrpSpPr/>
+        <p:nvPr/>
+      </p:nvGrpSpPr>
+      <p:grpSpPr>
+        <a:xfrm>
+          <a:off x="0" y="0"/>
+          <a:ext cx="0" cy="0"/>
+          <a:chOff x="0" y="0"/>
+          <a:chExt cx="0" cy="0"/>
+        </a:xfrm>
+      </p:grpSpPr>
+      <p:pic>
+        <p:nvPicPr>
+          <p:cNvPr id="10" name="Picture 9">
+            <a:extLst>
+              <a:ext uri="{FF2B5EF4-FFF2-40B4-BE49-F238E27FC236}">
+                <a16:creationId xmlns:a16="http://schemas.microsoft.com/office/drawing/2014/main" id="{C9134821-5D8B-4373-BA74-CFE9AB35A55A}"/>
+              </a:ext>
+              <a:ext uri="{C183D7F6-B498-43B3-948B-1728B52AA6E4}">
+                <adec:decorative xmlns:adec="http://schemas.microsoft.com/office/drawing/2017/decorative" val="1"/>
+              </a:ext>
+            </a:extLst>
+          </p:cNvPr>
+          <p:cNvPicPr>
+            <a:picLocks noGrp="1" noRot="1" noChangeAspect="1" noMove="1" noResize="1" noEditPoints="1" noAdjustHandles="1" noChangeArrowheads="1" noChangeShapeType="1" noCrop="1"/>
+          </p:cNvPicPr>
+          <p:nvPr>
+            <p:extLst>
+              <p:ext uri="{386F3935-93C4-4BCD-93E2-E3B085C9AB24}">
+                <p16:designElem xmlns:p16="http://schemas.microsoft.com/office/powerpoint/2015/main" val="1"/>
+              </p:ext>
+            </p:extLst>
+          </p:nvPr>
+        </p:nvPicPr>
+        <p:blipFill rotWithShape="1">
+          <a:blip r:embed="rId3">
+            <a:extLst>
+              <a:ext uri="{28A0092B-C50C-407E-A947-70E740481C1C}">
+                <a14:useLocalDpi xmlns:a14="http://schemas.microsoft.com/office/drawing/2010/main" val="0"/>
+              </a:ext>
+            </a:extLst>
+          </a:blip>
+          <a:srcRect l="3644"/>
+          <a:stretch/>
+        </p:blipFill>
+        <p:spPr>
+          <a:xfrm>
+            <a:off x="0" y="2669685"/>
+            <a:ext cx="4035669" cy="4188315"/>
+          </a:xfrm>
+          <a:prstGeom prst="rect">
+            <a:avLst/>
+          </a:prstGeom>
+        </p:spPr>
+      </p:pic>
+      <p:pic>
+        <p:nvPicPr>
+          <p:cNvPr id="12" name="Picture 11">
+            <a:extLst>
+              <a:ext uri="{FF2B5EF4-FFF2-40B4-BE49-F238E27FC236}">
+                <a16:creationId xmlns:a16="http://schemas.microsoft.com/office/drawing/2014/main" id="{5965195F-79F5-4911-907D-13CB3F534351}"/>
+              </a:ext>
+              <a:ext uri="{C183D7F6-B498-43B3-948B-1728B52AA6E4}">
+                <adec:decorative xmlns:adec="http://schemas.microsoft.com/office/drawing/2017/decorative" val="1"/>
+              </a:ext>
+            </a:extLst>
+          </p:cNvPr>
+          <p:cNvPicPr>
+            <a:picLocks noGrp="1" noRot="1" noChangeAspect="1" noMove="1" noResize="1" noEditPoints="1" noAdjustHandles="1" noChangeArrowheads="1" noChangeShapeType="1" noCrop="1"/>
+          </p:cNvPicPr>
+          <p:nvPr>
+            <p:extLst>
+              <p:ext uri="{386F3935-93C4-4BCD-93E2-E3B085C9AB24}">
+                <p16:designElem xmlns:p16="http://schemas.microsoft.com/office/powerpoint/2015/main" val="1"/>
+              </p:ext>
+            </p:extLst>
+          </p:nvPr>
+        </p:nvPicPr>
+        <p:blipFill rotWithShape="1">
+          <a:blip r:embed="rId4">
+            <a:extLst>
+              <a:ext uri="{28A0092B-C50C-407E-A947-70E740481C1C}">
+                <a14:useLocalDpi xmlns:a14="http://schemas.microsoft.com/office/drawing/2010/main" val="0"/>
+              </a:ext>
+            </a:extLst>
+          </a:blip>
+          <a:srcRect l="35640"/>
+          <a:stretch/>
+        </p:blipFill>
+        <p:spPr>
+          <a:xfrm>
+            <a:off x="0" y="2892347"/>
+            <a:ext cx="1522412" cy="2365453"/>
+          </a:xfrm>
+          <a:prstGeom prst="rect">
+            <a:avLst/>
+          </a:prstGeom>
+        </p:spPr>
+      </p:pic>
+      <p:sp>
+        <p:nvSpPr>
+          <p:cNvPr id="14" name="Oval 13">
+            <a:extLst>
+              <a:ext uri="{FF2B5EF4-FFF2-40B4-BE49-F238E27FC236}">
+                <a16:creationId xmlns:a16="http://schemas.microsoft.com/office/drawing/2014/main" id="{8A610DC7-FE1B-47B9-8452-CFC389786C2D}"/>
+              </a:ext>
+              <a:ext uri="{C183D7F6-B498-43B3-948B-1728B52AA6E4}">
+                <adec:decorative xmlns:adec="http://schemas.microsoft.com/office/drawing/2017/decorative" val="1"/>
+              </a:ext>
+            </a:extLst>
+          </p:cNvPr>
+          <p:cNvSpPr>
+            <a:spLocks noGrp="1" noRot="1" noChangeAspect="1" noMove="1" noResize="1" noEditPoints="1" noAdjustHandles="1" noChangeArrowheads="1" noChangeShapeType="1" noTextEdit="1"/>
+          </p:cNvSpPr>
+          <p:nvPr>
+            <p:extLst>
+              <p:ext uri="{386F3935-93C4-4BCD-93E2-E3B085C9AB24}">
+                <p16:designElem xmlns:p16="http://schemas.microsoft.com/office/powerpoint/2015/main" val="1"/>
+              </p:ext>
+            </p:extLst>
+          </p:nvPr>
+        </p:nvSpPr>
+        <p:spPr>
+          <a:xfrm>
+            <a:off x="8609012" y="1676400"/>
+            <a:ext cx="2819400" cy="2819400"/>
+          </a:xfrm>
+          <a:prstGeom prst="ellipse">
+            <a:avLst/>
+          </a:prstGeom>
+          <a:gradFill flip="none" rotWithShape="1">
+            <a:gsLst>
+              <a:gs pos="0">
+                <a:schemeClr val="accent5">
+                  <a:alpha val="7000"/>
+                </a:schemeClr>
+              </a:gs>
+              <a:gs pos="69000">
+                <a:schemeClr val="accent5">
+                  <a:alpha val="0"/>
+                </a:schemeClr>
+              </a:gs>
+              <a:gs pos="36000">
+                <a:schemeClr val="accent5">
+                  <a:alpha val="6000"/>
+                </a:schemeClr>
+              </a:gs>
+            </a:gsLst>
+            <a:path path="circle">
+              <a:fillToRect l="50000" t="50000" r="50000" b="50000"/>
+            </a:path>
+            <a:tileRect/>
+          </a:gradFill>
+          <a:ln>
+            <a:noFill/>
+          </a:ln>
+          <a:effectLst/>
+        </p:spPr>
+        <p:style>
+          <a:lnRef idx="1">
+            <a:schemeClr val="accent1"/>
+          </a:lnRef>
+          <a:fillRef idx="3">
+            <a:schemeClr val="accent1"/>
+          </a:fillRef>
+          <a:effectRef idx="2">
+            <a:schemeClr val="accent1"/>
+          </a:effectRef>
+          <a:fontRef idx="minor">
+            <a:schemeClr val="lt1"/>
+          </a:fontRef>
+        </p:style>
+      </p:sp>
+      <p:pic>
+        <p:nvPicPr>
+          <p:cNvPr id="16" name="Picture 15">
+            <a:extLst>
+              <a:ext uri="{FF2B5EF4-FFF2-40B4-BE49-F238E27FC236}">
+                <a16:creationId xmlns:a16="http://schemas.microsoft.com/office/drawing/2014/main" id="{2742ADC1-2286-40B7-A3C6-D6C3362FA04B}"/>
+              </a:ext>
+              <a:ext uri="{C183D7F6-B498-43B3-948B-1728B52AA6E4}">
+                <adec:decorative xmlns:adec="http://schemas.microsoft.com/office/drawing/2017/decorative" val="1"/>
+              </a:ext>
+            </a:extLst>
+          </p:cNvPr>
+          <p:cNvPicPr>
+            <a:picLocks noGrp="1" noRot="1" noChangeAspect="1" noMove="1" noResize="1" noEditPoints="1" noAdjustHandles="1" noChangeArrowheads="1" noChangeShapeType="1" noCrop="1"/>
+          </p:cNvPicPr>
+          <p:nvPr>
+            <p:extLst>
+              <p:ext uri="{386F3935-93C4-4BCD-93E2-E3B085C9AB24}">
+                <p16:designElem xmlns:p16="http://schemas.microsoft.com/office/powerpoint/2015/main" val="1"/>
+              </p:ext>
+            </p:extLst>
+          </p:nvPr>
+        </p:nvPicPr>
+        <p:blipFill rotWithShape="1">
+          <a:blip r:embed="rId5">
+            <a:extLst>
+              <a:ext uri="{28A0092B-C50C-407E-A947-70E740481C1C}">
+                <a14:useLocalDpi xmlns:a14="http://schemas.microsoft.com/office/drawing/2010/main" val="0"/>
+              </a:ext>
+            </a:extLst>
+          </a:blip>
+          <a:srcRect t="28813"/>
+          <a:stretch/>
+        </p:blipFill>
+        <p:spPr>
+          <a:xfrm>
+            <a:off x="7999412" y="0"/>
+            <a:ext cx="1603387" cy="1141407"/>
+          </a:xfrm>
+          <a:prstGeom prst="rect">
+            <a:avLst/>
+          </a:prstGeom>
+        </p:spPr>
+      </p:pic>
+      <p:pic>
+        <p:nvPicPr>
+          <p:cNvPr id="18" name="Picture 17">
+            <a:extLst>
+              <a:ext uri="{FF2B5EF4-FFF2-40B4-BE49-F238E27FC236}">
+                <a16:creationId xmlns:a16="http://schemas.microsoft.com/office/drawing/2014/main" id="{C878FBDC-78F2-4D49-8DB3-1A48CA9F7FC0}"/>
+              </a:ext>
+              <a:ext uri="{C183D7F6-B498-43B3-948B-1728B52AA6E4}">
+                <adec:decorative xmlns:adec="http://schemas.microsoft.com/office/drawing/2017/decorative" val="1"/>
+              </a:ext>
+            </a:extLst>
+          </p:cNvPr>
+          <p:cNvPicPr>
+            <a:picLocks noGrp="1" noRot="1" noChangeAspect="1" noMove="1" noResize="1" noEditPoints="1" noAdjustHandles="1" noChangeArrowheads="1" noChangeShapeType="1" noCrop="1"/>
+          </p:cNvPicPr>
+          <p:nvPr>
+            <p:extLst>
+              <p:ext uri="{386F3935-93C4-4BCD-93E2-E3B085C9AB24}">
+                <p16:designElem xmlns:p16="http://schemas.microsoft.com/office/powerpoint/2015/main" val="1"/>
+              </p:ext>
+            </p:extLst>
+          </p:nvPr>
+        </p:nvPicPr>
+        <p:blipFill rotWithShape="1">
+          <a:blip r:embed="rId6">
+            <a:extLst>
+              <a:ext uri="{28A0092B-C50C-407E-A947-70E740481C1C}">
+                <a14:useLocalDpi xmlns:a14="http://schemas.microsoft.com/office/drawing/2010/main" val="0"/>
+              </a:ext>
+            </a:extLst>
+          </a:blip>
+          <a:srcRect b="23320"/>
+          <a:stretch/>
+        </p:blipFill>
+        <p:spPr>
+          <a:xfrm>
+            <a:off x="8609012" y="6096000"/>
+            <a:ext cx="993734" cy="762000"/>
+          </a:xfrm>
+          <a:prstGeom prst="rect">
+            <a:avLst/>
+          </a:prstGeom>
+        </p:spPr>
+      </p:pic>
+      <p:sp>
+        <p:nvSpPr>
+          <p:cNvPr id="20" name="Rectangle 19">
+            <a:extLst>
+              <a:ext uri="{FF2B5EF4-FFF2-40B4-BE49-F238E27FC236}">
+                <a16:creationId xmlns:a16="http://schemas.microsoft.com/office/drawing/2014/main" id="{DC9A0934-0C2C-4565-9290-A345B19BD94C}"/>
+              </a:ext>
+              <a:ext uri="{C183D7F6-B498-43B3-948B-1728B52AA6E4}">
+                <adec:decorative xmlns:adec="http://schemas.microsoft.com/office/drawing/2017/decorative" val="1"/>
+              </a:ext>
+            </a:extLst>
+          </p:cNvPr>
+          <p:cNvSpPr>
+            <a:spLocks noGrp="1" noRot="1" noChangeAspect="1" noMove="1" noResize="1" noEditPoints="1" noAdjustHandles="1" noChangeArrowheads="1" noChangeShapeType="1" noTextEdit="1"/>
+          </p:cNvSpPr>
+          <p:nvPr>
+            <p:extLst>
+              <p:ext uri="{386F3935-93C4-4BCD-93E2-E3B085C9AB24}">
+                <p16:designElem xmlns:p16="http://schemas.microsoft.com/office/powerpoint/2015/main" val="1"/>
+              </p:ext>
+            </p:extLst>
+          </p:nvPr>
+        </p:nvSpPr>
+        <p:spPr>
+          <a:xfrm>
+            <a:off x="10437812" y="0"/>
+            <a:ext cx="685800" cy="1143000"/>
+          </a:xfrm>
+          <a:prstGeom prst="rect">
+            <a:avLst/>
+          </a:prstGeom>
+          <a:solidFill>
+            <a:schemeClr val="accent1"/>
+          </a:solidFill>
+          <a:ln>
+            <a:noFill/>
+          </a:ln>
+        </p:spPr>
+        <p:style>
+          <a:lnRef idx="1">
+            <a:schemeClr val="accent1"/>
+          </a:lnRef>
+          <a:fillRef idx="3">
+            <a:schemeClr val="accent1"/>
+          </a:fillRef>
+          <a:effectRef idx="2">
+            <a:schemeClr val="accent1"/>
+          </a:effectRef>
+          <a:fontRef idx="minor">
+            <a:schemeClr val="lt1"/>
+          </a:fontRef>
+        </p:style>
+      </p:sp>
       <p:sp>
         <p:nvSpPr>
           <p:cNvPr id="2" name="Title 1">
             <a:extLst>
               <a:ext uri="{FF2B5EF4-FFF2-40B4-BE49-F238E27FC236}">
-                <a16:creationId xmlns:a16="http://schemas.microsoft.com/office/drawing/2014/main" id="{2E39A541-2F5A-44F9-8095-EF72928C9919}"/>
+                <a16:creationId xmlns:a16="http://schemas.microsoft.com/office/drawing/2014/main" id="{8AB366AB-2207-4489-851C-F380E684CC4C}"/>
               </a:ext>
             </a:extLst>
           </p:cNvPr>
@@ -6368,55 +9722,4835 @@
         </p:nvSpPr>
         <p:spPr>
           <a:xfrm>
-            <a:off x="523876" y="2167217"/>
-            <a:ext cx="11744324" cy="3366807"/>
+            <a:off x="7691120" y="1325880"/>
+            <a:ext cx="4287519" cy="3066507"/>
           </a:xfrm>
         </p:spPr>
         <p:txBody>
-          <a:bodyPr/>
+          <a:bodyPr vert="horz" lIns="91440" tIns="45720" rIns="91440" bIns="45720" rtlCol="0" anchor="b">
+            <a:normAutofit/>
+          </a:bodyPr>
           <a:lstStyle/>
           <a:p>
             <a:r>
-              <a:rPr lang="en-US" sz="12000" dirty="0">
-                <a:solidFill>
-                  <a:schemeClr val="accent4"/>
-                </a:solidFill>
-              </a:rPr>
-              <a:t>Thank  You…!!!</a:t>
+              <a:rPr lang="en-US" sz="5400" dirty="0"/>
+              <a:t>Output Screenshots</a:t>
             </a:r>
-            <a:br>
-              <a:rPr lang="en-US" dirty="0"/>
-            </a:br>
-            <a:r>
-              <a:rPr lang="en-US" dirty="0"/>
-              <a:t>						</a:t>
-            </a:r>
-            <a:br>
-              <a:rPr lang="en-US" dirty="0"/>
-            </a:br>
-            <a:r>
-              <a:rPr lang="en-US" dirty="0"/>
-              <a:t>						</a:t>
-            </a:r>
-            <a:r>
-              <a:rPr lang="en-US" dirty="0">
-                <a:latin typeface="+mn-lt"/>
-              </a:rPr>
-              <a:t>Any Questions </a:t>
-            </a:r>
-            <a:r>
-              <a:rPr lang="en-US" dirty="0">
-                <a:latin typeface="Algerian" panose="04020705040A02060702" pitchFamily="82" charset="0"/>
-              </a:rPr>
-              <a:t>?</a:t>
-            </a:r>
           </a:p>
         </p:txBody>
       </p:sp>
+      <p:sp>
+        <p:nvSpPr>
+          <p:cNvPr id="22" name="Rectangle 21">
+            <a:extLst>
+              <a:ext uri="{FF2B5EF4-FFF2-40B4-BE49-F238E27FC236}">
+                <a16:creationId xmlns:a16="http://schemas.microsoft.com/office/drawing/2014/main" id="{87BE56A7-2B14-4ABE-8DF3-40C07E64B19D}"/>
+              </a:ext>
+              <a:ext uri="{C183D7F6-B498-43B3-948B-1728B52AA6E4}">
+                <adec:decorative xmlns:adec="http://schemas.microsoft.com/office/drawing/2017/decorative" val="1"/>
+              </a:ext>
+            </a:extLst>
+          </p:cNvPr>
+          <p:cNvSpPr>
+            <a:spLocks noGrp="1" noRot="1" noChangeAspect="1" noMove="1" noResize="1" noEditPoints="1" noAdjustHandles="1" noChangeArrowheads="1" noChangeShapeType="1" noTextEdit="1"/>
+          </p:cNvSpPr>
+          <p:nvPr>
+            <p:extLst>
+              <p:ext uri="{386F3935-93C4-4BCD-93E2-E3B085C9AB24}">
+                <p16:designElem xmlns:p16="http://schemas.microsoft.com/office/powerpoint/2015/main" val="1"/>
+              </p:ext>
+            </p:extLst>
+          </p:nvPr>
+        </p:nvSpPr>
+        <p:spPr>
+          <a:xfrm>
+            <a:off x="0" y="0"/>
+            <a:ext cx="7157124" cy="6858000"/>
+          </a:xfrm>
+          <a:prstGeom prst="rect">
+            <a:avLst/>
+          </a:prstGeom>
+          <a:solidFill>
+            <a:srgbClr val="FFFFFF"/>
+          </a:solidFill>
+          <a:ln>
+            <a:noFill/>
+          </a:ln>
+        </p:spPr>
+        <p:style>
+          <a:lnRef idx="2">
+            <a:schemeClr val="accent1">
+              <a:shade val="50000"/>
+            </a:schemeClr>
+          </a:lnRef>
+          <a:fillRef idx="1">
+            <a:schemeClr val="accent1"/>
+          </a:fillRef>
+          <a:effectRef idx="0">
+            <a:schemeClr val="accent1"/>
+          </a:effectRef>
+          <a:fontRef idx="minor">
+            <a:schemeClr val="lt1"/>
+          </a:fontRef>
+        </p:style>
+        <p:txBody>
+          <a:bodyPr rtlCol="0" anchor="ctr"/>
+          <a:lstStyle/>
+          <a:p>
+            <a:pPr algn="ctr"/>
+            <a:endParaRPr lang="en-US"/>
+          </a:p>
+        </p:txBody>
+      </p:sp>
+      <p:sp>
+        <p:nvSpPr>
+          <p:cNvPr id="24" name="Freeform 36">
+            <a:extLst>
+              <a:ext uri="{FF2B5EF4-FFF2-40B4-BE49-F238E27FC236}">
+                <a16:creationId xmlns:a16="http://schemas.microsoft.com/office/drawing/2014/main" id="{140D5101-D8FB-4102-A338-49651E97150A}"/>
+              </a:ext>
+              <a:ext uri="{C183D7F6-B498-43B3-948B-1728B52AA6E4}">
+                <adec:decorative xmlns:adec="http://schemas.microsoft.com/office/drawing/2017/decorative" val="1"/>
+              </a:ext>
+            </a:extLst>
+          </p:cNvPr>
+          <p:cNvSpPr>
+            <a:spLocks noGrp="1" noRot="1" noChangeAspect="1" noMove="1" noResize="1" noEditPoints="1" noAdjustHandles="1" noChangeArrowheads="1" noChangeShapeType="1" noTextEdit="1"/>
+          </p:cNvSpPr>
+          <p:nvPr>
+            <p:extLst>
+              <p:ext uri="{386F3935-93C4-4BCD-93E2-E3B085C9AB24}">
+                <p16:designElem xmlns:p16="http://schemas.microsoft.com/office/powerpoint/2015/main" val="1"/>
+              </p:ext>
+            </p:extLst>
+          </p:nvPr>
+        </p:nvSpPr>
+        <p:spPr>
+          <a:xfrm flipH="1">
+            <a:off x="7463681" y="-1"/>
+            <a:ext cx="559472" cy="3709642"/>
+          </a:xfrm>
+          <a:custGeom>
+            <a:avLst/>
+            <a:gdLst>
+              <a:gd name="connsiteX0" fmla="*/ 0 w 559472"/>
+              <a:gd name="connsiteY0" fmla="*/ 0 h 3709642"/>
+              <a:gd name="connsiteX1" fmla="*/ 473952 w 559472"/>
+              <a:gd name="connsiteY1" fmla="*/ 0 h 3709642"/>
+              <a:gd name="connsiteX2" fmla="*/ 485840 w 559472"/>
+              <a:gd name="connsiteY2" fmla="*/ 161194 h 3709642"/>
+              <a:gd name="connsiteX3" fmla="*/ 523949 w 559472"/>
+              <a:gd name="connsiteY3" fmla="*/ 3672197 h 3709642"/>
+              <a:gd name="connsiteX4" fmla="*/ 454748 w 559472"/>
+              <a:gd name="connsiteY4" fmla="*/ 3709642 h 3709642"/>
+              <a:gd name="connsiteX5" fmla="*/ 448224 w 559472"/>
+              <a:gd name="connsiteY5" fmla="*/ 3510471 h 3709642"/>
+              <a:gd name="connsiteX6" fmla="*/ 443564 w 559472"/>
+              <a:gd name="connsiteY6" fmla="*/ 3408563 h 3709642"/>
+              <a:gd name="connsiteX7" fmla="*/ 438902 w 559472"/>
+              <a:gd name="connsiteY7" fmla="*/ 3304407 h 3709642"/>
+              <a:gd name="connsiteX8" fmla="*/ 433941 w 559472"/>
+              <a:gd name="connsiteY8" fmla="*/ 3198777 h 3709642"/>
+              <a:gd name="connsiteX9" fmla="*/ 427584 w 559472"/>
+              <a:gd name="connsiteY9" fmla="*/ 3092510 h 3709642"/>
+              <a:gd name="connsiteX10" fmla="*/ 420988 w 559472"/>
+              <a:gd name="connsiteY10" fmla="*/ 2984390 h 3709642"/>
+              <a:gd name="connsiteX11" fmla="*/ 414330 w 559472"/>
+              <a:gd name="connsiteY11" fmla="*/ 2874401 h 3709642"/>
+              <a:gd name="connsiteX12" fmla="*/ 406840 w 559472"/>
+              <a:gd name="connsiteY12" fmla="*/ 2762980 h 3709642"/>
+              <a:gd name="connsiteX13" fmla="*/ 397745 w 559472"/>
+              <a:gd name="connsiteY13" fmla="*/ 2650566 h 3709642"/>
+              <a:gd name="connsiteX14" fmla="*/ 389154 w 559472"/>
+              <a:gd name="connsiteY14" fmla="*/ 2536612 h 3709642"/>
+              <a:gd name="connsiteX15" fmla="*/ 379225 w 559472"/>
+              <a:gd name="connsiteY15" fmla="*/ 2421642 h 3709642"/>
+              <a:gd name="connsiteX16" fmla="*/ 368316 w 559472"/>
+              <a:gd name="connsiteY16" fmla="*/ 2305627 h 3709642"/>
+              <a:gd name="connsiteX17" fmla="*/ 357466 w 559472"/>
+              <a:gd name="connsiteY17" fmla="*/ 2189233 h 3709642"/>
+              <a:gd name="connsiteX18" fmla="*/ 344982 w 559472"/>
+              <a:gd name="connsiteY18" fmla="*/ 2071473 h 3709642"/>
+              <a:gd name="connsiteX19" fmla="*/ 332466 w 559472"/>
+              <a:gd name="connsiteY19" fmla="*/ 1952216 h 3709642"/>
+              <a:gd name="connsiteX20" fmla="*/ 319121 w 559472"/>
+              <a:gd name="connsiteY20" fmla="*/ 1833776 h 3709642"/>
+              <a:gd name="connsiteX21" fmla="*/ 304408 w 559472"/>
+              <a:gd name="connsiteY21" fmla="*/ 1713948 h 3709642"/>
+              <a:gd name="connsiteX22" fmla="*/ 288685 w 559472"/>
+              <a:gd name="connsiteY22" fmla="*/ 1592703 h 3709642"/>
+              <a:gd name="connsiteX23" fmla="*/ 273050 w 559472"/>
+              <a:gd name="connsiteY23" fmla="*/ 1471451 h 3709642"/>
+              <a:gd name="connsiteX24" fmla="*/ 255813 w 559472"/>
+              <a:gd name="connsiteY24" fmla="*/ 1350328 h 3709642"/>
+              <a:gd name="connsiteX25" fmla="*/ 237060 w 559472"/>
+              <a:gd name="connsiteY25" fmla="*/ 1227080 h 3709642"/>
+              <a:gd name="connsiteX26" fmla="*/ 218488 w 559472"/>
+              <a:gd name="connsiteY26" fmla="*/ 1106065 h 3709642"/>
+              <a:gd name="connsiteX27" fmla="*/ 198221 w 559472"/>
+              <a:gd name="connsiteY27" fmla="*/ 982940 h 3709642"/>
+              <a:gd name="connsiteX28" fmla="*/ 177152 w 559472"/>
+              <a:gd name="connsiteY28" fmla="*/ 858755 h 3709642"/>
+              <a:gd name="connsiteX29" fmla="*/ 155551 w 559472"/>
+              <a:gd name="connsiteY29" fmla="*/ 736861 h 3709642"/>
+              <a:gd name="connsiteX30" fmla="*/ 131782 w 559472"/>
+              <a:gd name="connsiteY30" fmla="*/ 613645 h 3709642"/>
+              <a:gd name="connsiteX31" fmla="*/ 107123 w 559472"/>
+              <a:gd name="connsiteY31" fmla="*/ 490500 h 3709642"/>
+              <a:gd name="connsiteX32" fmla="*/ 82552 w 559472"/>
+              <a:gd name="connsiteY32" fmla="*/ 367348 h 3709642"/>
+              <a:gd name="connsiteX33" fmla="*/ 55608 w 559472"/>
+              <a:gd name="connsiteY33" fmla="*/ 244762 h 3709642"/>
+              <a:gd name="connsiteX34" fmla="*/ 28130 w 559472"/>
+              <a:gd name="connsiteY34" fmla="*/ 122220 h 3709642"/>
+              <a:gd name="connsiteX35" fmla="*/ 0 w 559472"/>
+              <a:gd name="connsiteY35" fmla="*/ 0 h 3709642"/>
+            </a:gdLst>
+            <a:ahLst/>
+            <a:cxnLst>
+              <a:cxn ang="0">
+                <a:pos x="connsiteX0" y="connsiteY0"/>
+              </a:cxn>
+              <a:cxn ang="0">
+                <a:pos x="connsiteX1" y="connsiteY1"/>
+              </a:cxn>
+              <a:cxn ang="0">
+                <a:pos x="connsiteX2" y="connsiteY2"/>
+              </a:cxn>
+              <a:cxn ang="0">
+                <a:pos x="connsiteX3" y="connsiteY3"/>
+              </a:cxn>
+              <a:cxn ang="0">
+                <a:pos x="connsiteX4" y="connsiteY4"/>
+              </a:cxn>
+              <a:cxn ang="0">
+                <a:pos x="connsiteX5" y="connsiteY5"/>
+              </a:cxn>
+              <a:cxn ang="0">
+                <a:pos x="connsiteX6" y="connsiteY6"/>
+              </a:cxn>
+              <a:cxn ang="0">
+                <a:pos x="connsiteX7" y="connsiteY7"/>
+              </a:cxn>
+              <a:cxn ang="0">
+                <a:pos x="connsiteX8" y="connsiteY8"/>
+              </a:cxn>
+              <a:cxn ang="0">
+                <a:pos x="connsiteX9" y="connsiteY9"/>
+              </a:cxn>
+              <a:cxn ang="0">
+                <a:pos x="connsiteX10" y="connsiteY10"/>
+              </a:cxn>
+              <a:cxn ang="0">
+                <a:pos x="connsiteX11" y="connsiteY11"/>
+              </a:cxn>
+              <a:cxn ang="0">
+                <a:pos x="connsiteX12" y="connsiteY12"/>
+              </a:cxn>
+              <a:cxn ang="0">
+                <a:pos x="connsiteX13" y="connsiteY13"/>
+              </a:cxn>
+              <a:cxn ang="0">
+                <a:pos x="connsiteX14" y="connsiteY14"/>
+              </a:cxn>
+              <a:cxn ang="0">
+                <a:pos x="connsiteX15" y="connsiteY15"/>
+              </a:cxn>
+              <a:cxn ang="0">
+                <a:pos x="connsiteX16" y="connsiteY16"/>
+              </a:cxn>
+              <a:cxn ang="0">
+                <a:pos x="connsiteX17" y="connsiteY17"/>
+              </a:cxn>
+              <a:cxn ang="0">
+                <a:pos x="connsiteX18" y="connsiteY18"/>
+              </a:cxn>
+              <a:cxn ang="0">
+                <a:pos x="connsiteX19" y="connsiteY19"/>
+              </a:cxn>
+              <a:cxn ang="0">
+                <a:pos x="connsiteX20" y="connsiteY20"/>
+              </a:cxn>
+              <a:cxn ang="0">
+                <a:pos x="connsiteX21" y="connsiteY21"/>
+              </a:cxn>
+              <a:cxn ang="0">
+                <a:pos x="connsiteX22" y="connsiteY22"/>
+              </a:cxn>
+              <a:cxn ang="0">
+                <a:pos x="connsiteX23" y="connsiteY23"/>
+              </a:cxn>
+              <a:cxn ang="0">
+                <a:pos x="connsiteX24" y="connsiteY24"/>
+              </a:cxn>
+              <a:cxn ang="0">
+                <a:pos x="connsiteX25" y="connsiteY25"/>
+              </a:cxn>
+              <a:cxn ang="0">
+                <a:pos x="connsiteX26" y="connsiteY26"/>
+              </a:cxn>
+              <a:cxn ang="0">
+                <a:pos x="connsiteX27" y="connsiteY27"/>
+              </a:cxn>
+              <a:cxn ang="0">
+                <a:pos x="connsiteX28" y="connsiteY28"/>
+              </a:cxn>
+              <a:cxn ang="0">
+                <a:pos x="connsiteX29" y="connsiteY29"/>
+              </a:cxn>
+              <a:cxn ang="0">
+                <a:pos x="connsiteX30" y="connsiteY30"/>
+              </a:cxn>
+              <a:cxn ang="0">
+                <a:pos x="connsiteX31" y="connsiteY31"/>
+              </a:cxn>
+              <a:cxn ang="0">
+                <a:pos x="connsiteX32" y="connsiteY32"/>
+              </a:cxn>
+              <a:cxn ang="0">
+                <a:pos x="connsiteX33" y="connsiteY33"/>
+              </a:cxn>
+              <a:cxn ang="0">
+                <a:pos x="connsiteX34" y="connsiteY34"/>
+              </a:cxn>
+              <a:cxn ang="0">
+                <a:pos x="connsiteX35" y="connsiteY35"/>
+              </a:cxn>
+            </a:cxnLst>
+            <a:rect l="l" t="t" r="r" b="b"/>
+            <a:pathLst>
+              <a:path w="559472" h="3709642">
+                <a:moveTo>
+                  <a:pt x="0" y="0"/>
+                </a:moveTo>
+                <a:lnTo>
+                  <a:pt x="473952" y="0"/>
+                </a:lnTo>
+                <a:lnTo>
+                  <a:pt x="485840" y="161194"/>
+                </a:lnTo>
+                <a:cubicBezTo>
+                  <a:pt x="552063" y="1147770"/>
+                  <a:pt x="592441" y="3086737"/>
+                  <a:pt x="523949" y="3672197"/>
+                </a:cubicBezTo>
+                <a:cubicBezTo>
+                  <a:pt x="500842" y="3684557"/>
+                  <a:pt x="477855" y="3697282"/>
+                  <a:pt x="454748" y="3709642"/>
+                </a:cubicBezTo>
+                <a:lnTo>
+                  <a:pt x="448224" y="3510471"/>
+                </a:lnTo>
+                <a:lnTo>
+                  <a:pt x="443564" y="3408563"/>
+                </a:lnTo>
+                <a:lnTo>
+                  <a:pt x="438902" y="3304407"/>
+                </a:lnTo>
+                <a:lnTo>
+                  <a:pt x="433941" y="3198777"/>
+                </a:lnTo>
+                <a:lnTo>
+                  <a:pt x="427584" y="3092510"/>
+                </a:lnTo>
+                <a:lnTo>
+                  <a:pt x="420988" y="2984390"/>
+                </a:lnTo>
+                <a:lnTo>
+                  <a:pt x="414330" y="2874401"/>
+                </a:lnTo>
+                <a:lnTo>
+                  <a:pt x="406840" y="2762980"/>
+                </a:lnTo>
+                <a:lnTo>
+                  <a:pt x="397745" y="2650566"/>
+                </a:lnTo>
+                <a:lnTo>
+                  <a:pt x="389154" y="2536612"/>
+                </a:lnTo>
+                <a:lnTo>
+                  <a:pt x="379225" y="2421642"/>
+                </a:lnTo>
+                <a:lnTo>
+                  <a:pt x="368316" y="2305627"/>
+                </a:lnTo>
+                <a:lnTo>
+                  <a:pt x="357466" y="2189233"/>
+                </a:lnTo>
+                <a:lnTo>
+                  <a:pt x="344982" y="2071473"/>
+                </a:lnTo>
+                <a:lnTo>
+                  <a:pt x="332466" y="1952216"/>
+                </a:lnTo>
+                <a:lnTo>
+                  <a:pt x="319121" y="1833776"/>
+                </a:lnTo>
+                <a:lnTo>
+                  <a:pt x="304408" y="1713948"/>
+                </a:lnTo>
+                <a:lnTo>
+                  <a:pt x="288685" y="1592703"/>
+                </a:lnTo>
+                <a:lnTo>
+                  <a:pt x="273050" y="1471451"/>
+                </a:lnTo>
+                <a:lnTo>
+                  <a:pt x="255813" y="1350328"/>
+                </a:lnTo>
+                <a:lnTo>
+                  <a:pt x="237060" y="1227080"/>
+                </a:lnTo>
+                <a:lnTo>
+                  <a:pt x="218488" y="1106065"/>
+                </a:lnTo>
+                <a:lnTo>
+                  <a:pt x="198221" y="982940"/>
+                </a:lnTo>
+                <a:lnTo>
+                  <a:pt x="177152" y="858755"/>
+                </a:lnTo>
+                <a:lnTo>
+                  <a:pt x="155551" y="736861"/>
+                </a:lnTo>
+                <a:lnTo>
+                  <a:pt x="131782" y="613645"/>
+                </a:lnTo>
+                <a:lnTo>
+                  <a:pt x="107123" y="490500"/>
+                </a:lnTo>
+                <a:lnTo>
+                  <a:pt x="82552" y="367348"/>
+                </a:lnTo>
+                <a:lnTo>
+                  <a:pt x="55608" y="244762"/>
+                </a:lnTo>
+                <a:lnTo>
+                  <a:pt x="28130" y="122220"/>
+                </a:lnTo>
+                <a:lnTo>
+                  <a:pt x="0" y="0"/>
+                </a:lnTo>
+                <a:close/>
+              </a:path>
+            </a:pathLst>
+          </a:custGeom>
+          <a:solidFill>
+            <a:schemeClr val="tx1">
+              <a:alpha val="20000"/>
+            </a:schemeClr>
+          </a:solidFill>
+          <a:ln>
+            <a:noFill/>
+          </a:ln>
+        </p:spPr>
+        <p:txBody>
+          <a:bodyPr rtlCol="0" anchor="ctr"/>
+          <a:lstStyle/>
+          <a:p>
+            <a:pPr algn="ctr"/>
+            <a:endParaRPr lang="en-US"/>
+          </a:p>
+        </p:txBody>
+      </p:sp>
+      <p:sp>
+        <p:nvSpPr>
+          <p:cNvPr id="26" name="Freeform 5">
+            <a:extLst>
+              <a:ext uri="{FF2B5EF4-FFF2-40B4-BE49-F238E27FC236}">
+                <a16:creationId xmlns:a16="http://schemas.microsoft.com/office/drawing/2014/main" id="{73E26159-C029-4449-8912-A9B418CC328B}"/>
+              </a:ext>
+              <a:ext uri="{C183D7F6-B498-43B3-948B-1728B52AA6E4}">
+                <adec:decorative xmlns:adec="http://schemas.microsoft.com/office/drawing/2017/decorative" val="1"/>
+              </a:ext>
+            </a:extLst>
+          </p:cNvPr>
+          <p:cNvSpPr>
+            <a:spLocks noGrp="1" noRot="1" noChangeAspect="1" noMove="1" noResize="1" noEditPoints="1" noAdjustHandles="1" noChangeArrowheads="1" noChangeShapeType="1" noTextEdit="1"/>
+          </p:cNvSpPr>
+          <p:nvPr>
+            <p:extLst>
+              <p:ext uri="{386F3935-93C4-4BCD-93E2-E3B085C9AB24}">
+                <p16:designElem xmlns:p16="http://schemas.microsoft.com/office/powerpoint/2015/main" val="1"/>
+              </p:ext>
+            </p:extLst>
+          </p:nvPr>
+        </p:nvSpPr>
+        <p:spPr bwMode="gray">
+          <a:xfrm rot="5400000" flipH="1">
+            <a:off x="3708596" y="2756642"/>
+            <a:ext cx="6858000" cy="1344715"/>
+          </a:xfrm>
+          <a:custGeom>
+            <a:avLst/>
+            <a:gdLst/>
+            <a:ahLst/>
+            <a:cxnLst/>
+            <a:rect l="l" t="t" r="r" b="b"/>
+            <a:pathLst>
+              <a:path w="10000" h="8000">
+                <a:moveTo>
+                  <a:pt x="0" y="0"/>
+                </a:moveTo>
+                <a:lnTo>
+                  <a:pt x="0" y="7970"/>
+                </a:lnTo>
+                <a:lnTo>
+                  <a:pt x="10000" y="8000"/>
+                </a:lnTo>
+                <a:lnTo>
+                  <a:pt x="10000" y="7"/>
+                </a:lnTo>
+                <a:lnTo>
+                  <a:pt x="10000" y="7"/>
+                </a:lnTo>
+                <a:lnTo>
+                  <a:pt x="9773" y="156"/>
+                </a:lnTo>
+                <a:lnTo>
+                  <a:pt x="9547" y="298"/>
+                </a:lnTo>
+                <a:lnTo>
+                  <a:pt x="9320" y="437"/>
+                </a:lnTo>
+                <a:lnTo>
+                  <a:pt x="9092" y="556"/>
+                </a:lnTo>
+                <a:lnTo>
+                  <a:pt x="8865" y="676"/>
+                </a:lnTo>
+                <a:lnTo>
+                  <a:pt x="8637" y="788"/>
+                </a:lnTo>
+                <a:lnTo>
+                  <a:pt x="8412" y="884"/>
+                </a:lnTo>
+                <a:lnTo>
+                  <a:pt x="8184" y="975"/>
+                </a:lnTo>
+                <a:lnTo>
+                  <a:pt x="7957" y="1058"/>
+                </a:lnTo>
+                <a:lnTo>
+                  <a:pt x="7734" y="1130"/>
+                </a:lnTo>
+                <a:lnTo>
+                  <a:pt x="7508" y="1202"/>
+                </a:lnTo>
+                <a:lnTo>
+                  <a:pt x="7285" y="1262"/>
+                </a:lnTo>
+                <a:lnTo>
+                  <a:pt x="7062" y="1309"/>
+                </a:lnTo>
+                <a:lnTo>
+                  <a:pt x="6840" y="1358"/>
+                </a:lnTo>
+                <a:lnTo>
+                  <a:pt x="6620" y="1399"/>
+                </a:lnTo>
+                <a:lnTo>
+                  <a:pt x="6402" y="1428"/>
+                </a:lnTo>
+                <a:lnTo>
+                  <a:pt x="6184" y="1453"/>
+                </a:lnTo>
+                <a:lnTo>
+                  <a:pt x="5968" y="1477"/>
+                </a:lnTo>
+                <a:lnTo>
+                  <a:pt x="5755" y="1488"/>
+                </a:lnTo>
+                <a:lnTo>
+                  <a:pt x="5542" y="1500"/>
+                </a:lnTo>
+                <a:lnTo>
+                  <a:pt x="5332" y="1506"/>
+                </a:lnTo>
+                <a:lnTo>
+                  <a:pt x="5124" y="1500"/>
+                </a:lnTo>
+                <a:lnTo>
+                  <a:pt x="4918" y="1500"/>
+                </a:lnTo>
+                <a:lnTo>
+                  <a:pt x="4714" y="1488"/>
+                </a:lnTo>
+                <a:lnTo>
+                  <a:pt x="4514" y="1470"/>
+                </a:lnTo>
+                <a:lnTo>
+                  <a:pt x="4316" y="1453"/>
+                </a:lnTo>
+                <a:lnTo>
+                  <a:pt x="4122" y="1434"/>
+                </a:lnTo>
+                <a:lnTo>
+                  <a:pt x="3929" y="1405"/>
+                </a:lnTo>
+                <a:lnTo>
+                  <a:pt x="3739" y="1374"/>
+                </a:lnTo>
+                <a:lnTo>
+                  <a:pt x="3553" y="1346"/>
+                </a:lnTo>
+                <a:lnTo>
+                  <a:pt x="3190" y="1267"/>
+                </a:lnTo>
+                <a:lnTo>
+                  <a:pt x="2842" y="1183"/>
+                </a:lnTo>
+                <a:lnTo>
+                  <a:pt x="2508" y="1095"/>
+                </a:lnTo>
+                <a:lnTo>
+                  <a:pt x="2192" y="998"/>
+                </a:lnTo>
+                <a:lnTo>
+                  <a:pt x="1890" y="897"/>
+                </a:lnTo>
+                <a:lnTo>
+                  <a:pt x="1610" y="788"/>
+                </a:lnTo>
+                <a:lnTo>
+                  <a:pt x="1347" y="681"/>
+                </a:lnTo>
+                <a:lnTo>
+                  <a:pt x="1105" y="574"/>
+                </a:lnTo>
+                <a:lnTo>
+                  <a:pt x="883" y="473"/>
+                </a:lnTo>
+                <a:lnTo>
+                  <a:pt x="686" y="377"/>
+                </a:lnTo>
+                <a:lnTo>
+                  <a:pt x="508" y="286"/>
+                </a:lnTo>
+                <a:lnTo>
+                  <a:pt x="358" y="210"/>
+                </a:lnTo>
+                <a:lnTo>
+                  <a:pt x="232" y="138"/>
+                </a:lnTo>
+                <a:lnTo>
+                  <a:pt x="59" y="35"/>
+                </a:lnTo>
+                <a:lnTo>
+                  <a:pt x="0" y="0"/>
+                </a:lnTo>
+                <a:lnTo>
+                  <a:pt x="0" y="0"/>
+                </a:lnTo>
+                <a:close/>
+              </a:path>
+            </a:pathLst>
+          </a:custGeom>
+          <a:solidFill>
+            <a:srgbClr val="FFFFFF"/>
+          </a:solidFill>
+          <a:ln>
+            <a:noFill/>
+          </a:ln>
+        </p:spPr>
+      </p:sp>
+      <p:pic>
+        <p:nvPicPr>
+          <p:cNvPr id="5" name="Content Placeholder 4">
+            <a:extLst>
+              <a:ext uri="{FF2B5EF4-FFF2-40B4-BE49-F238E27FC236}">
+                <a16:creationId xmlns:a16="http://schemas.microsoft.com/office/drawing/2014/main" id="{D1588093-2C73-4F2D-A280-1DC146D5125E}"/>
+              </a:ext>
+            </a:extLst>
+          </p:cNvPr>
+          <p:cNvPicPr>
+            <a:picLocks noGrp="1" noChangeAspect="1"/>
+          </p:cNvPicPr>
+          <p:nvPr>
+            <p:ph idx="1"/>
+          </p:nvPr>
+        </p:nvPicPr>
+        <p:blipFill rotWithShape="1">
+          <a:blip r:embed="rId7"/>
+          <a:srcRect r="15940"/>
+          <a:stretch/>
+        </p:blipFill>
+        <p:spPr>
+          <a:xfrm>
+            <a:off x="643854" y="274320"/>
+            <a:ext cx="6212253" cy="6167120"/>
+          </a:xfrm>
+          <a:prstGeom prst="rect">
+            <a:avLst/>
+          </a:prstGeom>
+          <a:effectLst/>
+        </p:spPr>
+      </p:pic>
     </p:spTree>
     <p:extLst>
       <p:ext uri="{BB962C8B-B14F-4D97-AF65-F5344CB8AC3E}">
-        <p14:creationId xmlns:p14="http://schemas.microsoft.com/office/powerpoint/2010/main" val="1185828808"/>
+        <p14:creationId xmlns:p14="http://schemas.microsoft.com/office/powerpoint/2010/main" val="3632142824"/>
+      </p:ext>
+    </p:extLst>
+  </p:cSld>
+  <p:clrMapOvr>
+    <a:masterClrMapping/>
+  </p:clrMapOvr>
+</p:sld>
+</file>
+
+<file path=ppt/slides/slide6.xml><?xml version="1.0" encoding="utf-8"?>
+<p:sld xmlns:a="http://schemas.openxmlformats.org/drawingml/2006/main" xmlns:r="http://schemas.openxmlformats.org/officeDocument/2006/relationships" xmlns:p="http://schemas.openxmlformats.org/presentationml/2006/main">
+  <p:cSld>
+    <p:bg>
+      <p:bgPr>
+        <a:blipFill rotWithShape="1">
+          <a:blip r:embed="rId2">
+            <a:duotone>
+              <a:schemeClr val="bg2">
+                <a:shade val="69000"/>
+                <a:hueMod val="91000"/>
+                <a:satMod val="164000"/>
+                <a:lumMod val="74000"/>
+              </a:schemeClr>
+              <a:schemeClr val="bg2">
+                <a:hueMod val="124000"/>
+                <a:satMod val="140000"/>
+                <a:lumMod val="142000"/>
+              </a:schemeClr>
+            </a:duotone>
+          </a:blip>
+          <a:stretch/>
+        </a:blipFill>
+        <a:effectLst/>
+      </p:bgPr>
+    </p:bg>
+    <p:spTree>
+      <p:nvGrpSpPr>
+        <p:cNvPr id="1" name=""/>
+        <p:cNvGrpSpPr/>
+        <p:nvPr/>
+      </p:nvGrpSpPr>
+      <p:grpSpPr>
+        <a:xfrm>
+          <a:off x="0" y="0"/>
+          <a:ext cx="0" cy="0"/>
+          <a:chOff x="0" y="0"/>
+          <a:chExt cx="0" cy="0"/>
+        </a:xfrm>
+      </p:grpSpPr>
+      <p:pic>
+        <p:nvPicPr>
+          <p:cNvPr id="10" name="Picture 9">
+            <a:extLst>
+              <a:ext uri="{FF2B5EF4-FFF2-40B4-BE49-F238E27FC236}">
+                <a16:creationId xmlns:a16="http://schemas.microsoft.com/office/drawing/2014/main" id="{C9134821-5D8B-4373-BA74-CFE9AB35A55A}"/>
+              </a:ext>
+              <a:ext uri="{C183D7F6-B498-43B3-948B-1728B52AA6E4}">
+                <adec:decorative xmlns:adec="http://schemas.microsoft.com/office/drawing/2017/decorative" val="1"/>
+              </a:ext>
+            </a:extLst>
+          </p:cNvPr>
+          <p:cNvPicPr>
+            <a:picLocks noGrp="1" noRot="1" noChangeAspect="1" noMove="1" noResize="1" noEditPoints="1" noAdjustHandles="1" noChangeArrowheads="1" noChangeShapeType="1" noCrop="1"/>
+          </p:cNvPicPr>
+          <p:nvPr>
+            <p:extLst>
+              <p:ext uri="{386F3935-93C4-4BCD-93E2-E3B085C9AB24}">
+                <p16:designElem xmlns:p16="http://schemas.microsoft.com/office/powerpoint/2015/main" val="1"/>
+              </p:ext>
+            </p:extLst>
+          </p:nvPr>
+        </p:nvPicPr>
+        <p:blipFill rotWithShape="1">
+          <a:blip r:embed="rId3">
+            <a:extLst>
+              <a:ext uri="{28A0092B-C50C-407E-A947-70E740481C1C}">
+                <a14:useLocalDpi xmlns:a14="http://schemas.microsoft.com/office/drawing/2010/main" val="0"/>
+              </a:ext>
+            </a:extLst>
+          </a:blip>
+          <a:srcRect l="3644"/>
+          <a:stretch/>
+        </p:blipFill>
+        <p:spPr>
+          <a:xfrm>
+            <a:off x="0" y="2669685"/>
+            <a:ext cx="4035669" cy="4188315"/>
+          </a:xfrm>
+          <a:prstGeom prst="rect">
+            <a:avLst/>
+          </a:prstGeom>
+        </p:spPr>
+      </p:pic>
+      <p:pic>
+        <p:nvPicPr>
+          <p:cNvPr id="12" name="Picture 11">
+            <a:extLst>
+              <a:ext uri="{FF2B5EF4-FFF2-40B4-BE49-F238E27FC236}">
+                <a16:creationId xmlns:a16="http://schemas.microsoft.com/office/drawing/2014/main" id="{5965195F-79F5-4911-907D-13CB3F534351}"/>
+              </a:ext>
+              <a:ext uri="{C183D7F6-B498-43B3-948B-1728B52AA6E4}">
+                <adec:decorative xmlns:adec="http://schemas.microsoft.com/office/drawing/2017/decorative" val="1"/>
+              </a:ext>
+            </a:extLst>
+          </p:cNvPr>
+          <p:cNvPicPr>
+            <a:picLocks noGrp="1" noRot="1" noChangeAspect="1" noMove="1" noResize="1" noEditPoints="1" noAdjustHandles="1" noChangeArrowheads="1" noChangeShapeType="1" noCrop="1"/>
+          </p:cNvPicPr>
+          <p:nvPr>
+            <p:extLst>
+              <p:ext uri="{386F3935-93C4-4BCD-93E2-E3B085C9AB24}">
+                <p16:designElem xmlns:p16="http://schemas.microsoft.com/office/powerpoint/2015/main" val="1"/>
+              </p:ext>
+            </p:extLst>
+          </p:nvPr>
+        </p:nvPicPr>
+        <p:blipFill rotWithShape="1">
+          <a:blip r:embed="rId4">
+            <a:extLst>
+              <a:ext uri="{28A0092B-C50C-407E-A947-70E740481C1C}">
+                <a14:useLocalDpi xmlns:a14="http://schemas.microsoft.com/office/drawing/2010/main" val="0"/>
+              </a:ext>
+            </a:extLst>
+          </a:blip>
+          <a:srcRect l="35640"/>
+          <a:stretch/>
+        </p:blipFill>
+        <p:spPr>
+          <a:xfrm>
+            <a:off x="0" y="2892347"/>
+            <a:ext cx="1522412" cy="2365453"/>
+          </a:xfrm>
+          <a:prstGeom prst="rect">
+            <a:avLst/>
+          </a:prstGeom>
+        </p:spPr>
+      </p:pic>
+      <p:sp>
+        <p:nvSpPr>
+          <p:cNvPr id="14" name="Oval 13">
+            <a:extLst>
+              <a:ext uri="{FF2B5EF4-FFF2-40B4-BE49-F238E27FC236}">
+                <a16:creationId xmlns:a16="http://schemas.microsoft.com/office/drawing/2014/main" id="{8A610DC7-FE1B-47B9-8452-CFC389786C2D}"/>
+              </a:ext>
+              <a:ext uri="{C183D7F6-B498-43B3-948B-1728B52AA6E4}">
+                <adec:decorative xmlns:adec="http://schemas.microsoft.com/office/drawing/2017/decorative" val="1"/>
+              </a:ext>
+            </a:extLst>
+          </p:cNvPr>
+          <p:cNvSpPr>
+            <a:spLocks noGrp="1" noRot="1" noChangeAspect="1" noMove="1" noResize="1" noEditPoints="1" noAdjustHandles="1" noChangeArrowheads="1" noChangeShapeType="1" noTextEdit="1"/>
+          </p:cNvSpPr>
+          <p:nvPr>
+            <p:extLst>
+              <p:ext uri="{386F3935-93C4-4BCD-93E2-E3B085C9AB24}">
+                <p16:designElem xmlns:p16="http://schemas.microsoft.com/office/powerpoint/2015/main" val="1"/>
+              </p:ext>
+            </p:extLst>
+          </p:nvPr>
+        </p:nvSpPr>
+        <p:spPr>
+          <a:xfrm>
+            <a:off x="8609012" y="1676400"/>
+            <a:ext cx="2819400" cy="2819400"/>
+          </a:xfrm>
+          <a:prstGeom prst="ellipse">
+            <a:avLst/>
+          </a:prstGeom>
+          <a:gradFill flip="none" rotWithShape="1">
+            <a:gsLst>
+              <a:gs pos="0">
+                <a:schemeClr val="accent5">
+                  <a:alpha val="7000"/>
+                </a:schemeClr>
+              </a:gs>
+              <a:gs pos="69000">
+                <a:schemeClr val="accent5">
+                  <a:alpha val="0"/>
+                </a:schemeClr>
+              </a:gs>
+              <a:gs pos="36000">
+                <a:schemeClr val="accent5">
+                  <a:alpha val="6000"/>
+                </a:schemeClr>
+              </a:gs>
+            </a:gsLst>
+            <a:path path="circle">
+              <a:fillToRect l="50000" t="50000" r="50000" b="50000"/>
+            </a:path>
+            <a:tileRect/>
+          </a:gradFill>
+          <a:ln>
+            <a:noFill/>
+          </a:ln>
+          <a:effectLst/>
+        </p:spPr>
+        <p:style>
+          <a:lnRef idx="1">
+            <a:schemeClr val="accent1"/>
+          </a:lnRef>
+          <a:fillRef idx="3">
+            <a:schemeClr val="accent1"/>
+          </a:fillRef>
+          <a:effectRef idx="2">
+            <a:schemeClr val="accent1"/>
+          </a:effectRef>
+          <a:fontRef idx="minor">
+            <a:schemeClr val="lt1"/>
+          </a:fontRef>
+        </p:style>
+      </p:sp>
+      <p:pic>
+        <p:nvPicPr>
+          <p:cNvPr id="16" name="Picture 15">
+            <a:extLst>
+              <a:ext uri="{FF2B5EF4-FFF2-40B4-BE49-F238E27FC236}">
+                <a16:creationId xmlns:a16="http://schemas.microsoft.com/office/drawing/2014/main" id="{2742ADC1-2286-40B7-A3C6-D6C3362FA04B}"/>
+              </a:ext>
+              <a:ext uri="{C183D7F6-B498-43B3-948B-1728B52AA6E4}">
+                <adec:decorative xmlns:adec="http://schemas.microsoft.com/office/drawing/2017/decorative" val="1"/>
+              </a:ext>
+            </a:extLst>
+          </p:cNvPr>
+          <p:cNvPicPr>
+            <a:picLocks noGrp="1" noRot="1" noChangeAspect="1" noMove="1" noResize="1" noEditPoints="1" noAdjustHandles="1" noChangeArrowheads="1" noChangeShapeType="1" noCrop="1"/>
+          </p:cNvPicPr>
+          <p:nvPr>
+            <p:extLst>
+              <p:ext uri="{386F3935-93C4-4BCD-93E2-E3B085C9AB24}">
+                <p16:designElem xmlns:p16="http://schemas.microsoft.com/office/powerpoint/2015/main" val="1"/>
+              </p:ext>
+            </p:extLst>
+          </p:nvPr>
+        </p:nvPicPr>
+        <p:blipFill rotWithShape="1">
+          <a:blip r:embed="rId5">
+            <a:extLst>
+              <a:ext uri="{28A0092B-C50C-407E-A947-70E740481C1C}">
+                <a14:useLocalDpi xmlns:a14="http://schemas.microsoft.com/office/drawing/2010/main" val="0"/>
+              </a:ext>
+            </a:extLst>
+          </a:blip>
+          <a:srcRect t="28813"/>
+          <a:stretch/>
+        </p:blipFill>
+        <p:spPr>
+          <a:xfrm>
+            <a:off x="7999412" y="0"/>
+            <a:ext cx="1603387" cy="1141407"/>
+          </a:xfrm>
+          <a:prstGeom prst="rect">
+            <a:avLst/>
+          </a:prstGeom>
+        </p:spPr>
+      </p:pic>
+      <p:pic>
+        <p:nvPicPr>
+          <p:cNvPr id="18" name="Picture 17">
+            <a:extLst>
+              <a:ext uri="{FF2B5EF4-FFF2-40B4-BE49-F238E27FC236}">
+                <a16:creationId xmlns:a16="http://schemas.microsoft.com/office/drawing/2014/main" id="{C878FBDC-78F2-4D49-8DB3-1A48CA9F7FC0}"/>
+              </a:ext>
+              <a:ext uri="{C183D7F6-B498-43B3-948B-1728B52AA6E4}">
+                <adec:decorative xmlns:adec="http://schemas.microsoft.com/office/drawing/2017/decorative" val="1"/>
+              </a:ext>
+            </a:extLst>
+          </p:cNvPr>
+          <p:cNvPicPr>
+            <a:picLocks noGrp="1" noRot="1" noChangeAspect="1" noMove="1" noResize="1" noEditPoints="1" noAdjustHandles="1" noChangeArrowheads="1" noChangeShapeType="1" noCrop="1"/>
+          </p:cNvPicPr>
+          <p:nvPr>
+            <p:extLst>
+              <p:ext uri="{386F3935-93C4-4BCD-93E2-E3B085C9AB24}">
+                <p16:designElem xmlns:p16="http://schemas.microsoft.com/office/powerpoint/2015/main" val="1"/>
+              </p:ext>
+            </p:extLst>
+          </p:nvPr>
+        </p:nvPicPr>
+        <p:blipFill rotWithShape="1">
+          <a:blip r:embed="rId6">
+            <a:extLst>
+              <a:ext uri="{28A0092B-C50C-407E-A947-70E740481C1C}">
+                <a14:useLocalDpi xmlns:a14="http://schemas.microsoft.com/office/drawing/2010/main" val="0"/>
+              </a:ext>
+            </a:extLst>
+          </a:blip>
+          <a:srcRect b="23320"/>
+          <a:stretch/>
+        </p:blipFill>
+        <p:spPr>
+          <a:xfrm>
+            <a:off x="8609012" y="6096000"/>
+            <a:ext cx="993734" cy="762000"/>
+          </a:xfrm>
+          <a:prstGeom prst="rect">
+            <a:avLst/>
+          </a:prstGeom>
+        </p:spPr>
+      </p:pic>
+      <p:sp>
+        <p:nvSpPr>
+          <p:cNvPr id="20" name="Rectangle 19">
+            <a:extLst>
+              <a:ext uri="{FF2B5EF4-FFF2-40B4-BE49-F238E27FC236}">
+                <a16:creationId xmlns:a16="http://schemas.microsoft.com/office/drawing/2014/main" id="{DC9A0934-0C2C-4565-9290-A345B19BD94C}"/>
+              </a:ext>
+              <a:ext uri="{C183D7F6-B498-43B3-948B-1728B52AA6E4}">
+                <adec:decorative xmlns:adec="http://schemas.microsoft.com/office/drawing/2017/decorative" val="1"/>
+              </a:ext>
+            </a:extLst>
+          </p:cNvPr>
+          <p:cNvSpPr>
+            <a:spLocks noGrp="1" noRot="1" noChangeAspect="1" noMove="1" noResize="1" noEditPoints="1" noAdjustHandles="1" noChangeArrowheads="1" noChangeShapeType="1" noTextEdit="1"/>
+          </p:cNvSpPr>
+          <p:nvPr>
+            <p:extLst>
+              <p:ext uri="{386F3935-93C4-4BCD-93E2-E3B085C9AB24}">
+                <p16:designElem xmlns:p16="http://schemas.microsoft.com/office/powerpoint/2015/main" val="1"/>
+              </p:ext>
+            </p:extLst>
+          </p:nvPr>
+        </p:nvSpPr>
+        <p:spPr>
+          <a:xfrm>
+            <a:off x="10437812" y="0"/>
+            <a:ext cx="685800" cy="1143000"/>
+          </a:xfrm>
+          <a:prstGeom prst="rect">
+            <a:avLst/>
+          </a:prstGeom>
+          <a:solidFill>
+            <a:schemeClr val="accent1"/>
+          </a:solidFill>
+          <a:ln>
+            <a:noFill/>
+          </a:ln>
+        </p:spPr>
+        <p:style>
+          <a:lnRef idx="1">
+            <a:schemeClr val="accent1"/>
+          </a:lnRef>
+          <a:fillRef idx="3">
+            <a:schemeClr val="accent1"/>
+          </a:fillRef>
+          <a:effectRef idx="2">
+            <a:schemeClr val="accent1"/>
+          </a:effectRef>
+          <a:fontRef idx="minor">
+            <a:schemeClr val="lt1"/>
+          </a:fontRef>
+        </p:style>
+      </p:sp>
+      <p:sp>
+        <p:nvSpPr>
+          <p:cNvPr id="2" name="Title 1">
+            <a:extLst>
+              <a:ext uri="{FF2B5EF4-FFF2-40B4-BE49-F238E27FC236}">
+                <a16:creationId xmlns:a16="http://schemas.microsoft.com/office/drawing/2014/main" id="{BE23482C-4D77-4E74-B630-861D75796436}"/>
+              </a:ext>
+            </a:extLst>
+          </p:cNvPr>
+          <p:cNvSpPr>
+            <a:spLocks noGrp="1"/>
+          </p:cNvSpPr>
+          <p:nvPr>
+            <p:ph type="title"/>
+          </p:nvPr>
+        </p:nvSpPr>
+        <p:spPr>
+          <a:xfrm>
+            <a:off x="7809954" y="1325880"/>
+            <a:ext cx="4209325" cy="3066507"/>
+          </a:xfrm>
+        </p:spPr>
+        <p:txBody>
+          <a:bodyPr vert="horz" lIns="91440" tIns="45720" rIns="91440" bIns="45720" rtlCol="0" anchor="b">
+            <a:normAutofit/>
+          </a:bodyPr>
+          <a:lstStyle/>
+          <a:p>
+            <a:r>
+              <a:rPr lang="en-US" sz="5400" dirty="0"/>
+              <a:t>Output Screenshots</a:t>
+            </a:r>
+          </a:p>
+        </p:txBody>
+      </p:sp>
+      <p:sp>
+        <p:nvSpPr>
+          <p:cNvPr id="22" name="Rectangle 21">
+            <a:extLst>
+              <a:ext uri="{FF2B5EF4-FFF2-40B4-BE49-F238E27FC236}">
+                <a16:creationId xmlns:a16="http://schemas.microsoft.com/office/drawing/2014/main" id="{87BE56A7-2B14-4ABE-8DF3-40C07E64B19D}"/>
+              </a:ext>
+              <a:ext uri="{C183D7F6-B498-43B3-948B-1728B52AA6E4}">
+                <adec:decorative xmlns:adec="http://schemas.microsoft.com/office/drawing/2017/decorative" val="1"/>
+              </a:ext>
+            </a:extLst>
+          </p:cNvPr>
+          <p:cNvSpPr>
+            <a:spLocks noGrp="1" noRot="1" noChangeAspect="1" noMove="1" noResize="1" noEditPoints="1" noAdjustHandles="1" noChangeArrowheads="1" noChangeShapeType="1" noTextEdit="1"/>
+          </p:cNvSpPr>
+          <p:nvPr>
+            <p:extLst>
+              <p:ext uri="{386F3935-93C4-4BCD-93E2-E3B085C9AB24}">
+                <p16:designElem xmlns:p16="http://schemas.microsoft.com/office/powerpoint/2015/main" val="1"/>
+              </p:ext>
+            </p:extLst>
+          </p:nvPr>
+        </p:nvSpPr>
+        <p:spPr>
+          <a:xfrm>
+            <a:off x="0" y="0"/>
+            <a:ext cx="7157124" cy="6858000"/>
+          </a:xfrm>
+          <a:prstGeom prst="rect">
+            <a:avLst/>
+          </a:prstGeom>
+          <a:solidFill>
+            <a:srgbClr val="FFFFFF"/>
+          </a:solidFill>
+          <a:ln>
+            <a:noFill/>
+          </a:ln>
+        </p:spPr>
+        <p:style>
+          <a:lnRef idx="2">
+            <a:schemeClr val="accent1">
+              <a:shade val="50000"/>
+            </a:schemeClr>
+          </a:lnRef>
+          <a:fillRef idx="1">
+            <a:schemeClr val="accent1"/>
+          </a:fillRef>
+          <a:effectRef idx="0">
+            <a:schemeClr val="accent1"/>
+          </a:effectRef>
+          <a:fontRef idx="minor">
+            <a:schemeClr val="lt1"/>
+          </a:fontRef>
+        </p:style>
+        <p:txBody>
+          <a:bodyPr rtlCol="0" anchor="ctr"/>
+          <a:lstStyle/>
+          <a:p>
+            <a:pPr algn="ctr"/>
+            <a:endParaRPr lang="en-US"/>
+          </a:p>
+        </p:txBody>
+      </p:sp>
+      <p:sp>
+        <p:nvSpPr>
+          <p:cNvPr id="24" name="Freeform 36">
+            <a:extLst>
+              <a:ext uri="{FF2B5EF4-FFF2-40B4-BE49-F238E27FC236}">
+                <a16:creationId xmlns:a16="http://schemas.microsoft.com/office/drawing/2014/main" id="{140D5101-D8FB-4102-A338-49651E97150A}"/>
+              </a:ext>
+              <a:ext uri="{C183D7F6-B498-43B3-948B-1728B52AA6E4}">
+                <adec:decorative xmlns:adec="http://schemas.microsoft.com/office/drawing/2017/decorative" val="1"/>
+              </a:ext>
+            </a:extLst>
+          </p:cNvPr>
+          <p:cNvSpPr>
+            <a:spLocks noGrp="1" noRot="1" noChangeAspect="1" noMove="1" noResize="1" noEditPoints="1" noAdjustHandles="1" noChangeArrowheads="1" noChangeShapeType="1" noTextEdit="1"/>
+          </p:cNvSpPr>
+          <p:nvPr>
+            <p:extLst>
+              <p:ext uri="{386F3935-93C4-4BCD-93E2-E3B085C9AB24}">
+                <p16:designElem xmlns:p16="http://schemas.microsoft.com/office/powerpoint/2015/main" val="1"/>
+              </p:ext>
+            </p:extLst>
+          </p:nvPr>
+        </p:nvSpPr>
+        <p:spPr>
+          <a:xfrm flipH="1">
+            <a:off x="7463681" y="-1"/>
+            <a:ext cx="559472" cy="3709642"/>
+          </a:xfrm>
+          <a:custGeom>
+            <a:avLst/>
+            <a:gdLst>
+              <a:gd name="connsiteX0" fmla="*/ 0 w 559472"/>
+              <a:gd name="connsiteY0" fmla="*/ 0 h 3709642"/>
+              <a:gd name="connsiteX1" fmla="*/ 473952 w 559472"/>
+              <a:gd name="connsiteY1" fmla="*/ 0 h 3709642"/>
+              <a:gd name="connsiteX2" fmla="*/ 485840 w 559472"/>
+              <a:gd name="connsiteY2" fmla="*/ 161194 h 3709642"/>
+              <a:gd name="connsiteX3" fmla="*/ 523949 w 559472"/>
+              <a:gd name="connsiteY3" fmla="*/ 3672197 h 3709642"/>
+              <a:gd name="connsiteX4" fmla="*/ 454748 w 559472"/>
+              <a:gd name="connsiteY4" fmla="*/ 3709642 h 3709642"/>
+              <a:gd name="connsiteX5" fmla="*/ 448224 w 559472"/>
+              <a:gd name="connsiteY5" fmla="*/ 3510471 h 3709642"/>
+              <a:gd name="connsiteX6" fmla="*/ 443564 w 559472"/>
+              <a:gd name="connsiteY6" fmla="*/ 3408563 h 3709642"/>
+              <a:gd name="connsiteX7" fmla="*/ 438902 w 559472"/>
+              <a:gd name="connsiteY7" fmla="*/ 3304407 h 3709642"/>
+              <a:gd name="connsiteX8" fmla="*/ 433941 w 559472"/>
+              <a:gd name="connsiteY8" fmla="*/ 3198777 h 3709642"/>
+              <a:gd name="connsiteX9" fmla="*/ 427584 w 559472"/>
+              <a:gd name="connsiteY9" fmla="*/ 3092510 h 3709642"/>
+              <a:gd name="connsiteX10" fmla="*/ 420988 w 559472"/>
+              <a:gd name="connsiteY10" fmla="*/ 2984390 h 3709642"/>
+              <a:gd name="connsiteX11" fmla="*/ 414330 w 559472"/>
+              <a:gd name="connsiteY11" fmla="*/ 2874401 h 3709642"/>
+              <a:gd name="connsiteX12" fmla="*/ 406840 w 559472"/>
+              <a:gd name="connsiteY12" fmla="*/ 2762980 h 3709642"/>
+              <a:gd name="connsiteX13" fmla="*/ 397745 w 559472"/>
+              <a:gd name="connsiteY13" fmla="*/ 2650566 h 3709642"/>
+              <a:gd name="connsiteX14" fmla="*/ 389154 w 559472"/>
+              <a:gd name="connsiteY14" fmla="*/ 2536612 h 3709642"/>
+              <a:gd name="connsiteX15" fmla="*/ 379225 w 559472"/>
+              <a:gd name="connsiteY15" fmla="*/ 2421642 h 3709642"/>
+              <a:gd name="connsiteX16" fmla="*/ 368316 w 559472"/>
+              <a:gd name="connsiteY16" fmla="*/ 2305627 h 3709642"/>
+              <a:gd name="connsiteX17" fmla="*/ 357466 w 559472"/>
+              <a:gd name="connsiteY17" fmla="*/ 2189233 h 3709642"/>
+              <a:gd name="connsiteX18" fmla="*/ 344982 w 559472"/>
+              <a:gd name="connsiteY18" fmla="*/ 2071473 h 3709642"/>
+              <a:gd name="connsiteX19" fmla="*/ 332466 w 559472"/>
+              <a:gd name="connsiteY19" fmla="*/ 1952216 h 3709642"/>
+              <a:gd name="connsiteX20" fmla="*/ 319121 w 559472"/>
+              <a:gd name="connsiteY20" fmla="*/ 1833776 h 3709642"/>
+              <a:gd name="connsiteX21" fmla="*/ 304408 w 559472"/>
+              <a:gd name="connsiteY21" fmla="*/ 1713948 h 3709642"/>
+              <a:gd name="connsiteX22" fmla="*/ 288685 w 559472"/>
+              <a:gd name="connsiteY22" fmla="*/ 1592703 h 3709642"/>
+              <a:gd name="connsiteX23" fmla="*/ 273050 w 559472"/>
+              <a:gd name="connsiteY23" fmla="*/ 1471451 h 3709642"/>
+              <a:gd name="connsiteX24" fmla="*/ 255813 w 559472"/>
+              <a:gd name="connsiteY24" fmla="*/ 1350328 h 3709642"/>
+              <a:gd name="connsiteX25" fmla="*/ 237060 w 559472"/>
+              <a:gd name="connsiteY25" fmla="*/ 1227080 h 3709642"/>
+              <a:gd name="connsiteX26" fmla="*/ 218488 w 559472"/>
+              <a:gd name="connsiteY26" fmla="*/ 1106065 h 3709642"/>
+              <a:gd name="connsiteX27" fmla="*/ 198221 w 559472"/>
+              <a:gd name="connsiteY27" fmla="*/ 982940 h 3709642"/>
+              <a:gd name="connsiteX28" fmla="*/ 177152 w 559472"/>
+              <a:gd name="connsiteY28" fmla="*/ 858755 h 3709642"/>
+              <a:gd name="connsiteX29" fmla="*/ 155551 w 559472"/>
+              <a:gd name="connsiteY29" fmla="*/ 736861 h 3709642"/>
+              <a:gd name="connsiteX30" fmla="*/ 131782 w 559472"/>
+              <a:gd name="connsiteY30" fmla="*/ 613645 h 3709642"/>
+              <a:gd name="connsiteX31" fmla="*/ 107123 w 559472"/>
+              <a:gd name="connsiteY31" fmla="*/ 490500 h 3709642"/>
+              <a:gd name="connsiteX32" fmla="*/ 82552 w 559472"/>
+              <a:gd name="connsiteY32" fmla="*/ 367348 h 3709642"/>
+              <a:gd name="connsiteX33" fmla="*/ 55608 w 559472"/>
+              <a:gd name="connsiteY33" fmla="*/ 244762 h 3709642"/>
+              <a:gd name="connsiteX34" fmla="*/ 28130 w 559472"/>
+              <a:gd name="connsiteY34" fmla="*/ 122220 h 3709642"/>
+              <a:gd name="connsiteX35" fmla="*/ 0 w 559472"/>
+              <a:gd name="connsiteY35" fmla="*/ 0 h 3709642"/>
+            </a:gdLst>
+            <a:ahLst/>
+            <a:cxnLst>
+              <a:cxn ang="0">
+                <a:pos x="connsiteX0" y="connsiteY0"/>
+              </a:cxn>
+              <a:cxn ang="0">
+                <a:pos x="connsiteX1" y="connsiteY1"/>
+              </a:cxn>
+              <a:cxn ang="0">
+                <a:pos x="connsiteX2" y="connsiteY2"/>
+              </a:cxn>
+              <a:cxn ang="0">
+                <a:pos x="connsiteX3" y="connsiteY3"/>
+              </a:cxn>
+              <a:cxn ang="0">
+                <a:pos x="connsiteX4" y="connsiteY4"/>
+              </a:cxn>
+              <a:cxn ang="0">
+                <a:pos x="connsiteX5" y="connsiteY5"/>
+              </a:cxn>
+              <a:cxn ang="0">
+                <a:pos x="connsiteX6" y="connsiteY6"/>
+              </a:cxn>
+              <a:cxn ang="0">
+                <a:pos x="connsiteX7" y="connsiteY7"/>
+              </a:cxn>
+              <a:cxn ang="0">
+                <a:pos x="connsiteX8" y="connsiteY8"/>
+              </a:cxn>
+              <a:cxn ang="0">
+                <a:pos x="connsiteX9" y="connsiteY9"/>
+              </a:cxn>
+              <a:cxn ang="0">
+                <a:pos x="connsiteX10" y="connsiteY10"/>
+              </a:cxn>
+              <a:cxn ang="0">
+                <a:pos x="connsiteX11" y="connsiteY11"/>
+              </a:cxn>
+              <a:cxn ang="0">
+                <a:pos x="connsiteX12" y="connsiteY12"/>
+              </a:cxn>
+              <a:cxn ang="0">
+                <a:pos x="connsiteX13" y="connsiteY13"/>
+              </a:cxn>
+              <a:cxn ang="0">
+                <a:pos x="connsiteX14" y="connsiteY14"/>
+              </a:cxn>
+              <a:cxn ang="0">
+                <a:pos x="connsiteX15" y="connsiteY15"/>
+              </a:cxn>
+              <a:cxn ang="0">
+                <a:pos x="connsiteX16" y="connsiteY16"/>
+              </a:cxn>
+              <a:cxn ang="0">
+                <a:pos x="connsiteX17" y="connsiteY17"/>
+              </a:cxn>
+              <a:cxn ang="0">
+                <a:pos x="connsiteX18" y="connsiteY18"/>
+              </a:cxn>
+              <a:cxn ang="0">
+                <a:pos x="connsiteX19" y="connsiteY19"/>
+              </a:cxn>
+              <a:cxn ang="0">
+                <a:pos x="connsiteX20" y="connsiteY20"/>
+              </a:cxn>
+              <a:cxn ang="0">
+                <a:pos x="connsiteX21" y="connsiteY21"/>
+              </a:cxn>
+              <a:cxn ang="0">
+                <a:pos x="connsiteX22" y="connsiteY22"/>
+              </a:cxn>
+              <a:cxn ang="0">
+                <a:pos x="connsiteX23" y="connsiteY23"/>
+              </a:cxn>
+              <a:cxn ang="0">
+                <a:pos x="connsiteX24" y="connsiteY24"/>
+              </a:cxn>
+              <a:cxn ang="0">
+                <a:pos x="connsiteX25" y="connsiteY25"/>
+              </a:cxn>
+              <a:cxn ang="0">
+                <a:pos x="connsiteX26" y="connsiteY26"/>
+              </a:cxn>
+              <a:cxn ang="0">
+                <a:pos x="connsiteX27" y="connsiteY27"/>
+              </a:cxn>
+              <a:cxn ang="0">
+                <a:pos x="connsiteX28" y="connsiteY28"/>
+              </a:cxn>
+              <a:cxn ang="0">
+                <a:pos x="connsiteX29" y="connsiteY29"/>
+              </a:cxn>
+              <a:cxn ang="0">
+                <a:pos x="connsiteX30" y="connsiteY30"/>
+              </a:cxn>
+              <a:cxn ang="0">
+                <a:pos x="connsiteX31" y="connsiteY31"/>
+              </a:cxn>
+              <a:cxn ang="0">
+                <a:pos x="connsiteX32" y="connsiteY32"/>
+              </a:cxn>
+              <a:cxn ang="0">
+                <a:pos x="connsiteX33" y="connsiteY33"/>
+              </a:cxn>
+              <a:cxn ang="0">
+                <a:pos x="connsiteX34" y="connsiteY34"/>
+              </a:cxn>
+              <a:cxn ang="0">
+                <a:pos x="connsiteX35" y="connsiteY35"/>
+              </a:cxn>
+            </a:cxnLst>
+            <a:rect l="l" t="t" r="r" b="b"/>
+            <a:pathLst>
+              <a:path w="559472" h="3709642">
+                <a:moveTo>
+                  <a:pt x="0" y="0"/>
+                </a:moveTo>
+                <a:lnTo>
+                  <a:pt x="473952" y="0"/>
+                </a:lnTo>
+                <a:lnTo>
+                  <a:pt x="485840" y="161194"/>
+                </a:lnTo>
+                <a:cubicBezTo>
+                  <a:pt x="552063" y="1147770"/>
+                  <a:pt x="592441" y="3086737"/>
+                  <a:pt x="523949" y="3672197"/>
+                </a:cubicBezTo>
+                <a:cubicBezTo>
+                  <a:pt x="500842" y="3684557"/>
+                  <a:pt x="477855" y="3697282"/>
+                  <a:pt x="454748" y="3709642"/>
+                </a:cubicBezTo>
+                <a:lnTo>
+                  <a:pt x="448224" y="3510471"/>
+                </a:lnTo>
+                <a:lnTo>
+                  <a:pt x="443564" y="3408563"/>
+                </a:lnTo>
+                <a:lnTo>
+                  <a:pt x="438902" y="3304407"/>
+                </a:lnTo>
+                <a:lnTo>
+                  <a:pt x="433941" y="3198777"/>
+                </a:lnTo>
+                <a:lnTo>
+                  <a:pt x="427584" y="3092510"/>
+                </a:lnTo>
+                <a:lnTo>
+                  <a:pt x="420988" y="2984390"/>
+                </a:lnTo>
+                <a:lnTo>
+                  <a:pt x="414330" y="2874401"/>
+                </a:lnTo>
+                <a:lnTo>
+                  <a:pt x="406840" y="2762980"/>
+                </a:lnTo>
+                <a:lnTo>
+                  <a:pt x="397745" y="2650566"/>
+                </a:lnTo>
+                <a:lnTo>
+                  <a:pt x="389154" y="2536612"/>
+                </a:lnTo>
+                <a:lnTo>
+                  <a:pt x="379225" y="2421642"/>
+                </a:lnTo>
+                <a:lnTo>
+                  <a:pt x="368316" y="2305627"/>
+                </a:lnTo>
+                <a:lnTo>
+                  <a:pt x="357466" y="2189233"/>
+                </a:lnTo>
+                <a:lnTo>
+                  <a:pt x="344982" y="2071473"/>
+                </a:lnTo>
+                <a:lnTo>
+                  <a:pt x="332466" y="1952216"/>
+                </a:lnTo>
+                <a:lnTo>
+                  <a:pt x="319121" y="1833776"/>
+                </a:lnTo>
+                <a:lnTo>
+                  <a:pt x="304408" y="1713948"/>
+                </a:lnTo>
+                <a:lnTo>
+                  <a:pt x="288685" y="1592703"/>
+                </a:lnTo>
+                <a:lnTo>
+                  <a:pt x="273050" y="1471451"/>
+                </a:lnTo>
+                <a:lnTo>
+                  <a:pt x="255813" y="1350328"/>
+                </a:lnTo>
+                <a:lnTo>
+                  <a:pt x="237060" y="1227080"/>
+                </a:lnTo>
+                <a:lnTo>
+                  <a:pt x="218488" y="1106065"/>
+                </a:lnTo>
+                <a:lnTo>
+                  <a:pt x="198221" y="982940"/>
+                </a:lnTo>
+                <a:lnTo>
+                  <a:pt x="177152" y="858755"/>
+                </a:lnTo>
+                <a:lnTo>
+                  <a:pt x="155551" y="736861"/>
+                </a:lnTo>
+                <a:lnTo>
+                  <a:pt x="131782" y="613645"/>
+                </a:lnTo>
+                <a:lnTo>
+                  <a:pt x="107123" y="490500"/>
+                </a:lnTo>
+                <a:lnTo>
+                  <a:pt x="82552" y="367348"/>
+                </a:lnTo>
+                <a:lnTo>
+                  <a:pt x="55608" y="244762"/>
+                </a:lnTo>
+                <a:lnTo>
+                  <a:pt x="28130" y="122220"/>
+                </a:lnTo>
+                <a:lnTo>
+                  <a:pt x="0" y="0"/>
+                </a:lnTo>
+                <a:close/>
+              </a:path>
+            </a:pathLst>
+          </a:custGeom>
+          <a:solidFill>
+            <a:schemeClr val="tx1">
+              <a:alpha val="20000"/>
+            </a:schemeClr>
+          </a:solidFill>
+          <a:ln>
+            <a:noFill/>
+          </a:ln>
+        </p:spPr>
+        <p:txBody>
+          <a:bodyPr rtlCol="0" anchor="ctr"/>
+          <a:lstStyle/>
+          <a:p>
+            <a:pPr algn="ctr"/>
+            <a:endParaRPr lang="en-US"/>
+          </a:p>
+        </p:txBody>
+      </p:sp>
+      <p:sp>
+        <p:nvSpPr>
+          <p:cNvPr id="26" name="Freeform 5">
+            <a:extLst>
+              <a:ext uri="{FF2B5EF4-FFF2-40B4-BE49-F238E27FC236}">
+                <a16:creationId xmlns:a16="http://schemas.microsoft.com/office/drawing/2014/main" id="{73E26159-C029-4449-8912-A9B418CC328B}"/>
+              </a:ext>
+              <a:ext uri="{C183D7F6-B498-43B3-948B-1728B52AA6E4}">
+                <adec:decorative xmlns:adec="http://schemas.microsoft.com/office/drawing/2017/decorative" val="1"/>
+              </a:ext>
+            </a:extLst>
+          </p:cNvPr>
+          <p:cNvSpPr>
+            <a:spLocks noGrp="1" noRot="1" noChangeAspect="1" noMove="1" noResize="1" noEditPoints="1" noAdjustHandles="1" noChangeArrowheads="1" noChangeShapeType="1" noTextEdit="1"/>
+          </p:cNvSpPr>
+          <p:nvPr>
+            <p:extLst>
+              <p:ext uri="{386F3935-93C4-4BCD-93E2-E3B085C9AB24}">
+                <p16:designElem xmlns:p16="http://schemas.microsoft.com/office/powerpoint/2015/main" val="1"/>
+              </p:ext>
+            </p:extLst>
+          </p:nvPr>
+        </p:nvSpPr>
+        <p:spPr bwMode="gray">
+          <a:xfrm rot="5400000" flipH="1">
+            <a:off x="3708596" y="2756642"/>
+            <a:ext cx="6858000" cy="1344715"/>
+          </a:xfrm>
+          <a:custGeom>
+            <a:avLst/>
+            <a:gdLst/>
+            <a:ahLst/>
+            <a:cxnLst/>
+            <a:rect l="l" t="t" r="r" b="b"/>
+            <a:pathLst>
+              <a:path w="10000" h="8000">
+                <a:moveTo>
+                  <a:pt x="0" y="0"/>
+                </a:moveTo>
+                <a:lnTo>
+                  <a:pt x="0" y="7970"/>
+                </a:lnTo>
+                <a:lnTo>
+                  <a:pt x="10000" y="8000"/>
+                </a:lnTo>
+                <a:lnTo>
+                  <a:pt x="10000" y="7"/>
+                </a:lnTo>
+                <a:lnTo>
+                  <a:pt x="10000" y="7"/>
+                </a:lnTo>
+                <a:lnTo>
+                  <a:pt x="9773" y="156"/>
+                </a:lnTo>
+                <a:lnTo>
+                  <a:pt x="9547" y="298"/>
+                </a:lnTo>
+                <a:lnTo>
+                  <a:pt x="9320" y="437"/>
+                </a:lnTo>
+                <a:lnTo>
+                  <a:pt x="9092" y="556"/>
+                </a:lnTo>
+                <a:lnTo>
+                  <a:pt x="8865" y="676"/>
+                </a:lnTo>
+                <a:lnTo>
+                  <a:pt x="8637" y="788"/>
+                </a:lnTo>
+                <a:lnTo>
+                  <a:pt x="8412" y="884"/>
+                </a:lnTo>
+                <a:lnTo>
+                  <a:pt x="8184" y="975"/>
+                </a:lnTo>
+                <a:lnTo>
+                  <a:pt x="7957" y="1058"/>
+                </a:lnTo>
+                <a:lnTo>
+                  <a:pt x="7734" y="1130"/>
+                </a:lnTo>
+                <a:lnTo>
+                  <a:pt x="7508" y="1202"/>
+                </a:lnTo>
+                <a:lnTo>
+                  <a:pt x="7285" y="1262"/>
+                </a:lnTo>
+                <a:lnTo>
+                  <a:pt x="7062" y="1309"/>
+                </a:lnTo>
+                <a:lnTo>
+                  <a:pt x="6840" y="1358"/>
+                </a:lnTo>
+                <a:lnTo>
+                  <a:pt x="6620" y="1399"/>
+                </a:lnTo>
+                <a:lnTo>
+                  <a:pt x="6402" y="1428"/>
+                </a:lnTo>
+                <a:lnTo>
+                  <a:pt x="6184" y="1453"/>
+                </a:lnTo>
+                <a:lnTo>
+                  <a:pt x="5968" y="1477"/>
+                </a:lnTo>
+                <a:lnTo>
+                  <a:pt x="5755" y="1488"/>
+                </a:lnTo>
+                <a:lnTo>
+                  <a:pt x="5542" y="1500"/>
+                </a:lnTo>
+                <a:lnTo>
+                  <a:pt x="5332" y="1506"/>
+                </a:lnTo>
+                <a:lnTo>
+                  <a:pt x="5124" y="1500"/>
+                </a:lnTo>
+                <a:lnTo>
+                  <a:pt x="4918" y="1500"/>
+                </a:lnTo>
+                <a:lnTo>
+                  <a:pt x="4714" y="1488"/>
+                </a:lnTo>
+                <a:lnTo>
+                  <a:pt x="4514" y="1470"/>
+                </a:lnTo>
+                <a:lnTo>
+                  <a:pt x="4316" y="1453"/>
+                </a:lnTo>
+                <a:lnTo>
+                  <a:pt x="4122" y="1434"/>
+                </a:lnTo>
+                <a:lnTo>
+                  <a:pt x="3929" y="1405"/>
+                </a:lnTo>
+                <a:lnTo>
+                  <a:pt x="3739" y="1374"/>
+                </a:lnTo>
+                <a:lnTo>
+                  <a:pt x="3553" y="1346"/>
+                </a:lnTo>
+                <a:lnTo>
+                  <a:pt x="3190" y="1267"/>
+                </a:lnTo>
+                <a:lnTo>
+                  <a:pt x="2842" y="1183"/>
+                </a:lnTo>
+                <a:lnTo>
+                  <a:pt x="2508" y="1095"/>
+                </a:lnTo>
+                <a:lnTo>
+                  <a:pt x="2192" y="998"/>
+                </a:lnTo>
+                <a:lnTo>
+                  <a:pt x="1890" y="897"/>
+                </a:lnTo>
+                <a:lnTo>
+                  <a:pt x="1610" y="788"/>
+                </a:lnTo>
+                <a:lnTo>
+                  <a:pt x="1347" y="681"/>
+                </a:lnTo>
+                <a:lnTo>
+                  <a:pt x="1105" y="574"/>
+                </a:lnTo>
+                <a:lnTo>
+                  <a:pt x="883" y="473"/>
+                </a:lnTo>
+                <a:lnTo>
+                  <a:pt x="686" y="377"/>
+                </a:lnTo>
+                <a:lnTo>
+                  <a:pt x="508" y="286"/>
+                </a:lnTo>
+                <a:lnTo>
+                  <a:pt x="358" y="210"/>
+                </a:lnTo>
+                <a:lnTo>
+                  <a:pt x="232" y="138"/>
+                </a:lnTo>
+                <a:lnTo>
+                  <a:pt x="59" y="35"/>
+                </a:lnTo>
+                <a:lnTo>
+                  <a:pt x="0" y="0"/>
+                </a:lnTo>
+                <a:lnTo>
+                  <a:pt x="0" y="0"/>
+                </a:lnTo>
+                <a:close/>
+              </a:path>
+            </a:pathLst>
+          </a:custGeom>
+          <a:solidFill>
+            <a:srgbClr val="FFFFFF"/>
+          </a:solidFill>
+          <a:ln>
+            <a:noFill/>
+          </a:ln>
+        </p:spPr>
+      </p:sp>
+      <p:pic>
+        <p:nvPicPr>
+          <p:cNvPr id="5" name="Content Placeholder 4">
+            <a:extLst>
+              <a:ext uri="{FF2B5EF4-FFF2-40B4-BE49-F238E27FC236}">
+                <a16:creationId xmlns:a16="http://schemas.microsoft.com/office/drawing/2014/main" id="{11336C57-9A9C-4189-8C3E-7F25EB324AC6}"/>
+              </a:ext>
+            </a:extLst>
+          </p:cNvPr>
+          <p:cNvPicPr>
+            <a:picLocks noGrp="1" noChangeAspect="1"/>
+          </p:cNvPicPr>
+          <p:nvPr>
+            <p:ph idx="1"/>
+          </p:nvPr>
+        </p:nvPicPr>
+        <p:blipFill>
+          <a:blip r:embed="rId7"/>
+          <a:stretch>
+            <a:fillRect/>
+          </a:stretch>
+        </p:blipFill>
+        <p:spPr>
+          <a:xfrm>
+            <a:off x="257175" y="409575"/>
+            <a:ext cx="6753721" cy="5953125"/>
+          </a:xfrm>
+          <a:prstGeom prst="rect">
+            <a:avLst/>
+          </a:prstGeom>
+          <a:effectLst/>
+        </p:spPr>
+      </p:pic>
+    </p:spTree>
+    <p:extLst>
+      <p:ext uri="{BB962C8B-B14F-4D97-AF65-F5344CB8AC3E}">
+        <p14:creationId xmlns:p14="http://schemas.microsoft.com/office/powerpoint/2010/main" val="2408476982"/>
+      </p:ext>
+    </p:extLst>
+  </p:cSld>
+  <p:clrMapOvr>
+    <a:masterClrMapping/>
+  </p:clrMapOvr>
+</p:sld>
+</file>
+
+<file path=ppt/slides/slide7.xml><?xml version="1.0" encoding="utf-8"?>
+<p:sld xmlns:a="http://schemas.openxmlformats.org/drawingml/2006/main" xmlns:r="http://schemas.openxmlformats.org/officeDocument/2006/relationships" xmlns:p="http://schemas.openxmlformats.org/presentationml/2006/main">
+  <p:cSld>
+    <p:bg>
+      <p:bgPr>
+        <a:blipFill rotWithShape="1">
+          <a:blip r:embed="rId2">
+            <a:duotone>
+              <a:schemeClr val="bg2">
+                <a:shade val="69000"/>
+                <a:hueMod val="91000"/>
+                <a:satMod val="164000"/>
+                <a:lumMod val="74000"/>
+              </a:schemeClr>
+              <a:schemeClr val="bg2">
+                <a:hueMod val="124000"/>
+                <a:satMod val="140000"/>
+                <a:lumMod val="142000"/>
+              </a:schemeClr>
+            </a:duotone>
+          </a:blip>
+          <a:stretch/>
+        </a:blipFill>
+        <a:effectLst/>
+      </p:bgPr>
+    </p:bg>
+    <p:spTree>
+      <p:nvGrpSpPr>
+        <p:cNvPr id="1" name=""/>
+        <p:cNvGrpSpPr/>
+        <p:nvPr/>
+      </p:nvGrpSpPr>
+      <p:grpSpPr>
+        <a:xfrm>
+          <a:off x="0" y="0"/>
+          <a:ext cx="0" cy="0"/>
+          <a:chOff x="0" y="0"/>
+          <a:chExt cx="0" cy="0"/>
+        </a:xfrm>
+      </p:grpSpPr>
+      <p:pic>
+        <p:nvPicPr>
+          <p:cNvPr id="10" name="Picture 9">
+            <a:extLst>
+              <a:ext uri="{FF2B5EF4-FFF2-40B4-BE49-F238E27FC236}">
+                <a16:creationId xmlns:a16="http://schemas.microsoft.com/office/drawing/2014/main" id="{C9134821-5D8B-4373-BA74-CFE9AB35A55A}"/>
+              </a:ext>
+              <a:ext uri="{C183D7F6-B498-43B3-948B-1728B52AA6E4}">
+                <adec:decorative xmlns:adec="http://schemas.microsoft.com/office/drawing/2017/decorative" val="1"/>
+              </a:ext>
+            </a:extLst>
+          </p:cNvPr>
+          <p:cNvPicPr>
+            <a:picLocks noGrp="1" noRot="1" noChangeAspect="1" noMove="1" noResize="1" noEditPoints="1" noAdjustHandles="1" noChangeArrowheads="1" noChangeShapeType="1" noCrop="1"/>
+          </p:cNvPicPr>
+          <p:nvPr>
+            <p:extLst>
+              <p:ext uri="{386F3935-93C4-4BCD-93E2-E3B085C9AB24}">
+                <p16:designElem xmlns:p16="http://schemas.microsoft.com/office/powerpoint/2015/main" val="1"/>
+              </p:ext>
+            </p:extLst>
+          </p:nvPr>
+        </p:nvPicPr>
+        <p:blipFill rotWithShape="1">
+          <a:blip r:embed="rId3">
+            <a:extLst>
+              <a:ext uri="{28A0092B-C50C-407E-A947-70E740481C1C}">
+                <a14:useLocalDpi xmlns:a14="http://schemas.microsoft.com/office/drawing/2010/main" val="0"/>
+              </a:ext>
+            </a:extLst>
+          </a:blip>
+          <a:srcRect l="3644"/>
+          <a:stretch/>
+        </p:blipFill>
+        <p:spPr>
+          <a:xfrm>
+            <a:off x="0" y="2669685"/>
+            <a:ext cx="4035669" cy="4188315"/>
+          </a:xfrm>
+          <a:prstGeom prst="rect">
+            <a:avLst/>
+          </a:prstGeom>
+        </p:spPr>
+      </p:pic>
+      <p:pic>
+        <p:nvPicPr>
+          <p:cNvPr id="12" name="Picture 11">
+            <a:extLst>
+              <a:ext uri="{FF2B5EF4-FFF2-40B4-BE49-F238E27FC236}">
+                <a16:creationId xmlns:a16="http://schemas.microsoft.com/office/drawing/2014/main" id="{5965195F-79F5-4911-907D-13CB3F534351}"/>
+              </a:ext>
+              <a:ext uri="{C183D7F6-B498-43B3-948B-1728B52AA6E4}">
+                <adec:decorative xmlns:adec="http://schemas.microsoft.com/office/drawing/2017/decorative" val="1"/>
+              </a:ext>
+            </a:extLst>
+          </p:cNvPr>
+          <p:cNvPicPr>
+            <a:picLocks noGrp="1" noRot="1" noChangeAspect="1" noMove="1" noResize="1" noEditPoints="1" noAdjustHandles="1" noChangeArrowheads="1" noChangeShapeType="1" noCrop="1"/>
+          </p:cNvPicPr>
+          <p:nvPr>
+            <p:extLst>
+              <p:ext uri="{386F3935-93C4-4BCD-93E2-E3B085C9AB24}">
+                <p16:designElem xmlns:p16="http://schemas.microsoft.com/office/powerpoint/2015/main" val="1"/>
+              </p:ext>
+            </p:extLst>
+          </p:nvPr>
+        </p:nvPicPr>
+        <p:blipFill rotWithShape="1">
+          <a:blip r:embed="rId4">
+            <a:extLst>
+              <a:ext uri="{28A0092B-C50C-407E-A947-70E740481C1C}">
+                <a14:useLocalDpi xmlns:a14="http://schemas.microsoft.com/office/drawing/2010/main" val="0"/>
+              </a:ext>
+            </a:extLst>
+          </a:blip>
+          <a:srcRect l="35640"/>
+          <a:stretch/>
+        </p:blipFill>
+        <p:spPr>
+          <a:xfrm>
+            <a:off x="0" y="2892347"/>
+            <a:ext cx="1522412" cy="2365453"/>
+          </a:xfrm>
+          <a:prstGeom prst="rect">
+            <a:avLst/>
+          </a:prstGeom>
+        </p:spPr>
+      </p:pic>
+      <p:sp>
+        <p:nvSpPr>
+          <p:cNvPr id="14" name="Oval 13">
+            <a:extLst>
+              <a:ext uri="{FF2B5EF4-FFF2-40B4-BE49-F238E27FC236}">
+                <a16:creationId xmlns:a16="http://schemas.microsoft.com/office/drawing/2014/main" id="{8A610DC7-FE1B-47B9-8452-CFC389786C2D}"/>
+              </a:ext>
+              <a:ext uri="{C183D7F6-B498-43B3-948B-1728B52AA6E4}">
+                <adec:decorative xmlns:adec="http://schemas.microsoft.com/office/drawing/2017/decorative" val="1"/>
+              </a:ext>
+            </a:extLst>
+          </p:cNvPr>
+          <p:cNvSpPr>
+            <a:spLocks noGrp="1" noRot="1" noChangeAspect="1" noMove="1" noResize="1" noEditPoints="1" noAdjustHandles="1" noChangeArrowheads="1" noChangeShapeType="1" noTextEdit="1"/>
+          </p:cNvSpPr>
+          <p:nvPr>
+            <p:extLst>
+              <p:ext uri="{386F3935-93C4-4BCD-93E2-E3B085C9AB24}">
+                <p16:designElem xmlns:p16="http://schemas.microsoft.com/office/powerpoint/2015/main" val="1"/>
+              </p:ext>
+            </p:extLst>
+          </p:nvPr>
+        </p:nvSpPr>
+        <p:spPr>
+          <a:xfrm>
+            <a:off x="8609012" y="1676400"/>
+            <a:ext cx="2819400" cy="2819400"/>
+          </a:xfrm>
+          <a:prstGeom prst="ellipse">
+            <a:avLst/>
+          </a:prstGeom>
+          <a:gradFill flip="none" rotWithShape="1">
+            <a:gsLst>
+              <a:gs pos="0">
+                <a:schemeClr val="accent5">
+                  <a:alpha val="7000"/>
+                </a:schemeClr>
+              </a:gs>
+              <a:gs pos="69000">
+                <a:schemeClr val="accent5">
+                  <a:alpha val="0"/>
+                </a:schemeClr>
+              </a:gs>
+              <a:gs pos="36000">
+                <a:schemeClr val="accent5">
+                  <a:alpha val="6000"/>
+                </a:schemeClr>
+              </a:gs>
+            </a:gsLst>
+            <a:path path="circle">
+              <a:fillToRect l="50000" t="50000" r="50000" b="50000"/>
+            </a:path>
+            <a:tileRect/>
+          </a:gradFill>
+          <a:ln>
+            <a:noFill/>
+          </a:ln>
+          <a:effectLst/>
+        </p:spPr>
+        <p:style>
+          <a:lnRef idx="1">
+            <a:schemeClr val="accent1"/>
+          </a:lnRef>
+          <a:fillRef idx="3">
+            <a:schemeClr val="accent1"/>
+          </a:fillRef>
+          <a:effectRef idx="2">
+            <a:schemeClr val="accent1"/>
+          </a:effectRef>
+          <a:fontRef idx="minor">
+            <a:schemeClr val="lt1"/>
+          </a:fontRef>
+        </p:style>
+      </p:sp>
+      <p:pic>
+        <p:nvPicPr>
+          <p:cNvPr id="16" name="Picture 15">
+            <a:extLst>
+              <a:ext uri="{FF2B5EF4-FFF2-40B4-BE49-F238E27FC236}">
+                <a16:creationId xmlns:a16="http://schemas.microsoft.com/office/drawing/2014/main" id="{2742ADC1-2286-40B7-A3C6-D6C3362FA04B}"/>
+              </a:ext>
+              <a:ext uri="{C183D7F6-B498-43B3-948B-1728B52AA6E4}">
+                <adec:decorative xmlns:adec="http://schemas.microsoft.com/office/drawing/2017/decorative" val="1"/>
+              </a:ext>
+            </a:extLst>
+          </p:cNvPr>
+          <p:cNvPicPr>
+            <a:picLocks noGrp="1" noRot="1" noChangeAspect="1" noMove="1" noResize="1" noEditPoints="1" noAdjustHandles="1" noChangeArrowheads="1" noChangeShapeType="1" noCrop="1"/>
+          </p:cNvPicPr>
+          <p:nvPr>
+            <p:extLst>
+              <p:ext uri="{386F3935-93C4-4BCD-93E2-E3B085C9AB24}">
+                <p16:designElem xmlns:p16="http://schemas.microsoft.com/office/powerpoint/2015/main" val="1"/>
+              </p:ext>
+            </p:extLst>
+          </p:nvPr>
+        </p:nvPicPr>
+        <p:blipFill rotWithShape="1">
+          <a:blip r:embed="rId5">
+            <a:extLst>
+              <a:ext uri="{28A0092B-C50C-407E-A947-70E740481C1C}">
+                <a14:useLocalDpi xmlns:a14="http://schemas.microsoft.com/office/drawing/2010/main" val="0"/>
+              </a:ext>
+            </a:extLst>
+          </a:blip>
+          <a:srcRect t="28813"/>
+          <a:stretch/>
+        </p:blipFill>
+        <p:spPr>
+          <a:xfrm>
+            <a:off x="7999412" y="0"/>
+            <a:ext cx="1603387" cy="1141407"/>
+          </a:xfrm>
+          <a:prstGeom prst="rect">
+            <a:avLst/>
+          </a:prstGeom>
+        </p:spPr>
+      </p:pic>
+      <p:pic>
+        <p:nvPicPr>
+          <p:cNvPr id="18" name="Picture 17">
+            <a:extLst>
+              <a:ext uri="{FF2B5EF4-FFF2-40B4-BE49-F238E27FC236}">
+                <a16:creationId xmlns:a16="http://schemas.microsoft.com/office/drawing/2014/main" id="{C878FBDC-78F2-4D49-8DB3-1A48CA9F7FC0}"/>
+              </a:ext>
+              <a:ext uri="{C183D7F6-B498-43B3-948B-1728B52AA6E4}">
+                <adec:decorative xmlns:adec="http://schemas.microsoft.com/office/drawing/2017/decorative" val="1"/>
+              </a:ext>
+            </a:extLst>
+          </p:cNvPr>
+          <p:cNvPicPr>
+            <a:picLocks noGrp="1" noRot="1" noChangeAspect="1" noMove="1" noResize="1" noEditPoints="1" noAdjustHandles="1" noChangeArrowheads="1" noChangeShapeType="1" noCrop="1"/>
+          </p:cNvPicPr>
+          <p:nvPr>
+            <p:extLst>
+              <p:ext uri="{386F3935-93C4-4BCD-93E2-E3B085C9AB24}">
+                <p16:designElem xmlns:p16="http://schemas.microsoft.com/office/powerpoint/2015/main" val="1"/>
+              </p:ext>
+            </p:extLst>
+          </p:nvPr>
+        </p:nvPicPr>
+        <p:blipFill rotWithShape="1">
+          <a:blip r:embed="rId6">
+            <a:extLst>
+              <a:ext uri="{28A0092B-C50C-407E-A947-70E740481C1C}">
+                <a14:useLocalDpi xmlns:a14="http://schemas.microsoft.com/office/drawing/2010/main" val="0"/>
+              </a:ext>
+            </a:extLst>
+          </a:blip>
+          <a:srcRect b="23320"/>
+          <a:stretch/>
+        </p:blipFill>
+        <p:spPr>
+          <a:xfrm>
+            <a:off x="8609012" y="6096000"/>
+            <a:ext cx="993734" cy="762000"/>
+          </a:xfrm>
+          <a:prstGeom prst="rect">
+            <a:avLst/>
+          </a:prstGeom>
+        </p:spPr>
+      </p:pic>
+      <p:sp>
+        <p:nvSpPr>
+          <p:cNvPr id="20" name="Rectangle 19">
+            <a:extLst>
+              <a:ext uri="{FF2B5EF4-FFF2-40B4-BE49-F238E27FC236}">
+                <a16:creationId xmlns:a16="http://schemas.microsoft.com/office/drawing/2014/main" id="{DC9A0934-0C2C-4565-9290-A345B19BD94C}"/>
+              </a:ext>
+              <a:ext uri="{C183D7F6-B498-43B3-948B-1728B52AA6E4}">
+                <adec:decorative xmlns:adec="http://schemas.microsoft.com/office/drawing/2017/decorative" val="1"/>
+              </a:ext>
+            </a:extLst>
+          </p:cNvPr>
+          <p:cNvSpPr>
+            <a:spLocks noGrp="1" noRot="1" noChangeAspect="1" noMove="1" noResize="1" noEditPoints="1" noAdjustHandles="1" noChangeArrowheads="1" noChangeShapeType="1" noTextEdit="1"/>
+          </p:cNvSpPr>
+          <p:nvPr>
+            <p:extLst>
+              <p:ext uri="{386F3935-93C4-4BCD-93E2-E3B085C9AB24}">
+                <p16:designElem xmlns:p16="http://schemas.microsoft.com/office/powerpoint/2015/main" val="1"/>
+              </p:ext>
+            </p:extLst>
+          </p:nvPr>
+        </p:nvSpPr>
+        <p:spPr>
+          <a:xfrm>
+            <a:off x="10437812" y="0"/>
+            <a:ext cx="685800" cy="1143000"/>
+          </a:xfrm>
+          <a:prstGeom prst="rect">
+            <a:avLst/>
+          </a:prstGeom>
+          <a:solidFill>
+            <a:schemeClr val="accent1"/>
+          </a:solidFill>
+          <a:ln>
+            <a:noFill/>
+          </a:ln>
+        </p:spPr>
+        <p:style>
+          <a:lnRef idx="1">
+            <a:schemeClr val="accent1"/>
+          </a:lnRef>
+          <a:fillRef idx="3">
+            <a:schemeClr val="accent1"/>
+          </a:fillRef>
+          <a:effectRef idx="2">
+            <a:schemeClr val="accent1"/>
+          </a:effectRef>
+          <a:fontRef idx="minor">
+            <a:schemeClr val="lt1"/>
+          </a:fontRef>
+        </p:style>
+      </p:sp>
+      <p:sp>
+        <p:nvSpPr>
+          <p:cNvPr id="2" name="Title 1">
+            <a:extLst>
+              <a:ext uri="{FF2B5EF4-FFF2-40B4-BE49-F238E27FC236}">
+                <a16:creationId xmlns:a16="http://schemas.microsoft.com/office/drawing/2014/main" id="{6AC2FA41-73BB-4073-B7DE-B3CD3C12287E}"/>
+              </a:ext>
+            </a:extLst>
+          </p:cNvPr>
+          <p:cNvSpPr>
+            <a:spLocks noGrp="1"/>
+          </p:cNvSpPr>
+          <p:nvPr>
+            <p:ph type="title"/>
+          </p:nvPr>
+        </p:nvSpPr>
+        <p:spPr>
+          <a:xfrm>
+            <a:off x="7680960" y="1325880"/>
+            <a:ext cx="4135119" cy="3066507"/>
+          </a:xfrm>
+        </p:spPr>
+        <p:txBody>
+          <a:bodyPr vert="horz" lIns="91440" tIns="45720" rIns="91440" bIns="45720" rtlCol="0" anchor="b">
+            <a:normAutofit/>
+          </a:bodyPr>
+          <a:lstStyle/>
+          <a:p>
+            <a:r>
+              <a:rPr lang="en-US" sz="5400" dirty="0"/>
+              <a:t>Output Screenshots</a:t>
+            </a:r>
+          </a:p>
+        </p:txBody>
+      </p:sp>
+      <p:sp>
+        <p:nvSpPr>
+          <p:cNvPr id="22" name="Rectangle 21">
+            <a:extLst>
+              <a:ext uri="{FF2B5EF4-FFF2-40B4-BE49-F238E27FC236}">
+                <a16:creationId xmlns:a16="http://schemas.microsoft.com/office/drawing/2014/main" id="{87BE56A7-2B14-4ABE-8DF3-40C07E64B19D}"/>
+              </a:ext>
+              <a:ext uri="{C183D7F6-B498-43B3-948B-1728B52AA6E4}">
+                <adec:decorative xmlns:adec="http://schemas.microsoft.com/office/drawing/2017/decorative" val="1"/>
+              </a:ext>
+            </a:extLst>
+          </p:cNvPr>
+          <p:cNvSpPr>
+            <a:spLocks noGrp="1" noRot="1" noChangeAspect="1" noMove="1" noResize="1" noEditPoints="1" noAdjustHandles="1" noChangeArrowheads="1" noChangeShapeType="1" noTextEdit="1"/>
+          </p:cNvSpPr>
+          <p:nvPr>
+            <p:extLst>
+              <p:ext uri="{386F3935-93C4-4BCD-93E2-E3B085C9AB24}">
+                <p16:designElem xmlns:p16="http://schemas.microsoft.com/office/powerpoint/2015/main" val="1"/>
+              </p:ext>
+            </p:extLst>
+          </p:nvPr>
+        </p:nvSpPr>
+        <p:spPr>
+          <a:xfrm>
+            <a:off x="0" y="0"/>
+            <a:ext cx="7157124" cy="6858000"/>
+          </a:xfrm>
+          <a:prstGeom prst="rect">
+            <a:avLst/>
+          </a:prstGeom>
+          <a:solidFill>
+            <a:srgbClr val="FFFFFF"/>
+          </a:solidFill>
+          <a:ln>
+            <a:noFill/>
+          </a:ln>
+        </p:spPr>
+        <p:style>
+          <a:lnRef idx="2">
+            <a:schemeClr val="accent1">
+              <a:shade val="50000"/>
+            </a:schemeClr>
+          </a:lnRef>
+          <a:fillRef idx="1">
+            <a:schemeClr val="accent1"/>
+          </a:fillRef>
+          <a:effectRef idx="0">
+            <a:schemeClr val="accent1"/>
+          </a:effectRef>
+          <a:fontRef idx="minor">
+            <a:schemeClr val="lt1"/>
+          </a:fontRef>
+        </p:style>
+        <p:txBody>
+          <a:bodyPr rtlCol="0" anchor="ctr"/>
+          <a:lstStyle/>
+          <a:p>
+            <a:pPr algn="ctr"/>
+            <a:endParaRPr lang="en-US"/>
+          </a:p>
+        </p:txBody>
+      </p:sp>
+      <p:sp>
+        <p:nvSpPr>
+          <p:cNvPr id="24" name="Freeform 36">
+            <a:extLst>
+              <a:ext uri="{FF2B5EF4-FFF2-40B4-BE49-F238E27FC236}">
+                <a16:creationId xmlns:a16="http://schemas.microsoft.com/office/drawing/2014/main" id="{140D5101-D8FB-4102-A338-49651E97150A}"/>
+              </a:ext>
+              <a:ext uri="{C183D7F6-B498-43B3-948B-1728B52AA6E4}">
+                <adec:decorative xmlns:adec="http://schemas.microsoft.com/office/drawing/2017/decorative" val="1"/>
+              </a:ext>
+            </a:extLst>
+          </p:cNvPr>
+          <p:cNvSpPr>
+            <a:spLocks noGrp="1" noRot="1" noChangeAspect="1" noMove="1" noResize="1" noEditPoints="1" noAdjustHandles="1" noChangeArrowheads="1" noChangeShapeType="1" noTextEdit="1"/>
+          </p:cNvSpPr>
+          <p:nvPr>
+            <p:extLst>
+              <p:ext uri="{386F3935-93C4-4BCD-93E2-E3B085C9AB24}">
+                <p16:designElem xmlns:p16="http://schemas.microsoft.com/office/powerpoint/2015/main" val="1"/>
+              </p:ext>
+            </p:extLst>
+          </p:nvPr>
+        </p:nvSpPr>
+        <p:spPr>
+          <a:xfrm flipH="1">
+            <a:off x="7463681" y="-1"/>
+            <a:ext cx="559472" cy="3709642"/>
+          </a:xfrm>
+          <a:custGeom>
+            <a:avLst/>
+            <a:gdLst>
+              <a:gd name="connsiteX0" fmla="*/ 0 w 559472"/>
+              <a:gd name="connsiteY0" fmla="*/ 0 h 3709642"/>
+              <a:gd name="connsiteX1" fmla="*/ 473952 w 559472"/>
+              <a:gd name="connsiteY1" fmla="*/ 0 h 3709642"/>
+              <a:gd name="connsiteX2" fmla="*/ 485840 w 559472"/>
+              <a:gd name="connsiteY2" fmla="*/ 161194 h 3709642"/>
+              <a:gd name="connsiteX3" fmla="*/ 523949 w 559472"/>
+              <a:gd name="connsiteY3" fmla="*/ 3672197 h 3709642"/>
+              <a:gd name="connsiteX4" fmla="*/ 454748 w 559472"/>
+              <a:gd name="connsiteY4" fmla="*/ 3709642 h 3709642"/>
+              <a:gd name="connsiteX5" fmla="*/ 448224 w 559472"/>
+              <a:gd name="connsiteY5" fmla="*/ 3510471 h 3709642"/>
+              <a:gd name="connsiteX6" fmla="*/ 443564 w 559472"/>
+              <a:gd name="connsiteY6" fmla="*/ 3408563 h 3709642"/>
+              <a:gd name="connsiteX7" fmla="*/ 438902 w 559472"/>
+              <a:gd name="connsiteY7" fmla="*/ 3304407 h 3709642"/>
+              <a:gd name="connsiteX8" fmla="*/ 433941 w 559472"/>
+              <a:gd name="connsiteY8" fmla="*/ 3198777 h 3709642"/>
+              <a:gd name="connsiteX9" fmla="*/ 427584 w 559472"/>
+              <a:gd name="connsiteY9" fmla="*/ 3092510 h 3709642"/>
+              <a:gd name="connsiteX10" fmla="*/ 420988 w 559472"/>
+              <a:gd name="connsiteY10" fmla="*/ 2984390 h 3709642"/>
+              <a:gd name="connsiteX11" fmla="*/ 414330 w 559472"/>
+              <a:gd name="connsiteY11" fmla="*/ 2874401 h 3709642"/>
+              <a:gd name="connsiteX12" fmla="*/ 406840 w 559472"/>
+              <a:gd name="connsiteY12" fmla="*/ 2762980 h 3709642"/>
+              <a:gd name="connsiteX13" fmla="*/ 397745 w 559472"/>
+              <a:gd name="connsiteY13" fmla="*/ 2650566 h 3709642"/>
+              <a:gd name="connsiteX14" fmla="*/ 389154 w 559472"/>
+              <a:gd name="connsiteY14" fmla="*/ 2536612 h 3709642"/>
+              <a:gd name="connsiteX15" fmla="*/ 379225 w 559472"/>
+              <a:gd name="connsiteY15" fmla="*/ 2421642 h 3709642"/>
+              <a:gd name="connsiteX16" fmla="*/ 368316 w 559472"/>
+              <a:gd name="connsiteY16" fmla="*/ 2305627 h 3709642"/>
+              <a:gd name="connsiteX17" fmla="*/ 357466 w 559472"/>
+              <a:gd name="connsiteY17" fmla="*/ 2189233 h 3709642"/>
+              <a:gd name="connsiteX18" fmla="*/ 344982 w 559472"/>
+              <a:gd name="connsiteY18" fmla="*/ 2071473 h 3709642"/>
+              <a:gd name="connsiteX19" fmla="*/ 332466 w 559472"/>
+              <a:gd name="connsiteY19" fmla="*/ 1952216 h 3709642"/>
+              <a:gd name="connsiteX20" fmla="*/ 319121 w 559472"/>
+              <a:gd name="connsiteY20" fmla="*/ 1833776 h 3709642"/>
+              <a:gd name="connsiteX21" fmla="*/ 304408 w 559472"/>
+              <a:gd name="connsiteY21" fmla="*/ 1713948 h 3709642"/>
+              <a:gd name="connsiteX22" fmla="*/ 288685 w 559472"/>
+              <a:gd name="connsiteY22" fmla="*/ 1592703 h 3709642"/>
+              <a:gd name="connsiteX23" fmla="*/ 273050 w 559472"/>
+              <a:gd name="connsiteY23" fmla="*/ 1471451 h 3709642"/>
+              <a:gd name="connsiteX24" fmla="*/ 255813 w 559472"/>
+              <a:gd name="connsiteY24" fmla="*/ 1350328 h 3709642"/>
+              <a:gd name="connsiteX25" fmla="*/ 237060 w 559472"/>
+              <a:gd name="connsiteY25" fmla="*/ 1227080 h 3709642"/>
+              <a:gd name="connsiteX26" fmla="*/ 218488 w 559472"/>
+              <a:gd name="connsiteY26" fmla="*/ 1106065 h 3709642"/>
+              <a:gd name="connsiteX27" fmla="*/ 198221 w 559472"/>
+              <a:gd name="connsiteY27" fmla="*/ 982940 h 3709642"/>
+              <a:gd name="connsiteX28" fmla="*/ 177152 w 559472"/>
+              <a:gd name="connsiteY28" fmla="*/ 858755 h 3709642"/>
+              <a:gd name="connsiteX29" fmla="*/ 155551 w 559472"/>
+              <a:gd name="connsiteY29" fmla="*/ 736861 h 3709642"/>
+              <a:gd name="connsiteX30" fmla="*/ 131782 w 559472"/>
+              <a:gd name="connsiteY30" fmla="*/ 613645 h 3709642"/>
+              <a:gd name="connsiteX31" fmla="*/ 107123 w 559472"/>
+              <a:gd name="connsiteY31" fmla="*/ 490500 h 3709642"/>
+              <a:gd name="connsiteX32" fmla="*/ 82552 w 559472"/>
+              <a:gd name="connsiteY32" fmla="*/ 367348 h 3709642"/>
+              <a:gd name="connsiteX33" fmla="*/ 55608 w 559472"/>
+              <a:gd name="connsiteY33" fmla="*/ 244762 h 3709642"/>
+              <a:gd name="connsiteX34" fmla="*/ 28130 w 559472"/>
+              <a:gd name="connsiteY34" fmla="*/ 122220 h 3709642"/>
+              <a:gd name="connsiteX35" fmla="*/ 0 w 559472"/>
+              <a:gd name="connsiteY35" fmla="*/ 0 h 3709642"/>
+            </a:gdLst>
+            <a:ahLst/>
+            <a:cxnLst>
+              <a:cxn ang="0">
+                <a:pos x="connsiteX0" y="connsiteY0"/>
+              </a:cxn>
+              <a:cxn ang="0">
+                <a:pos x="connsiteX1" y="connsiteY1"/>
+              </a:cxn>
+              <a:cxn ang="0">
+                <a:pos x="connsiteX2" y="connsiteY2"/>
+              </a:cxn>
+              <a:cxn ang="0">
+                <a:pos x="connsiteX3" y="connsiteY3"/>
+              </a:cxn>
+              <a:cxn ang="0">
+                <a:pos x="connsiteX4" y="connsiteY4"/>
+              </a:cxn>
+              <a:cxn ang="0">
+                <a:pos x="connsiteX5" y="connsiteY5"/>
+              </a:cxn>
+              <a:cxn ang="0">
+                <a:pos x="connsiteX6" y="connsiteY6"/>
+              </a:cxn>
+              <a:cxn ang="0">
+                <a:pos x="connsiteX7" y="connsiteY7"/>
+              </a:cxn>
+              <a:cxn ang="0">
+                <a:pos x="connsiteX8" y="connsiteY8"/>
+              </a:cxn>
+              <a:cxn ang="0">
+                <a:pos x="connsiteX9" y="connsiteY9"/>
+              </a:cxn>
+              <a:cxn ang="0">
+                <a:pos x="connsiteX10" y="connsiteY10"/>
+              </a:cxn>
+              <a:cxn ang="0">
+                <a:pos x="connsiteX11" y="connsiteY11"/>
+              </a:cxn>
+              <a:cxn ang="0">
+                <a:pos x="connsiteX12" y="connsiteY12"/>
+              </a:cxn>
+              <a:cxn ang="0">
+                <a:pos x="connsiteX13" y="connsiteY13"/>
+              </a:cxn>
+              <a:cxn ang="0">
+                <a:pos x="connsiteX14" y="connsiteY14"/>
+              </a:cxn>
+              <a:cxn ang="0">
+                <a:pos x="connsiteX15" y="connsiteY15"/>
+              </a:cxn>
+              <a:cxn ang="0">
+                <a:pos x="connsiteX16" y="connsiteY16"/>
+              </a:cxn>
+              <a:cxn ang="0">
+                <a:pos x="connsiteX17" y="connsiteY17"/>
+              </a:cxn>
+              <a:cxn ang="0">
+                <a:pos x="connsiteX18" y="connsiteY18"/>
+              </a:cxn>
+              <a:cxn ang="0">
+                <a:pos x="connsiteX19" y="connsiteY19"/>
+              </a:cxn>
+              <a:cxn ang="0">
+                <a:pos x="connsiteX20" y="connsiteY20"/>
+              </a:cxn>
+              <a:cxn ang="0">
+                <a:pos x="connsiteX21" y="connsiteY21"/>
+              </a:cxn>
+              <a:cxn ang="0">
+                <a:pos x="connsiteX22" y="connsiteY22"/>
+              </a:cxn>
+              <a:cxn ang="0">
+                <a:pos x="connsiteX23" y="connsiteY23"/>
+              </a:cxn>
+              <a:cxn ang="0">
+                <a:pos x="connsiteX24" y="connsiteY24"/>
+              </a:cxn>
+              <a:cxn ang="0">
+                <a:pos x="connsiteX25" y="connsiteY25"/>
+              </a:cxn>
+              <a:cxn ang="0">
+                <a:pos x="connsiteX26" y="connsiteY26"/>
+              </a:cxn>
+              <a:cxn ang="0">
+                <a:pos x="connsiteX27" y="connsiteY27"/>
+              </a:cxn>
+              <a:cxn ang="0">
+                <a:pos x="connsiteX28" y="connsiteY28"/>
+              </a:cxn>
+              <a:cxn ang="0">
+                <a:pos x="connsiteX29" y="connsiteY29"/>
+              </a:cxn>
+              <a:cxn ang="0">
+                <a:pos x="connsiteX30" y="connsiteY30"/>
+              </a:cxn>
+              <a:cxn ang="0">
+                <a:pos x="connsiteX31" y="connsiteY31"/>
+              </a:cxn>
+              <a:cxn ang="0">
+                <a:pos x="connsiteX32" y="connsiteY32"/>
+              </a:cxn>
+              <a:cxn ang="0">
+                <a:pos x="connsiteX33" y="connsiteY33"/>
+              </a:cxn>
+              <a:cxn ang="0">
+                <a:pos x="connsiteX34" y="connsiteY34"/>
+              </a:cxn>
+              <a:cxn ang="0">
+                <a:pos x="connsiteX35" y="connsiteY35"/>
+              </a:cxn>
+            </a:cxnLst>
+            <a:rect l="l" t="t" r="r" b="b"/>
+            <a:pathLst>
+              <a:path w="559472" h="3709642">
+                <a:moveTo>
+                  <a:pt x="0" y="0"/>
+                </a:moveTo>
+                <a:lnTo>
+                  <a:pt x="473952" y="0"/>
+                </a:lnTo>
+                <a:lnTo>
+                  <a:pt x="485840" y="161194"/>
+                </a:lnTo>
+                <a:cubicBezTo>
+                  <a:pt x="552063" y="1147770"/>
+                  <a:pt x="592441" y="3086737"/>
+                  <a:pt x="523949" y="3672197"/>
+                </a:cubicBezTo>
+                <a:cubicBezTo>
+                  <a:pt x="500842" y="3684557"/>
+                  <a:pt x="477855" y="3697282"/>
+                  <a:pt x="454748" y="3709642"/>
+                </a:cubicBezTo>
+                <a:lnTo>
+                  <a:pt x="448224" y="3510471"/>
+                </a:lnTo>
+                <a:lnTo>
+                  <a:pt x="443564" y="3408563"/>
+                </a:lnTo>
+                <a:lnTo>
+                  <a:pt x="438902" y="3304407"/>
+                </a:lnTo>
+                <a:lnTo>
+                  <a:pt x="433941" y="3198777"/>
+                </a:lnTo>
+                <a:lnTo>
+                  <a:pt x="427584" y="3092510"/>
+                </a:lnTo>
+                <a:lnTo>
+                  <a:pt x="420988" y="2984390"/>
+                </a:lnTo>
+                <a:lnTo>
+                  <a:pt x="414330" y="2874401"/>
+                </a:lnTo>
+                <a:lnTo>
+                  <a:pt x="406840" y="2762980"/>
+                </a:lnTo>
+                <a:lnTo>
+                  <a:pt x="397745" y="2650566"/>
+                </a:lnTo>
+                <a:lnTo>
+                  <a:pt x="389154" y="2536612"/>
+                </a:lnTo>
+                <a:lnTo>
+                  <a:pt x="379225" y="2421642"/>
+                </a:lnTo>
+                <a:lnTo>
+                  <a:pt x="368316" y="2305627"/>
+                </a:lnTo>
+                <a:lnTo>
+                  <a:pt x="357466" y="2189233"/>
+                </a:lnTo>
+                <a:lnTo>
+                  <a:pt x="344982" y="2071473"/>
+                </a:lnTo>
+                <a:lnTo>
+                  <a:pt x="332466" y="1952216"/>
+                </a:lnTo>
+                <a:lnTo>
+                  <a:pt x="319121" y="1833776"/>
+                </a:lnTo>
+                <a:lnTo>
+                  <a:pt x="304408" y="1713948"/>
+                </a:lnTo>
+                <a:lnTo>
+                  <a:pt x="288685" y="1592703"/>
+                </a:lnTo>
+                <a:lnTo>
+                  <a:pt x="273050" y="1471451"/>
+                </a:lnTo>
+                <a:lnTo>
+                  <a:pt x="255813" y="1350328"/>
+                </a:lnTo>
+                <a:lnTo>
+                  <a:pt x="237060" y="1227080"/>
+                </a:lnTo>
+                <a:lnTo>
+                  <a:pt x="218488" y="1106065"/>
+                </a:lnTo>
+                <a:lnTo>
+                  <a:pt x="198221" y="982940"/>
+                </a:lnTo>
+                <a:lnTo>
+                  <a:pt x="177152" y="858755"/>
+                </a:lnTo>
+                <a:lnTo>
+                  <a:pt x="155551" y="736861"/>
+                </a:lnTo>
+                <a:lnTo>
+                  <a:pt x="131782" y="613645"/>
+                </a:lnTo>
+                <a:lnTo>
+                  <a:pt x="107123" y="490500"/>
+                </a:lnTo>
+                <a:lnTo>
+                  <a:pt x="82552" y="367348"/>
+                </a:lnTo>
+                <a:lnTo>
+                  <a:pt x="55608" y="244762"/>
+                </a:lnTo>
+                <a:lnTo>
+                  <a:pt x="28130" y="122220"/>
+                </a:lnTo>
+                <a:lnTo>
+                  <a:pt x="0" y="0"/>
+                </a:lnTo>
+                <a:close/>
+              </a:path>
+            </a:pathLst>
+          </a:custGeom>
+          <a:solidFill>
+            <a:schemeClr val="tx1">
+              <a:alpha val="20000"/>
+            </a:schemeClr>
+          </a:solidFill>
+          <a:ln>
+            <a:noFill/>
+          </a:ln>
+        </p:spPr>
+        <p:txBody>
+          <a:bodyPr rtlCol="0" anchor="ctr"/>
+          <a:lstStyle/>
+          <a:p>
+            <a:pPr algn="ctr"/>
+            <a:endParaRPr lang="en-US"/>
+          </a:p>
+        </p:txBody>
+      </p:sp>
+      <p:sp>
+        <p:nvSpPr>
+          <p:cNvPr id="26" name="Freeform 5">
+            <a:extLst>
+              <a:ext uri="{FF2B5EF4-FFF2-40B4-BE49-F238E27FC236}">
+                <a16:creationId xmlns:a16="http://schemas.microsoft.com/office/drawing/2014/main" id="{73E26159-C029-4449-8912-A9B418CC328B}"/>
+              </a:ext>
+              <a:ext uri="{C183D7F6-B498-43B3-948B-1728B52AA6E4}">
+                <adec:decorative xmlns:adec="http://schemas.microsoft.com/office/drawing/2017/decorative" val="1"/>
+              </a:ext>
+            </a:extLst>
+          </p:cNvPr>
+          <p:cNvSpPr>
+            <a:spLocks noGrp="1" noRot="1" noChangeAspect="1" noMove="1" noResize="1" noEditPoints="1" noAdjustHandles="1" noChangeArrowheads="1" noChangeShapeType="1" noTextEdit="1"/>
+          </p:cNvSpPr>
+          <p:nvPr>
+            <p:extLst>
+              <p:ext uri="{386F3935-93C4-4BCD-93E2-E3B085C9AB24}">
+                <p16:designElem xmlns:p16="http://schemas.microsoft.com/office/powerpoint/2015/main" val="1"/>
+              </p:ext>
+            </p:extLst>
+          </p:nvPr>
+        </p:nvSpPr>
+        <p:spPr bwMode="gray">
+          <a:xfrm rot="5400000" flipH="1">
+            <a:off x="3708596" y="2756642"/>
+            <a:ext cx="6858000" cy="1344715"/>
+          </a:xfrm>
+          <a:custGeom>
+            <a:avLst/>
+            <a:gdLst/>
+            <a:ahLst/>
+            <a:cxnLst/>
+            <a:rect l="l" t="t" r="r" b="b"/>
+            <a:pathLst>
+              <a:path w="10000" h="8000">
+                <a:moveTo>
+                  <a:pt x="0" y="0"/>
+                </a:moveTo>
+                <a:lnTo>
+                  <a:pt x="0" y="7970"/>
+                </a:lnTo>
+                <a:lnTo>
+                  <a:pt x="10000" y="8000"/>
+                </a:lnTo>
+                <a:lnTo>
+                  <a:pt x="10000" y="7"/>
+                </a:lnTo>
+                <a:lnTo>
+                  <a:pt x="10000" y="7"/>
+                </a:lnTo>
+                <a:lnTo>
+                  <a:pt x="9773" y="156"/>
+                </a:lnTo>
+                <a:lnTo>
+                  <a:pt x="9547" y="298"/>
+                </a:lnTo>
+                <a:lnTo>
+                  <a:pt x="9320" y="437"/>
+                </a:lnTo>
+                <a:lnTo>
+                  <a:pt x="9092" y="556"/>
+                </a:lnTo>
+                <a:lnTo>
+                  <a:pt x="8865" y="676"/>
+                </a:lnTo>
+                <a:lnTo>
+                  <a:pt x="8637" y="788"/>
+                </a:lnTo>
+                <a:lnTo>
+                  <a:pt x="8412" y="884"/>
+                </a:lnTo>
+                <a:lnTo>
+                  <a:pt x="8184" y="975"/>
+                </a:lnTo>
+                <a:lnTo>
+                  <a:pt x="7957" y="1058"/>
+                </a:lnTo>
+                <a:lnTo>
+                  <a:pt x="7734" y="1130"/>
+                </a:lnTo>
+                <a:lnTo>
+                  <a:pt x="7508" y="1202"/>
+                </a:lnTo>
+                <a:lnTo>
+                  <a:pt x="7285" y="1262"/>
+                </a:lnTo>
+                <a:lnTo>
+                  <a:pt x="7062" y="1309"/>
+                </a:lnTo>
+                <a:lnTo>
+                  <a:pt x="6840" y="1358"/>
+                </a:lnTo>
+                <a:lnTo>
+                  <a:pt x="6620" y="1399"/>
+                </a:lnTo>
+                <a:lnTo>
+                  <a:pt x="6402" y="1428"/>
+                </a:lnTo>
+                <a:lnTo>
+                  <a:pt x="6184" y="1453"/>
+                </a:lnTo>
+                <a:lnTo>
+                  <a:pt x="5968" y="1477"/>
+                </a:lnTo>
+                <a:lnTo>
+                  <a:pt x="5755" y="1488"/>
+                </a:lnTo>
+                <a:lnTo>
+                  <a:pt x="5542" y="1500"/>
+                </a:lnTo>
+                <a:lnTo>
+                  <a:pt x="5332" y="1506"/>
+                </a:lnTo>
+                <a:lnTo>
+                  <a:pt x="5124" y="1500"/>
+                </a:lnTo>
+                <a:lnTo>
+                  <a:pt x="4918" y="1500"/>
+                </a:lnTo>
+                <a:lnTo>
+                  <a:pt x="4714" y="1488"/>
+                </a:lnTo>
+                <a:lnTo>
+                  <a:pt x="4514" y="1470"/>
+                </a:lnTo>
+                <a:lnTo>
+                  <a:pt x="4316" y="1453"/>
+                </a:lnTo>
+                <a:lnTo>
+                  <a:pt x="4122" y="1434"/>
+                </a:lnTo>
+                <a:lnTo>
+                  <a:pt x="3929" y="1405"/>
+                </a:lnTo>
+                <a:lnTo>
+                  <a:pt x="3739" y="1374"/>
+                </a:lnTo>
+                <a:lnTo>
+                  <a:pt x="3553" y="1346"/>
+                </a:lnTo>
+                <a:lnTo>
+                  <a:pt x="3190" y="1267"/>
+                </a:lnTo>
+                <a:lnTo>
+                  <a:pt x="2842" y="1183"/>
+                </a:lnTo>
+                <a:lnTo>
+                  <a:pt x="2508" y="1095"/>
+                </a:lnTo>
+                <a:lnTo>
+                  <a:pt x="2192" y="998"/>
+                </a:lnTo>
+                <a:lnTo>
+                  <a:pt x="1890" y="897"/>
+                </a:lnTo>
+                <a:lnTo>
+                  <a:pt x="1610" y="788"/>
+                </a:lnTo>
+                <a:lnTo>
+                  <a:pt x="1347" y="681"/>
+                </a:lnTo>
+                <a:lnTo>
+                  <a:pt x="1105" y="574"/>
+                </a:lnTo>
+                <a:lnTo>
+                  <a:pt x="883" y="473"/>
+                </a:lnTo>
+                <a:lnTo>
+                  <a:pt x="686" y="377"/>
+                </a:lnTo>
+                <a:lnTo>
+                  <a:pt x="508" y="286"/>
+                </a:lnTo>
+                <a:lnTo>
+                  <a:pt x="358" y="210"/>
+                </a:lnTo>
+                <a:lnTo>
+                  <a:pt x="232" y="138"/>
+                </a:lnTo>
+                <a:lnTo>
+                  <a:pt x="59" y="35"/>
+                </a:lnTo>
+                <a:lnTo>
+                  <a:pt x="0" y="0"/>
+                </a:lnTo>
+                <a:lnTo>
+                  <a:pt x="0" y="0"/>
+                </a:lnTo>
+                <a:close/>
+              </a:path>
+            </a:pathLst>
+          </a:custGeom>
+          <a:solidFill>
+            <a:srgbClr val="FFFFFF"/>
+          </a:solidFill>
+          <a:ln>
+            <a:noFill/>
+          </a:ln>
+        </p:spPr>
+      </p:sp>
+      <p:pic>
+        <p:nvPicPr>
+          <p:cNvPr id="5" name="Content Placeholder 4">
+            <a:extLst>
+              <a:ext uri="{FF2B5EF4-FFF2-40B4-BE49-F238E27FC236}">
+                <a16:creationId xmlns:a16="http://schemas.microsoft.com/office/drawing/2014/main" id="{EDF37C16-97BE-47AE-8B2B-6C8EB482E83B}"/>
+              </a:ext>
+            </a:extLst>
+          </p:cNvPr>
+          <p:cNvPicPr>
+            <a:picLocks noGrp="1" noChangeAspect="1"/>
+          </p:cNvPicPr>
+          <p:nvPr>
+            <p:ph idx="1"/>
+          </p:nvPr>
+        </p:nvPicPr>
+        <p:blipFill>
+          <a:blip r:embed="rId7"/>
+          <a:stretch>
+            <a:fillRect/>
+          </a:stretch>
+        </p:blipFill>
+        <p:spPr>
+          <a:xfrm>
+            <a:off x="375921" y="538480"/>
+            <a:ext cx="6538595" cy="5720079"/>
+          </a:xfrm>
+          <a:prstGeom prst="rect">
+            <a:avLst/>
+          </a:prstGeom>
+          <a:effectLst/>
+        </p:spPr>
+      </p:pic>
+    </p:spTree>
+    <p:extLst>
+      <p:ext uri="{BB962C8B-B14F-4D97-AF65-F5344CB8AC3E}">
+        <p14:creationId xmlns:p14="http://schemas.microsoft.com/office/powerpoint/2010/main" val="1925057895"/>
+      </p:ext>
+    </p:extLst>
+  </p:cSld>
+  <p:clrMapOvr>
+    <a:masterClrMapping/>
+  </p:clrMapOvr>
+</p:sld>
+</file>
+
+<file path=ppt/slides/slide8.xml><?xml version="1.0" encoding="utf-8"?>
+<p:sld xmlns:a="http://schemas.openxmlformats.org/drawingml/2006/main" xmlns:r="http://schemas.openxmlformats.org/officeDocument/2006/relationships" xmlns:p="http://schemas.openxmlformats.org/presentationml/2006/main">
+  <p:cSld>
+    <p:bg>
+      <p:bgPr>
+        <a:blipFill rotWithShape="1">
+          <a:blip r:embed="rId2">
+            <a:duotone>
+              <a:schemeClr val="bg2">
+                <a:shade val="69000"/>
+                <a:hueMod val="91000"/>
+                <a:satMod val="164000"/>
+                <a:lumMod val="74000"/>
+              </a:schemeClr>
+              <a:schemeClr val="bg2">
+                <a:hueMod val="124000"/>
+                <a:satMod val="140000"/>
+                <a:lumMod val="142000"/>
+              </a:schemeClr>
+            </a:duotone>
+          </a:blip>
+          <a:stretch/>
+        </a:blipFill>
+        <a:effectLst/>
+      </p:bgPr>
+    </p:bg>
+    <p:spTree>
+      <p:nvGrpSpPr>
+        <p:cNvPr id="1" name=""/>
+        <p:cNvGrpSpPr/>
+        <p:nvPr/>
+      </p:nvGrpSpPr>
+      <p:grpSpPr>
+        <a:xfrm>
+          <a:off x="0" y="0"/>
+          <a:ext cx="0" cy="0"/>
+          <a:chOff x="0" y="0"/>
+          <a:chExt cx="0" cy="0"/>
+        </a:xfrm>
+      </p:grpSpPr>
+      <p:pic>
+        <p:nvPicPr>
+          <p:cNvPr id="31" name="Picture 30">
+            <a:extLst>
+              <a:ext uri="{FF2B5EF4-FFF2-40B4-BE49-F238E27FC236}">
+                <a16:creationId xmlns:a16="http://schemas.microsoft.com/office/drawing/2014/main" id="{C9134821-5D8B-4373-BA74-CFE9AB35A55A}"/>
+              </a:ext>
+              <a:ext uri="{C183D7F6-B498-43B3-948B-1728B52AA6E4}">
+                <adec:decorative xmlns:adec="http://schemas.microsoft.com/office/drawing/2017/decorative" val="1"/>
+              </a:ext>
+            </a:extLst>
+          </p:cNvPr>
+          <p:cNvPicPr>
+            <a:picLocks noGrp="1" noRot="1" noChangeAspect="1" noMove="1" noResize="1" noEditPoints="1" noAdjustHandles="1" noChangeArrowheads="1" noChangeShapeType="1" noCrop="1"/>
+          </p:cNvPicPr>
+          <p:nvPr>
+            <p:extLst>
+              <p:ext uri="{386F3935-93C4-4BCD-93E2-E3B085C9AB24}">
+                <p16:designElem xmlns:p16="http://schemas.microsoft.com/office/powerpoint/2015/main" val="1"/>
+              </p:ext>
+            </p:extLst>
+          </p:nvPr>
+        </p:nvPicPr>
+        <p:blipFill rotWithShape="1">
+          <a:blip r:embed="rId3">
+            <a:extLst>
+              <a:ext uri="{28A0092B-C50C-407E-A947-70E740481C1C}">
+                <a14:useLocalDpi xmlns:a14="http://schemas.microsoft.com/office/drawing/2010/main" val="0"/>
+              </a:ext>
+            </a:extLst>
+          </a:blip>
+          <a:srcRect l="3644"/>
+          <a:stretch/>
+        </p:blipFill>
+        <p:spPr>
+          <a:xfrm>
+            <a:off x="0" y="2669685"/>
+            <a:ext cx="4035669" cy="4188315"/>
+          </a:xfrm>
+          <a:prstGeom prst="rect">
+            <a:avLst/>
+          </a:prstGeom>
+        </p:spPr>
+      </p:pic>
+      <p:pic>
+        <p:nvPicPr>
+          <p:cNvPr id="33" name="Picture 32">
+            <a:extLst>
+              <a:ext uri="{FF2B5EF4-FFF2-40B4-BE49-F238E27FC236}">
+                <a16:creationId xmlns:a16="http://schemas.microsoft.com/office/drawing/2014/main" id="{5965195F-79F5-4911-907D-13CB3F534351}"/>
+              </a:ext>
+              <a:ext uri="{C183D7F6-B498-43B3-948B-1728B52AA6E4}">
+                <adec:decorative xmlns:adec="http://schemas.microsoft.com/office/drawing/2017/decorative" val="1"/>
+              </a:ext>
+            </a:extLst>
+          </p:cNvPr>
+          <p:cNvPicPr>
+            <a:picLocks noGrp="1" noRot="1" noChangeAspect="1" noMove="1" noResize="1" noEditPoints="1" noAdjustHandles="1" noChangeArrowheads="1" noChangeShapeType="1" noCrop="1"/>
+          </p:cNvPicPr>
+          <p:nvPr>
+            <p:extLst>
+              <p:ext uri="{386F3935-93C4-4BCD-93E2-E3B085C9AB24}">
+                <p16:designElem xmlns:p16="http://schemas.microsoft.com/office/powerpoint/2015/main" val="1"/>
+              </p:ext>
+            </p:extLst>
+          </p:nvPr>
+        </p:nvPicPr>
+        <p:blipFill rotWithShape="1">
+          <a:blip r:embed="rId4">
+            <a:extLst>
+              <a:ext uri="{28A0092B-C50C-407E-A947-70E740481C1C}">
+                <a14:useLocalDpi xmlns:a14="http://schemas.microsoft.com/office/drawing/2010/main" val="0"/>
+              </a:ext>
+            </a:extLst>
+          </a:blip>
+          <a:srcRect l="35640"/>
+          <a:stretch/>
+        </p:blipFill>
+        <p:spPr>
+          <a:xfrm>
+            <a:off x="0" y="2892347"/>
+            <a:ext cx="1522412" cy="2365453"/>
+          </a:xfrm>
+          <a:prstGeom prst="rect">
+            <a:avLst/>
+          </a:prstGeom>
+        </p:spPr>
+      </p:pic>
+      <p:sp>
+        <p:nvSpPr>
+          <p:cNvPr id="35" name="Oval 34">
+            <a:extLst>
+              <a:ext uri="{FF2B5EF4-FFF2-40B4-BE49-F238E27FC236}">
+                <a16:creationId xmlns:a16="http://schemas.microsoft.com/office/drawing/2014/main" id="{8A610DC7-FE1B-47B9-8452-CFC389786C2D}"/>
+              </a:ext>
+              <a:ext uri="{C183D7F6-B498-43B3-948B-1728B52AA6E4}">
+                <adec:decorative xmlns:adec="http://schemas.microsoft.com/office/drawing/2017/decorative" val="1"/>
+              </a:ext>
+            </a:extLst>
+          </p:cNvPr>
+          <p:cNvSpPr>
+            <a:spLocks noGrp="1" noRot="1" noChangeAspect="1" noMove="1" noResize="1" noEditPoints="1" noAdjustHandles="1" noChangeArrowheads="1" noChangeShapeType="1" noTextEdit="1"/>
+          </p:cNvSpPr>
+          <p:nvPr>
+            <p:extLst>
+              <p:ext uri="{386F3935-93C4-4BCD-93E2-E3B085C9AB24}">
+                <p16:designElem xmlns:p16="http://schemas.microsoft.com/office/powerpoint/2015/main" val="1"/>
+              </p:ext>
+            </p:extLst>
+          </p:nvPr>
+        </p:nvSpPr>
+        <p:spPr>
+          <a:xfrm>
+            <a:off x="8609012" y="1676400"/>
+            <a:ext cx="2819400" cy="2819400"/>
+          </a:xfrm>
+          <a:prstGeom prst="ellipse">
+            <a:avLst/>
+          </a:prstGeom>
+          <a:gradFill flip="none" rotWithShape="1">
+            <a:gsLst>
+              <a:gs pos="0">
+                <a:schemeClr val="accent5">
+                  <a:alpha val="7000"/>
+                </a:schemeClr>
+              </a:gs>
+              <a:gs pos="69000">
+                <a:schemeClr val="accent5">
+                  <a:alpha val="0"/>
+                </a:schemeClr>
+              </a:gs>
+              <a:gs pos="36000">
+                <a:schemeClr val="accent5">
+                  <a:alpha val="6000"/>
+                </a:schemeClr>
+              </a:gs>
+            </a:gsLst>
+            <a:path path="circle">
+              <a:fillToRect l="50000" t="50000" r="50000" b="50000"/>
+            </a:path>
+            <a:tileRect/>
+          </a:gradFill>
+          <a:ln>
+            <a:noFill/>
+          </a:ln>
+          <a:effectLst/>
+        </p:spPr>
+        <p:style>
+          <a:lnRef idx="1">
+            <a:schemeClr val="accent1"/>
+          </a:lnRef>
+          <a:fillRef idx="3">
+            <a:schemeClr val="accent1"/>
+          </a:fillRef>
+          <a:effectRef idx="2">
+            <a:schemeClr val="accent1"/>
+          </a:effectRef>
+          <a:fontRef idx="minor">
+            <a:schemeClr val="lt1"/>
+          </a:fontRef>
+        </p:style>
+      </p:sp>
+      <p:pic>
+        <p:nvPicPr>
+          <p:cNvPr id="37" name="Picture 36">
+            <a:extLst>
+              <a:ext uri="{FF2B5EF4-FFF2-40B4-BE49-F238E27FC236}">
+                <a16:creationId xmlns:a16="http://schemas.microsoft.com/office/drawing/2014/main" id="{2742ADC1-2286-40B7-A3C6-D6C3362FA04B}"/>
+              </a:ext>
+              <a:ext uri="{C183D7F6-B498-43B3-948B-1728B52AA6E4}">
+                <adec:decorative xmlns:adec="http://schemas.microsoft.com/office/drawing/2017/decorative" val="1"/>
+              </a:ext>
+            </a:extLst>
+          </p:cNvPr>
+          <p:cNvPicPr>
+            <a:picLocks noGrp="1" noRot="1" noChangeAspect="1" noMove="1" noResize="1" noEditPoints="1" noAdjustHandles="1" noChangeArrowheads="1" noChangeShapeType="1" noCrop="1"/>
+          </p:cNvPicPr>
+          <p:nvPr>
+            <p:extLst>
+              <p:ext uri="{386F3935-93C4-4BCD-93E2-E3B085C9AB24}">
+                <p16:designElem xmlns:p16="http://schemas.microsoft.com/office/powerpoint/2015/main" val="1"/>
+              </p:ext>
+            </p:extLst>
+          </p:nvPr>
+        </p:nvPicPr>
+        <p:blipFill rotWithShape="1">
+          <a:blip r:embed="rId5">
+            <a:extLst>
+              <a:ext uri="{28A0092B-C50C-407E-A947-70E740481C1C}">
+                <a14:useLocalDpi xmlns:a14="http://schemas.microsoft.com/office/drawing/2010/main" val="0"/>
+              </a:ext>
+            </a:extLst>
+          </a:blip>
+          <a:srcRect t="28813"/>
+          <a:stretch/>
+        </p:blipFill>
+        <p:spPr>
+          <a:xfrm>
+            <a:off x="7999412" y="0"/>
+            <a:ext cx="1603387" cy="1141407"/>
+          </a:xfrm>
+          <a:prstGeom prst="rect">
+            <a:avLst/>
+          </a:prstGeom>
+        </p:spPr>
+      </p:pic>
+      <p:pic>
+        <p:nvPicPr>
+          <p:cNvPr id="39" name="Picture 38">
+            <a:extLst>
+              <a:ext uri="{FF2B5EF4-FFF2-40B4-BE49-F238E27FC236}">
+                <a16:creationId xmlns:a16="http://schemas.microsoft.com/office/drawing/2014/main" id="{C878FBDC-78F2-4D49-8DB3-1A48CA9F7FC0}"/>
+              </a:ext>
+              <a:ext uri="{C183D7F6-B498-43B3-948B-1728B52AA6E4}">
+                <adec:decorative xmlns:adec="http://schemas.microsoft.com/office/drawing/2017/decorative" val="1"/>
+              </a:ext>
+            </a:extLst>
+          </p:cNvPr>
+          <p:cNvPicPr>
+            <a:picLocks noGrp="1" noRot="1" noChangeAspect="1" noMove="1" noResize="1" noEditPoints="1" noAdjustHandles="1" noChangeArrowheads="1" noChangeShapeType="1" noCrop="1"/>
+          </p:cNvPicPr>
+          <p:nvPr>
+            <p:extLst>
+              <p:ext uri="{386F3935-93C4-4BCD-93E2-E3B085C9AB24}">
+                <p16:designElem xmlns:p16="http://schemas.microsoft.com/office/powerpoint/2015/main" val="1"/>
+              </p:ext>
+            </p:extLst>
+          </p:nvPr>
+        </p:nvPicPr>
+        <p:blipFill rotWithShape="1">
+          <a:blip r:embed="rId6">
+            <a:extLst>
+              <a:ext uri="{28A0092B-C50C-407E-A947-70E740481C1C}">
+                <a14:useLocalDpi xmlns:a14="http://schemas.microsoft.com/office/drawing/2010/main" val="0"/>
+              </a:ext>
+            </a:extLst>
+          </a:blip>
+          <a:srcRect b="23320"/>
+          <a:stretch/>
+        </p:blipFill>
+        <p:spPr>
+          <a:xfrm>
+            <a:off x="8609012" y="6096000"/>
+            <a:ext cx="993734" cy="762000"/>
+          </a:xfrm>
+          <a:prstGeom prst="rect">
+            <a:avLst/>
+          </a:prstGeom>
+        </p:spPr>
+      </p:pic>
+      <p:sp>
+        <p:nvSpPr>
+          <p:cNvPr id="41" name="Rectangle 40">
+            <a:extLst>
+              <a:ext uri="{FF2B5EF4-FFF2-40B4-BE49-F238E27FC236}">
+                <a16:creationId xmlns:a16="http://schemas.microsoft.com/office/drawing/2014/main" id="{DC9A0934-0C2C-4565-9290-A345B19BD94C}"/>
+              </a:ext>
+              <a:ext uri="{C183D7F6-B498-43B3-948B-1728B52AA6E4}">
+                <adec:decorative xmlns:adec="http://schemas.microsoft.com/office/drawing/2017/decorative" val="1"/>
+              </a:ext>
+            </a:extLst>
+          </p:cNvPr>
+          <p:cNvSpPr>
+            <a:spLocks noGrp="1" noRot="1" noChangeAspect="1" noMove="1" noResize="1" noEditPoints="1" noAdjustHandles="1" noChangeArrowheads="1" noChangeShapeType="1" noTextEdit="1"/>
+          </p:cNvSpPr>
+          <p:nvPr>
+            <p:extLst>
+              <p:ext uri="{386F3935-93C4-4BCD-93E2-E3B085C9AB24}">
+                <p16:designElem xmlns:p16="http://schemas.microsoft.com/office/powerpoint/2015/main" val="1"/>
+              </p:ext>
+            </p:extLst>
+          </p:nvPr>
+        </p:nvSpPr>
+        <p:spPr>
+          <a:xfrm>
+            <a:off x="10437812" y="0"/>
+            <a:ext cx="685800" cy="1143000"/>
+          </a:xfrm>
+          <a:prstGeom prst="rect">
+            <a:avLst/>
+          </a:prstGeom>
+          <a:solidFill>
+            <a:schemeClr val="accent1"/>
+          </a:solidFill>
+          <a:ln>
+            <a:noFill/>
+          </a:ln>
+        </p:spPr>
+        <p:style>
+          <a:lnRef idx="1">
+            <a:schemeClr val="accent1"/>
+          </a:lnRef>
+          <a:fillRef idx="3">
+            <a:schemeClr val="accent1"/>
+          </a:fillRef>
+          <a:effectRef idx="2">
+            <a:schemeClr val="accent1"/>
+          </a:effectRef>
+          <a:fontRef idx="minor">
+            <a:schemeClr val="lt1"/>
+          </a:fontRef>
+        </p:style>
+      </p:sp>
+      <p:sp>
+        <p:nvSpPr>
+          <p:cNvPr id="2" name="Title 1">
+            <a:extLst>
+              <a:ext uri="{FF2B5EF4-FFF2-40B4-BE49-F238E27FC236}">
+                <a16:creationId xmlns:a16="http://schemas.microsoft.com/office/drawing/2014/main" id="{1E010984-56EA-4CCA-A974-1176A5D0F369}"/>
+              </a:ext>
+            </a:extLst>
+          </p:cNvPr>
+          <p:cNvSpPr>
+            <a:spLocks noGrp="1"/>
+          </p:cNvSpPr>
+          <p:nvPr>
+            <p:ph type="title"/>
+          </p:nvPr>
+        </p:nvSpPr>
+        <p:spPr>
+          <a:xfrm>
+            <a:off x="7809955" y="1325880"/>
+            <a:ext cx="3734346" cy="3066507"/>
+          </a:xfrm>
+        </p:spPr>
+        <p:txBody>
+          <a:bodyPr vert="horz" lIns="91440" tIns="45720" rIns="91440" bIns="45720" rtlCol="0" anchor="b">
+            <a:normAutofit/>
+          </a:bodyPr>
+          <a:lstStyle/>
+          <a:p>
+            <a:r>
+              <a:rPr lang="en-US"/>
+              <a:t>Output Screenshots</a:t>
+            </a:r>
+          </a:p>
+        </p:txBody>
+      </p:sp>
+      <p:sp>
+        <p:nvSpPr>
+          <p:cNvPr id="43" name="Rectangle 42">
+            <a:extLst>
+              <a:ext uri="{FF2B5EF4-FFF2-40B4-BE49-F238E27FC236}">
+                <a16:creationId xmlns:a16="http://schemas.microsoft.com/office/drawing/2014/main" id="{87BE56A7-2B14-4ABE-8DF3-40C07E64B19D}"/>
+              </a:ext>
+              <a:ext uri="{C183D7F6-B498-43B3-948B-1728B52AA6E4}">
+                <adec:decorative xmlns:adec="http://schemas.microsoft.com/office/drawing/2017/decorative" val="1"/>
+              </a:ext>
+            </a:extLst>
+          </p:cNvPr>
+          <p:cNvSpPr>
+            <a:spLocks noGrp="1" noRot="1" noChangeAspect="1" noMove="1" noResize="1" noEditPoints="1" noAdjustHandles="1" noChangeArrowheads="1" noChangeShapeType="1" noTextEdit="1"/>
+          </p:cNvSpPr>
+          <p:nvPr>
+            <p:extLst>
+              <p:ext uri="{386F3935-93C4-4BCD-93E2-E3B085C9AB24}">
+                <p16:designElem xmlns:p16="http://schemas.microsoft.com/office/powerpoint/2015/main" val="1"/>
+              </p:ext>
+            </p:extLst>
+          </p:nvPr>
+        </p:nvSpPr>
+        <p:spPr>
+          <a:xfrm>
+            <a:off x="0" y="0"/>
+            <a:ext cx="7157124" cy="6858000"/>
+          </a:xfrm>
+          <a:prstGeom prst="rect">
+            <a:avLst/>
+          </a:prstGeom>
+          <a:solidFill>
+            <a:srgbClr val="FFFFFF"/>
+          </a:solidFill>
+          <a:ln>
+            <a:noFill/>
+          </a:ln>
+        </p:spPr>
+        <p:style>
+          <a:lnRef idx="2">
+            <a:schemeClr val="accent1">
+              <a:shade val="50000"/>
+            </a:schemeClr>
+          </a:lnRef>
+          <a:fillRef idx="1">
+            <a:schemeClr val="accent1"/>
+          </a:fillRef>
+          <a:effectRef idx="0">
+            <a:schemeClr val="accent1"/>
+          </a:effectRef>
+          <a:fontRef idx="minor">
+            <a:schemeClr val="lt1"/>
+          </a:fontRef>
+        </p:style>
+        <p:txBody>
+          <a:bodyPr rtlCol="0" anchor="ctr"/>
+          <a:lstStyle/>
+          <a:p>
+            <a:pPr algn="ctr"/>
+            <a:endParaRPr lang="en-US"/>
+          </a:p>
+        </p:txBody>
+      </p:sp>
+      <p:sp>
+        <p:nvSpPr>
+          <p:cNvPr id="45" name="Freeform 36">
+            <a:extLst>
+              <a:ext uri="{FF2B5EF4-FFF2-40B4-BE49-F238E27FC236}">
+                <a16:creationId xmlns:a16="http://schemas.microsoft.com/office/drawing/2014/main" id="{140D5101-D8FB-4102-A338-49651E97150A}"/>
+              </a:ext>
+              <a:ext uri="{C183D7F6-B498-43B3-948B-1728B52AA6E4}">
+                <adec:decorative xmlns:adec="http://schemas.microsoft.com/office/drawing/2017/decorative" val="1"/>
+              </a:ext>
+            </a:extLst>
+          </p:cNvPr>
+          <p:cNvSpPr>
+            <a:spLocks noGrp="1" noRot="1" noChangeAspect="1" noMove="1" noResize="1" noEditPoints="1" noAdjustHandles="1" noChangeArrowheads="1" noChangeShapeType="1" noTextEdit="1"/>
+          </p:cNvSpPr>
+          <p:nvPr>
+            <p:extLst>
+              <p:ext uri="{386F3935-93C4-4BCD-93E2-E3B085C9AB24}">
+                <p16:designElem xmlns:p16="http://schemas.microsoft.com/office/powerpoint/2015/main" val="1"/>
+              </p:ext>
+            </p:extLst>
+          </p:nvPr>
+        </p:nvSpPr>
+        <p:spPr>
+          <a:xfrm flipH="1">
+            <a:off x="7463681" y="-1"/>
+            <a:ext cx="559472" cy="3709642"/>
+          </a:xfrm>
+          <a:custGeom>
+            <a:avLst/>
+            <a:gdLst>
+              <a:gd name="connsiteX0" fmla="*/ 0 w 559472"/>
+              <a:gd name="connsiteY0" fmla="*/ 0 h 3709642"/>
+              <a:gd name="connsiteX1" fmla="*/ 473952 w 559472"/>
+              <a:gd name="connsiteY1" fmla="*/ 0 h 3709642"/>
+              <a:gd name="connsiteX2" fmla="*/ 485840 w 559472"/>
+              <a:gd name="connsiteY2" fmla="*/ 161194 h 3709642"/>
+              <a:gd name="connsiteX3" fmla="*/ 523949 w 559472"/>
+              <a:gd name="connsiteY3" fmla="*/ 3672197 h 3709642"/>
+              <a:gd name="connsiteX4" fmla="*/ 454748 w 559472"/>
+              <a:gd name="connsiteY4" fmla="*/ 3709642 h 3709642"/>
+              <a:gd name="connsiteX5" fmla="*/ 448224 w 559472"/>
+              <a:gd name="connsiteY5" fmla="*/ 3510471 h 3709642"/>
+              <a:gd name="connsiteX6" fmla="*/ 443564 w 559472"/>
+              <a:gd name="connsiteY6" fmla="*/ 3408563 h 3709642"/>
+              <a:gd name="connsiteX7" fmla="*/ 438902 w 559472"/>
+              <a:gd name="connsiteY7" fmla="*/ 3304407 h 3709642"/>
+              <a:gd name="connsiteX8" fmla="*/ 433941 w 559472"/>
+              <a:gd name="connsiteY8" fmla="*/ 3198777 h 3709642"/>
+              <a:gd name="connsiteX9" fmla="*/ 427584 w 559472"/>
+              <a:gd name="connsiteY9" fmla="*/ 3092510 h 3709642"/>
+              <a:gd name="connsiteX10" fmla="*/ 420988 w 559472"/>
+              <a:gd name="connsiteY10" fmla="*/ 2984390 h 3709642"/>
+              <a:gd name="connsiteX11" fmla="*/ 414330 w 559472"/>
+              <a:gd name="connsiteY11" fmla="*/ 2874401 h 3709642"/>
+              <a:gd name="connsiteX12" fmla="*/ 406840 w 559472"/>
+              <a:gd name="connsiteY12" fmla="*/ 2762980 h 3709642"/>
+              <a:gd name="connsiteX13" fmla="*/ 397745 w 559472"/>
+              <a:gd name="connsiteY13" fmla="*/ 2650566 h 3709642"/>
+              <a:gd name="connsiteX14" fmla="*/ 389154 w 559472"/>
+              <a:gd name="connsiteY14" fmla="*/ 2536612 h 3709642"/>
+              <a:gd name="connsiteX15" fmla="*/ 379225 w 559472"/>
+              <a:gd name="connsiteY15" fmla="*/ 2421642 h 3709642"/>
+              <a:gd name="connsiteX16" fmla="*/ 368316 w 559472"/>
+              <a:gd name="connsiteY16" fmla="*/ 2305627 h 3709642"/>
+              <a:gd name="connsiteX17" fmla="*/ 357466 w 559472"/>
+              <a:gd name="connsiteY17" fmla="*/ 2189233 h 3709642"/>
+              <a:gd name="connsiteX18" fmla="*/ 344982 w 559472"/>
+              <a:gd name="connsiteY18" fmla="*/ 2071473 h 3709642"/>
+              <a:gd name="connsiteX19" fmla="*/ 332466 w 559472"/>
+              <a:gd name="connsiteY19" fmla="*/ 1952216 h 3709642"/>
+              <a:gd name="connsiteX20" fmla="*/ 319121 w 559472"/>
+              <a:gd name="connsiteY20" fmla="*/ 1833776 h 3709642"/>
+              <a:gd name="connsiteX21" fmla="*/ 304408 w 559472"/>
+              <a:gd name="connsiteY21" fmla="*/ 1713948 h 3709642"/>
+              <a:gd name="connsiteX22" fmla="*/ 288685 w 559472"/>
+              <a:gd name="connsiteY22" fmla="*/ 1592703 h 3709642"/>
+              <a:gd name="connsiteX23" fmla="*/ 273050 w 559472"/>
+              <a:gd name="connsiteY23" fmla="*/ 1471451 h 3709642"/>
+              <a:gd name="connsiteX24" fmla="*/ 255813 w 559472"/>
+              <a:gd name="connsiteY24" fmla="*/ 1350328 h 3709642"/>
+              <a:gd name="connsiteX25" fmla="*/ 237060 w 559472"/>
+              <a:gd name="connsiteY25" fmla="*/ 1227080 h 3709642"/>
+              <a:gd name="connsiteX26" fmla="*/ 218488 w 559472"/>
+              <a:gd name="connsiteY26" fmla="*/ 1106065 h 3709642"/>
+              <a:gd name="connsiteX27" fmla="*/ 198221 w 559472"/>
+              <a:gd name="connsiteY27" fmla="*/ 982940 h 3709642"/>
+              <a:gd name="connsiteX28" fmla="*/ 177152 w 559472"/>
+              <a:gd name="connsiteY28" fmla="*/ 858755 h 3709642"/>
+              <a:gd name="connsiteX29" fmla="*/ 155551 w 559472"/>
+              <a:gd name="connsiteY29" fmla="*/ 736861 h 3709642"/>
+              <a:gd name="connsiteX30" fmla="*/ 131782 w 559472"/>
+              <a:gd name="connsiteY30" fmla="*/ 613645 h 3709642"/>
+              <a:gd name="connsiteX31" fmla="*/ 107123 w 559472"/>
+              <a:gd name="connsiteY31" fmla="*/ 490500 h 3709642"/>
+              <a:gd name="connsiteX32" fmla="*/ 82552 w 559472"/>
+              <a:gd name="connsiteY32" fmla="*/ 367348 h 3709642"/>
+              <a:gd name="connsiteX33" fmla="*/ 55608 w 559472"/>
+              <a:gd name="connsiteY33" fmla="*/ 244762 h 3709642"/>
+              <a:gd name="connsiteX34" fmla="*/ 28130 w 559472"/>
+              <a:gd name="connsiteY34" fmla="*/ 122220 h 3709642"/>
+              <a:gd name="connsiteX35" fmla="*/ 0 w 559472"/>
+              <a:gd name="connsiteY35" fmla="*/ 0 h 3709642"/>
+            </a:gdLst>
+            <a:ahLst/>
+            <a:cxnLst>
+              <a:cxn ang="0">
+                <a:pos x="connsiteX0" y="connsiteY0"/>
+              </a:cxn>
+              <a:cxn ang="0">
+                <a:pos x="connsiteX1" y="connsiteY1"/>
+              </a:cxn>
+              <a:cxn ang="0">
+                <a:pos x="connsiteX2" y="connsiteY2"/>
+              </a:cxn>
+              <a:cxn ang="0">
+                <a:pos x="connsiteX3" y="connsiteY3"/>
+              </a:cxn>
+              <a:cxn ang="0">
+                <a:pos x="connsiteX4" y="connsiteY4"/>
+              </a:cxn>
+              <a:cxn ang="0">
+                <a:pos x="connsiteX5" y="connsiteY5"/>
+              </a:cxn>
+              <a:cxn ang="0">
+                <a:pos x="connsiteX6" y="connsiteY6"/>
+              </a:cxn>
+              <a:cxn ang="0">
+                <a:pos x="connsiteX7" y="connsiteY7"/>
+              </a:cxn>
+              <a:cxn ang="0">
+                <a:pos x="connsiteX8" y="connsiteY8"/>
+              </a:cxn>
+              <a:cxn ang="0">
+                <a:pos x="connsiteX9" y="connsiteY9"/>
+              </a:cxn>
+              <a:cxn ang="0">
+                <a:pos x="connsiteX10" y="connsiteY10"/>
+              </a:cxn>
+              <a:cxn ang="0">
+                <a:pos x="connsiteX11" y="connsiteY11"/>
+              </a:cxn>
+              <a:cxn ang="0">
+                <a:pos x="connsiteX12" y="connsiteY12"/>
+              </a:cxn>
+              <a:cxn ang="0">
+                <a:pos x="connsiteX13" y="connsiteY13"/>
+              </a:cxn>
+              <a:cxn ang="0">
+                <a:pos x="connsiteX14" y="connsiteY14"/>
+              </a:cxn>
+              <a:cxn ang="0">
+                <a:pos x="connsiteX15" y="connsiteY15"/>
+              </a:cxn>
+              <a:cxn ang="0">
+                <a:pos x="connsiteX16" y="connsiteY16"/>
+              </a:cxn>
+              <a:cxn ang="0">
+                <a:pos x="connsiteX17" y="connsiteY17"/>
+              </a:cxn>
+              <a:cxn ang="0">
+                <a:pos x="connsiteX18" y="connsiteY18"/>
+              </a:cxn>
+              <a:cxn ang="0">
+                <a:pos x="connsiteX19" y="connsiteY19"/>
+              </a:cxn>
+              <a:cxn ang="0">
+                <a:pos x="connsiteX20" y="connsiteY20"/>
+              </a:cxn>
+              <a:cxn ang="0">
+                <a:pos x="connsiteX21" y="connsiteY21"/>
+              </a:cxn>
+              <a:cxn ang="0">
+                <a:pos x="connsiteX22" y="connsiteY22"/>
+              </a:cxn>
+              <a:cxn ang="0">
+                <a:pos x="connsiteX23" y="connsiteY23"/>
+              </a:cxn>
+              <a:cxn ang="0">
+                <a:pos x="connsiteX24" y="connsiteY24"/>
+              </a:cxn>
+              <a:cxn ang="0">
+                <a:pos x="connsiteX25" y="connsiteY25"/>
+              </a:cxn>
+              <a:cxn ang="0">
+                <a:pos x="connsiteX26" y="connsiteY26"/>
+              </a:cxn>
+              <a:cxn ang="0">
+                <a:pos x="connsiteX27" y="connsiteY27"/>
+              </a:cxn>
+              <a:cxn ang="0">
+                <a:pos x="connsiteX28" y="connsiteY28"/>
+              </a:cxn>
+              <a:cxn ang="0">
+                <a:pos x="connsiteX29" y="connsiteY29"/>
+              </a:cxn>
+              <a:cxn ang="0">
+                <a:pos x="connsiteX30" y="connsiteY30"/>
+              </a:cxn>
+              <a:cxn ang="0">
+                <a:pos x="connsiteX31" y="connsiteY31"/>
+              </a:cxn>
+              <a:cxn ang="0">
+                <a:pos x="connsiteX32" y="connsiteY32"/>
+              </a:cxn>
+              <a:cxn ang="0">
+                <a:pos x="connsiteX33" y="connsiteY33"/>
+              </a:cxn>
+              <a:cxn ang="0">
+                <a:pos x="connsiteX34" y="connsiteY34"/>
+              </a:cxn>
+              <a:cxn ang="0">
+                <a:pos x="connsiteX35" y="connsiteY35"/>
+              </a:cxn>
+            </a:cxnLst>
+            <a:rect l="l" t="t" r="r" b="b"/>
+            <a:pathLst>
+              <a:path w="559472" h="3709642">
+                <a:moveTo>
+                  <a:pt x="0" y="0"/>
+                </a:moveTo>
+                <a:lnTo>
+                  <a:pt x="473952" y="0"/>
+                </a:lnTo>
+                <a:lnTo>
+                  <a:pt x="485840" y="161194"/>
+                </a:lnTo>
+                <a:cubicBezTo>
+                  <a:pt x="552063" y="1147770"/>
+                  <a:pt x="592441" y="3086737"/>
+                  <a:pt x="523949" y="3672197"/>
+                </a:cubicBezTo>
+                <a:cubicBezTo>
+                  <a:pt x="500842" y="3684557"/>
+                  <a:pt x="477855" y="3697282"/>
+                  <a:pt x="454748" y="3709642"/>
+                </a:cubicBezTo>
+                <a:lnTo>
+                  <a:pt x="448224" y="3510471"/>
+                </a:lnTo>
+                <a:lnTo>
+                  <a:pt x="443564" y="3408563"/>
+                </a:lnTo>
+                <a:lnTo>
+                  <a:pt x="438902" y="3304407"/>
+                </a:lnTo>
+                <a:lnTo>
+                  <a:pt x="433941" y="3198777"/>
+                </a:lnTo>
+                <a:lnTo>
+                  <a:pt x="427584" y="3092510"/>
+                </a:lnTo>
+                <a:lnTo>
+                  <a:pt x="420988" y="2984390"/>
+                </a:lnTo>
+                <a:lnTo>
+                  <a:pt x="414330" y="2874401"/>
+                </a:lnTo>
+                <a:lnTo>
+                  <a:pt x="406840" y="2762980"/>
+                </a:lnTo>
+                <a:lnTo>
+                  <a:pt x="397745" y="2650566"/>
+                </a:lnTo>
+                <a:lnTo>
+                  <a:pt x="389154" y="2536612"/>
+                </a:lnTo>
+                <a:lnTo>
+                  <a:pt x="379225" y="2421642"/>
+                </a:lnTo>
+                <a:lnTo>
+                  <a:pt x="368316" y="2305627"/>
+                </a:lnTo>
+                <a:lnTo>
+                  <a:pt x="357466" y="2189233"/>
+                </a:lnTo>
+                <a:lnTo>
+                  <a:pt x="344982" y="2071473"/>
+                </a:lnTo>
+                <a:lnTo>
+                  <a:pt x="332466" y="1952216"/>
+                </a:lnTo>
+                <a:lnTo>
+                  <a:pt x="319121" y="1833776"/>
+                </a:lnTo>
+                <a:lnTo>
+                  <a:pt x="304408" y="1713948"/>
+                </a:lnTo>
+                <a:lnTo>
+                  <a:pt x="288685" y="1592703"/>
+                </a:lnTo>
+                <a:lnTo>
+                  <a:pt x="273050" y="1471451"/>
+                </a:lnTo>
+                <a:lnTo>
+                  <a:pt x="255813" y="1350328"/>
+                </a:lnTo>
+                <a:lnTo>
+                  <a:pt x="237060" y="1227080"/>
+                </a:lnTo>
+                <a:lnTo>
+                  <a:pt x="218488" y="1106065"/>
+                </a:lnTo>
+                <a:lnTo>
+                  <a:pt x="198221" y="982940"/>
+                </a:lnTo>
+                <a:lnTo>
+                  <a:pt x="177152" y="858755"/>
+                </a:lnTo>
+                <a:lnTo>
+                  <a:pt x="155551" y="736861"/>
+                </a:lnTo>
+                <a:lnTo>
+                  <a:pt x="131782" y="613645"/>
+                </a:lnTo>
+                <a:lnTo>
+                  <a:pt x="107123" y="490500"/>
+                </a:lnTo>
+                <a:lnTo>
+                  <a:pt x="82552" y="367348"/>
+                </a:lnTo>
+                <a:lnTo>
+                  <a:pt x="55608" y="244762"/>
+                </a:lnTo>
+                <a:lnTo>
+                  <a:pt x="28130" y="122220"/>
+                </a:lnTo>
+                <a:lnTo>
+                  <a:pt x="0" y="0"/>
+                </a:lnTo>
+                <a:close/>
+              </a:path>
+            </a:pathLst>
+          </a:custGeom>
+          <a:solidFill>
+            <a:schemeClr val="tx1">
+              <a:alpha val="20000"/>
+            </a:schemeClr>
+          </a:solidFill>
+          <a:ln>
+            <a:noFill/>
+          </a:ln>
+        </p:spPr>
+        <p:txBody>
+          <a:bodyPr rtlCol="0" anchor="ctr"/>
+          <a:lstStyle/>
+          <a:p>
+            <a:pPr algn="ctr"/>
+            <a:endParaRPr lang="en-US"/>
+          </a:p>
+        </p:txBody>
+      </p:sp>
+      <p:sp>
+        <p:nvSpPr>
+          <p:cNvPr id="47" name="Freeform 5">
+            <a:extLst>
+              <a:ext uri="{FF2B5EF4-FFF2-40B4-BE49-F238E27FC236}">
+                <a16:creationId xmlns:a16="http://schemas.microsoft.com/office/drawing/2014/main" id="{73E26159-C029-4449-8912-A9B418CC328B}"/>
+              </a:ext>
+              <a:ext uri="{C183D7F6-B498-43B3-948B-1728B52AA6E4}">
+                <adec:decorative xmlns:adec="http://schemas.microsoft.com/office/drawing/2017/decorative" val="1"/>
+              </a:ext>
+            </a:extLst>
+          </p:cNvPr>
+          <p:cNvSpPr>
+            <a:spLocks noGrp="1" noRot="1" noChangeAspect="1" noMove="1" noResize="1" noEditPoints="1" noAdjustHandles="1" noChangeArrowheads="1" noChangeShapeType="1" noTextEdit="1"/>
+          </p:cNvSpPr>
+          <p:nvPr>
+            <p:extLst>
+              <p:ext uri="{386F3935-93C4-4BCD-93E2-E3B085C9AB24}">
+                <p16:designElem xmlns:p16="http://schemas.microsoft.com/office/powerpoint/2015/main" val="1"/>
+              </p:ext>
+            </p:extLst>
+          </p:nvPr>
+        </p:nvSpPr>
+        <p:spPr bwMode="gray">
+          <a:xfrm rot="5400000" flipH="1">
+            <a:off x="3708596" y="2756642"/>
+            <a:ext cx="6858000" cy="1344715"/>
+          </a:xfrm>
+          <a:custGeom>
+            <a:avLst/>
+            <a:gdLst/>
+            <a:ahLst/>
+            <a:cxnLst/>
+            <a:rect l="l" t="t" r="r" b="b"/>
+            <a:pathLst>
+              <a:path w="10000" h="8000">
+                <a:moveTo>
+                  <a:pt x="0" y="0"/>
+                </a:moveTo>
+                <a:lnTo>
+                  <a:pt x="0" y="7970"/>
+                </a:lnTo>
+                <a:lnTo>
+                  <a:pt x="10000" y="8000"/>
+                </a:lnTo>
+                <a:lnTo>
+                  <a:pt x="10000" y="7"/>
+                </a:lnTo>
+                <a:lnTo>
+                  <a:pt x="10000" y="7"/>
+                </a:lnTo>
+                <a:lnTo>
+                  <a:pt x="9773" y="156"/>
+                </a:lnTo>
+                <a:lnTo>
+                  <a:pt x="9547" y="298"/>
+                </a:lnTo>
+                <a:lnTo>
+                  <a:pt x="9320" y="437"/>
+                </a:lnTo>
+                <a:lnTo>
+                  <a:pt x="9092" y="556"/>
+                </a:lnTo>
+                <a:lnTo>
+                  <a:pt x="8865" y="676"/>
+                </a:lnTo>
+                <a:lnTo>
+                  <a:pt x="8637" y="788"/>
+                </a:lnTo>
+                <a:lnTo>
+                  <a:pt x="8412" y="884"/>
+                </a:lnTo>
+                <a:lnTo>
+                  <a:pt x="8184" y="975"/>
+                </a:lnTo>
+                <a:lnTo>
+                  <a:pt x="7957" y="1058"/>
+                </a:lnTo>
+                <a:lnTo>
+                  <a:pt x="7734" y="1130"/>
+                </a:lnTo>
+                <a:lnTo>
+                  <a:pt x="7508" y="1202"/>
+                </a:lnTo>
+                <a:lnTo>
+                  <a:pt x="7285" y="1262"/>
+                </a:lnTo>
+                <a:lnTo>
+                  <a:pt x="7062" y="1309"/>
+                </a:lnTo>
+                <a:lnTo>
+                  <a:pt x="6840" y="1358"/>
+                </a:lnTo>
+                <a:lnTo>
+                  <a:pt x="6620" y="1399"/>
+                </a:lnTo>
+                <a:lnTo>
+                  <a:pt x="6402" y="1428"/>
+                </a:lnTo>
+                <a:lnTo>
+                  <a:pt x="6184" y="1453"/>
+                </a:lnTo>
+                <a:lnTo>
+                  <a:pt x="5968" y="1477"/>
+                </a:lnTo>
+                <a:lnTo>
+                  <a:pt x="5755" y="1488"/>
+                </a:lnTo>
+                <a:lnTo>
+                  <a:pt x="5542" y="1500"/>
+                </a:lnTo>
+                <a:lnTo>
+                  <a:pt x="5332" y="1506"/>
+                </a:lnTo>
+                <a:lnTo>
+                  <a:pt x="5124" y="1500"/>
+                </a:lnTo>
+                <a:lnTo>
+                  <a:pt x="4918" y="1500"/>
+                </a:lnTo>
+                <a:lnTo>
+                  <a:pt x="4714" y="1488"/>
+                </a:lnTo>
+                <a:lnTo>
+                  <a:pt x="4514" y="1470"/>
+                </a:lnTo>
+                <a:lnTo>
+                  <a:pt x="4316" y="1453"/>
+                </a:lnTo>
+                <a:lnTo>
+                  <a:pt x="4122" y="1434"/>
+                </a:lnTo>
+                <a:lnTo>
+                  <a:pt x="3929" y="1405"/>
+                </a:lnTo>
+                <a:lnTo>
+                  <a:pt x="3739" y="1374"/>
+                </a:lnTo>
+                <a:lnTo>
+                  <a:pt x="3553" y="1346"/>
+                </a:lnTo>
+                <a:lnTo>
+                  <a:pt x="3190" y="1267"/>
+                </a:lnTo>
+                <a:lnTo>
+                  <a:pt x="2842" y="1183"/>
+                </a:lnTo>
+                <a:lnTo>
+                  <a:pt x="2508" y="1095"/>
+                </a:lnTo>
+                <a:lnTo>
+                  <a:pt x="2192" y="998"/>
+                </a:lnTo>
+                <a:lnTo>
+                  <a:pt x="1890" y="897"/>
+                </a:lnTo>
+                <a:lnTo>
+                  <a:pt x="1610" y="788"/>
+                </a:lnTo>
+                <a:lnTo>
+                  <a:pt x="1347" y="681"/>
+                </a:lnTo>
+                <a:lnTo>
+                  <a:pt x="1105" y="574"/>
+                </a:lnTo>
+                <a:lnTo>
+                  <a:pt x="883" y="473"/>
+                </a:lnTo>
+                <a:lnTo>
+                  <a:pt x="686" y="377"/>
+                </a:lnTo>
+                <a:lnTo>
+                  <a:pt x="508" y="286"/>
+                </a:lnTo>
+                <a:lnTo>
+                  <a:pt x="358" y="210"/>
+                </a:lnTo>
+                <a:lnTo>
+                  <a:pt x="232" y="138"/>
+                </a:lnTo>
+                <a:lnTo>
+                  <a:pt x="59" y="35"/>
+                </a:lnTo>
+                <a:lnTo>
+                  <a:pt x="0" y="0"/>
+                </a:lnTo>
+                <a:lnTo>
+                  <a:pt x="0" y="0"/>
+                </a:lnTo>
+                <a:close/>
+              </a:path>
+            </a:pathLst>
+          </a:custGeom>
+          <a:solidFill>
+            <a:srgbClr val="FFFFFF"/>
+          </a:solidFill>
+          <a:ln>
+            <a:noFill/>
+          </a:ln>
+        </p:spPr>
+      </p:sp>
+      <p:pic>
+        <p:nvPicPr>
+          <p:cNvPr id="5" name="Content Placeholder 4">
+            <a:extLst>
+              <a:ext uri="{FF2B5EF4-FFF2-40B4-BE49-F238E27FC236}">
+                <a16:creationId xmlns:a16="http://schemas.microsoft.com/office/drawing/2014/main" id="{C878DAFF-0443-433A-A0EB-0AE082717D08}"/>
+              </a:ext>
+            </a:extLst>
+          </p:cNvPr>
+          <p:cNvPicPr>
+            <a:picLocks noGrp="1" noChangeAspect="1"/>
+          </p:cNvPicPr>
+          <p:nvPr>
+            <p:ph idx="1"/>
+          </p:nvPr>
+        </p:nvPicPr>
+        <p:blipFill>
+          <a:blip r:embed="rId7"/>
+          <a:stretch>
+            <a:fillRect/>
+          </a:stretch>
+        </p:blipFill>
+        <p:spPr>
+          <a:xfrm>
+            <a:off x="294640" y="274320"/>
+            <a:ext cx="6583182" cy="6309360"/>
+          </a:xfrm>
+          <a:prstGeom prst="rect">
+            <a:avLst/>
+          </a:prstGeom>
+          <a:effectLst/>
+        </p:spPr>
+      </p:pic>
+    </p:spTree>
+    <p:extLst>
+      <p:ext uri="{BB962C8B-B14F-4D97-AF65-F5344CB8AC3E}">
+        <p14:creationId xmlns:p14="http://schemas.microsoft.com/office/powerpoint/2010/main" val="2479255989"/>
+      </p:ext>
+    </p:extLst>
+  </p:cSld>
+  <p:clrMapOvr>
+    <a:masterClrMapping/>
+  </p:clrMapOvr>
+</p:sld>
+</file>
+
+<file path=ppt/slides/slide9.xml><?xml version="1.0" encoding="utf-8"?>
+<p:sld xmlns:a="http://schemas.openxmlformats.org/drawingml/2006/main" xmlns:r="http://schemas.openxmlformats.org/officeDocument/2006/relationships" xmlns:p="http://schemas.openxmlformats.org/presentationml/2006/main">
+  <p:cSld>
+    <p:bg>
+      <p:bgPr>
+        <a:blipFill rotWithShape="1">
+          <a:blip r:embed="rId2">
+            <a:duotone>
+              <a:schemeClr val="bg2">
+                <a:shade val="69000"/>
+                <a:hueMod val="91000"/>
+                <a:satMod val="164000"/>
+                <a:lumMod val="74000"/>
+              </a:schemeClr>
+              <a:schemeClr val="bg2">
+                <a:hueMod val="124000"/>
+                <a:satMod val="140000"/>
+                <a:lumMod val="142000"/>
+              </a:schemeClr>
+            </a:duotone>
+          </a:blip>
+          <a:stretch/>
+        </a:blipFill>
+        <a:effectLst/>
+      </p:bgPr>
+    </p:bg>
+    <p:spTree>
+      <p:nvGrpSpPr>
+        <p:cNvPr id="1" name=""/>
+        <p:cNvGrpSpPr/>
+        <p:nvPr/>
+      </p:nvGrpSpPr>
+      <p:grpSpPr>
+        <a:xfrm>
+          <a:off x="0" y="0"/>
+          <a:ext cx="0" cy="0"/>
+          <a:chOff x="0" y="0"/>
+          <a:chExt cx="0" cy="0"/>
+        </a:xfrm>
+      </p:grpSpPr>
+      <p:pic>
+        <p:nvPicPr>
+          <p:cNvPr id="10" name="Picture 9">
+            <a:extLst>
+              <a:ext uri="{FF2B5EF4-FFF2-40B4-BE49-F238E27FC236}">
+                <a16:creationId xmlns:a16="http://schemas.microsoft.com/office/drawing/2014/main" id="{C9134821-5D8B-4373-BA74-CFE9AB35A55A}"/>
+              </a:ext>
+              <a:ext uri="{C183D7F6-B498-43B3-948B-1728B52AA6E4}">
+                <adec:decorative xmlns:adec="http://schemas.microsoft.com/office/drawing/2017/decorative" val="1"/>
+              </a:ext>
+            </a:extLst>
+          </p:cNvPr>
+          <p:cNvPicPr>
+            <a:picLocks noGrp="1" noRot="1" noChangeAspect="1" noMove="1" noResize="1" noEditPoints="1" noAdjustHandles="1" noChangeArrowheads="1" noChangeShapeType="1" noCrop="1"/>
+          </p:cNvPicPr>
+          <p:nvPr>
+            <p:extLst>
+              <p:ext uri="{386F3935-93C4-4BCD-93E2-E3B085C9AB24}">
+                <p16:designElem xmlns:p16="http://schemas.microsoft.com/office/powerpoint/2015/main" val="1"/>
+              </p:ext>
+            </p:extLst>
+          </p:nvPr>
+        </p:nvPicPr>
+        <p:blipFill rotWithShape="1">
+          <a:blip r:embed="rId3">
+            <a:extLst>
+              <a:ext uri="{28A0092B-C50C-407E-A947-70E740481C1C}">
+                <a14:useLocalDpi xmlns:a14="http://schemas.microsoft.com/office/drawing/2010/main" val="0"/>
+              </a:ext>
+            </a:extLst>
+          </a:blip>
+          <a:srcRect l="3644"/>
+          <a:stretch/>
+        </p:blipFill>
+        <p:spPr>
+          <a:xfrm>
+            <a:off x="0" y="2669685"/>
+            <a:ext cx="4035669" cy="4188315"/>
+          </a:xfrm>
+          <a:prstGeom prst="rect">
+            <a:avLst/>
+          </a:prstGeom>
+        </p:spPr>
+      </p:pic>
+      <p:pic>
+        <p:nvPicPr>
+          <p:cNvPr id="12" name="Picture 11">
+            <a:extLst>
+              <a:ext uri="{FF2B5EF4-FFF2-40B4-BE49-F238E27FC236}">
+                <a16:creationId xmlns:a16="http://schemas.microsoft.com/office/drawing/2014/main" id="{5965195F-79F5-4911-907D-13CB3F534351}"/>
+              </a:ext>
+              <a:ext uri="{C183D7F6-B498-43B3-948B-1728B52AA6E4}">
+                <adec:decorative xmlns:adec="http://schemas.microsoft.com/office/drawing/2017/decorative" val="1"/>
+              </a:ext>
+            </a:extLst>
+          </p:cNvPr>
+          <p:cNvPicPr>
+            <a:picLocks noGrp="1" noRot="1" noChangeAspect="1" noMove="1" noResize="1" noEditPoints="1" noAdjustHandles="1" noChangeArrowheads="1" noChangeShapeType="1" noCrop="1"/>
+          </p:cNvPicPr>
+          <p:nvPr>
+            <p:extLst>
+              <p:ext uri="{386F3935-93C4-4BCD-93E2-E3B085C9AB24}">
+                <p16:designElem xmlns:p16="http://schemas.microsoft.com/office/powerpoint/2015/main" val="1"/>
+              </p:ext>
+            </p:extLst>
+          </p:nvPr>
+        </p:nvPicPr>
+        <p:blipFill rotWithShape="1">
+          <a:blip r:embed="rId4">
+            <a:extLst>
+              <a:ext uri="{28A0092B-C50C-407E-A947-70E740481C1C}">
+                <a14:useLocalDpi xmlns:a14="http://schemas.microsoft.com/office/drawing/2010/main" val="0"/>
+              </a:ext>
+            </a:extLst>
+          </a:blip>
+          <a:srcRect l="35640"/>
+          <a:stretch/>
+        </p:blipFill>
+        <p:spPr>
+          <a:xfrm>
+            <a:off x="0" y="2892347"/>
+            <a:ext cx="1522412" cy="2365453"/>
+          </a:xfrm>
+          <a:prstGeom prst="rect">
+            <a:avLst/>
+          </a:prstGeom>
+        </p:spPr>
+      </p:pic>
+      <p:sp>
+        <p:nvSpPr>
+          <p:cNvPr id="14" name="Oval 13">
+            <a:extLst>
+              <a:ext uri="{FF2B5EF4-FFF2-40B4-BE49-F238E27FC236}">
+                <a16:creationId xmlns:a16="http://schemas.microsoft.com/office/drawing/2014/main" id="{8A610DC7-FE1B-47B9-8452-CFC389786C2D}"/>
+              </a:ext>
+              <a:ext uri="{C183D7F6-B498-43B3-948B-1728B52AA6E4}">
+                <adec:decorative xmlns:adec="http://schemas.microsoft.com/office/drawing/2017/decorative" val="1"/>
+              </a:ext>
+            </a:extLst>
+          </p:cNvPr>
+          <p:cNvSpPr>
+            <a:spLocks noGrp="1" noRot="1" noChangeAspect="1" noMove="1" noResize="1" noEditPoints="1" noAdjustHandles="1" noChangeArrowheads="1" noChangeShapeType="1" noTextEdit="1"/>
+          </p:cNvSpPr>
+          <p:nvPr>
+            <p:extLst>
+              <p:ext uri="{386F3935-93C4-4BCD-93E2-E3B085C9AB24}">
+                <p16:designElem xmlns:p16="http://schemas.microsoft.com/office/powerpoint/2015/main" val="1"/>
+              </p:ext>
+            </p:extLst>
+          </p:nvPr>
+        </p:nvSpPr>
+        <p:spPr>
+          <a:xfrm>
+            <a:off x="8609012" y="1676400"/>
+            <a:ext cx="2819400" cy="2819400"/>
+          </a:xfrm>
+          <a:prstGeom prst="ellipse">
+            <a:avLst/>
+          </a:prstGeom>
+          <a:gradFill flip="none" rotWithShape="1">
+            <a:gsLst>
+              <a:gs pos="0">
+                <a:schemeClr val="accent5">
+                  <a:alpha val="7000"/>
+                </a:schemeClr>
+              </a:gs>
+              <a:gs pos="69000">
+                <a:schemeClr val="accent5">
+                  <a:alpha val="0"/>
+                </a:schemeClr>
+              </a:gs>
+              <a:gs pos="36000">
+                <a:schemeClr val="accent5">
+                  <a:alpha val="6000"/>
+                </a:schemeClr>
+              </a:gs>
+            </a:gsLst>
+            <a:path path="circle">
+              <a:fillToRect l="50000" t="50000" r="50000" b="50000"/>
+            </a:path>
+            <a:tileRect/>
+          </a:gradFill>
+          <a:ln>
+            <a:noFill/>
+          </a:ln>
+          <a:effectLst/>
+        </p:spPr>
+        <p:style>
+          <a:lnRef idx="1">
+            <a:schemeClr val="accent1"/>
+          </a:lnRef>
+          <a:fillRef idx="3">
+            <a:schemeClr val="accent1"/>
+          </a:fillRef>
+          <a:effectRef idx="2">
+            <a:schemeClr val="accent1"/>
+          </a:effectRef>
+          <a:fontRef idx="minor">
+            <a:schemeClr val="lt1"/>
+          </a:fontRef>
+        </p:style>
+      </p:sp>
+      <p:pic>
+        <p:nvPicPr>
+          <p:cNvPr id="16" name="Picture 15">
+            <a:extLst>
+              <a:ext uri="{FF2B5EF4-FFF2-40B4-BE49-F238E27FC236}">
+                <a16:creationId xmlns:a16="http://schemas.microsoft.com/office/drawing/2014/main" id="{2742ADC1-2286-40B7-A3C6-D6C3362FA04B}"/>
+              </a:ext>
+              <a:ext uri="{C183D7F6-B498-43B3-948B-1728B52AA6E4}">
+                <adec:decorative xmlns:adec="http://schemas.microsoft.com/office/drawing/2017/decorative" val="1"/>
+              </a:ext>
+            </a:extLst>
+          </p:cNvPr>
+          <p:cNvPicPr>
+            <a:picLocks noGrp="1" noRot="1" noChangeAspect="1" noMove="1" noResize="1" noEditPoints="1" noAdjustHandles="1" noChangeArrowheads="1" noChangeShapeType="1" noCrop="1"/>
+          </p:cNvPicPr>
+          <p:nvPr>
+            <p:extLst>
+              <p:ext uri="{386F3935-93C4-4BCD-93E2-E3B085C9AB24}">
+                <p16:designElem xmlns:p16="http://schemas.microsoft.com/office/powerpoint/2015/main" val="1"/>
+              </p:ext>
+            </p:extLst>
+          </p:nvPr>
+        </p:nvPicPr>
+        <p:blipFill rotWithShape="1">
+          <a:blip r:embed="rId5">
+            <a:extLst>
+              <a:ext uri="{28A0092B-C50C-407E-A947-70E740481C1C}">
+                <a14:useLocalDpi xmlns:a14="http://schemas.microsoft.com/office/drawing/2010/main" val="0"/>
+              </a:ext>
+            </a:extLst>
+          </a:blip>
+          <a:srcRect t="28813"/>
+          <a:stretch/>
+        </p:blipFill>
+        <p:spPr>
+          <a:xfrm>
+            <a:off x="7999412" y="0"/>
+            <a:ext cx="1603387" cy="1141407"/>
+          </a:xfrm>
+          <a:prstGeom prst="rect">
+            <a:avLst/>
+          </a:prstGeom>
+        </p:spPr>
+      </p:pic>
+      <p:pic>
+        <p:nvPicPr>
+          <p:cNvPr id="18" name="Picture 17">
+            <a:extLst>
+              <a:ext uri="{FF2B5EF4-FFF2-40B4-BE49-F238E27FC236}">
+                <a16:creationId xmlns:a16="http://schemas.microsoft.com/office/drawing/2014/main" id="{C878FBDC-78F2-4D49-8DB3-1A48CA9F7FC0}"/>
+              </a:ext>
+              <a:ext uri="{C183D7F6-B498-43B3-948B-1728B52AA6E4}">
+                <adec:decorative xmlns:adec="http://schemas.microsoft.com/office/drawing/2017/decorative" val="1"/>
+              </a:ext>
+            </a:extLst>
+          </p:cNvPr>
+          <p:cNvPicPr>
+            <a:picLocks noGrp="1" noRot="1" noChangeAspect="1" noMove="1" noResize="1" noEditPoints="1" noAdjustHandles="1" noChangeArrowheads="1" noChangeShapeType="1" noCrop="1"/>
+          </p:cNvPicPr>
+          <p:nvPr>
+            <p:extLst>
+              <p:ext uri="{386F3935-93C4-4BCD-93E2-E3B085C9AB24}">
+                <p16:designElem xmlns:p16="http://schemas.microsoft.com/office/powerpoint/2015/main" val="1"/>
+              </p:ext>
+            </p:extLst>
+          </p:nvPr>
+        </p:nvPicPr>
+        <p:blipFill rotWithShape="1">
+          <a:blip r:embed="rId6">
+            <a:extLst>
+              <a:ext uri="{28A0092B-C50C-407E-A947-70E740481C1C}">
+                <a14:useLocalDpi xmlns:a14="http://schemas.microsoft.com/office/drawing/2010/main" val="0"/>
+              </a:ext>
+            </a:extLst>
+          </a:blip>
+          <a:srcRect b="23320"/>
+          <a:stretch/>
+        </p:blipFill>
+        <p:spPr>
+          <a:xfrm>
+            <a:off x="8609012" y="6096000"/>
+            <a:ext cx="993734" cy="762000"/>
+          </a:xfrm>
+          <a:prstGeom prst="rect">
+            <a:avLst/>
+          </a:prstGeom>
+        </p:spPr>
+      </p:pic>
+      <p:sp>
+        <p:nvSpPr>
+          <p:cNvPr id="20" name="Rectangle 19">
+            <a:extLst>
+              <a:ext uri="{FF2B5EF4-FFF2-40B4-BE49-F238E27FC236}">
+                <a16:creationId xmlns:a16="http://schemas.microsoft.com/office/drawing/2014/main" id="{DC9A0934-0C2C-4565-9290-A345B19BD94C}"/>
+              </a:ext>
+              <a:ext uri="{C183D7F6-B498-43B3-948B-1728B52AA6E4}">
+                <adec:decorative xmlns:adec="http://schemas.microsoft.com/office/drawing/2017/decorative" val="1"/>
+              </a:ext>
+            </a:extLst>
+          </p:cNvPr>
+          <p:cNvSpPr>
+            <a:spLocks noGrp="1" noRot="1" noChangeAspect="1" noMove="1" noResize="1" noEditPoints="1" noAdjustHandles="1" noChangeArrowheads="1" noChangeShapeType="1" noTextEdit="1"/>
+          </p:cNvSpPr>
+          <p:nvPr>
+            <p:extLst>
+              <p:ext uri="{386F3935-93C4-4BCD-93E2-E3B085C9AB24}">
+                <p16:designElem xmlns:p16="http://schemas.microsoft.com/office/powerpoint/2015/main" val="1"/>
+              </p:ext>
+            </p:extLst>
+          </p:nvPr>
+        </p:nvSpPr>
+        <p:spPr>
+          <a:xfrm>
+            <a:off x="10437812" y="0"/>
+            <a:ext cx="685800" cy="1143000"/>
+          </a:xfrm>
+          <a:prstGeom prst="rect">
+            <a:avLst/>
+          </a:prstGeom>
+          <a:solidFill>
+            <a:schemeClr val="accent1"/>
+          </a:solidFill>
+          <a:ln>
+            <a:noFill/>
+          </a:ln>
+        </p:spPr>
+        <p:style>
+          <a:lnRef idx="1">
+            <a:schemeClr val="accent1"/>
+          </a:lnRef>
+          <a:fillRef idx="3">
+            <a:schemeClr val="accent1"/>
+          </a:fillRef>
+          <a:effectRef idx="2">
+            <a:schemeClr val="accent1"/>
+          </a:effectRef>
+          <a:fontRef idx="minor">
+            <a:schemeClr val="lt1"/>
+          </a:fontRef>
+        </p:style>
+      </p:sp>
+      <p:sp>
+        <p:nvSpPr>
+          <p:cNvPr id="2" name="Title 1">
+            <a:extLst>
+              <a:ext uri="{FF2B5EF4-FFF2-40B4-BE49-F238E27FC236}">
+                <a16:creationId xmlns:a16="http://schemas.microsoft.com/office/drawing/2014/main" id="{C22C990E-E114-4E23-9EA1-85CBACEC5C9D}"/>
+              </a:ext>
+            </a:extLst>
+          </p:cNvPr>
+          <p:cNvSpPr>
+            <a:spLocks noGrp="1"/>
+          </p:cNvSpPr>
+          <p:nvPr>
+            <p:ph type="title"/>
+          </p:nvPr>
+        </p:nvSpPr>
+        <p:spPr>
+          <a:xfrm>
+            <a:off x="7809954" y="1325880"/>
+            <a:ext cx="4199165" cy="3066507"/>
+          </a:xfrm>
+        </p:spPr>
+        <p:txBody>
+          <a:bodyPr vert="horz" lIns="91440" tIns="45720" rIns="91440" bIns="45720" rtlCol="0" anchor="b">
+            <a:normAutofit/>
+          </a:bodyPr>
+          <a:lstStyle/>
+          <a:p>
+            <a:r>
+              <a:rPr lang="en-US" sz="5400" dirty="0"/>
+              <a:t>Output Screenshots</a:t>
+            </a:r>
+          </a:p>
+        </p:txBody>
+      </p:sp>
+      <p:sp>
+        <p:nvSpPr>
+          <p:cNvPr id="22" name="Rectangle 21">
+            <a:extLst>
+              <a:ext uri="{FF2B5EF4-FFF2-40B4-BE49-F238E27FC236}">
+                <a16:creationId xmlns:a16="http://schemas.microsoft.com/office/drawing/2014/main" id="{87BE56A7-2B14-4ABE-8DF3-40C07E64B19D}"/>
+              </a:ext>
+              <a:ext uri="{C183D7F6-B498-43B3-948B-1728B52AA6E4}">
+                <adec:decorative xmlns:adec="http://schemas.microsoft.com/office/drawing/2017/decorative" val="1"/>
+              </a:ext>
+            </a:extLst>
+          </p:cNvPr>
+          <p:cNvSpPr>
+            <a:spLocks noGrp="1" noRot="1" noChangeAspect="1" noMove="1" noResize="1" noEditPoints="1" noAdjustHandles="1" noChangeArrowheads="1" noChangeShapeType="1" noTextEdit="1"/>
+          </p:cNvSpPr>
+          <p:nvPr>
+            <p:extLst>
+              <p:ext uri="{386F3935-93C4-4BCD-93E2-E3B085C9AB24}">
+                <p16:designElem xmlns:p16="http://schemas.microsoft.com/office/powerpoint/2015/main" val="1"/>
+              </p:ext>
+            </p:extLst>
+          </p:nvPr>
+        </p:nvSpPr>
+        <p:spPr>
+          <a:xfrm>
+            <a:off x="0" y="0"/>
+            <a:ext cx="7157124" cy="6858000"/>
+          </a:xfrm>
+          <a:prstGeom prst="rect">
+            <a:avLst/>
+          </a:prstGeom>
+          <a:solidFill>
+            <a:srgbClr val="FFFFFF"/>
+          </a:solidFill>
+          <a:ln>
+            <a:noFill/>
+          </a:ln>
+        </p:spPr>
+        <p:style>
+          <a:lnRef idx="2">
+            <a:schemeClr val="accent1">
+              <a:shade val="50000"/>
+            </a:schemeClr>
+          </a:lnRef>
+          <a:fillRef idx="1">
+            <a:schemeClr val="accent1"/>
+          </a:fillRef>
+          <a:effectRef idx="0">
+            <a:schemeClr val="accent1"/>
+          </a:effectRef>
+          <a:fontRef idx="minor">
+            <a:schemeClr val="lt1"/>
+          </a:fontRef>
+        </p:style>
+        <p:txBody>
+          <a:bodyPr rtlCol="0" anchor="ctr"/>
+          <a:lstStyle/>
+          <a:p>
+            <a:pPr algn="ctr"/>
+            <a:endParaRPr lang="en-US"/>
+          </a:p>
+        </p:txBody>
+      </p:sp>
+      <p:sp>
+        <p:nvSpPr>
+          <p:cNvPr id="24" name="Freeform 36">
+            <a:extLst>
+              <a:ext uri="{FF2B5EF4-FFF2-40B4-BE49-F238E27FC236}">
+                <a16:creationId xmlns:a16="http://schemas.microsoft.com/office/drawing/2014/main" id="{140D5101-D8FB-4102-A338-49651E97150A}"/>
+              </a:ext>
+              <a:ext uri="{C183D7F6-B498-43B3-948B-1728B52AA6E4}">
+                <adec:decorative xmlns:adec="http://schemas.microsoft.com/office/drawing/2017/decorative" val="1"/>
+              </a:ext>
+            </a:extLst>
+          </p:cNvPr>
+          <p:cNvSpPr>
+            <a:spLocks noGrp="1" noRot="1" noChangeAspect="1" noMove="1" noResize="1" noEditPoints="1" noAdjustHandles="1" noChangeArrowheads="1" noChangeShapeType="1" noTextEdit="1"/>
+          </p:cNvSpPr>
+          <p:nvPr>
+            <p:extLst>
+              <p:ext uri="{386F3935-93C4-4BCD-93E2-E3B085C9AB24}">
+                <p16:designElem xmlns:p16="http://schemas.microsoft.com/office/powerpoint/2015/main" val="1"/>
+              </p:ext>
+            </p:extLst>
+          </p:nvPr>
+        </p:nvSpPr>
+        <p:spPr>
+          <a:xfrm flipH="1">
+            <a:off x="7463681" y="-1"/>
+            <a:ext cx="559472" cy="3709642"/>
+          </a:xfrm>
+          <a:custGeom>
+            <a:avLst/>
+            <a:gdLst>
+              <a:gd name="connsiteX0" fmla="*/ 0 w 559472"/>
+              <a:gd name="connsiteY0" fmla="*/ 0 h 3709642"/>
+              <a:gd name="connsiteX1" fmla="*/ 473952 w 559472"/>
+              <a:gd name="connsiteY1" fmla="*/ 0 h 3709642"/>
+              <a:gd name="connsiteX2" fmla="*/ 485840 w 559472"/>
+              <a:gd name="connsiteY2" fmla="*/ 161194 h 3709642"/>
+              <a:gd name="connsiteX3" fmla="*/ 523949 w 559472"/>
+              <a:gd name="connsiteY3" fmla="*/ 3672197 h 3709642"/>
+              <a:gd name="connsiteX4" fmla="*/ 454748 w 559472"/>
+              <a:gd name="connsiteY4" fmla="*/ 3709642 h 3709642"/>
+              <a:gd name="connsiteX5" fmla="*/ 448224 w 559472"/>
+              <a:gd name="connsiteY5" fmla="*/ 3510471 h 3709642"/>
+              <a:gd name="connsiteX6" fmla="*/ 443564 w 559472"/>
+              <a:gd name="connsiteY6" fmla="*/ 3408563 h 3709642"/>
+              <a:gd name="connsiteX7" fmla="*/ 438902 w 559472"/>
+              <a:gd name="connsiteY7" fmla="*/ 3304407 h 3709642"/>
+              <a:gd name="connsiteX8" fmla="*/ 433941 w 559472"/>
+              <a:gd name="connsiteY8" fmla="*/ 3198777 h 3709642"/>
+              <a:gd name="connsiteX9" fmla="*/ 427584 w 559472"/>
+              <a:gd name="connsiteY9" fmla="*/ 3092510 h 3709642"/>
+              <a:gd name="connsiteX10" fmla="*/ 420988 w 559472"/>
+              <a:gd name="connsiteY10" fmla="*/ 2984390 h 3709642"/>
+              <a:gd name="connsiteX11" fmla="*/ 414330 w 559472"/>
+              <a:gd name="connsiteY11" fmla="*/ 2874401 h 3709642"/>
+              <a:gd name="connsiteX12" fmla="*/ 406840 w 559472"/>
+              <a:gd name="connsiteY12" fmla="*/ 2762980 h 3709642"/>
+              <a:gd name="connsiteX13" fmla="*/ 397745 w 559472"/>
+              <a:gd name="connsiteY13" fmla="*/ 2650566 h 3709642"/>
+              <a:gd name="connsiteX14" fmla="*/ 389154 w 559472"/>
+              <a:gd name="connsiteY14" fmla="*/ 2536612 h 3709642"/>
+              <a:gd name="connsiteX15" fmla="*/ 379225 w 559472"/>
+              <a:gd name="connsiteY15" fmla="*/ 2421642 h 3709642"/>
+              <a:gd name="connsiteX16" fmla="*/ 368316 w 559472"/>
+              <a:gd name="connsiteY16" fmla="*/ 2305627 h 3709642"/>
+              <a:gd name="connsiteX17" fmla="*/ 357466 w 559472"/>
+              <a:gd name="connsiteY17" fmla="*/ 2189233 h 3709642"/>
+              <a:gd name="connsiteX18" fmla="*/ 344982 w 559472"/>
+              <a:gd name="connsiteY18" fmla="*/ 2071473 h 3709642"/>
+              <a:gd name="connsiteX19" fmla="*/ 332466 w 559472"/>
+              <a:gd name="connsiteY19" fmla="*/ 1952216 h 3709642"/>
+              <a:gd name="connsiteX20" fmla="*/ 319121 w 559472"/>
+              <a:gd name="connsiteY20" fmla="*/ 1833776 h 3709642"/>
+              <a:gd name="connsiteX21" fmla="*/ 304408 w 559472"/>
+              <a:gd name="connsiteY21" fmla="*/ 1713948 h 3709642"/>
+              <a:gd name="connsiteX22" fmla="*/ 288685 w 559472"/>
+              <a:gd name="connsiteY22" fmla="*/ 1592703 h 3709642"/>
+              <a:gd name="connsiteX23" fmla="*/ 273050 w 559472"/>
+              <a:gd name="connsiteY23" fmla="*/ 1471451 h 3709642"/>
+              <a:gd name="connsiteX24" fmla="*/ 255813 w 559472"/>
+              <a:gd name="connsiteY24" fmla="*/ 1350328 h 3709642"/>
+              <a:gd name="connsiteX25" fmla="*/ 237060 w 559472"/>
+              <a:gd name="connsiteY25" fmla="*/ 1227080 h 3709642"/>
+              <a:gd name="connsiteX26" fmla="*/ 218488 w 559472"/>
+              <a:gd name="connsiteY26" fmla="*/ 1106065 h 3709642"/>
+              <a:gd name="connsiteX27" fmla="*/ 198221 w 559472"/>
+              <a:gd name="connsiteY27" fmla="*/ 982940 h 3709642"/>
+              <a:gd name="connsiteX28" fmla="*/ 177152 w 559472"/>
+              <a:gd name="connsiteY28" fmla="*/ 858755 h 3709642"/>
+              <a:gd name="connsiteX29" fmla="*/ 155551 w 559472"/>
+              <a:gd name="connsiteY29" fmla="*/ 736861 h 3709642"/>
+              <a:gd name="connsiteX30" fmla="*/ 131782 w 559472"/>
+              <a:gd name="connsiteY30" fmla="*/ 613645 h 3709642"/>
+              <a:gd name="connsiteX31" fmla="*/ 107123 w 559472"/>
+              <a:gd name="connsiteY31" fmla="*/ 490500 h 3709642"/>
+              <a:gd name="connsiteX32" fmla="*/ 82552 w 559472"/>
+              <a:gd name="connsiteY32" fmla="*/ 367348 h 3709642"/>
+              <a:gd name="connsiteX33" fmla="*/ 55608 w 559472"/>
+              <a:gd name="connsiteY33" fmla="*/ 244762 h 3709642"/>
+              <a:gd name="connsiteX34" fmla="*/ 28130 w 559472"/>
+              <a:gd name="connsiteY34" fmla="*/ 122220 h 3709642"/>
+              <a:gd name="connsiteX35" fmla="*/ 0 w 559472"/>
+              <a:gd name="connsiteY35" fmla="*/ 0 h 3709642"/>
+            </a:gdLst>
+            <a:ahLst/>
+            <a:cxnLst>
+              <a:cxn ang="0">
+                <a:pos x="connsiteX0" y="connsiteY0"/>
+              </a:cxn>
+              <a:cxn ang="0">
+                <a:pos x="connsiteX1" y="connsiteY1"/>
+              </a:cxn>
+              <a:cxn ang="0">
+                <a:pos x="connsiteX2" y="connsiteY2"/>
+              </a:cxn>
+              <a:cxn ang="0">
+                <a:pos x="connsiteX3" y="connsiteY3"/>
+              </a:cxn>
+              <a:cxn ang="0">
+                <a:pos x="connsiteX4" y="connsiteY4"/>
+              </a:cxn>
+              <a:cxn ang="0">
+                <a:pos x="connsiteX5" y="connsiteY5"/>
+              </a:cxn>
+              <a:cxn ang="0">
+                <a:pos x="connsiteX6" y="connsiteY6"/>
+              </a:cxn>
+              <a:cxn ang="0">
+                <a:pos x="connsiteX7" y="connsiteY7"/>
+              </a:cxn>
+              <a:cxn ang="0">
+                <a:pos x="connsiteX8" y="connsiteY8"/>
+              </a:cxn>
+              <a:cxn ang="0">
+                <a:pos x="connsiteX9" y="connsiteY9"/>
+              </a:cxn>
+              <a:cxn ang="0">
+                <a:pos x="connsiteX10" y="connsiteY10"/>
+              </a:cxn>
+              <a:cxn ang="0">
+                <a:pos x="connsiteX11" y="connsiteY11"/>
+              </a:cxn>
+              <a:cxn ang="0">
+                <a:pos x="connsiteX12" y="connsiteY12"/>
+              </a:cxn>
+              <a:cxn ang="0">
+                <a:pos x="connsiteX13" y="connsiteY13"/>
+              </a:cxn>
+              <a:cxn ang="0">
+                <a:pos x="connsiteX14" y="connsiteY14"/>
+              </a:cxn>
+              <a:cxn ang="0">
+                <a:pos x="connsiteX15" y="connsiteY15"/>
+              </a:cxn>
+              <a:cxn ang="0">
+                <a:pos x="connsiteX16" y="connsiteY16"/>
+              </a:cxn>
+              <a:cxn ang="0">
+                <a:pos x="connsiteX17" y="connsiteY17"/>
+              </a:cxn>
+              <a:cxn ang="0">
+                <a:pos x="connsiteX18" y="connsiteY18"/>
+              </a:cxn>
+              <a:cxn ang="0">
+                <a:pos x="connsiteX19" y="connsiteY19"/>
+              </a:cxn>
+              <a:cxn ang="0">
+                <a:pos x="connsiteX20" y="connsiteY20"/>
+              </a:cxn>
+              <a:cxn ang="0">
+                <a:pos x="connsiteX21" y="connsiteY21"/>
+              </a:cxn>
+              <a:cxn ang="0">
+                <a:pos x="connsiteX22" y="connsiteY22"/>
+              </a:cxn>
+              <a:cxn ang="0">
+                <a:pos x="connsiteX23" y="connsiteY23"/>
+              </a:cxn>
+              <a:cxn ang="0">
+                <a:pos x="connsiteX24" y="connsiteY24"/>
+              </a:cxn>
+              <a:cxn ang="0">
+                <a:pos x="connsiteX25" y="connsiteY25"/>
+              </a:cxn>
+              <a:cxn ang="0">
+                <a:pos x="connsiteX26" y="connsiteY26"/>
+              </a:cxn>
+              <a:cxn ang="0">
+                <a:pos x="connsiteX27" y="connsiteY27"/>
+              </a:cxn>
+              <a:cxn ang="0">
+                <a:pos x="connsiteX28" y="connsiteY28"/>
+              </a:cxn>
+              <a:cxn ang="0">
+                <a:pos x="connsiteX29" y="connsiteY29"/>
+              </a:cxn>
+              <a:cxn ang="0">
+                <a:pos x="connsiteX30" y="connsiteY30"/>
+              </a:cxn>
+              <a:cxn ang="0">
+                <a:pos x="connsiteX31" y="connsiteY31"/>
+              </a:cxn>
+              <a:cxn ang="0">
+                <a:pos x="connsiteX32" y="connsiteY32"/>
+              </a:cxn>
+              <a:cxn ang="0">
+                <a:pos x="connsiteX33" y="connsiteY33"/>
+              </a:cxn>
+              <a:cxn ang="0">
+                <a:pos x="connsiteX34" y="connsiteY34"/>
+              </a:cxn>
+              <a:cxn ang="0">
+                <a:pos x="connsiteX35" y="connsiteY35"/>
+              </a:cxn>
+            </a:cxnLst>
+            <a:rect l="l" t="t" r="r" b="b"/>
+            <a:pathLst>
+              <a:path w="559472" h="3709642">
+                <a:moveTo>
+                  <a:pt x="0" y="0"/>
+                </a:moveTo>
+                <a:lnTo>
+                  <a:pt x="473952" y="0"/>
+                </a:lnTo>
+                <a:lnTo>
+                  <a:pt x="485840" y="161194"/>
+                </a:lnTo>
+                <a:cubicBezTo>
+                  <a:pt x="552063" y="1147770"/>
+                  <a:pt x="592441" y="3086737"/>
+                  <a:pt x="523949" y="3672197"/>
+                </a:cubicBezTo>
+                <a:cubicBezTo>
+                  <a:pt x="500842" y="3684557"/>
+                  <a:pt x="477855" y="3697282"/>
+                  <a:pt x="454748" y="3709642"/>
+                </a:cubicBezTo>
+                <a:lnTo>
+                  <a:pt x="448224" y="3510471"/>
+                </a:lnTo>
+                <a:lnTo>
+                  <a:pt x="443564" y="3408563"/>
+                </a:lnTo>
+                <a:lnTo>
+                  <a:pt x="438902" y="3304407"/>
+                </a:lnTo>
+                <a:lnTo>
+                  <a:pt x="433941" y="3198777"/>
+                </a:lnTo>
+                <a:lnTo>
+                  <a:pt x="427584" y="3092510"/>
+                </a:lnTo>
+                <a:lnTo>
+                  <a:pt x="420988" y="2984390"/>
+                </a:lnTo>
+                <a:lnTo>
+                  <a:pt x="414330" y="2874401"/>
+                </a:lnTo>
+                <a:lnTo>
+                  <a:pt x="406840" y="2762980"/>
+                </a:lnTo>
+                <a:lnTo>
+                  <a:pt x="397745" y="2650566"/>
+                </a:lnTo>
+                <a:lnTo>
+                  <a:pt x="389154" y="2536612"/>
+                </a:lnTo>
+                <a:lnTo>
+                  <a:pt x="379225" y="2421642"/>
+                </a:lnTo>
+                <a:lnTo>
+                  <a:pt x="368316" y="2305627"/>
+                </a:lnTo>
+                <a:lnTo>
+                  <a:pt x="357466" y="2189233"/>
+                </a:lnTo>
+                <a:lnTo>
+                  <a:pt x="344982" y="2071473"/>
+                </a:lnTo>
+                <a:lnTo>
+                  <a:pt x="332466" y="1952216"/>
+                </a:lnTo>
+                <a:lnTo>
+                  <a:pt x="319121" y="1833776"/>
+                </a:lnTo>
+                <a:lnTo>
+                  <a:pt x="304408" y="1713948"/>
+                </a:lnTo>
+                <a:lnTo>
+                  <a:pt x="288685" y="1592703"/>
+                </a:lnTo>
+                <a:lnTo>
+                  <a:pt x="273050" y="1471451"/>
+                </a:lnTo>
+                <a:lnTo>
+                  <a:pt x="255813" y="1350328"/>
+                </a:lnTo>
+                <a:lnTo>
+                  <a:pt x="237060" y="1227080"/>
+                </a:lnTo>
+                <a:lnTo>
+                  <a:pt x="218488" y="1106065"/>
+                </a:lnTo>
+                <a:lnTo>
+                  <a:pt x="198221" y="982940"/>
+                </a:lnTo>
+                <a:lnTo>
+                  <a:pt x="177152" y="858755"/>
+                </a:lnTo>
+                <a:lnTo>
+                  <a:pt x="155551" y="736861"/>
+                </a:lnTo>
+                <a:lnTo>
+                  <a:pt x="131782" y="613645"/>
+                </a:lnTo>
+                <a:lnTo>
+                  <a:pt x="107123" y="490500"/>
+                </a:lnTo>
+                <a:lnTo>
+                  <a:pt x="82552" y="367348"/>
+                </a:lnTo>
+                <a:lnTo>
+                  <a:pt x="55608" y="244762"/>
+                </a:lnTo>
+                <a:lnTo>
+                  <a:pt x="28130" y="122220"/>
+                </a:lnTo>
+                <a:lnTo>
+                  <a:pt x="0" y="0"/>
+                </a:lnTo>
+                <a:close/>
+              </a:path>
+            </a:pathLst>
+          </a:custGeom>
+          <a:solidFill>
+            <a:schemeClr val="tx1">
+              <a:alpha val="20000"/>
+            </a:schemeClr>
+          </a:solidFill>
+          <a:ln>
+            <a:noFill/>
+          </a:ln>
+        </p:spPr>
+        <p:txBody>
+          <a:bodyPr rtlCol="0" anchor="ctr"/>
+          <a:lstStyle/>
+          <a:p>
+            <a:pPr algn="ctr"/>
+            <a:endParaRPr lang="en-US"/>
+          </a:p>
+        </p:txBody>
+      </p:sp>
+      <p:sp>
+        <p:nvSpPr>
+          <p:cNvPr id="26" name="Freeform 5">
+            <a:extLst>
+              <a:ext uri="{FF2B5EF4-FFF2-40B4-BE49-F238E27FC236}">
+                <a16:creationId xmlns:a16="http://schemas.microsoft.com/office/drawing/2014/main" id="{73E26159-C029-4449-8912-A9B418CC328B}"/>
+              </a:ext>
+              <a:ext uri="{C183D7F6-B498-43B3-948B-1728B52AA6E4}">
+                <adec:decorative xmlns:adec="http://schemas.microsoft.com/office/drawing/2017/decorative" val="1"/>
+              </a:ext>
+            </a:extLst>
+          </p:cNvPr>
+          <p:cNvSpPr>
+            <a:spLocks noGrp="1" noRot="1" noChangeAspect="1" noMove="1" noResize="1" noEditPoints="1" noAdjustHandles="1" noChangeArrowheads="1" noChangeShapeType="1" noTextEdit="1"/>
+          </p:cNvSpPr>
+          <p:nvPr>
+            <p:extLst>
+              <p:ext uri="{386F3935-93C4-4BCD-93E2-E3B085C9AB24}">
+                <p16:designElem xmlns:p16="http://schemas.microsoft.com/office/powerpoint/2015/main" val="1"/>
+              </p:ext>
+            </p:extLst>
+          </p:nvPr>
+        </p:nvSpPr>
+        <p:spPr bwMode="gray">
+          <a:xfrm rot="5400000" flipH="1">
+            <a:off x="3708596" y="2756642"/>
+            <a:ext cx="6858000" cy="1344715"/>
+          </a:xfrm>
+          <a:custGeom>
+            <a:avLst/>
+            <a:gdLst/>
+            <a:ahLst/>
+            <a:cxnLst/>
+            <a:rect l="l" t="t" r="r" b="b"/>
+            <a:pathLst>
+              <a:path w="10000" h="8000">
+                <a:moveTo>
+                  <a:pt x="0" y="0"/>
+                </a:moveTo>
+                <a:lnTo>
+                  <a:pt x="0" y="7970"/>
+                </a:lnTo>
+                <a:lnTo>
+                  <a:pt x="10000" y="8000"/>
+                </a:lnTo>
+                <a:lnTo>
+                  <a:pt x="10000" y="7"/>
+                </a:lnTo>
+                <a:lnTo>
+                  <a:pt x="10000" y="7"/>
+                </a:lnTo>
+                <a:lnTo>
+                  <a:pt x="9773" y="156"/>
+                </a:lnTo>
+                <a:lnTo>
+                  <a:pt x="9547" y="298"/>
+                </a:lnTo>
+                <a:lnTo>
+                  <a:pt x="9320" y="437"/>
+                </a:lnTo>
+                <a:lnTo>
+                  <a:pt x="9092" y="556"/>
+                </a:lnTo>
+                <a:lnTo>
+                  <a:pt x="8865" y="676"/>
+                </a:lnTo>
+                <a:lnTo>
+                  <a:pt x="8637" y="788"/>
+                </a:lnTo>
+                <a:lnTo>
+                  <a:pt x="8412" y="884"/>
+                </a:lnTo>
+                <a:lnTo>
+                  <a:pt x="8184" y="975"/>
+                </a:lnTo>
+                <a:lnTo>
+                  <a:pt x="7957" y="1058"/>
+                </a:lnTo>
+                <a:lnTo>
+                  <a:pt x="7734" y="1130"/>
+                </a:lnTo>
+                <a:lnTo>
+                  <a:pt x="7508" y="1202"/>
+                </a:lnTo>
+                <a:lnTo>
+                  <a:pt x="7285" y="1262"/>
+                </a:lnTo>
+                <a:lnTo>
+                  <a:pt x="7062" y="1309"/>
+                </a:lnTo>
+                <a:lnTo>
+                  <a:pt x="6840" y="1358"/>
+                </a:lnTo>
+                <a:lnTo>
+                  <a:pt x="6620" y="1399"/>
+                </a:lnTo>
+                <a:lnTo>
+                  <a:pt x="6402" y="1428"/>
+                </a:lnTo>
+                <a:lnTo>
+                  <a:pt x="6184" y="1453"/>
+                </a:lnTo>
+                <a:lnTo>
+                  <a:pt x="5968" y="1477"/>
+                </a:lnTo>
+                <a:lnTo>
+                  <a:pt x="5755" y="1488"/>
+                </a:lnTo>
+                <a:lnTo>
+                  <a:pt x="5542" y="1500"/>
+                </a:lnTo>
+                <a:lnTo>
+                  <a:pt x="5332" y="1506"/>
+                </a:lnTo>
+                <a:lnTo>
+                  <a:pt x="5124" y="1500"/>
+                </a:lnTo>
+                <a:lnTo>
+                  <a:pt x="4918" y="1500"/>
+                </a:lnTo>
+                <a:lnTo>
+                  <a:pt x="4714" y="1488"/>
+                </a:lnTo>
+                <a:lnTo>
+                  <a:pt x="4514" y="1470"/>
+                </a:lnTo>
+                <a:lnTo>
+                  <a:pt x="4316" y="1453"/>
+                </a:lnTo>
+                <a:lnTo>
+                  <a:pt x="4122" y="1434"/>
+                </a:lnTo>
+                <a:lnTo>
+                  <a:pt x="3929" y="1405"/>
+                </a:lnTo>
+                <a:lnTo>
+                  <a:pt x="3739" y="1374"/>
+                </a:lnTo>
+                <a:lnTo>
+                  <a:pt x="3553" y="1346"/>
+                </a:lnTo>
+                <a:lnTo>
+                  <a:pt x="3190" y="1267"/>
+                </a:lnTo>
+                <a:lnTo>
+                  <a:pt x="2842" y="1183"/>
+                </a:lnTo>
+                <a:lnTo>
+                  <a:pt x="2508" y="1095"/>
+                </a:lnTo>
+                <a:lnTo>
+                  <a:pt x="2192" y="998"/>
+                </a:lnTo>
+                <a:lnTo>
+                  <a:pt x="1890" y="897"/>
+                </a:lnTo>
+                <a:lnTo>
+                  <a:pt x="1610" y="788"/>
+                </a:lnTo>
+                <a:lnTo>
+                  <a:pt x="1347" y="681"/>
+                </a:lnTo>
+                <a:lnTo>
+                  <a:pt x="1105" y="574"/>
+                </a:lnTo>
+                <a:lnTo>
+                  <a:pt x="883" y="473"/>
+                </a:lnTo>
+                <a:lnTo>
+                  <a:pt x="686" y="377"/>
+                </a:lnTo>
+                <a:lnTo>
+                  <a:pt x="508" y="286"/>
+                </a:lnTo>
+                <a:lnTo>
+                  <a:pt x="358" y="210"/>
+                </a:lnTo>
+                <a:lnTo>
+                  <a:pt x="232" y="138"/>
+                </a:lnTo>
+                <a:lnTo>
+                  <a:pt x="59" y="35"/>
+                </a:lnTo>
+                <a:lnTo>
+                  <a:pt x="0" y="0"/>
+                </a:lnTo>
+                <a:lnTo>
+                  <a:pt x="0" y="0"/>
+                </a:lnTo>
+                <a:close/>
+              </a:path>
+            </a:pathLst>
+          </a:custGeom>
+          <a:solidFill>
+            <a:srgbClr val="FFFFFF"/>
+          </a:solidFill>
+          <a:ln>
+            <a:noFill/>
+          </a:ln>
+        </p:spPr>
+      </p:sp>
+      <p:pic>
+        <p:nvPicPr>
+          <p:cNvPr id="5" name="Content Placeholder 4">
+            <a:extLst>
+              <a:ext uri="{FF2B5EF4-FFF2-40B4-BE49-F238E27FC236}">
+                <a16:creationId xmlns:a16="http://schemas.microsoft.com/office/drawing/2014/main" id="{3250A496-3E0C-4D26-AD29-45EBA1F9ACA6}"/>
+              </a:ext>
+            </a:extLst>
+          </p:cNvPr>
+          <p:cNvPicPr>
+            <a:picLocks noGrp="1" noChangeAspect="1"/>
+          </p:cNvPicPr>
+          <p:nvPr>
+            <p:ph idx="1"/>
+          </p:nvPr>
+        </p:nvPicPr>
+        <p:blipFill>
+          <a:blip r:embed="rId7"/>
+          <a:stretch>
+            <a:fillRect/>
+          </a:stretch>
+        </p:blipFill>
+        <p:spPr>
+          <a:xfrm>
+            <a:off x="365760" y="264160"/>
+            <a:ext cx="6522720" cy="6289040"/>
+          </a:xfrm>
+          <a:prstGeom prst="rect">
+            <a:avLst/>
+          </a:prstGeom>
+          <a:effectLst/>
+        </p:spPr>
+      </p:pic>
+    </p:spTree>
+    <p:extLst>
+      <p:ext uri="{BB962C8B-B14F-4D97-AF65-F5344CB8AC3E}">
+        <p14:creationId xmlns:p14="http://schemas.microsoft.com/office/powerpoint/2010/main" val="3836597534"/>
       </p:ext>
     </p:extLst>
   </p:cSld>

--- a/Core-Java Project.pptx
+++ b/Core-Java Project.pptx
@@ -125,7 +125,7 @@
 <file path=ppt/revisionInfo.xml><?xml version="1.0" encoding="utf-8"?>
 <p1510:revInfo xmlns:a="http://schemas.openxmlformats.org/drawingml/2006/main" xmlns:r="http://schemas.openxmlformats.org/officeDocument/2006/relationships" xmlns:p1510="http://schemas.microsoft.com/office/powerpoint/2015/10/main">
   <p1510:revLst>
-    <p1510:client id="{10B00AFC-FD74-424E-A43B-F2765F1DEC23}" v="1" dt="2022-06-21T03:33:57.679"/>
+    <p1510:client id="{10B00AFC-FD74-424E-A43B-F2765F1DEC23}" v="2" dt="2022-06-21T04:45:55.311"/>
   </p1510:revLst>
 </p1510:revInfo>
 </file>
@@ -135,10 +135,33 @@
   <pc:docChgLst>
     <pc:chgData name="Virendra Chaure" userId="b0ad660b-94c6-4b63-a69c-57d86b1eeccb" providerId="ADAL" clId="{10B00AFC-FD74-424E-A43B-F2765F1DEC23}"/>
     <pc:docChg chg="custSel addSld modSld">
-      <pc:chgData name="Virendra Chaure" userId="b0ad660b-94c6-4b63-a69c-57d86b1eeccb" providerId="ADAL" clId="{10B00AFC-FD74-424E-A43B-F2765F1DEC23}" dt="2022-06-21T03:50:04.650" v="230" actId="14100"/>
+      <pc:chgData name="Virendra Chaure" userId="b0ad660b-94c6-4b63-a69c-57d86b1eeccb" providerId="ADAL" clId="{10B00AFC-FD74-424E-A43B-F2765F1DEC23}" dt="2022-06-21T04:49:07.619" v="288" actId="27636"/>
       <pc:docMkLst>
         <pc:docMk/>
       </pc:docMkLst>
+      <pc:sldChg chg="addSp modSp mod">
+        <pc:chgData name="Virendra Chaure" userId="b0ad660b-94c6-4b63-a69c-57d86b1eeccb" providerId="ADAL" clId="{10B00AFC-FD74-424E-A43B-F2765F1DEC23}" dt="2022-06-21T04:49:07.619" v="288" actId="27636"/>
+        <pc:sldMkLst>
+          <pc:docMk/>
+          <pc:sldMk cId="2534077022" sldId="256"/>
+        </pc:sldMkLst>
+        <pc:spChg chg="mod">
+          <ac:chgData name="Virendra Chaure" userId="b0ad660b-94c6-4b63-a69c-57d86b1eeccb" providerId="ADAL" clId="{10B00AFC-FD74-424E-A43B-F2765F1DEC23}" dt="2022-06-21T04:49:07.619" v="288" actId="27636"/>
+          <ac:spMkLst>
+            <pc:docMk/>
+            <pc:sldMk cId="2534077022" sldId="256"/>
+            <ac:spMk id="3" creationId="{5E1B9849-4F1F-44E5-811B-764BCCB65944}"/>
+          </ac:spMkLst>
+        </pc:spChg>
+        <pc:spChg chg="add mod">
+          <ac:chgData name="Virendra Chaure" userId="b0ad660b-94c6-4b63-a69c-57d86b1eeccb" providerId="ADAL" clId="{10B00AFC-FD74-424E-A43B-F2765F1DEC23}" dt="2022-06-21T04:46:31.982" v="259" actId="1076"/>
+          <ac:spMkLst>
+            <pc:docMk/>
+            <pc:sldMk cId="2534077022" sldId="256"/>
+            <ac:spMk id="4" creationId="{FAA3ABAB-7EF4-47EC-B747-02334B87F1F8}"/>
+          </ac:spMkLst>
+        </pc:spChg>
+      </pc:sldChg>
       <pc:sldChg chg="addSp delSp modSp new mod setBg">
         <pc:chgData name="Virendra Chaure" userId="b0ad660b-94c6-4b63-a69c-57d86b1eeccb" providerId="ADAL" clId="{10B00AFC-FD74-424E-A43B-F2765F1DEC23}" dt="2022-06-21T03:37:35.206" v="54" actId="14100"/>
         <pc:sldMkLst>
@@ -6944,12 +6967,14 @@
         </p:nvSpPr>
         <p:spPr>
           <a:xfrm>
-            <a:off x="8098680" y="4948830"/>
-            <a:ext cx="4093320" cy="861420"/>
+            <a:off x="6943725" y="4648201"/>
+            <a:ext cx="5248275" cy="1572810"/>
           </a:xfrm>
         </p:spPr>
         <p:txBody>
-          <a:bodyPr/>
+          <a:bodyPr>
+            <a:normAutofit fontScale="85000" lnSpcReduction="10000"/>
+          </a:bodyPr>
           <a:lstStyle/>
           <a:p>
             <a:r>
@@ -6961,6 +6986,61 @@
             <a:r>
               <a:rPr lang="en-US" dirty="0"/>
               <a:t>Employee Id :- 194537</a:t>
+            </a:r>
+          </a:p>
+          <a:p>
+            <a:r>
+              <a:rPr lang="en-US" dirty="0" err="1"/>
+              <a:t>Github</a:t>
+            </a:r>
+            <a:r>
+              <a:rPr lang="en-US" dirty="0"/>
+              <a:t> Link :</a:t>
+            </a:r>
+          </a:p>
+          <a:p>
+            <a:r>
+              <a:rPr lang="en-US" dirty="0"/>
+              <a:t>https://github.com/vbchaure/JavaProject</a:t>
+            </a:r>
+          </a:p>
+        </p:txBody>
+      </p:sp>
+      <p:sp>
+        <p:nvSpPr>
+          <p:cNvPr id="4" name="TextBox 3">
+            <a:extLst>
+              <a:ext uri="{FF2B5EF4-FFF2-40B4-BE49-F238E27FC236}">
+                <a16:creationId xmlns:a16="http://schemas.microsoft.com/office/drawing/2014/main" id="{FAA3ABAB-7EF4-47EC-B747-02334B87F1F8}"/>
+              </a:ext>
+            </a:extLst>
+          </p:cNvPr>
+          <p:cNvSpPr txBox="1"/>
+          <p:nvPr/>
+        </p:nvSpPr>
+        <p:spPr>
+          <a:xfrm>
+            <a:off x="2991192" y="2771775"/>
+            <a:ext cx="5107488" cy="553998"/>
+          </a:xfrm>
+          <a:prstGeom prst="rect">
+            <a:avLst/>
+          </a:prstGeom>
+          <a:noFill/>
+        </p:spPr>
+        <p:txBody>
+          <a:bodyPr wrap="none" rtlCol="0">
+            <a:spAutoFit/>
+          </a:bodyPr>
+          <a:lstStyle/>
+          <a:p>
+            <a:r>
+              <a:rPr lang="en-US" sz="3000" dirty="0">
+                <a:solidFill>
+                  <a:schemeClr val="accent4"/>
+                </a:solidFill>
+              </a:rPr>
+              <a:t>Bank Account Application</a:t>
             </a:r>
           </a:p>
         </p:txBody>
